--- a/slides/Survey_week1_hujinyi.pptx
+++ b/slides/Survey_week1_hujinyi.pptx
@@ -8,24 +8,28 @@
     <p:sldId id="256" r:id="rId2"/>
     <p:sldId id="257" r:id="rId3"/>
     <p:sldId id="258" r:id="rId4"/>
-    <p:sldId id="263" r:id="rId5"/>
-    <p:sldId id="264" r:id="rId6"/>
-    <p:sldId id="265" r:id="rId7"/>
-    <p:sldId id="266" r:id="rId8"/>
-    <p:sldId id="259" r:id="rId9"/>
-    <p:sldId id="260" r:id="rId10"/>
-    <p:sldId id="261" r:id="rId11"/>
+    <p:sldId id="279" r:id="rId5"/>
+    <p:sldId id="263" r:id="rId6"/>
+    <p:sldId id="264" r:id="rId7"/>
+    <p:sldId id="265" r:id="rId8"/>
+    <p:sldId id="280" r:id="rId9"/>
+    <p:sldId id="259" r:id="rId10"/>
+    <p:sldId id="260" r:id="rId11"/>
     <p:sldId id="267" r:id="rId12"/>
-    <p:sldId id="268" r:id="rId13"/>
-    <p:sldId id="269" r:id="rId14"/>
-    <p:sldId id="275" r:id="rId15"/>
-    <p:sldId id="270" r:id="rId16"/>
-    <p:sldId id="272" r:id="rId17"/>
-    <p:sldId id="273" r:id="rId18"/>
-    <p:sldId id="274" r:id="rId19"/>
-    <p:sldId id="276" r:id="rId20"/>
-    <p:sldId id="277" r:id="rId21"/>
-    <p:sldId id="278" r:id="rId22"/>
+    <p:sldId id="282" r:id="rId13"/>
+    <p:sldId id="270" r:id="rId14"/>
+    <p:sldId id="272" r:id="rId15"/>
+    <p:sldId id="273" r:id="rId16"/>
+    <p:sldId id="283" r:id="rId17"/>
+    <p:sldId id="285" r:id="rId18"/>
+    <p:sldId id="286" r:id="rId19"/>
+    <p:sldId id="281" r:id="rId20"/>
+    <p:sldId id="268" r:id="rId21"/>
+    <p:sldId id="269" r:id="rId22"/>
+    <p:sldId id="276" r:id="rId23"/>
+    <p:sldId id="277" r:id="rId24"/>
+    <p:sldId id="278" r:id="rId25"/>
+    <p:sldId id="287" r:id="rId26"/>
   </p:sldIdLst>
   <p:sldSz cx="12192000" cy="6858000"/>
   <p:notesSz cx="6858000" cy="9144000"/>
@@ -124,6 +128,11 @@
       </a:defRPr>
     </a:lvl9pPr>
   </p:defaultTextStyle>
+  <p:extLst>
+    <p:ext uri="{EFAFB233-063F-42B5-8137-9DF3F51BA10A}">
+      <p15:sldGuideLst xmlns:p15="http://schemas.microsoft.com/office/powerpoint/2012/main"/>
+    </p:ext>
+  </p:extLst>
 </p:presentation>
 </file>
 
@@ -274,7 +283,7 @@
           <a:p>
             <a:fld id="{D14C89BB-5D37-0242-A8BF-9422A5B095C2}" type="datetimeFigureOut">
               <a:rPr kumimoji="1" lang="zh-CN" altLang="en-US" smtClean="0"/>
-              <a:t>2020/2/29</a:t>
+              <a:t>2020/3/6</a:t>
             </a:fld>
             <a:endParaRPr kumimoji="1" lang="zh-CN" altLang="en-US"/>
           </a:p>
@@ -472,7 +481,7 @@
           <a:p>
             <a:fld id="{D14C89BB-5D37-0242-A8BF-9422A5B095C2}" type="datetimeFigureOut">
               <a:rPr kumimoji="1" lang="zh-CN" altLang="en-US" smtClean="0"/>
-              <a:t>2020/2/29</a:t>
+              <a:t>2020/3/6</a:t>
             </a:fld>
             <a:endParaRPr kumimoji="1" lang="zh-CN" altLang="en-US"/>
           </a:p>
@@ -680,7 +689,7 @@
           <a:p>
             <a:fld id="{D14C89BB-5D37-0242-A8BF-9422A5B095C2}" type="datetimeFigureOut">
               <a:rPr kumimoji="1" lang="zh-CN" altLang="en-US" smtClean="0"/>
-              <a:t>2020/2/29</a:t>
+              <a:t>2020/3/6</a:t>
             </a:fld>
             <a:endParaRPr kumimoji="1" lang="zh-CN" altLang="en-US"/>
           </a:p>
@@ -878,7 +887,7 @@
           <a:p>
             <a:fld id="{D14C89BB-5D37-0242-A8BF-9422A5B095C2}" type="datetimeFigureOut">
               <a:rPr kumimoji="1" lang="zh-CN" altLang="en-US" smtClean="0"/>
-              <a:t>2020/2/29</a:t>
+              <a:t>2020/3/6</a:t>
             </a:fld>
             <a:endParaRPr kumimoji="1" lang="zh-CN" altLang="en-US"/>
           </a:p>
@@ -1153,7 +1162,7 @@
           <a:p>
             <a:fld id="{D14C89BB-5D37-0242-A8BF-9422A5B095C2}" type="datetimeFigureOut">
               <a:rPr kumimoji="1" lang="zh-CN" altLang="en-US" smtClean="0"/>
-              <a:t>2020/2/29</a:t>
+              <a:t>2020/3/6</a:t>
             </a:fld>
             <a:endParaRPr kumimoji="1" lang="zh-CN" altLang="en-US"/>
           </a:p>
@@ -1418,7 +1427,7 @@
           <a:p>
             <a:fld id="{D14C89BB-5D37-0242-A8BF-9422A5B095C2}" type="datetimeFigureOut">
               <a:rPr kumimoji="1" lang="zh-CN" altLang="en-US" smtClean="0"/>
-              <a:t>2020/2/29</a:t>
+              <a:t>2020/3/6</a:t>
             </a:fld>
             <a:endParaRPr kumimoji="1" lang="zh-CN" altLang="en-US"/>
           </a:p>
@@ -1830,7 +1839,7 @@
           <a:p>
             <a:fld id="{D14C89BB-5D37-0242-A8BF-9422A5B095C2}" type="datetimeFigureOut">
               <a:rPr kumimoji="1" lang="zh-CN" altLang="en-US" smtClean="0"/>
-              <a:t>2020/2/29</a:t>
+              <a:t>2020/3/6</a:t>
             </a:fld>
             <a:endParaRPr kumimoji="1" lang="zh-CN" altLang="en-US"/>
           </a:p>
@@ -1971,7 +1980,7 @@
           <a:p>
             <a:fld id="{D14C89BB-5D37-0242-A8BF-9422A5B095C2}" type="datetimeFigureOut">
               <a:rPr kumimoji="1" lang="zh-CN" altLang="en-US" smtClean="0"/>
-              <a:t>2020/2/29</a:t>
+              <a:t>2020/3/6</a:t>
             </a:fld>
             <a:endParaRPr kumimoji="1" lang="zh-CN" altLang="en-US"/>
           </a:p>
@@ -2084,7 +2093,7 @@
           <a:p>
             <a:fld id="{D14C89BB-5D37-0242-A8BF-9422A5B095C2}" type="datetimeFigureOut">
               <a:rPr kumimoji="1" lang="zh-CN" altLang="en-US" smtClean="0"/>
-              <a:t>2020/2/29</a:t>
+              <a:t>2020/3/6</a:t>
             </a:fld>
             <a:endParaRPr kumimoji="1" lang="zh-CN" altLang="en-US"/>
           </a:p>
@@ -2395,7 +2404,7 @@
           <a:p>
             <a:fld id="{D14C89BB-5D37-0242-A8BF-9422A5B095C2}" type="datetimeFigureOut">
               <a:rPr kumimoji="1" lang="zh-CN" altLang="en-US" smtClean="0"/>
-              <a:t>2020/2/29</a:t>
+              <a:t>2020/3/6</a:t>
             </a:fld>
             <a:endParaRPr kumimoji="1" lang="zh-CN" altLang="en-US"/>
           </a:p>
@@ -2683,7 +2692,7 @@
           <a:p>
             <a:fld id="{D14C89BB-5D37-0242-A8BF-9422A5B095C2}" type="datetimeFigureOut">
               <a:rPr kumimoji="1" lang="zh-CN" altLang="en-US" smtClean="0"/>
-              <a:t>2020/2/29</a:t>
+              <a:t>2020/3/6</a:t>
             </a:fld>
             <a:endParaRPr kumimoji="1" lang="zh-CN" altLang="en-US"/>
           </a:p>
@@ -2924,7 +2933,7 @@
           <a:p>
             <a:fld id="{D14C89BB-5D37-0242-A8BF-9422A5B095C2}" type="datetimeFigureOut">
               <a:rPr kumimoji="1" lang="zh-CN" altLang="en-US" smtClean="0"/>
-              <a:t>2020/2/29</a:t>
+              <a:t>2020/3/6</a:t>
             </a:fld>
             <a:endParaRPr kumimoji="1" lang="zh-CN" altLang="en-US"/>
           </a:p>
@@ -3359,7 +3368,7 @@
         </p:nvSpPr>
         <p:spPr>
           <a:xfrm>
-            <a:off x="1524000" y="526462"/>
+            <a:off x="1452081" y="680574"/>
             <a:ext cx="9144000" cy="2387600"/>
           </a:xfrm>
         </p:spPr>
@@ -3371,7 +3380,7 @@
           <a:p>
             <a:r>
               <a:rPr kumimoji="1" lang="en-US" altLang="zh-CN" sz="4800" dirty="0"/>
-              <a:t>Survey in Local Reasoning</a:t>
+              <a:t>Multi-hop Reasoning</a:t>
             </a:r>
             <a:endParaRPr kumimoji="1" lang="zh-CN" altLang="en-US" sz="4800" dirty="0"/>
           </a:p>
@@ -3393,7 +3402,12 @@
             <p:ph type="subTitle" idx="1"/>
           </p:nvPr>
         </p:nvSpPr>
-        <p:spPr/>
+        <p:spPr>
+          <a:xfrm>
+            <a:off x="2407578" y="4146568"/>
+            <a:ext cx="9144000" cy="1655762"/>
+          </a:xfrm>
+        </p:spPr>
         <p:txBody>
           <a:bodyPr/>
           <a:lstStyle/>
@@ -3446,114 +3460,12 @@
           <a:chExt cx="0" cy="0"/>
         </a:xfrm>
       </p:grpSpPr>
-      <p:sp>
-        <p:nvSpPr>
-          <p:cNvPr id="2" name="标题 1">
-            <a:extLst>
-              <a:ext uri="{FF2B5EF4-FFF2-40B4-BE49-F238E27FC236}">
-                <a16:creationId xmlns:a16="http://schemas.microsoft.com/office/drawing/2014/main" id="{76504D81-2599-454B-972B-0E876A941268}"/>
-              </a:ext>
-            </a:extLst>
-          </p:cNvPr>
-          <p:cNvSpPr>
-            <a:spLocks noGrp="1"/>
-          </p:cNvSpPr>
-          <p:nvPr>
-            <p:ph type="title"/>
-          </p:nvPr>
-        </p:nvSpPr>
-        <p:spPr>
-          <a:xfrm>
-            <a:off x="601894" y="241835"/>
-            <a:ext cx="10515600" cy="1325563"/>
-          </a:xfrm>
-        </p:spPr>
-        <p:txBody>
-          <a:bodyPr>
-            <a:normAutofit/>
-          </a:bodyPr>
-          <a:lstStyle/>
-          <a:p>
-            <a:r>
-              <a:rPr kumimoji="1" lang="en-US" altLang="zh-CN" sz="4000" dirty="0"/>
-              <a:t>Transformer-XH   </a:t>
-            </a:r>
-            <a:r>
-              <a:rPr kumimoji="1" lang="en-US" altLang="zh-CN" sz="2800" dirty="0"/>
-              <a:t>ICLR 2020</a:t>
-            </a:r>
-            <a:endParaRPr kumimoji="1" lang="en-US" altLang="zh-CN" sz="4000" dirty="0"/>
-          </a:p>
-        </p:txBody>
-      </p:sp>
-      <p:sp>
-        <p:nvSpPr>
-          <p:cNvPr id="10" name="内容占位符 2">
-            <a:extLst>
-              <a:ext uri="{FF2B5EF4-FFF2-40B4-BE49-F238E27FC236}">
-                <a16:creationId xmlns:a16="http://schemas.microsoft.com/office/drawing/2014/main" id="{6CA03DBB-8A67-E64A-AD71-8FF7DC6DB8C3}"/>
-              </a:ext>
-            </a:extLst>
-          </p:cNvPr>
-          <p:cNvSpPr>
-            <a:spLocks noGrp="1"/>
-          </p:cNvSpPr>
-          <p:nvPr>
-            <p:ph idx="1"/>
-          </p:nvPr>
-        </p:nvSpPr>
-        <p:spPr>
-          <a:xfrm>
-            <a:off x="601894" y="1789820"/>
-            <a:ext cx="10515600" cy="4351338"/>
-          </a:xfrm>
-        </p:spPr>
-        <p:txBody>
-          <a:bodyPr/>
-          <a:lstStyle/>
-          <a:p>
-            <a:r>
-              <a:rPr kumimoji="1" lang="en-US" altLang="zh-CN" dirty="0"/>
-              <a:t>Evaluated on </a:t>
-            </a:r>
-            <a:r>
-              <a:rPr kumimoji="1" lang="en-US" altLang="zh-CN" dirty="0" err="1"/>
-              <a:t>HotpotQA</a:t>
-            </a:r>
-            <a:r>
-              <a:rPr kumimoji="1" lang="en-US" altLang="zh-CN" dirty="0"/>
-              <a:t>, extended to FEVER</a:t>
-            </a:r>
-          </a:p>
-          <a:p>
-            <a:r>
-              <a:rPr kumimoji="1" lang="en-US" altLang="zh-CN" dirty="0"/>
-              <a:t>Combine Transformer and GNN</a:t>
-            </a:r>
-          </a:p>
-          <a:p>
-            <a:pPr marL="0" indent="0">
-              <a:buNone/>
-            </a:pPr>
-            <a:endParaRPr kumimoji="1" lang="en-US" altLang="zh-CN" dirty="0"/>
-          </a:p>
-          <a:p>
-            <a:endParaRPr kumimoji="1" lang="en-US" altLang="zh-CN" dirty="0"/>
-          </a:p>
-          <a:p>
-            <a:pPr marL="0" indent="0">
-              <a:buNone/>
-            </a:pPr>
-            <a:endParaRPr kumimoji="1" lang="en-US" altLang="zh-CN" dirty="0"/>
-          </a:p>
-        </p:txBody>
-      </p:sp>
       <p:pic>
         <p:nvPicPr>
-          <p:cNvPr id="18" name="图片 17">
-            <a:extLst>
-              <a:ext uri="{FF2B5EF4-FFF2-40B4-BE49-F238E27FC236}">
-                <a16:creationId xmlns:a16="http://schemas.microsoft.com/office/drawing/2014/main" id="{1B4EB820-9AA5-1F40-8623-B47BDE018BF6}"/>
+          <p:cNvPr id="6" name="图片 5">
+            <a:extLst>
+              <a:ext uri="{FF2B5EF4-FFF2-40B4-BE49-F238E27FC236}">
+                <a16:creationId xmlns:a16="http://schemas.microsoft.com/office/drawing/2014/main" id="{29EDF982-20AF-4E4A-8527-81BD15AEEECF}"/>
               </a:ext>
             </a:extLst>
           </p:cNvPr>
@@ -3570,8 +3482,225 @@
         </p:blipFill>
         <p:spPr>
           <a:xfrm>
-            <a:off x="963844" y="2855097"/>
-            <a:ext cx="9791700" cy="3149600"/>
+            <a:off x="6662883" y="752510"/>
+            <a:ext cx="5232400" cy="5702300"/>
+          </a:xfrm>
+          <a:prstGeom prst="rect">
+            <a:avLst/>
+          </a:prstGeom>
+        </p:spPr>
+      </p:pic>
+      <p:sp>
+        <p:nvSpPr>
+          <p:cNvPr id="2" name="标题 1">
+            <a:extLst>
+              <a:ext uri="{FF2B5EF4-FFF2-40B4-BE49-F238E27FC236}">
+                <a16:creationId xmlns:a16="http://schemas.microsoft.com/office/drawing/2014/main" id="{76504D81-2599-454B-972B-0E876A941268}"/>
+              </a:ext>
+            </a:extLst>
+          </p:cNvPr>
+          <p:cNvSpPr>
+            <a:spLocks noGrp="1"/>
+          </p:cNvSpPr>
+          <p:nvPr>
+            <p:ph type="title"/>
+          </p:nvPr>
+        </p:nvSpPr>
+        <p:spPr>
+          <a:xfrm>
+            <a:off x="601894" y="241835"/>
+            <a:ext cx="10515600" cy="1325563"/>
+          </a:xfrm>
+        </p:spPr>
+        <p:txBody>
+          <a:bodyPr>
+            <a:normAutofit/>
+          </a:bodyPr>
+          <a:lstStyle/>
+          <a:p>
+            <a:r>
+              <a:rPr kumimoji="1" lang="en-US" altLang="zh-CN" sz="4000" dirty="0"/>
+              <a:t>Transformer-XH   </a:t>
+            </a:r>
+            <a:r>
+              <a:rPr kumimoji="1" lang="en-US" altLang="zh-CN" sz="2800" dirty="0"/>
+              <a:t>ICLR 2020</a:t>
+            </a:r>
+            <a:endParaRPr kumimoji="1" lang="en-US" altLang="zh-CN" sz="4000" dirty="0"/>
+          </a:p>
+        </p:txBody>
+      </p:sp>
+      <p:sp>
+        <p:nvSpPr>
+          <p:cNvPr id="3" name="内容占位符 2">
+            <a:extLst>
+              <a:ext uri="{FF2B5EF4-FFF2-40B4-BE49-F238E27FC236}">
+                <a16:creationId xmlns:a16="http://schemas.microsoft.com/office/drawing/2014/main" id="{5B7C554B-F0E0-344E-A58C-57DB2E1B2CFC}"/>
+              </a:ext>
+            </a:extLst>
+          </p:cNvPr>
+          <p:cNvSpPr>
+            <a:spLocks noGrp="1"/>
+          </p:cNvSpPr>
+          <p:nvPr>
+            <p:ph idx="1"/>
+          </p:nvPr>
+        </p:nvSpPr>
+        <p:spPr>
+          <a:xfrm>
+            <a:off x="601894" y="1567398"/>
+            <a:ext cx="10515600" cy="4351338"/>
+          </a:xfrm>
+        </p:spPr>
+        <p:txBody>
+          <a:bodyPr/>
+          <a:lstStyle/>
+          <a:p>
+            <a:r>
+              <a:rPr lang="en-US" altLang="zh-CN" dirty="0"/>
+              <a:t>in-sequence attention</a:t>
+            </a:r>
+          </a:p>
+          <a:p>
+            <a:endParaRPr kumimoji="1" lang="en-US" altLang="zh-CN" dirty="0"/>
+          </a:p>
+          <a:p>
+            <a:endParaRPr kumimoji="1" lang="en-US" altLang="zh-CN" dirty="0"/>
+          </a:p>
+          <a:p>
+            <a:r>
+              <a:rPr kumimoji="1" lang="en-US" altLang="zh-CN" dirty="0" err="1"/>
+              <a:t>eXtra</a:t>
+            </a:r>
+            <a:r>
+              <a:rPr kumimoji="1" lang="en-US" altLang="zh-CN" dirty="0"/>
+              <a:t> Hop attention</a:t>
+            </a:r>
+          </a:p>
+          <a:p>
+            <a:pPr marL="0" indent="0">
+              <a:buNone/>
+            </a:pPr>
+            <a:r>
+              <a:rPr kumimoji="1" lang="en-US" altLang="zh-CN" sz="2000" dirty="0"/>
+              <a:t>   compute the attention between neighbors by [CLS] token</a:t>
+            </a:r>
+          </a:p>
+          <a:p>
+            <a:pPr marL="0" indent="0">
+              <a:buNone/>
+            </a:pPr>
+            <a:endParaRPr kumimoji="1" lang="en-US" altLang="zh-CN" sz="2000" dirty="0"/>
+          </a:p>
+          <a:p>
+            <a:pPr marL="0" indent="0">
+              <a:buNone/>
+            </a:pPr>
+            <a:endParaRPr kumimoji="1" lang="en-US" altLang="zh-CN" dirty="0"/>
+          </a:p>
+          <a:p>
+            <a:r>
+              <a:rPr kumimoji="1" lang="en-US" altLang="zh-CN" dirty="0"/>
+              <a:t>new representation</a:t>
+            </a:r>
+          </a:p>
+          <a:p>
+            <a:endParaRPr kumimoji="1" lang="en-US" altLang="zh-CN" dirty="0"/>
+          </a:p>
+          <a:p>
+            <a:endParaRPr kumimoji="1" lang="en-US" altLang="zh-CN" dirty="0"/>
+          </a:p>
+          <a:p>
+            <a:pPr marL="0" indent="0">
+              <a:buNone/>
+            </a:pPr>
+            <a:endParaRPr kumimoji="1" lang="en-US" altLang="zh-CN" dirty="0"/>
+          </a:p>
+        </p:txBody>
+      </p:sp>
+      <p:pic>
+        <p:nvPicPr>
+          <p:cNvPr id="9" name="图片 8">
+            <a:extLst>
+              <a:ext uri="{FF2B5EF4-FFF2-40B4-BE49-F238E27FC236}">
+                <a16:creationId xmlns:a16="http://schemas.microsoft.com/office/drawing/2014/main" id="{7C9E23A6-0869-B14F-81F8-FDA41678D4E1}"/>
+              </a:ext>
+            </a:extLst>
+          </p:cNvPr>
+          <p:cNvPicPr>
+            <a:picLocks noChangeAspect="1"/>
+          </p:cNvPicPr>
+          <p:nvPr/>
+        </p:nvPicPr>
+        <p:blipFill>
+          <a:blip r:embed="rId3"/>
+          <a:stretch>
+            <a:fillRect/>
+          </a:stretch>
+        </p:blipFill>
+        <p:spPr>
+          <a:xfrm>
+            <a:off x="1165832" y="2109406"/>
+            <a:ext cx="3962400" cy="876300"/>
+          </a:xfrm>
+          <a:prstGeom prst="rect">
+            <a:avLst/>
+          </a:prstGeom>
+        </p:spPr>
+      </p:pic>
+      <p:pic>
+        <p:nvPicPr>
+          <p:cNvPr id="11" name="图片 10">
+            <a:extLst>
+              <a:ext uri="{FF2B5EF4-FFF2-40B4-BE49-F238E27FC236}">
+                <a16:creationId xmlns:a16="http://schemas.microsoft.com/office/drawing/2014/main" id="{2F6486A8-547F-884A-A13B-7BDC31CCF9B3}"/>
+              </a:ext>
+            </a:extLst>
+          </p:cNvPr>
+          <p:cNvPicPr>
+            <a:picLocks noChangeAspect="1"/>
+          </p:cNvPicPr>
+          <p:nvPr/>
+        </p:nvPicPr>
+        <p:blipFill rotWithShape="1">
+          <a:blip r:embed="rId4"/>
+          <a:srcRect t="12658" b="8758"/>
+          <a:stretch/>
+        </p:blipFill>
+        <p:spPr>
+          <a:xfrm>
+            <a:off x="1027344" y="4058006"/>
+            <a:ext cx="4406900" cy="788430"/>
+          </a:xfrm>
+          <a:prstGeom prst="rect">
+            <a:avLst/>
+          </a:prstGeom>
+        </p:spPr>
+      </p:pic>
+      <p:pic>
+        <p:nvPicPr>
+          <p:cNvPr id="13" name="图片 12">
+            <a:extLst>
+              <a:ext uri="{FF2B5EF4-FFF2-40B4-BE49-F238E27FC236}">
+                <a16:creationId xmlns:a16="http://schemas.microsoft.com/office/drawing/2014/main" id="{1AB6350F-9F08-E749-B1A6-2A15F0367BFA}"/>
+              </a:ext>
+            </a:extLst>
+          </p:cNvPr>
+          <p:cNvPicPr>
+            <a:picLocks noChangeAspect="1"/>
+          </p:cNvPicPr>
+          <p:nvPr/>
+        </p:nvPicPr>
+        <p:blipFill>
+          <a:blip r:embed="rId5"/>
+          <a:stretch>
+            <a:fillRect/>
+          </a:stretch>
+        </p:blipFill>
+        <p:spPr>
+          <a:xfrm>
+            <a:off x="1290069" y="5476314"/>
+            <a:ext cx="2921000" cy="927100"/>
           </a:xfrm>
           <a:prstGeom prst="rect">
             <a:avLst/>
@@ -3581,7 +3710,7 @@
     </p:spTree>
     <p:extLst>
       <p:ext uri="{BB962C8B-B14F-4D97-AF65-F5344CB8AC3E}">
-        <p14:creationId xmlns:p14="http://schemas.microsoft.com/office/powerpoint/2010/main" val="2766158064"/>
+        <p14:creationId xmlns:p14="http://schemas.microsoft.com/office/powerpoint/2010/main" val="2714444583"/>
       </p:ext>
     </p:extLst>
   </p:cSld>
@@ -3798,352 +3927,28 @@
         </p:nvSpPr>
         <p:spPr>
           <a:xfrm>
-            <a:off x="601894" y="241835"/>
+            <a:off x="2549703" y="2481601"/>
             <a:ext cx="10515600" cy="1325563"/>
           </a:xfrm>
         </p:spPr>
         <p:txBody>
           <a:bodyPr>
-            <a:normAutofit/>
+            <a:noAutofit/>
           </a:bodyPr>
           <a:lstStyle/>
           <a:p>
             <a:r>
-              <a:rPr kumimoji="1" lang="en-US" altLang="zh-CN" sz="4000" dirty="0"/>
-              <a:t>ROVER </a:t>
-            </a:r>
-          </a:p>
-        </p:txBody>
-      </p:sp>
-      <p:sp>
-        <p:nvSpPr>
-          <p:cNvPr id="4" name="文本框 3">
-            <a:extLst>
-              <a:ext uri="{FF2B5EF4-FFF2-40B4-BE49-F238E27FC236}">
-                <a16:creationId xmlns:a16="http://schemas.microsoft.com/office/drawing/2014/main" id="{BAB2B972-B7A3-9A48-919C-F2A21D1FE180}"/>
-              </a:ext>
-            </a:extLst>
-          </p:cNvPr>
-          <p:cNvSpPr txBox="1"/>
-          <p:nvPr/>
-        </p:nvSpPr>
-        <p:spPr>
-          <a:xfrm>
-            <a:off x="5859694" y="6462276"/>
-            <a:ext cx="6543828" cy="307777"/>
-          </a:xfrm>
-          <a:prstGeom prst="rect">
-            <a:avLst/>
-          </a:prstGeom>
-          <a:noFill/>
-        </p:spPr>
-        <p:txBody>
-          <a:bodyPr wrap="square" rtlCol="0">
-            <a:spAutoFit/>
-          </a:bodyPr>
-          <a:lstStyle/>
-          <a:p>
-            <a:r>
-              <a:rPr kumimoji="1" lang="en-US" altLang="zh-CN" sz="1400" dirty="0"/>
-              <a:t>	Clark, P., et al. Transformers as Soft Reasoners over Language.  2020</a:t>
-            </a:r>
-            <a:endParaRPr kumimoji="1" lang="zh-CN" altLang="en-US" sz="1400" dirty="0"/>
-          </a:p>
-        </p:txBody>
-      </p:sp>
-      <p:sp>
-        <p:nvSpPr>
-          <p:cNvPr id="5" name="内容占位符 2">
-            <a:extLst>
-              <a:ext uri="{FF2B5EF4-FFF2-40B4-BE49-F238E27FC236}">
-                <a16:creationId xmlns:a16="http://schemas.microsoft.com/office/drawing/2014/main" id="{B157B57F-C01F-9E46-90FB-F2584B1992B1}"/>
-              </a:ext>
-            </a:extLst>
-          </p:cNvPr>
-          <p:cNvSpPr txBox="1">
-            <a:spLocks/>
-          </p:cNvSpPr>
-          <p:nvPr/>
-        </p:nvSpPr>
-        <p:spPr>
-          <a:xfrm>
-            <a:off x="601894" y="1824739"/>
-            <a:ext cx="5585223" cy="4351338"/>
-          </a:xfrm>
-          <a:prstGeom prst="rect">
-            <a:avLst/>
-          </a:prstGeom>
-        </p:spPr>
-        <p:txBody>
-          <a:bodyPr vert="horz" lIns="91440" tIns="45720" rIns="91440" bIns="45720" rtlCol="0">
-            <a:normAutofit/>
-          </a:bodyPr>
-          <a:lstStyle>
-            <a:lvl1pPr marL="228600" indent="-228600" algn="l" defTabSz="914400" rtl="0" eaLnBrk="1" latinLnBrk="0" hangingPunct="1">
-              <a:lnSpc>
-                <a:spcPct val="90000"/>
-              </a:lnSpc>
-              <a:spcBef>
-                <a:spcPts val="1000"/>
-              </a:spcBef>
-              <a:buFont typeface="Arial" panose="020B0604020202020204" pitchFamily="34" charset="0"/>
-              <a:buChar char="•"/>
-              <a:defRPr sz="2800" kern="1200">
-                <a:solidFill>
-                  <a:schemeClr val="tx1"/>
-                </a:solidFill>
-                <a:latin typeface="+mn-lt"/>
-                <a:ea typeface="+mn-ea"/>
-                <a:cs typeface="+mn-cs"/>
-              </a:defRPr>
-            </a:lvl1pPr>
-            <a:lvl2pPr marL="685800" indent="-228600" algn="l" defTabSz="914400" rtl="0" eaLnBrk="1" latinLnBrk="0" hangingPunct="1">
-              <a:lnSpc>
-                <a:spcPct val="90000"/>
-              </a:lnSpc>
-              <a:spcBef>
-                <a:spcPts val="500"/>
-              </a:spcBef>
-              <a:buFont typeface="Arial" panose="020B0604020202020204" pitchFamily="34" charset="0"/>
-              <a:buChar char="•"/>
-              <a:defRPr sz="2400" kern="1200">
-                <a:solidFill>
-                  <a:schemeClr val="tx1"/>
-                </a:solidFill>
-                <a:latin typeface="+mn-lt"/>
-                <a:ea typeface="+mn-ea"/>
-                <a:cs typeface="+mn-cs"/>
-              </a:defRPr>
-            </a:lvl2pPr>
-            <a:lvl3pPr marL="1143000" indent="-228600" algn="l" defTabSz="914400" rtl="0" eaLnBrk="1" latinLnBrk="0" hangingPunct="1">
-              <a:lnSpc>
-                <a:spcPct val="90000"/>
-              </a:lnSpc>
-              <a:spcBef>
-                <a:spcPts val="500"/>
-              </a:spcBef>
-              <a:buFont typeface="Arial" panose="020B0604020202020204" pitchFamily="34" charset="0"/>
-              <a:buChar char="•"/>
-              <a:defRPr sz="2000" kern="1200">
-                <a:solidFill>
-                  <a:schemeClr val="tx1"/>
-                </a:solidFill>
-                <a:latin typeface="+mn-lt"/>
-                <a:ea typeface="+mn-ea"/>
-                <a:cs typeface="+mn-cs"/>
-              </a:defRPr>
-            </a:lvl3pPr>
-            <a:lvl4pPr marL="1600200" indent="-228600" algn="l" defTabSz="914400" rtl="0" eaLnBrk="1" latinLnBrk="0" hangingPunct="1">
-              <a:lnSpc>
-                <a:spcPct val="90000"/>
-              </a:lnSpc>
-              <a:spcBef>
-                <a:spcPts val="500"/>
-              </a:spcBef>
-              <a:buFont typeface="Arial" panose="020B0604020202020204" pitchFamily="34" charset="0"/>
-              <a:buChar char="•"/>
-              <a:defRPr sz="1800" kern="1200">
-                <a:solidFill>
-                  <a:schemeClr val="tx1"/>
-                </a:solidFill>
-                <a:latin typeface="+mn-lt"/>
-                <a:ea typeface="+mn-ea"/>
-                <a:cs typeface="+mn-cs"/>
-              </a:defRPr>
-            </a:lvl4pPr>
-            <a:lvl5pPr marL="2057400" indent="-228600" algn="l" defTabSz="914400" rtl="0" eaLnBrk="1" latinLnBrk="0" hangingPunct="1">
-              <a:lnSpc>
-                <a:spcPct val="90000"/>
-              </a:lnSpc>
-              <a:spcBef>
-                <a:spcPts val="500"/>
-              </a:spcBef>
-              <a:buFont typeface="Arial" panose="020B0604020202020204" pitchFamily="34" charset="0"/>
-              <a:buChar char="•"/>
-              <a:defRPr sz="1800" kern="1200">
-                <a:solidFill>
-                  <a:schemeClr val="tx1"/>
-                </a:solidFill>
-                <a:latin typeface="+mn-lt"/>
-                <a:ea typeface="+mn-ea"/>
-                <a:cs typeface="+mn-cs"/>
-              </a:defRPr>
-            </a:lvl5pPr>
-            <a:lvl6pPr marL="2514600" indent="-228600" algn="l" defTabSz="914400" rtl="0" eaLnBrk="1" latinLnBrk="0" hangingPunct="1">
-              <a:lnSpc>
-                <a:spcPct val="90000"/>
-              </a:lnSpc>
-              <a:spcBef>
-                <a:spcPts val="500"/>
-              </a:spcBef>
-              <a:buFont typeface="Arial" panose="020B0604020202020204" pitchFamily="34" charset="0"/>
-              <a:buChar char="•"/>
-              <a:defRPr sz="1800" kern="1200">
-                <a:solidFill>
-                  <a:schemeClr val="tx1"/>
-                </a:solidFill>
-                <a:latin typeface="+mn-lt"/>
-                <a:ea typeface="+mn-ea"/>
-                <a:cs typeface="+mn-cs"/>
-              </a:defRPr>
-            </a:lvl6pPr>
-            <a:lvl7pPr marL="2971800" indent="-228600" algn="l" defTabSz="914400" rtl="0" eaLnBrk="1" latinLnBrk="0" hangingPunct="1">
-              <a:lnSpc>
-                <a:spcPct val="90000"/>
-              </a:lnSpc>
-              <a:spcBef>
-                <a:spcPts val="500"/>
-              </a:spcBef>
-              <a:buFont typeface="Arial" panose="020B0604020202020204" pitchFamily="34" charset="0"/>
-              <a:buChar char="•"/>
-              <a:defRPr sz="1800" kern="1200">
-                <a:solidFill>
-                  <a:schemeClr val="tx1"/>
-                </a:solidFill>
-                <a:latin typeface="+mn-lt"/>
-                <a:ea typeface="+mn-ea"/>
-                <a:cs typeface="+mn-cs"/>
-              </a:defRPr>
-            </a:lvl7pPr>
-            <a:lvl8pPr marL="3429000" indent="-228600" algn="l" defTabSz="914400" rtl="0" eaLnBrk="1" latinLnBrk="0" hangingPunct="1">
-              <a:lnSpc>
-                <a:spcPct val="90000"/>
-              </a:lnSpc>
-              <a:spcBef>
-                <a:spcPts val="500"/>
-              </a:spcBef>
-              <a:buFont typeface="Arial" panose="020B0604020202020204" pitchFamily="34" charset="0"/>
-              <a:buChar char="•"/>
-              <a:defRPr sz="1800" kern="1200">
-                <a:solidFill>
-                  <a:schemeClr val="tx1"/>
-                </a:solidFill>
-                <a:latin typeface="+mn-lt"/>
-                <a:ea typeface="+mn-ea"/>
-                <a:cs typeface="+mn-cs"/>
-              </a:defRPr>
-            </a:lvl8pPr>
-            <a:lvl9pPr marL="3886200" indent="-228600" algn="l" defTabSz="914400" rtl="0" eaLnBrk="1" latinLnBrk="0" hangingPunct="1">
-              <a:lnSpc>
-                <a:spcPct val="90000"/>
-              </a:lnSpc>
-              <a:spcBef>
-                <a:spcPts val="500"/>
-              </a:spcBef>
-              <a:buFont typeface="Arial" panose="020B0604020202020204" pitchFamily="34" charset="0"/>
-              <a:buChar char="•"/>
-              <a:defRPr sz="1800" kern="1200">
-                <a:solidFill>
-                  <a:schemeClr val="tx1"/>
-                </a:solidFill>
-                <a:latin typeface="+mn-lt"/>
-                <a:ea typeface="+mn-ea"/>
-                <a:cs typeface="+mn-cs"/>
-              </a:defRPr>
-            </a:lvl9pPr>
-          </a:lstStyle>
-          <a:p>
-            <a:r>
-              <a:rPr lang="en-US" altLang="zh-CN" sz="2400" dirty="0"/>
-              <a:t>ROVER determines whether statements are </a:t>
-            </a:r>
-            <a:r>
-              <a:rPr lang="en-US" altLang="zh-CN" sz="2400" b="1" dirty="0"/>
-              <a:t>True</a:t>
-            </a:r>
-            <a:r>
-              <a:rPr lang="en-US" altLang="zh-CN" sz="2400" dirty="0"/>
-              <a:t> or </a:t>
-            </a:r>
-            <a:r>
-              <a:rPr lang="en-US" altLang="zh-CN" sz="2400" b="1" dirty="0"/>
-              <a:t>False</a:t>
-            </a:r>
-            <a:r>
-              <a:rPr lang="en-US" altLang="zh-CN" sz="2400" dirty="0"/>
-              <a:t> based on rules given in natural language.</a:t>
-            </a:r>
-          </a:p>
-          <a:p>
-            <a:r>
-              <a:rPr lang="en-US" altLang="zh-CN" sz="2400" dirty="0"/>
-              <a:t>Accuracy of </a:t>
-            </a:r>
-            <a:r>
-              <a:rPr lang="en-US" altLang="zh-CN" sz="2400" dirty="0" err="1"/>
-              <a:t>RoBERTa</a:t>
-            </a:r>
-            <a:r>
-              <a:rPr lang="en-US" altLang="zh-CN" sz="2400" dirty="0"/>
-              <a:t> can reach 99%</a:t>
-            </a:r>
-          </a:p>
-        </p:txBody>
-      </p:sp>
-      <p:pic>
-        <p:nvPicPr>
-          <p:cNvPr id="8" name="图片 7">
-            <a:extLst>
-              <a:ext uri="{FF2B5EF4-FFF2-40B4-BE49-F238E27FC236}">
-                <a16:creationId xmlns:a16="http://schemas.microsoft.com/office/drawing/2014/main" id="{2BAD3644-B3F8-7A4C-9997-E76C668BA631}"/>
-              </a:ext>
-            </a:extLst>
-          </p:cNvPr>
-          <p:cNvPicPr>
-            <a:picLocks noChangeAspect="1"/>
-          </p:cNvPicPr>
-          <p:nvPr/>
-        </p:nvPicPr>
-        <p:blipFill>
-          <a:blip r:embed="rId2"/>
-          <a:stretch>
-            <a:fillRect/>
-          </a:stretch>
-        </p:blipFill>
-        <p:spPr>
-          <a:xfrm>
-            <a:off x="6199474" y="790835"/>
-            <a:ext cx="6004883" cy="5060091"/>
-          </a:xfrm>
-          <a:prstGeom prst="rect">
-            <a:avLst/>
-          </a:prstGeom>
-        </p:spPr>
-      </p:pic>
-      <p:pic>
-        <p:nvPicPr>
-          <p:cNvPr id="11" name="图片 10">
-            <a:extLst>
-              <a:ext uri="{FF2B5EF4-FFF2-40B4-BE49-F238E27FC236}">
-                <a16:creationId xmlns:a16="http://schemas.microsoft.com/office/drawing/2014/main" id="{5AC22230-F613-0749-B63C-3C6E52A2B0D7}"/>
-              </a:ext>
-            </a:extLst>
-          </p:cNvPr>
-          <p:cNvPicPr>
-            <a:picLocks noChangeAspect="1"/>
-          </p:cNvPicPr>
-          <p:nvPr/>
-        </p:nvPicPr>
-        <p:blipFill>
-          <a:blip r:embed="rId3"/>
-          <a:stretch>
-            <a:fillRect/>
-          </a:stretch>
-        </p:blipFill>
-        <p:spPr>
-          <a:xfrm>
-            <a:off x="779074" y="3597233"/>
-            <a:ext cx="5469828" cy="2994217"/>
-          </a:xfrm>
-          <a:prstGeom prst="rect">
-            <a:avLst/>
-          </a:prstGeom>
-        </p:spPr>
-      </p:pic>
+              <a:rPr kumimoji="1" lang="en-US" altLang="zh-CN" sz="3600" dirty="0"/>
+              <a:t>Case 3: Retrieve Reasoning Path</a:t>
+            </a:r>
+            <a:endParaRPr kumimoji="1" lang="zh-CN" altLang="en-US" sz="3600" dirty="0"/>
+          </a:p>
+        </p:txBody>
+      </p:sp>
     </p:spTree>
     <p:extLst>
       <p:ext uri="{BB962C8B-B14F-4D97-AF65-F5344CB8AC3E}">
-        <p14:creationId xmlns:p14="http://schemas.microsoft.com/office/powerpoint/2010/main" val="2734235731"/>
+        <p14:creationId xmlns:p14="http://schemas.microsoft.com/office/powerpoint/2010/main" val="4015415604"/>
       </p:ext>
     </p:extLst>
   </p:cSld>
@@ -4170,903 +3975,6 @@
           <a:chExt cx="0" cy="0"/>
         </a:xfrm>
       </p:grpSpPr>
-      <p:sp>
-        <p:nvSpPr>
-          <p:cNvPr id="2" name="标题 1">
-            <a:extLst>
-              <a:ext uri="{FF2B5EF4-FFF2-40B4-BE49-F238E27FC236}">
-                <a16:creationId xmlns:a16="http://schemas.microsoft.com/office/drawing/2014/main" id="{76504D81-2599-454B-972B-0E876A941268}"/>
-              </a:ext>
-            </a:extLst>
-          </p:cNvPr>
-          <p:cNvSpPr>
-            <a:spLocks noGrp="1"/>
-          </p:cNvSpPr>
-          <p:nvPr>
-            <p:ph type="title"/>
-          </p:nvPr>
-        </p:nvSpPr>
-        <p:spPr>
-          <a:xfrm>
-            <a:off x="601894" y="241835"/>
-            <a:ext cx="10515600" cy="1325563"/>
-          </a:xfrm>
-        </p:spPr>
-        <p:txBody>
-          <a:bodyPr>
-            <a:normAutofit/>
-          </a:bodyPr>
-          <a:lstStyle/>
-          <a:p>
-            <a:r>
-              <a:rPr kumimoji="1" lang="en-US" altLang="zh-CN" sz="4000" dirty="0"/>
-              <a:t>ROVER </a:t>
-            </a:r>
-          </a:p>
-        </p:txBody>
-      </p:sp>
-      <p:sp>
-        <p:nvSpPr>
-          <p:cNvPr id="4" name="文本框 3">
-            <a:extLst>
-              <a:ext uri="{FF2B5EF4-FFF2-40B4-BE49-F238E27FC236}">
-                <a16:creationId xmlns:a16="http://schemas.microsoft.com/office/drawing/2014/main" id="{BAB2B972-B7A3-9A48-919C-F2A21D1FE180}"/>
-              </a:ext>
-            </a:extLst>
-          </p:cNvPr>
-          <p:cNvSpPr txBox="1"/>
-          <p:nvPr/>
-        </p:nvSpPr>
-        <p:spPr>
-          <a:xfrm>
-            <a:off x="5859694" y="6462276"/>
-            <a:ext cx="6543828" cy="307777"/>
-          </a:xfrm>
-          <a:prstGeom prst="rect">
-            <a:avLst/>
-          </a:prstGeom>
-          <a:noFill/>
-        </p:spPr>
-        <p:txBody>
-          <a:bodyPr wrap="square" rtlCol="0">
-            <a:spAutoFit/>
-          </a:bodyPr>
-          <a:lstStyle/>
-          <a:p>
-            <a:r>
-              <a:rPr kumimoji="1" lang="en-US" altLang="zh-CN" sz="1400" dirty="0"/>
-              <a:t>	Clark, P., et al. Transformers as Soft Reasoners over Language.  2020</a:t>
-            </a:r>
-            <a:endParaRPr kumimoji="1" lang="zh-CN" altLang="en-US" sz="1400" dirty="0"/>
-          </a:p>
-        </p:txBody>
-      </p:sp>
-      <p:sp>
-        <p:nvSpPr>
-          <p:cNvPr id="5" name="内容占位符 2">
-            <a:extLst>
-              <a:ext uri="{FF2B5EF4-FFF2-40B4-BE49-F238E27FC236}">
-                <a16:creationId xmlns:a16="http://schemas.microsoft.com/office/drawing/2014/main" id="{B157B57F-C01F-9E46-90FB-F2584B1992B1}"/>
-              </a:ext>
-            </a:extLst>
-          </p:cNvPr>
-          <p:cNvSpPr txBox="1">
-            <a:spLocks/>
-          </p:cNvSpPr>
-          <p:nvPr/>
-        </p:nvSpPr>
-        <p:spPr>
-          <a:xfrm>
-            <a:off x="601894" y="1824739"/>
-            <a:ext cx="5922474" cy="4351338"/>
-          </a:xfrm>
-          <a:prstGeom prst="rect">
-            <a:avLst/>
-          </a:prstGeom>
-        </p:spPr>
-        <p:txBody>
-          <a:bodyPr vert="horz" lIns="91440" tIns="45720" rIns="91440" bIns="45720" rtlCol="0">
-            <a:normAutofit/>
-          </a:bodyPr>
-          <a:lstStyle>
-            <a:lvl1pPr marL="228600" indent="-228600" algn="l" defTabSz="914400" rtl="0" eaLnBrk="1" latinLnBrk="0" hangingPunct="1">
-              <a:lnSpc>
-                <a:spcPct val="90000"/>
-              </a:lnSpc>
-              <a:spcBef>
-                <a:spcPts val="1000"/>
-              </a:spcBef>
-              <a:buFont typeface="Arial" panose="020B0604020202020204" pitchFamily="34" charset="0"/>
-              <a:buChar char="•"/>
-              <a:defRPr sz="2800" kern="1200">
-                <a:solidFill>
-                  <a:schemeClr val="tx1"/>
-                </a:solidFill>
-                <a:latin typeface="+mn-lt"/>
-                <a:ea typeface="+mn-ea"/>
-                <a:cs typeface="+mn-cs"/>
-              </a:defRPr>
-            </a:lvl1pPr>
-            <a:lvl2pPr marL="685800" indent="-228600" algn="l" defTabSz="914400" rtl="0" eaLnBrk="1" latinLnBrk="0" hangingPunct="1">
-              <a:lnSpc>
-                <a:spcPct val="90000"/>
-              </a:lnSpc>
-              <a:spcBef>
-                <a:spcPts val="500"/>
-              </a:spcBef>
-              <a:buFont typeface="Arial" panose="020B0604020202020204" pitchFamily="34" charset="0"/>
-              <a:buChar char="•"/>
-              <a:defRPr sz="2400" kern="1200">
-                <a:solidFill>
-                  <a:schemeClr val="tx1"/>
-                </a:solidFill>
-                <a:latin typeface="+mn-lt"/>
-                <a:ea typeface="+mn-ea"/>
-                <a:cs typeface="+mn-cs"/>
-              </a:defRPr>
-            </a:lvl2pPr>
-            <a:lvl3pPr marL="1143000" indent="-228600" algn="l" defTabSz="914400" rtl="0" eaLnBrk="1" latinLnBrk="0" hangingPunct="1">
-              <a:lnSpc>
-                <a:spcPct val="90000"/>
-              </a:lnSpc>
-              <a:spcBef>
-                <a:spcPts val="500"/>
-              </a:spcBef>
-              <a:buFont typeface="Arial" panose="020B0604020202020204" pitchFamily="34" charset="0"/>
-              <a:buChar char="•"/>
-              <a:defRPr sz="2000" kern="1200">
-                <a:solidFill>
-                  <a:schemeClr val="tx1"/>
-                </a:solidFill>
-                <a:latin typeface="+mn-lt"/>
-                <a:ea typeface="+mn-ea"/>
-                <a:cs typeface="+mn-cs"/>
-              </a:defRPr>
-            </a:lvl3pPr>
-            <a:lvl4pPr marL="1600200" indent="-228600" algn="l" defTabSz="914400" rtl="0" eaLnBrk="1" latinLnBrk="0" hangingPunct="1">
-              <a:lnSpc>
-                <a:spcPct val="90000"/>
-              </a:lnSpc>
-              <a:spcBef>
-                <a:spcPts val="500"/>
-              </a:spcBef>
-              <a:buFont typeface="Arial" panose="020B0604020202020204" pitchFamily="34" charset="0"/>
-              <a:buChar char="•"/>
-              <a:defRPr sz="1800" kern="1200">
-                <a:solidFill>
-                  <a:schemeClr val="tx1"/>
-                </a:solidFill>
-                <a:latin typeface="+mn-lt"/>
-                <a:ea typeface="+mn-ea"/>
-                <a:cs typeface="+mn-cs"/>
-              </a:defRPr>
-            </a:lvl4pPr>
-            <a:lvl5pPr marL="2057400" indent="-228600" algn="l" defTabSz="914400" rtl="0" eaLnBrk="1" latinLnBrk="0" hangingPunct="1">
-              <a:lnSpc>
-                <a:spcPct val="90000"/>
-              </a:lnSpc>
-              <a:spcBef>
-                <a:spcPts val="500"/>
-              </a:spcBef>
-              <a:buFont typeface="Arial" panose="020B0604020202020204" pitchFamily="34" charset="0"/>
-              <a:buChar char="•"/>
-              <a:defRPr sz="1800" kern="1200">
-                <a:solidFill>
-                  <a:schemeClr val="tx1"/>
-                </a:solidFill>
-                <a:latin typeface="+mn-lt"/>
-                <a:ea typeface="+mn-ea"/>
-                <a:cs typeface="+mn-cs"/>
-              </a:defRPr>
-            </a:lvl5pPr>
-            <a:lvl6pPr marL="2514600" indent="-228600" algn="l" defTabSz="914400" rtl="0" eaLnBrk="1" latinLnBrk="0" hangingPunct="1">
-              <a:lnSpc>
-                <a:spcPct val="90000"/>
-              </a:lnSpc>
-              <a:spcBef>
-                <a:spcPts val="500"/>
-              </a:spcBef>
-              <a:buFont typeface="Arial" panose="020B0604020202020204" pitchFamily="34" charset="0"/>
-              <a:buChar char="•"/>
-              <a:defRPr sz="1800" kern="1200">
-                <a:solidFill>
-                  <a:schemeClr val="tx1"/>
-                </a:solidFill>
-                <a:latin typeface="+mn-lt"/>
-                <a:ea typeface="+mn-ea"/>
-                <a:cs typeface="+mn-cs"/>
-              </a:defRPr>
-            </a:lvl6pPr>
-            <a:lvl7pPr marL="2971800" indent="-228600" algn="l" defTabSz="914400" rtl="0" eaLnBrk="1" latinLnBrk="0" hangingPunct="1">
-              <a:lnSpc>
-                <a:spcPct val="90000"/>
-              </a:lnSpc>
-              <a:spcBef>
-                <a:spcPts val="500"/>
-              </a:spcBef>
-              <a:buFont typeface="Arial" panose="020B0604020202020204" pitchFamily="34" charset="0"/>
-              <a:buChar char="•"/>
-              <a:defRPr sz="1800" kern="1200">
-                <a:solidFill>
-                  <a:schemeClr val="tx1"/>
-                </a:solidFill>
-                <a:latin typeface="+mn-lt"/>
-                <a:ea typeface="+mn-ea"/>
-                <a:cs typeface="+mn-cs"/>
-              </a:defRPr>
-            </a:lvl7pPr>
-            <a:lvl8pPr marL="3429000" indent="-228600" algn="l" defTabSz="914400" rtl="0" eaLnBrk="1" latinLnBrk="0" hangingPunct="1">
-              <a:lnSpc>
-                <a:spcPct val="90000"/>
-              </a:lnSpc>
-              <a:spcBef>
-                <a:spcPts val="500"/>
-              </a:spcBef>
-              <a:buFont typeface="Arial" panose="020B0604020202020204" pitchFamily="34" charset="0"/>
-              <a:buChar char="•"/>
-              <a:defRPr sz="1800" kern="1200">
-                <a:solidFill>
-                  <a:schemeClr val="tx1"/>
-                </a:solidFill>
-                <a:latin typeface="+mn-lt"/>
-                <a:ea typeface="+mn-ea"/>
-                <a:cs typeface="+mn-cs"/>
-              </a:defRPr>
-            </a:lvl8pPr>
-            <a:lvl9pPr marL="3886200" indent="-228600" algn="l" defTabSz="914400" rtl="0" eaLnBrk="1" latinLnBrk="0" hangingPunct="1">
-              <a:lnSpc>
-                <a:spcPct val="90000"/>
-              </a:lnSpc>
-              <a:spcBef>
-                <a:spcPts val="500"/>
-              </a:spcBef>
-              <a:buFont typeface="Arial" panose="020B0604020202020204" pitchFamily="34" charset="0"/>
-              <a:buChar char="•"/>
-              <a:defRPr sz="1800" kern="1200">
-                <a:solidFill>
-                  <a:schemeClr val="tx1"/>
-                </a:solidFill>
-                <a:latin typeface="+mn-lt"/>
-                <a:ea typeface="+mn-ea"/>
-                <a:cs typeface="+mn-cs"/>
-              </a:defRPr>
-            </a:lvl9pPr>
-          </a:lstStyle>
-          <a:p>
-            <a:r>
-              <a:rPr lang="en-US" altLang="zh-CN" sz="2400" dirty="0"/>
-              <a:t>Training</a:t>
-            </a:r>
-            <a:r>
-              <a:rPr lang="zh-CN" altLang="en-US" sz="2400" dirty="0"/>
-              <a:t> </a:t>
-            </a:r>
-            <a:r>
-              <a:rPr lang="en-US" altLang="zh-CN" sz="2400" dirty="0"/>
-              <a:t>Dataset</a:t>
-            </a:r>
-            <a:r>
-              <a:rPr lang="zh-CN" altLang="en-US" sz="2400" dirty="0"/>
-              <a:t> </a:t>
-            </a:r>
-            <a:r>
-              <a:rPr lang="en-US" altLang="zh-CN" sz="2400" dirty="0"/>
-              <a:t>is</a:t>
-            </a:r>
-            <a:r>
-              <a:rPr lang="zh-CN" altLang="en-US" sz="2400" dirty="0"/>
-              <a:t> </a:t>
-            </a:r>
-            <a:r>
-              <a:rPr lang="en-US" altLang="zh-CN" sz="2400" dirty="0"/>
-              <a:t>generated</a:t>
-            </a:r>
-            <a:r>
-              <a:rPr lang="zh-CN" altLang="en-US" sz="2400" dirty="0"/>
-              <a:t> </a:t>
-            </a:r>
-            <a:r>
-              <a:rPr lang="en-US" altLang="zh-CN" sz="2400" dirty="0"/>
-              <a:t>based</a:t>
-            </a:r>
-            <a:r>
-              <a:rPr lang="zh-CN" altLang="en-US" sz="2400" dirty="0"/>
-              <a:t> </a:t>
-            </a:r>
-            <a:r>
-              <a:rPr lang="en-US" altLang="zh-CN" sz="2400" dirty="0"/>
-              <a:t>on several fixed form</a:t>
-            </a:r>
-          </a:p>
-          <a:p>
-            <a:r>
-              <a:rPr lang="en-US" altLang="zh-CN" sz="2400" dirty="0"/>
-              <a:t>No proposed specific architecture </a:t>
-            </a:r>
-          </a:p>
-          <a:p>
-            <a:r>
-              <a:rPr lang="en-US" altLang="zh-CN" sz="2400" dirty="0"/>
-              <a:t>Not stable enough </a:t>
-            </a:r>
-          </a:p>
-          <a:p>
-            <a:r>
-              <a:rPr lang="en-US" altLang="zh-CN" sz="2400" dirty="0"/>
-              <a:t>Exploration: reason over rules expressed in languages</a:t>
-            </a:r>
-          </a:p>
-        </p:txBody>
-      </p:sp>
-      <p:pic>
-        <p:nvPicPr>
-          <p:cNvPr id="9" name="图片 8">
-            <a:extLst>
-              <a:ext uri="{FF2B5EF4-FFF2-40B4-BE49-F238E27FC236}">
-                <a16:creationId xmlns:a16="http://schemas.microsoft.com/office/drawing/2014/main" id="{66598CCB-D4AC-E64C-B134-44D5A2D8F0F9}"/>
-              </a:ext>
-            </a:extLst>
-          </p:cNvPr>
-          <p:cNvPicPr>
-            <a:picLocks noChangeAspect="1"/>
-          </p:cNvPicPr>
-          <p:nvPr/>
-        </p:nvPicPr>
-        <p:blipFill>
-          <a:blip r:embed="rId2"/>
-          <a:stretch>
-            <a:fillRect/>
-          </a:stretch>
-        </p:blipFill>
-        <p:spPr>
-          <a:xfrm>
-            <a:off x="6957524" y="0"/>
-            <a:ext cx="4377564" cy="6081204"/>
-          </a:xfrm>
-          <a:prstGeom prst="rect">
-            <a:avLst/>
-          </a:prstGeom>
-        </p:spPr>
-      </p:pic>
-      <p:pic>
-        <p:nvPicPr>
-          <p:cNvPr id="6" name="图片 5">
-            <a:extLst>
-              <a:ext uri="{FF2B5EF4-FFF2-40B4-BE49-F238E27FC236}">
-                <a16:creationId xmlns:a16="http://schemas.microsoft.com/office/drawing/2014/main" id="{CB043228-D700-6D41-850D-329978B1AA15}"/>
-              </a:ext>
-            </a:extLst>
-          </p:cNvPr>
-          <p:cNvPicPr>
-            <a:picLocks noChangeAspect="1"/>
-          </p:cNvPicPr>
-          <p:nvPr/>
-        </p:nvPicPr>
-        <p:blipFill>
-          <a:blip r:embed="rId3"/>
-          <a:stretch>
-            <a:fillRect/>
-          </a:stretch>
-        </p:blipFill>
-        <p:spPr>
-          <a:xfrm>
-            <a:off x="6957524" y="94873"/>
-            <a:ext cx="4640322" cy="6081204"/>
-          </a:xfrm>
-          <a:prstGeom prst="rect">
-            <a:avLst/>
-          </a:prstGeom>
-        </p:spPr>
-      </p:pic>
-      <p:pic>
-        <p:nvPicPr>
-          <p:cNvPr id="14" name="图片 13">
-            <a:extLst>
-              <a:ext uri="{FF2B5EF4-FFF2-40B4-BE49-F238E27FC236}">
-                <a16:creationId xmlns:a16="http://schemas.microsoft.com/office/drawing/2014/main" id="{D129F63E-02F3-B64A-A70C-D5F34F35061A}"/>
-              </a:ext>
-            </a:extLst>
-          </p:cNvPr>
-          <p:cNvPicPr>
-            <a:picLocks noChangeAspect="1"/>
-          </p:cNvPicPr>
-          <p:nvPr/>
-        </p:nvPicPr>
-        <p:blipFill>
-          <a:blip r:embed="rId4"/>
-          <a:stretch>
-            <a:fillRect/>
-          </a:stretch>
-        </p:blipFill>
-        <p:spPr>
-          <a:xfrm>
-            <a:off x="6695123" y="94873"/>
-            <a:ext cx="5165124" cy="6279456"/>
-          </a:xfrm>
-          <a:prstGeom prst="rect">
-            <a:avLst/>
-          </a:prstGeom>
-        </p:spPr>
-      </p:pic>
-    </p:spTree>
-    <p:extLst>
-      <p:ext uri="{BB962C8B-B14F-4D97-AF65-F5344CB8AC3E}">
-        <p14:creationId xmlns:p14="http://schemas.microsoft.com/office/powerpoint/2010/main" val="4112315158"/>
-      </p:ext>
-    </p:extLst>
-  </p:cSld>
-  <p:clrMapOvr>
-    <a:masterClrMapping/>
-  </p:clrMapOvr>
-  <p:timing>
-    <p:tnLst>
-      <p:par>
-        <p:cTn id="1" dur="indefinite" restart="never" nodeType="tmRoot">
-          <p:childTnLst>
-            <p:seq concurrent="1" nextAc="seek">
-              <p:cTn id="2" dur="indefinite" nodeType="mainSeq">
-                <p:childTnLst>
-                  <p:par>
-                    <p:cTn id="3" fill="hold">
-                      <p:stCondLst>
-                        <p:cond delay="indefinite"/>
-                      </p:stCondLst>
-                      <p:childTnLst>
-                        <p:par>
-                          <p:cTn id="4" fill="hold">
-                            <p:stCondLst>
-                              <p:cond delay="0"/>
-                            </p:stCondLst>
-                            <p:childTnLst>
-                              <p:par>
-                                <p:cTn id="5" presetID="1" presetClass="entr" presetSubtype="0" fill="hold" nodeType="clickEffect">
-                                  <p:stCondLst>
-                                    <p:cond delay="0"/>
-                                  </p:stCondLst>
-                                  <p:childTnLst>
-                                    <p:set>
-                                      <p:cBhvr>
-                                        <p:cTn id="6" dur="1" fill="hold">
-                                          <p:stCondLst>
-                                            <p:cond delay="0"/>
-                                          </p:stCondLst>
-                                        </p:cTn>
-                                        <p:tgtEl>
-                                          <p:spTgt spid="9"/>
-                                        </p:tgtEl>
-                                        <p:attrNameLst>
-                                          <p:attrName>style.visibility</p:attrName>
-                                        </p:attrNameLst>
-                                      </p:cBhvr>
-                                      <p:to>
-                                        <p:strVal val="visible"/>
-                                      </p:to>
-                                    </p:set>
-                                  </p:childTnLst>
-                                </p:cTn>
-                              </p:par>
-                            </p:childTnLst>
-                          </p:cTn>
-                        </p:par>
-                      </p:childTnLst>
-                    </p:cTn>
-                  </p:par>
-                  <p:par>
-                    <p:cTn id="7" fill="hold">
-                      <p:stCondLst>
-                        <p:cond delay="indefinite"/>
-                      </p:stCondLst>
-                      <p:childTnLst>
-                        <p:par>
-                          <p:cTn id="8" fill="hold">
-                            <p:stCondLst>
-                              <p:cond delay="0"/>
-                            </p:stCondLst>
-                            <p:childTnLst>
-                              <p:par>
-                                <p:cTn id="9" presetID="3" presetClass="entr" presetSubtype="10" fill="hold" nodeType="clickEffect">
-                                  <p:stCondLst>
-                                    <p:cond delay="0"/>
-                                  </p:stCondLst>
-                                  <p:childTnLst>
-                                    <p:set>
-                                      <p:cBhvr>
-                                        <p:cTn id="10" dur="1" fill="hold">
-                                          <p:stCondLst>
-                                            <p:cond delay="0"/>
-                                          </p:stCondLst>
-                                        </p:cTn>
-                                        <p:tgtEl>
-                                          <p:spTgt spid="6"/>
-                                        </p:tgtEl>
-                                        <p:attrNameLst>
-                                          <p:attrName>style.visibility</p:attrName>
-                                        </p:attrNameLst>
-                                      </p:cBhvr>
-                                      <p:to>
-                                        <p:strVal val="visible"/>
-                                      </p:to>
-                                    </p:set>
-                                    <p:animEffect transition="in" filter="blinds(horizontal)">
-                                      <p:cBhvr>
-                                        <p:cTn id="11" dur="500"/>
-                                        <p:tgtEl>
-                                          <p:spTgt spid="6"/>
-                                        </p:tgtEl>
-                                      </p:cBhvr>
-                                    </p:animEffect>
-                                  </p:childTnLst>
-                                </p:cTn>
-                              </p:par>
-                            </p:childTnLst>
-                          </p:cTn>
-                        </p:par>
-                      </p:childTnLst>
-                    </p:cTn>
-                  </p:par>
-                </p:childTnLst>
-              </p:cTn>
-              <p:prevCondLst>
-                <p:cond evt="onPrev" delay="0">
-                  <p:tgtEl>
-                    <p:sldTgt/>
-                  </p:tgtEl>
-                </p:cond>
-              </p:prevCondLst>
-              <p:nextCondLst>
-                <p:cond evt="onNext" delay="0">
-                  <p:tgtEl>
-                    <p:sldTgt/>
-                  </p:tgtEl>
-                </p:cond>
-              </p:nextCondLst>
-            </p:seq>
-          </p:childTnLst>
-        </p:cTn>
-      </p:par>
-    </p:tnLst>
-  </p:timing>
-</p:sld>
-</file>
-
-<file path=ppt/slides/slide14.xml><?xml version="1.0" encoding="utf-8"?>
-<p:sld xmlns:a="http://schemas.openxmlformats.org/drawingml/2006/main" xmlns:r="http://schemas.openxmlformats.org/officeDocument/2006/relationships" xmlns:p="http://schemas.openxmlformats.org/presentationml/2006/main" show="0">
-  <p:cSld>
-    <p:spTree>
-      <p:nvGrpSpPr>
-        <p:cNvPr id="1" name=""/>
-        <p:cNvGrpSpPr/>
-        <p:nvPr/>
-      </p:nvGrpSpPr>
-      <p:grpSpPr>
-        <a:xfrm>
-          <a:off x="0" y="0"/>
-          <a:ext cx="0" cy="0"/>
-          <a:chOff x="0" y="0"/>
-          <a:chExt cx="0" cy="0"/>
-        </a:xfrm>
-      </p:grpSpPr>
-      <p:sp>
-        <p:nvSpPr>
-          <p:cNvPr id="2" name="标题 1">
-            <a:extLst>
-              <a:ext uri="{FF2B5EF4-FFF2-40B4-BE49-F238E27FC236}">
-                <a16:creationId xmlns:a16="http://schemas.microsoft.com/office/drawing/2014/main" id="{76504D81-2599-454B-972B-0E876A941268}"/>
-              </a:ext>
-            </a:extLst>
-          </p:cNvPr>
-          <p:cNvSpPr>
-            <a:spLocks noGrp="1"/>
-          </p:cNvSpPr>
-          <p:nvPr>
-            <p:ph type="title"/>
-          </p:nvPr>
-        </p:nvSpPr>
-        <p:spPr>
-          <a:xfrm>
-            <a:off x="601894" y="241835"/>
-            <a:ext cx="11680722" cy="1325563"/>
-          </a:xfrm>
-        </p:spPr>
-        <p:txBody>
-          <a:bodyPr>
-            <a:normAutofit/>
-          </a:bodyPr>
-          <a:lstStyle/>
-          <a:p>
-            <a:r>
-              <a:rPr lang="en-US" altLang="zh-CN" sz="3200" dirty="0"/>
-              <a:t>DGFN: Dynamically Fused Graph Network for Multi-hop Reasoning</a:t>
-            </a:r>
-            <a:endParaRPr kumimoji="1" lang="en-US" altLang="zh-CN" sz="3200" dirty="0"/>
-          </a:p>
-        </p:txBody>
-      </p:sp>
-      <p:sp>
-        <p:nvSpPr>
-          <p:cNvPr id="4" name="文本框 3">
-            <a:extLst>
-              <a:ext uri="{FF2B5EF4-FFF2-40B4-BE49-F238E27FC236}">
-                <a16:creationId xmlns:a16="http://schemas.microsoft.com/office/drawing/2014/main" id="{BAB2B972-B7A3-9A48-919C-F2A21D1FE180}"/>
-              </a:ext>
-            </a:extLst>
-          </p:cNvPr>
-          <p:cNvSpPr txBox="1"/>
-          <p:nvPr/>
-        </p:nvSpPr>
-        <p:spPr>
-          <a:xfrm>
-            <a:off x="3805882" y="6488438"/>
-            <a:ext cx="9141338" cy="307777"/>
-          </a:xfrm>
-          <a:prstGeom prst="rect">
-            <a:avLst/>
-          </a:prstGeom>
-          <a:noFill/>
-        </p:spPr>
-        <p:txBody>
-          <a:bodyPr wrap="square" rtlCol="0">
-            <a:spAutoFit/>
-          </a:bodyPr>
-          <a:lstStyle/>
-          <a:p>
-            <a:r>
-              <a:rPr lang="en-US" altLang="zh-CN" sz="1400" dirty="0" err="1"/>
-              <a:t>Akari</a:t>
-            </a:r>
-            <a:r>
-              <a:rPr lang="en-US" altLang="zh-CN" sz="1400" dirty="0"/>
-              <a:t> </a:t>
-            </a:r>
-            <a:r>
-              <a:rPr lang="en-US" altLang="zh-CN" sz="1400" dirty="0" err="1"/>
-              <a:t>Asai</a:t>
-            </a:r>
-            <a:r>
-              <a:rPr kumimoji="1" lang="en-US" altLang="zh-CN" sz="1400" dirty="0"/>
-              <a:t>., et al.</a:t>
-            </a:r>
-            <a:r>
-              <a:rPr lang="en-US" altLang="zh-CN" sz="1400" dirty="0"/>
-              <a:t> Learning to Retrieve Reasoning Paths over Wikipedia Graph for Question Answering</a:t>
-            </a:r>
-            <a:r>
-              <a:rPr kumimoji="1" lang="en-US" altLang="zh-CN" sz="1400" dirty="0"/>
-              <a:t>.  2020</a:t>
-            </a:r>
-            <a:endParaRPr kumimoji="1" lang="zh-CN" altLang="en-US" sz="1400" dirty="0"/>
-          </a:p>
-        </p:txBody>
-      </p:sp>
-      <p:sp>
-        <p:nvSpPr>
-          <p:cNvPr id="5" name="内容占位符 2">
-            <a:extLst>
-              <a:ext uri="{FF2B5EF4-FFF2-40B4-BE49-F238E27FC236}">
-                <a16:creationId xmlns:a16="http://schemas.microsoft.com/office/drawing/2014/main" id="{B157B57F-C01F-9E46-90FB-F2584B1992B1}"/>
-              </a:ext>
-            </a:extLst>
-          </p:cNvPr>
-          <p:cNvSpPr txBox="1">
-            <a:spLocks/>
-          </p:cNvSpPr>
-          <p:nvPr/>
-        </p:nvSpPr>
-        <p:spPr>
-          <a:xfrm>
-            <a:off x="601894" y="1590847"/>
-            <a:ext cx="10024916" cy="4351338"/>
-          </a:xfrm>
-          <a:prstGeom prst="rect">
-            <a:avLst/>
-          </a:prstGeom>
-        </p:spPr>
-        <p:txBody>
-          <a:bodyPr vert="horz" lIns="91440" tIns="45720" rIns="91440" bIns="45720" rtlCol="0">
-            <a:normAutofit/>
-          </a:bodyPr>
-          <a:lstStyle>
-            <a:lvl1pPr marL="228600" indent="-228600" algn="l" defTabSz="914400" rtl="0" eaLnBrk="1" latinLnBrk="0" hangingPunct="1">
-              <a:lnSpc>
-                <a:spcPct val="90000"/>
-              </a:lnSpc>
-              <a:spcBef>
-                <a:spcPts val="1000"/>
-              </a:spcBef>
-              <a:buFont typeface="Arial" panose="020B0604020202020204" pitchFamily="34" charset="0"/>
-              <a:buChar char="•"/>
-              <a:defRPr sz="2800" kern="1200">
-                <a:solidFill>
-                  <a:schemeClr val="tx1"/>
-                </a:solidFill>
-                <a:latin typeface="+mn-lt"/>
-                <a:ea typeface="+mn-ea"/>
-                <a:cs typeface="+mn-cs"/>
-              </a:defRPr>
-            </a:lvl1pPr>
-            <a:lvl2pPr marL="685800" indent="-228600" algn="l" defTabSz="914400" rtl="0" eaLnBrk="1" latinLnBrk="0" hangingPunct="1">
-              <a:lnSpc>
-                <a:spcPct val="90000"/>
-              </a:lnSpc>
-              <a:spcBef>
-                <a:spcPts val="500"/>
-              </a:spcBef>
-              <a:buFont typeface="Arial" panose="020B0604020202020204" pitchFamily="34" charset="0"/>
-              <a:buChar char="•"/>
-              <a:defRPr sz="2400" kern="1200">
-                <a:solidFill>
-                  <a:schemeClr val="tx1"/>
-                </a:solidFill>
-                <a:latin typeface="+mn-lt"/>
-                <a:ea typeface="+mn-ea"/>
-                <a:cs typeface="+mn-cs"/>
-              </a:defRPr>
-            </a:lvl2pPr>
-            <a:lvl3pPr marL="1143000" indent="-228600" algn="l" defTabSz="914400" rtl="0" eaLnBrk="1" latinLnBrk="0" hangingPunct="1">
-              <a:lnSpc>
-                <a:spcPct val="90000"/>
-              </a:lnSpc>
-              <a:spcBef>
-                <a:spcPts val="500"/>
-              </a:spcBef>
-              <a:buFont typeface="Arial" panose="020B0604020202020204" pitchFamily="34" charset="0"/>
-              <a:buChar char="•"/>
-              <a:defRPr sz="2000" kern="1200">
-                <a:solidFill>
-                  <a:schemeClr val="tx1"/>
-                </a:solidFill>
-                <a:latin typeface="+mn-lt"/>
-                <a:ea typeface="+mn-ea"/>
-                <a:cs typeface="+mn-cs"/>
-              </a:defRPr>
-            </a:lvl3pPr>
-            <a:lvl4pPr marL="1600200" indent="-228600" algn="l" defTabSz="914400" rtl="0" eaLnBrk="1" latinLnBrk="0" hangingPunct="1">
-              <a:lnSpc>
-                <a:spcPct val="90000"/>
-              </a:lnSpc>
-              <a:spcBef>
-                <a:spcPts val="500"/>
-              </a:spcBef>
-              <a:buFont typeface="Arial" panose="020B0604020202020204" pitchFamily="34" charset="0"/>
-              <a:buChar char="•"/>
-              <a:defRPr sz="1800" kern="1200">
-                <a:solidFill>
-                  <a:schemeClr val="tx1"/>
-                </a:solidFill>
-                <a:latin typeface="+mn-lt"/>
-                <a:ea typeface="+mn-ea"/>
-                <a:cs typeface="+mn-cs"/>
-              </a:defRPr>
-            </a:lvl4pPr>
-            <a:lvl5pPr marL="2057400" indent="-228600" algn="l" defTabSz="914400" rtl="0" eaLnBrk="1" latinLnBrk="0" hangingPunct="1">
-              <a:lnSpc>
-                <a:spcPct val="90000"/>
-              </a:lnSpc>
-              <a:spcBef>
-                <a:spcPts val="500"/>
-              </a:spcBef>
-              <a:buFont typeface="Arial" panose="020B0604020202020204" pitchFamily="34" charset="0"/>
-              <a:buChar char="•"/>
-              <a:defRPr sz="1800" kern="1200">
-                <a:solidFill>
-                  <a:schemeClr val="tx1"/>
-                </a:solidFill>
-                <a:latin typeface="+mn-lt"/>
-                <a:ea typeface="+mn-ea"/>
-                <a:cs typeface="+mn-cs"/>
-              </a:defRPr>
-            </a:lvl5pPr>
-            <a:lvl6pPr marL="2514600" indent="-228600" algn="l" defTabSz="914400" rtl="0" eaLnBrk="1" latinLnBrk="0" hangingPunct="1">
-              <a:lnSpc>
-                <a:spcPct val="90000"/>
-              </a:lnSpc>
-              <a:spcBef>
-                <a:spcPts val="500"/>
-              </a:spcBef>
-              <a:buFont typeface="Arial" panose="020B0604020202020204" pitchFamily="34" charset="0"/>
-              <a:buChar char="•"/>
-              <a:defRPr sz="1800" kern="1200">
-                <a:solidFill>
-                  <a:schemeClr val="tx1"/>
-                </a:solidFill>
-                <a:latin typeface="+mn-lt"/>
-                <a:ea typeface="+mn-ea"/>
-                <a:cs typeface="+mn-cs"/>
-              </a:defRPr>
-            </a:lvl6pPr>
-            <a:lvl7pPr marL="2971800" indent="-228600" algn="l" defTabSz="914400" rtl="0" eaLnBrk="1" latinLnBrk="0" hangingPunct="1">
-              <a:lnSpc>
-                <a:spcPct val="90000"/>
-              </a:lnSpc>
-              <a:spcBef>
-                <a:spcPts val="500"/>
-              </a:spcBef>
-              <a:buFont typeface="Arial" panose="020B0604020202020204" pitchFamily="34" charset="0"/>
-              <a:buChar char="•"/>
-              <a:defRPr sz="1800" kern="1200">
-                <a:solidFill>
-                  <a:schemeClr val="tx1"/>
-                </a:solidFill>
-                <a:latin typeface="+mn-lt"/>
-                <a:ea typeface="+mn-ea"/>
-                <a:cs typeface="+mn-cs"/>
-              </a:defRPr>
-            </a:lvl7pPr>
-            <a:lvl8pPr marL="3429000" indent="-228600" algn="l" defTabSz="914400" rtl="0" eaLnBrk="1" latinLnBrk="0" hangingPunct="1">
-              <a:lnSpc>
-                <a:spcPct val="90000"/>
-              </a:lnSpc>
-              <a:spcBef>
-                <a:spcPts val="500"/>
-              </a:spcBef>
-              <a:buFont typeface="Arial" panose="020B0604020202020204" pitchFamily="34" charset="0"/>
-              <a:buChar char="•"/>
-              <a:defRPr sz="1800" kern="1200">
-                <a:solidFill>
-                  <a:schemeClr val="tx1"/>
-                </a:solidFill>
-                <a:latin typeface="+mn-lt"/>
-                <a:ea typeface="+mn-ea"/>
-                <a:cs typeface="+mn-cs"/>
-              </a:defRPr>
-            </a:lvl8pPr>
-            <a:lvl9pPr marL="3886200" indent="-228600" algn="l" defTabSz="914400" rtl="0" eaLnBrk="1" latinLnBrk="0" hangingPunct="1">
-              <a:lnSpc>
-                <a:spcPct val="90000"/>
-              </a:lnSpc>
-              <a:spcBef>
-                <a:spcPts val="500"/>
-              </a:spcBef>
-              <a:buFont typeface="Arial" panose="020B0604020202020204" pitchFamily="34" charset="0"/>
-              <a:buChar char="•"/>
-              <a:defRPr sz="1800" kern="1200">
-                <a:solidFill>
-                  <a:schemeClr val="tx1"/>
-                </a:solidFill>
-                <a:latin typeface="+mn-lt"/>
-                <a:ea typeface="+mn-ea"/>
-                <a:cs typeface="+mn-cs"/>
-              </a:defRPr>
-            </a:lvl9pPr>
-          </a:lstStyle>
-          <a:p>
-            <a:pPr marL="0" indent="0">
-              <a:buNone/>
-            </a:pPr>
-            <a:endParaRPr lang="en-US" altLang="zh-CN" sz="2400" dirty="0"/>
-          </a:p>
-        </p:txBody>
-      </p:sp>
-    </p:spTree>
-    <p:extLst>
-      <p:ext uri="{BB962C8B-B14F-4D97-AF65-F5344CB8AC3E}">
-        <p14:creationId xmlns:p14="http://schemas.microsoft.com/office/powerpoint/2010/main" val="2063285891"/>
-      </p:ext>
-    </p:extLst>
-  </p:cSld>
-  <p:clrMapOvr>
-    <a:masterClrMapping/>
-  </p:clrMapOvr>
-</p:sld>
-</file>
-
-<file path=ppt/slides/slide15.xml><?xml version="1.0" encoding="utf-8"?>
-<p:sld xmlns:a="http://schemas.openxmlformats.org/drawingml/2006/main" xmlns:r="http://schemas.openxmlformats.org/officeDocument/2006/relationships" xmlns:p="http://schemas.openxmlformats.org/presentationml/2006/main">
-  <p:cSld>
-    <p:spTree>
-      <p:nvGrpSpPr>
-        <p:cNvPr id="1" name=""/>
-        <p:cNvGrpSpPr/>
-        <p:nvPr/>
-      </p:nvGrpSpPr>
-      <p:grpSpPr>
-        <a:xfrm>
-          <a:off x="0" y="0"/>
-          <a:ext cx="0" cy="0"/>
-          <a:chOff x="0" y="0"/>
-          <a:chExt cx="0" cy="0"/>
-        </a:xfrm>
-      </p:grpSpPr>
       <p:pic>
         <p:nvPicPr>
           <p:cNvPr id="8" name="图片 7">
@@ -5416,7 +4324,7 @@
 </p:sld>
 </file>
 
-<file path=ppt/slides/slide16.xml><?xml version="1.0" encoding="utf-8"?>
+<file path=ppt/slides/slide14.xml><?xml version="1.0" encoding="utf-8"?>
 <p:sld xmlns:a="http://schemas.openxmlformats.org/drawingml/2006/main" xmlns:r="http://schemas.openxmlformats.org/officeDocument/2006/relationships" xmlns:p="http://schemas.openxmlformats.org/presentationml/2006/main">
   <p:cSld>
     <p:spTree>
@@ -5585,8 +4493,8 @@
           </a:p>
         </p:txBody>
       </p:sp>
-      <mc:AlternateContent xmlns:mc="http://schemas.openxmlformats.org/markup-compatibility/2006">
-        <mc:Choice xmlns:a14="http://schemas.microsoft.com/office/drawing/2010/main" Requires="a14">
+      <mc:AlternateContent xmlns:mc="http://schemas.openxmlformats.org/markup-compatibility/2006" xmlns:a14="http://schemas.microsoft.com/office/drawing/2010/main">
+        <mc:Choice Requires="a14">
           <p:sp>
             <p:nvSpPr>
               <p:cNvPr id="5" name="内容占位符 2">
@@ -6087,13 +4995,7 @@
                       <a:rPr kumimoji="1" lang="en-US" altLang="zh-CN" b="0" i="1" smtClean="0">
                         <a:latin typeface="Cambria Math" panose="02040503050406030204" pitchFamily="18" charset="0"/>
                       </a:rPr>
-                      <m:t> </m:t>
-                    </m:r>
-                    <m:r>
-                      <a:rPr kumimoji="1" lang="en-US" altLang="zh-CN" b="0" i="1" smtClean="0">
-                        <a:latin typeface="Cambria Math" panose="02040503050406030204" pitchFamily="18" charset="0"/>
-                      </a:rPr>
-                      <m:t>=</m:t>
+                      <m:t> =</m:t>
                     </m:r>
                     <m:d>
                       <m:dPr>
@@ -6240,7 +5142,7 @@
             </p:txBody>
           </p:sp>
         </mc:Choice>
-        <mc:Fallback>
+        <mc:Fallback xmlns="">
           <p:sp>
             <p:nvSpPr>
               <p:cNvPr id="5" name="内容占位符 2">
@@ -6285,8 +5187,8 @@
           </p:sp>
         </mc:Fallback>
       </mc:AlternateContent>
-      <mc:AlternateContent xmlns:mc="http://schemas.openxmlformats.org/markup-compatibility/2006">
-        <mc:Choice xmlns:a14="http://schemas.microsoft.com/office/drawing/2010/main" Requires="a14">
+      <mc:AlternateContent xmlns:mc="http://schemas.openxmlformats.org/markup-compatibility/2006" xmlns:a14="http://schemas.microsoft.com/office/drawing/2010/main">
+        <mc:Choice Requires="a14">
           <p:sp>
             <p:nvSpPr>
               <p:cNvPr id="9" name="文本框 8">
@@ -6597,7 +5499,7 @@
             </p:txBody>
           </p:sp>
         </mc:Choice>
-        <mc:Fallback>
+        <mc:Fallback xmlns="">
           <p:sp>
             <p:nvSpPr>
               <p:cNvPr id="9" name="文本框 8">
@@ -6655,7 +5557,7 @@
 </p:sld>
 </file>
 
-<file path=ppt/slides/slide17.xml><?xml version="1.0" encoding="utf-8"?>
+<file path=ppt/slides/slide15.xml><?xml version="1.0" encoding="utf-8"?>
 <p:sld xmlns:a="http://schemas.openxmlformats.org/drawingml/2006/main" xmlns:r="http://schemas.openxmlformats.org/officeDocument/2006/relationships" xmlns:p="http://schemas.openxmlformats.org/presentationml/2006/main">
   <p:cSld>
     <p:spTree>
@@ -7144,6 +6046,668 @@
 </p:sld>
 </file>
 
+<file path=ppt/slides/slide16.xml><?xml version="1.0" encoding="utf-8"?>
+<p:sld xmlns:a="http://schemas.openxmlformats.org/drawingml/2006/main" xmlns:r="http://schemas.openxmlformats.org/officeDocument/2006/relationships" xmlns:p="http://schemas.openxmlformats.org/presentationml/2006/main">
+  <p:cSld>
+    <p:spTree>
+      <p:nvGrpSpPr>
+        <p:cNvPr id="1" name=""/>
+        <p:cNvGrpSpPr/>
+        <p:nvPr/>
+      </p:nvGrpSpPr>
+      <p:grpSpPr>
+        <a:xfrm>
+          <a:off x="0" y="0"/>
+          <a:ext cx="0" cy="0"/>
+          <a:chOff x="0" y="0"/>
+          <a:chExt cx="0" cy="0"/>
+        </a:xfrm>
+      </p:grpSpPr>
+      <p:sp>
+        <p:nvSpPr>
+          <p:cNvPr id="2" name="标题 1">
+            <a:extLst>
+              <a:ext uri="{FF2B5EF4-FFF2-40B4-BE49-F238E27FC236}">
+                <a16:creationId xmlns:a16="http://schemas.microsoft.com/office/drawing/2014/main" id="{76504D81-2599-454B-972B-0E876A941268}"/>
+              </a:ext>
+            </a:extLst>
+          </p:cNvPr>
+          <p:cNvSpPr>
+            <a:spLocks noGrp="1"/>
+          </p:cNvSpPr>
+          <p:nvPr>
+            <p:ph type="title"/>
+          </p:nvPr>
+        </p:nvSpPr>
+        <p:spPr>
+          <a:xfrm>
+            <a:off x="1450369" y="2491875"/>
+            <a:ext cx="10515600" cy="1325563"/>
+          </a:xfrm>
+        </p:spPr>
+        <p:txBody>
+          <a:bodyPr>
+            <a:noAutofit/>
+          </a:bodyPr>
+          <a:lstStyle/>
+          <a:p>
+            <a:r>
+              <a:rPr kumimoji="1" lang="en-US" altLang="zh-CN" sz="3600" dirty="0"/>
+              <a:t>Case 4:</a:t>
+            </a:r>
+            <a:r>
+              <a:rPr lang="en-US" altLang="zh-CN" dirty="0"/>
+              <a:t> Dynamically Fused Graph Network  </a:t>
+            </a:r>
+            <a:endParaRPr kumimoji="1" lang="zh-CN" altLang="en-US" sz="3600" dirty="0"/>
+          </a:p>
+        </p:txBody>
+      </p:sp>
+    </p:spTree>
+    <p:extLst>
+      <p:ext uri="{BB962C8B-B14F-4D97-AF65-F5344CB8AC3E}">
+        <p14:creationId xmlns:p14="http://schemas.microsoft.com/office/powerpoint/2010/main" val="1393781581"/>
+      </p:ext>
+    </p:extLst>
+  </p:cSld>
+  <p:clrMapOvr>
+    <a:masterClrMapping/>
+  </p:clrMapOvr>
+</p:sld>
+</file>
+
+<file path=ppt/slides/slide17.xml><?xml version="1.0" encoding="utf-8"?>
+<p:sld xmlns:a="http://schemas.openxmlformats.org/drawingml/2006/main" xmlns:r="http://schemas.openxmlformats.org/officeDocument/2006/relationships" xmlns:p="http://schemas.openxmlformats.org/presentationml/2006/main">
+  <p:cSld>
+    <p:spTree>
+      <p:nvGrpSpPr>
+        <p:cNvPr id="1" name=""/>
+        <p:cNvGrpSpPr/>
+        <p:nvPr/>
+      </p:nvGrpSpPr>
+      <p:grpSpPr>
+        <a:xfrm>
+          <a:off x="0" y="0"/>
+          <a:ext cx="0" cy="0"/>
+          <a:chOff x="0" y="0"/>
+          <a:chExt cx="0" cy="0"/>
+        </a:xfrm>
+      </p:grpSpPr>
+      <p:sp>
+        <p:nvSpPr>
+          <p:cNvPr id="2" name="标题 1">
+            <a:extLst>
+              <a:ext uri="{FF2B5EF4-FFF2-40B4-BE49-F238E27FC236}">
+                <a16:creationId xmlns:a16="http://schemas.microsoft.com/office/drawing/2014/main" id="{76504D81-2599-454B-972B-0E876A941268}"/>
+              </a:ext>
+            </a:extLst>
+          </p:cNvPr>
+          <p:cNvSpPr>
+            <a:spLocks noGrp="1"/>
+          </p:cNvSpPr>
+          <p:nvPr>
+            <p:ph type="title"/>
+          </p:nvPr>
+        </p:nvSpPr>
+        <p:spPr>
+          <a:xfrm>
+            <a:off x="601894" y="241835"/>
+            <a:ext cx="10515600" cy="1325563"/>
+          </a:xfrm>
+        </p:spPr>
+        <p:txBody>
+          <a:bodyPr>
+            <a:normAutofit/>
+          </a:bodyPr>
+          <a:lstStyle/>
+          <a:p>
+            <a:r>
+              <a:rPr lang="en-US" altLang="zh-CN" sz="4000" dirty="0"/>
+              <a:t>Dynamically Fused Graph Network </a:t>
+            </a:r>
+          </a:p>
+        </p:txBody>
+      </p:sp>
+      <p:sp>
+        <p:nvSpPr>
+          <p:cNvPr id="4" name="文本框 3">
+            <a:extLst>
+              <a:ext uri="{FF2B5EF4-FFF2-40B4-BE49-F238E27FC236}">
+                <a16:creationId xmlns:a16="http://schemas.microsoft.com/office/drawing/2014/main" id="{BAB2B972-B7A3-9A48-919C-F2A21D1FE180}"/>
+              </a:ext>
+            </a:extLst>
+          </p:cNvPr>
+          <p:cNvSpPr txBox="1"/>
+          <p:nvPr/>
+        </p:nvSpPr>
+        <p:spPr>
+          <a:xfrm>
+            <a:off x="3805882" y="6488438"/>
+            <a:ext cx="9141338" cy="307777"/>
+          </a:xfrm>
+          <a:prstGeom prst="rect">
+            <a:avLst/>
+          </a:prstGeom>
+          <a:noFill/>
+        </p:spPr>
+        <p:txBody>
+          <a:bodyPr wrap="square" rtlCol="0">
+            <a:spAutoFit/>
+          </a:bodyPr>
+          <a:lstStyle/>
+          <a:p>
+            <a:r>
+              <a:rPr lang="en-US" altLang="zh-CN" sz="1400" dirty="0" err="1"/>
+              <a:t>Akari</a:t>
+            </a:r>
+            <a:r>
+              <a:rPr lang="en-US" altLang="zh-CN" sz="1400" dirty="0"/>
+              <a:t> </a:t>
+            </a:r>
+            <a:r>
+              <a:rPr lang="en-US" altLang="zh-CN" sz="1400" dirty="0" err="1"/>
+              <a:t>Asai</a:t>
+            </a:r>
+            <a:r>
+              <a:rPr kumimoji="1" lang="en-US" altLang="zh-CN" sz="1400" dirty="0"/>
+              <a:t>., et al.</a:t>
+            </a:r>
+            <a:r>
+              <a:rPr lang="en-US" altLang="zh-CN" sz="1400" dirty="0"/>
+              <a:t> Learning to Retrieve Reasoning Paths over Wikipedia Graph for Question Answering</a:t>
+            </a:r>
+            <a:r>
+              <a:rPr kumimoji="1" lang="en-US" altLang="zh-CN" sz="1400" dirty="0"/>
+              <a:t>.  2020</a:t>
+            </a:r>
+            <a:endParaRPr kumimoji="1" lang="zh-CN" altLang="en-US" sz="1400" dirty="0"/>
+          </a:p>
+        </p:txBody>
+      </p:sp>
+      <p:sp>
+        <p:nvSpPr>
+          <p:cNvPr id="11" name="内容占位符 2">
+            <a:extLst>
+              <a:ext uri="{FF2B5EF4-FFF2-40B4-BE49-F238E27FC236}">
+                <a16:creationId xmlns:a16="http://schemas.microsoft.com/office/drawing/2014/main" id="{1A314347-2196-1E4A-96C5-DADBB3D30CA5}"/>
+              </a:ext>
+            </a:extLst>
+          </p:cNvPr>
+          <p:cNvSpPr txBox="1">
+            <a:spLocks/>
+          </p:cNvSpPr>
+          <p:nvPr/>
+        </p:nvSpPr>
+        <p:spPr>
+          <a:xfrm>
+            <a:off x="490684" y="1852249"/>
+            <a:ext cx="10024916" cy="4351338"/>
+          </a:xfrm>
+          <a:prstGeom prst="rect">
+            <a:avLst/>
+          </a:prstGeom>
+        </p:spPr>
+        <p:txBody>
+          <a:bodyPr vert="horz" lIns="91440" tIns="45720" rIns="91440" bIns="45720" rtlCol="0">
+            <a:normAutofit/>
+          </a:bodyPr>
+          <a:lstStyle>
+            <a:lvl1pPr marL="228600" indent="-228600" algn="l" defTabSz="914400" rtl="0" eaLnBrk="1" latinLnBrk="0" hangingPunct="1">
+              <a:lnSpc>
+                <a:spcPct val="90000"/>
+              </a:lnSpc>
+              <a:spcBef>
+                <a:spcPts val="1000"/>
+              </a:spcBef>
+              <a:buFont typeface="Arial" panose="020B0604020202020204" pitchFamily="34" charset="0"/>
+              <a:buChar char="•"/>
+              <a:defRPr sz="2800" kern="1200">
+                <a:solidFill>
+                  <a:schemeClr val="tx1"/>
+                </a:solidFill>
+                <a:latin typeface="+mn-lt"/>
+                <a:ea typeface="+mn-ea"/>
+                <a:cs typeface="+mn-cs"/>
+              </a:defRPr>
+            </a:lvl1pPr>
+            <a:lvl2pPr marL="685800" indent="-228600" algn="l" defTabSz="914400" rtl="0" eaLnBrk="1" latinLnBrk="0" hangingPunct="1">
+              <a:lnSpc>
+                <a:spcPct val="90000"/>
+              </a:lnSpc>
+              <a:spcBef>
+                <a:spcPts val="500"/>
+              </a:spcBef>
+              <a:buFont typeface="Arial" panose="020B0604020202020204" pitchFamily="34" charset="0"/>
+              <a:buChar char="•"/>
+              <a:defRPr sz="2400" kern="1200">
+                <a:solidFill>
+                  <a:schemeClr val="tx1"/>
+                </a:solidFill>
+                <a:latin typeface="+mn-lt"/>
+                <a:ea typeface="+mn-ea"/>
+                <a:cs typeface="+mn-cs"/>
+              </a:defRPr>
+            </a:lvl2pPr>
+            <a:lvl3pPr marL="1143000" indent="-228600" algn="l" defTabSz="914400" rtl="0" eaLnBrk="1" latinLnBrk="0" hangingPunct="1">
+              <a:lnSpc>
+                <a:spcPct val="90000"/>
+              </a:lnSpc>
+              <a:spcBef>
+                <a:spcPts val="500"/>
+              </a:spcBef>
+              <a:buFont typeface="Arial" panose="020B0604020202020204" pitchFamily="34" charset="0"/>
+              <a:buChar char="•"/>
+              <a:defRPr sz="2000" kern="1200">
+                <a:solidFill>
+                  <a:schemeClr val="tx1"/>
+                </a:solidFill>
+                <a:latin typeface="+mn-lt"/>
+                <a:ea typeface="+mn-ea"/>
+                <a:cs typeface="+mn-cs"/>
+              </a:defRPr>
+            </a:lvl3pPr>
+            <a:lvl4pPr marL="1600200" indent="-228600" algn="l" defTabSz="914400" rtl="0" eaLnBrk="1" latinLnBrk="0" hangingPunct="1">
+              <a:lnSpc>
+                <a:spcPct val="90000"/>
+              </a:lnSpc>
+              <a:spcBef>
+                <a:spcPts val="500"/>
+              </a:spcBef>
+              <a:buFont typeface="Arial" panose="020B0604020202020204" pitchFamily="34" charset="0"/>
+              <a:buChar char="•"/>
+              <a:defRPr sz="1800" kern="1200">
+                <a:solidFill>
+                  <a:schemeClr val="tx1"/>
+                </a:solidFill>
+                <a:latin typeface="+mn-lt"/>
+                <a:ea typeface="+mn-ea"/>
+                <a:cs typeface="+mn-cs"/>
+              </a:defRPr>
+            </a:lvl4pPr>
+            <a:lvl5pPr marL="2057400" indent="-228600" algn="l" defTabSz="914400" rtl="0" eaLnBrk="1" latinLnBrk="0" hangingPunct="1">
+              <a:lnSpc>
+                <a:spcPct val="90000"/>
+              </a:lnSpc>
+              <a:spcBef>
+                <a:spcPts val="500"/>
+              </a:spcBef>
+              <a:buFont typeface="Arial" panose="020B0604020202020204" pitchFamily="34" charset="0"/>
+              <a:buChar char="•"/>
+              <a:defRPr sz="1800" kern="1200">
+                <a:solidFill>
+                  <a:schemeClr val="tx1"/>
+                </a:solidFill>
+                <a:latin typeface="+mn-lt"/>
+                <a:ea typeface="+mn-ea"/>
+                <a:cs typeface="+mn-cs"/>
+              </a:defRPr>
+            </a:lvl5pPr>
+            <a:lvl6pPr marL="2514600" indent="-228600" algn="l" defTabSz="914400" rtl="0" eaLnBrk="1" latinLnBrk="0" hangingPunct="1">
+              <a:lnSpc>
+                <a:spcPct val="90000"/>
+              </a:lnSpc>
+              <a:spcBef>
+                <a:spcPts val="500"/>
+              </a:spcBef>
+              <a:buFont typeface="Arial" panose="020B0604020202020204" pitchFamily="34" charset="0"/>
+              <a:buChar char="•"/>
+              <a:defRPr sz="1800" kern="1200">
+                <a:solidFill>
+                  <a:schemeClr val="tx1"/>
+                </a:solidFill>
+                <a:latin typeface="+mn-lt"/>
+                <a:ea typeface="+mn-ea"/>
+                <a:cs typeface="+mn-cs"/>
+              </a:defRPr>
+            </a:lvl6pPr>
+            <a:lvl7pPr marL="2971800" indent="-228600" algn="l" defTabSz="914400" rtl="0" eaLnBrk="1" latinLnBrk="0" hangingPunct="1">
+              <a:lnSpc>
+                <a:spcPct val="90000"/>
+              </a:lnSpc>
+              <a:spcBef>
+                <a:spcPts val="500"/>
+              </a:spcBef>
+              <a:buFont typeface="Arial" panose="020B0604020202020204" pitchFamily="34" charset="0"/>
+              <a:buChar char="•"/>
+              <a:defRPr sz="1800" kern="1200">
+                <a:solidFill>
+                  <a:schemeClr val="tx1"/>
+                </a:solidFill>
+                <a:latin typeface="+mn-lt"/>
+                <a:ea typeface="+mn-ea"/>
+                <a:cs typeface="+mn-cs"/>
+              </a:defRPr>
+            </a:lvl7pPr>
+            <a:lvl8pPr marL="3429000" indent="-228600" algn="l" defTabSz="914400" rtl="0" eaLnBrk="1" latinLnBrk="0" hangingPunct="1">
+              <a:lnSpc>
+                <a:spcPct val="90000"/>
+              </a:lnSpc>
+              <a:spcBef>
+                <a:spcPts val="500"/>
+              </a:spcBef>
+              <a:buFont typeface="Arial" panose="020B0604020202020204" pitchFamily="34" charset="0"/>
+              <a:buChar char="•"/>
+              <a:defRPr sz="1800" kern="1200">
+                <a:solidFill>
+                  <a:schemeClr val="tx1"/>
+                </a:solidFill>
+                <a:latin typeface="+mn-lt"/>
+                <a:ea typeface="+mn-ea"/>
+                <a:cs typeface="+mn-cs"/>
+              </a:defRPr>
+            </a:lvl8pPr>
+            <a:lvl9pPr marL="3886200" indent="-228600" algn="l" defTabSz="914400" rtl="0" eaLnBrk="1" latinLnBrk="0" hangingPunct="1">
+              <a:lnSpc>
+                <a:spcPct val="90000"/>
+              </a:lnSpc>
+              <a:spcBef>
+                <a:spcPts val="500"/>
+              </a:spcBef>
+              <a:buFont typeface="Arial" panose="020B0604020202020204" pitchFamily="34" charset="0"/>
+              <a:buChar char="•"/>
+              <a:defRPr sz="1800" kern="1200">
+                <a:solidFill>
+                  <a:schemeClr val="tx1"/>
+                </a:solidFill>
+                <a:latin typeface="+mn-lt"/>
+                <a:ea typeface="+mn-ea"/>
+                <a:cs typeface="+mn-cs"/>
+              </a:defRPr>
+            </a:lvl9pPr>
+          </a:lstStyle>
+          <a:p>
+            <a:endParaRPr lang="en-US" altLang="zh-CN" sz="2400" dirty="0"/>
+          </a:p>
+        </p:txBody>
+      </p:sp>
+      <p:pic>
+        <p:nvPicPr>
+          <p:cNvPr id="8" name="图片 7">
+            <a:extLst>
+              <a:ext uri="{FF2B5EF4-FFF2-40B4-BE49-F238E27FC236}">
+                <a16:creationId xmlns:a16="http://schemas.microsoft.com/office/drawing/2014/main" id="{09936DE5-5966-D841-BBF8-F22C30D086CE}"/>
+              </a:ext>
+            </a:extLst>
+          </p:cNvPr>
+          <p:cNvPicPr>
+            <a:picLocks noChangeAspect="1"/>
+          </p:cNvPicPr>
+          <p:nvPr/>
+        </p:nvPicPr>
+        <p:blipFill>
+          <a:blip r:embed="rId2"/>
+          <a:stretch>
+            <a:fillRect/>
+          </a:stretch>
+        </p:blipFill>
+        <p:spPr>
+          <a:xfrm>
+            <a:off x="5859694" y="1224824"/>
+            <a:ext cx="4292600" cy="4914900"/>
+          </a:xfrm>
+          <a:prstGeom prst="rect">
+            <a:avLst/>
+          </a:prstGeom>
+        </p:spPr>
+      </p:pic>
+      <p:sp>
+        <p:nvSpPr>
+          <p:cNvPr id="13" name="内容占位符 2">
+            <a:extLst>
+              <a:ext uri="{FF2B5EF4-FFF2-40B4-BE49-F238E27FC236}">
+                <a16:creationId xmlns:a16="http://schemas.microsoft.com/office/drawing/2014/main" id="{F4AE5EA5-0432-9A41-A3B5-5CE282D54D11}"/>
+              </a:ext>
+            </a:extLst>
+          </p:cNvPr>
+          <p:cNvSpPr txBox="1">
+            <a:spLocks/>
+          </p:cNvSpPr>
+          <p:nvPr/>
+        </p:nvSpPr>
+        <p:spPr>
+          <a:xfrm>
+            <a:off x="847236" y="2264827"/>
+            <a:ext cx="10024916" cy="4351338"/>
+          </a:xfrm>
+          <a:prstGeom prst="rect">
+            <a:avLst/>
+          </a:prstGeom>
+        </p:spPr>
+        <p:txBody>
+          <a:bodyPr vert="horz" lIns="91440" tIns="45720" rIns="91440" bIns="45720" rtlCol="0">
+            <a:normAutofit/>
+          </a:bodyPr>
+          <a:lstStyle>
+            <a:lvl1pPr marL="228600" indent="-228600" algn="l" defTabSz="914400" rtl="0" eaLnBrk="1" latinLnBrk="0" hangingPunct="1">
+              <a:lnSpc>
+                <a:spcPct val="90000"/>
+              </a:lnSpc>
+              <a:spcBef>
+                <a:spcPts val="1000"/>
+              </a:spcBef>
+              <a:buFont typeface="Arial" panose="020B0604020202020204" pitchFamily="34" charset="0"/>
+              <a:buChar char="•"/>
+              <a:defRPr sz="2800" kern="1200">
+                <a:solidFill>
+                  <a:schemeClr val="tx1"/>
+                </a:solidFill>
+                <a:latin typeface="+mn-lt"/>
+                <a:ea typeface="+mn-ea"/>
+                <a:cs typeface="+mn-cs"/>
+              </a:defRPr>
+            </a:lvl1pPr>
+            <a:lvl2pPr marL="685800" indent="-228600" algn="l" defTabSz="914400" rtl="0" eaLnBrk="1" latinLnBrk="0" hangingPunct="1">
+              <a:lnSpc>
+                <a:spcPct val="90000"/>
+              </a:lnSpc>
+              <a:spcBef>
+                <a:spcPts val="500"/>
+              </a:spcBef>
+              <a:buFont typeface="Arial" panose="020B0604020202020204" pitchFamily="34" charset="0"/>
+              <a:buChar char="•"/>
+              <a:defRPr sz="2400" kern="1200">
+                <a:solidFill>
+                  <a:schemeClr val="tx1"/>
+                </a:solidFill>
+                <a:latin typeface="+mn-lt"/>
+                <a:ea typeface="+mn-ea"/>
+                <a:cs typeface="+mn-cs"/>
+              </a:defRPr>
+            </a:lvl2pPr>
+            <a:lvl3pPr marL="1143000" indent="-228600" algn="l" defTabSz="914400" rtl="0" eaLnBrk="1" latinLnBrk="0" hangingPunct="1">
+              <a:lnSpc>
+                <a:spcPct val="90000"/>
+              </a:lnSpc>
+              <a:spcBef>
+                <a:spcPts val="500"/>
+              </a:spcBef>
+              <a:buFont typeface="Arial" panose="020B0604020202020204" pitchFamily="34" charset="0"/>
+              <a:buChar char="•"/>
+              <a:defRPr sz="2000" kern="1200">
+                <a:solidFill>
+                  <a:schemeClr val="tx1"/>
+                </a:solidFill>
+                <a:latin typeface="+mn-lt"/>
+                <a:ea typeface="+mn-ea"/>
+                <a:cs typeface="+mn-cs"/>
+              </a:defRPr>
+            </a:lvl3pPr>
+            <a:lvl4pPr marL="1600200" indent="-228600" algn="l" defTabSz="914400" rtl="0" eaLnBrk="1" latinLnBrk="0" hangingPunct="1">
+              <a:lnSpc>
+                <a:spcPct val="90000"/>
+              </a:lnSpc>
+              <a:spcBef>
+                <a:spcPts val="500"/>
+              </a:spcBef>
+              <a:buFont typeface="Arial" panose="020B0604020202020204" pitchFamily="34" charset="0"/>
+              <a:buChar char="•"/>
+              <a:defRPr sz="1800" kern="1200">
+                <a:solidFill>
+                  <a:schemeClr val="tx1"/>
+                </a:solidFill>
+                <a:latin typeface="+mn-lt"/>
+                <a:ea typeface="+mn-ea"/>
+                <a:cs typeface="+mn-cs"/>
+              </a:defRPr>
+            </a:lvl4pPr>
+            <a:lvl5pPr marL="2057400" indent="-228600" algn="l" defTabSz="914400" rtl="0" eaLnBrk="1" latinLnBrk="0" hangingPunct="1">
+              <a:lnSpc>
+                <a:spcPct val="90000"/>
+              </a:lnSpc>
+              <a:spcBef>
+                <a:spcPts val="500"/>
+              </a:spcBef>
+              <a:buFont typeface="Arial" panose="020B0604020202020204" pitchFamily="34" charset="0"/>
+              <a:buChar char="•"/>
+              <a:defRPr sz="1800" kern="1200">
+                <a:solidFill>
+                  <a:schemeClr val="tx1"/>
+                </a:solidFill>
+                <a:latin typeface="+mn-lt"/>
+                <a:ea typeface="+mn-ea"/>
+                <a:cs typeface="+mn-cs"/>
+              </a:defRPr>
+            </a:lvl5pPr>
+            <a:lvl6pPr marL="2514600" indent="-228600" algn="l" defTabSz="914400" rtl="0" eaLnBrk="1" latinLnBrk="0" hangingPunct="1">
+              <a:lnSpc>
+                <a:spcPct val="90000"/>
+              </a:lnSpc>
+              <a:spcBef>
+                <a:spcPts val="500"/>
+              </a:spcBef>
+              <a:buFont typeface="Arial" panose="020B0604020202020204" pitchFamily="34" charset="0"/>
+              <a:buChar char="•"/>
+              <a:defRPr sz="1800" kern="1200">
+                <a:solidFill>
+                  <a:schemeClr val="tx1"/>
+                </a:solidFill>
+                <a:latin typeface="+mn-lt"/>
+                <a:ea typeface="+mn-ea"/>
+                <a:cs typeface="+mn-cs"/>
+              </a:defRPr>
+            </a:lvl6pPr>
+            <a:lvl7pPr marL="2971800" indent="-228600" algn="l" defTabSz="914400" rtl="0" eaLnBrk="1" latinLnBrk="0" hangingPunct="1">
+              <a:lnSpc>
+                <a:spcPct val="90000"/>
+              </a:lnSpc>
+              <a:spcBef>
+                <a:spcPts val="500"/>
+              </a:spcBef>
+              <a:buFont typeface="Arial" panose="020B0604020202020204" pitchFamily="34" charset="0"/>
+              <a:buChar char="•"/>
+              <a:defRPr sz="1800" kern="1200">
+                <a:solidFill>
+                  <a:schemeClr val="tx1"/>
+                </a:solidFill>
+                <a:latin typeface="+mn-lt"/>
+                <a:ea typeface="+mn-ea"/>
+                <a:cs typeface="+mn-cs"/>
+              </a:defRPr>
+            </a:lvl7pPr>
+            <a:lvl8pPr marL="3429000" indent="-228600" algn="l" defTabSz="914400" rtl="0" eaLnBrk="1" latinLnBrk="0" hangingPunct="1">
+              <a:lnSpc>
+                <a:spcPct val="90000"/>
+              </a:lnSpc>
+              <a:spcBef>
+                <a:spcPts val="500"/>
+              </a:spcBef>
+              <a:buFont typeface="Arial" panose="020B0604020202020204" pitchFamily="34" charset="0"/>
+              <a:buChar char="•"/>
+              <a:defRPr sz="1800" kern="1200">
+                <a:solidFill>
+                  <a:schemeClr val="tx1"/>
+                </a:solidFill>
+                <a:latin typeface="+mn-lt"/>
+                <a:ea typeface="+mn-ea"/>
+                <a:cs typeface="+mn-cs"/>
+              </a:defRPr>
+            </a:lvl8pPr>
+            <a:lvl9pPr marL="3886200" indent="-228600" algn="l" defTabSz="914400" rtl="0" eaLnBrk="1" latinLnBrk="0" hangingPunct="1">
+              <a:lnSpc>
+                <a:spcPct val="90000"/>
+              </a:lnSpc>
+              <a:spcBef>
+                <a:spcPts val="500"/>
+              </a:spcBef>
+              <a:buFont typeface="Arial" panose="020B0604020202020204" pitchFamily="34" charset="0"/>
+              <a:buChar char="•"/>
+              <a:defRPr sz="1800" kern="1200">
+                <a:solidFill>
+                  <a:schemeClr val="tx1"/>
+                </a:solidFill>
+                <a:latin typeface="+mn-lt"/>
+                <a:ea typeface="+mn-ea"/>
+                <a:cs typeface="+mn-cs"/>
+              </a:defRPr>
+            </a:lvl9pPr>
+          </a:lstStyle>
+          <a:p>
+            <a:r>
+              <a:rPr lang="en-US" altLang="zh-CN" sz="2400" dirty="0"/>
+              <a:t>No global knowledge base</a:t>
+            </a:r>
+          </a:p>
+          <a:p>
+            <a:r>
+              <a:rPr lang="en-US" altLang="zh-CN" sz="2400" dirty="0"/>
+              <a:t>Construct the entity graph </a:t>
+            </a:r>
+          </a:p>
+          <a:p>
+            <a:pPr lvl="1"/>
+            <a:r>
+              <a:rPr lang="en-US" altLang="zh-CN" sz="2000" dirty="0"/>
+              <a:t>Edges are added in two cases</a:t>
+            </a:r>
+          </a:p>
+          <a:p>
+            <a:pPr lvl="2"/>
+            <a:r>
+              <a:rPr lang="en-US" altLang="zh-CN" sz="1600" dirty="0"/>
+              <a:t>Appear in the same sentence</a:t>
+            </a:r>
+          </a:p>
+          <a:p>
+            <a:pPr lvl="2"/>
+            <a:r>
+              <a:rPr lang="en-US" altLang="zh-CN" sz="1600" dirty="0"/>
+              <a:t>Same mention text in Context</a:t>
+            </a:r>
+          </a:p>
+          <a:p>
+            <a:pPr lvl="2"/>
+            <a:r>
+              <a:rPr lang="en-US" altLang="zh-CN" sz="1600" dirty="0"/>
+              <a:t>Between a central entity and other </a:t>
+            </a:r>
+          </a:p>
+          <a:p>
+            <a:r>
+              <a:rPr lang="en-US" altLang="zh-CN" sz="2400" dirty="0"/>
+              <a:t>Encoding query and context</a:t>
+            </a:r>
+          </a:p>
+          <a:p>
+            <a:r>
+              <a:rPr lang="en-US" altLang="zh-CN" sz="2400" dirty="0"/>
+              <a:t>Fusing block</a:t>
+            </a:r>
+          </a:p>
+        </p:txBody>
+      </p:sp>
+    </p:spTree>
+    <p:extLst>
+      <p:ext uri="{BB962C8B-B14F-4D97-AF65-F5344CB8AC3E}">
+        <p14:creationId xmlns:p14="http://schemas.microsoft.com/office/powerpoint/2010/main" val="66717866"/>
+      </p:ext>
+    </p:extLst>
+  </p:cSld>
+  <p:clrMapOvr>
+    <a:masterClrMapping/>
+  </p:clrMapOvr>
+</p:sld>
+</file>
+
 <file path=ppt/slides/slide18.xml><?xml version="1.0" encoding="utf-8"?>
 <p:sld xmlns:a="http://schemas.openxmlformats.org/drawingml/2006/main" xmlns:r="http://schemas.openxmlformats.org/officeDocument/2006/relationships" xmlns:p="http://schemas.openxmlformats.org/presentationml/2006/main">
   <p:cSld>
@@ -7163,10 +6727,10 @@
       </p:grpSpPr>
       <p:pic>
         <p:nvPicPr>
-          <p:cNvPr id="6" name="图片 5">
-            <a:extLst>
-              <a:ext uri="{FF2B5EF4-FFF2-40B4-BE49-F238E27FC236}">
-                <a16:creationId xmlns:a16="http://schemas.microsoft.com/office/drawing/2014/main" id="{5B361090-ACF9-C546-8CDD-2D2644D0D2F1}"/>
+          <p:cNvPr id="5" name="图片 4">
+            <a:extLst>
+              <a:ext uri="{FF2B5EF4-FFF2-40B4-BE49-F238E27FC236}">
+                <a16:creationId xmlns:a16="http://schemas.microsoft.com/office/drawing/2014/main" id="{E1AAB895-F623-7344-AF5A-1A9F8B7ACD05}"/>
               </a:ext>
             </a:extLst>
           </p:cNvPr>
@@ -7183,8 +6747,8 @@
         </p:blipFill>
         <p:spPr>
           <a:xfrm>
-            <a:off x="1369257" y="2102139"/>
-            <a:ext cx="9257553" cy="3851557"/>
+            <a:off x="6885053" y="1672199"/>
+            <a:ext cx="5435600" cy="3721100"/>
           </a:xfrm>
           <a:prstGeom prst="rect">
             <a:avLst/>
@@ -7221,9 +6785,8 @@
           <a:p>
             <a:r>
               <a:rPr lang="en-US" altLang="zh-CN" sz="4000" dirty="0"/>
-              <a:t>Retrieve Reasoning Paths</a:t>
-            </a:r>
-            <a:endParaRPr kumimoji="1" lang="en-US" altLang="zh-CN" sz="4000" dirty="0"/>
+              <a:t>Dynamically Fused Graph Network </a:t>
+            </a:r>
           </a:p>
         </p:txBody>
       </p:sp>
@@ -7285,10 +6848,10 @@
       </p:sp>
       <p:sp>
         <p:nvSpPr>
-          <p:cNvPr id="5" name="内容占位符 2">
-            <a:extLst>
-              <a:ext uri="{FF2B5EF4-FFF2-40B4-BE49-F238E27FC236}">
-                <a16:creationId xmlns:a16="http://schemas.microsoft.com/office/drawing/2014/main" id="{B157B57F-C01F-9E46-90FB-F2584B1992B1}"/>
+          <p:cNvPr id="11" name="内容占位符 2">
+            <a:extLst>
+              <a:ext uri="{FF2B5EF4-FFF2-40B4-BE49-F238E27FC236}">
+                <a16:creationId xmlns:a16="http://schemas.microsoft.com/office/drawing/2014/main" id="{1A314347-2196-1E4A-96C5-DADBB3D30CA5}"/>
               </a:ext>
             </a:extLst>
           </p:cNvPr>
@@ -7299,7 +6862,7 @@
         </p:nvSpPr>
         <p:spPr>
           <a:xfrm>
-            <a:off x="601894" y="1590847"/>
+            <a:off x="490684" y="1852249"/>
             <a:ext cx="10024916" cy="4351338"/>
           </a:xfrm>
           <a:prstGeom prst="rect">
@@ -7475,15 +7038,280 @@
             </a:lvl9pPr>
           </a:lstStyle>
           <a:p>
+            <a:endParaRPr lang="en-US" altLang="zh-CN" sz="2400" dirty="0"/>
+          </a:p>
+        </p:txBody>
+      </p:sp>
+      <p:sp>
+        <p:nvSpPr>
+          <p:cNvPr id="13" name="内容占位符 2">
+            <a:extLst>
+              <a:ext uri="{FF2B5EF4-FFF2-40B4-BE49-F238E27FC236}">
+                <a16:creationId xmlns:a16="http://schemas.microsoft.com/office/drawing/2014/main" id="{F4AE5EA5-0432-9A41-A3B5-5CE282D54D11}"/>
+              </a:ext>
+            </a:extLst>
+          </p:cNvPr>
+          <p:cNvSpPr txBox="1">
+            <a:spLocks/>
+          </p:cNvSpPr>
+          <p:nvPr/>
+        </p:nvSpPr>
+        <p:spPr>
+          <a:xfrm>
+            <a:off x="490684" y="2137100"/>
+            <a:ext cx="10024916" cy="4351338"/>
+          </a:xfrm>
+          <a:prstGeom prst="rect">
+            <a:avLst/>
+          </a:prstGeom>
+        </p:spPr>
+        <p:txBody>
+          <a:bodyPr vert="horz" lIns="91440" tIns="45720" rIns="91440" bIns="45720" rtlCol="0">
+            <a:normAutofit/>
+          </a:bodyPr>
+          <a:lstStyle>
+            <a:lvl1pPr marL="228600" indent="-228600" algn="l" defTabSz="914400" rtl="0" eaLnBrk="1" latinLnBrk="0" hangingPunct="1">
+              <a:lnSpc>
+                <a:spcPct val="90000"/>
+              </a:lnSpc>
+              <a:spcBef>
+                <a:spcPts val="1000"/>
+              </a:spcBef>
+              <a:buFont typeface="Arial" panose="020B0604020202020204" pitchFamily="34" charset="0"/>
+              <a:buChar char="•"/>
+              <a:defRPr sz="2800" kern="1200">
+                <a:solidFill>
+                  <a:schemeClr val="tx1"/>
+                </a:solidFill>
+                <a:latin typeface="+mn-lt"/>
+                <a:ea typeface="+mn-ea"/>
+                <a:cs typeface="+mn-cs"/>
+              </a:defRPr>
+            </a:lvl1pPr>
+            <a:lvl2pPr marL="685800" indent="-228600" algn="l" defTabSz="914400" rtl="0" eaLnBrk="1" latinLnBrk="0" hangingPunct="1">
+              <a:lnSpc>
+                <a:spcPct val="90000"/>
+              </a:lnSpc>
+              <a:spcBef>
+                <a:spcPts val="500"/>
+              </a:spcBef>
+              <a:buFont typeface="Arial" panose="020B0604020202020204" pitchFamily="34" charset="0"/>
+              <a:buChar char="•"/>
+              <a:defRPr sz="2400" kern="1200">
+                <a:solidFill>
+                  <a:schemeClr val="tx1"/>
+                </a:solidFill>
+                <a:latin typeface="+mn-lt"/>
+                <a:ea typeface="+mn-ea"/>
+                <a:cs typeface="+mn-cs"/>
+              </a:defRPr>
+            </a:lvl2pPr>
+            <a:lvl3pPr marL="1143000" indent="-228600" algn="l" defTabSz="914400" rtl="0" eaLnBrk="1" latinLnBrk="0" hangingPunct="1">
+              <a:lnSpc>
+                <a:spcPct val="90000"/>
+              </a:lnSpc>
+              <a:spcBef>
+                <a:spcPts val="500"/>
+              </a:spcBef>
+              <a:buFont typeface="Arial" panose="020B0604020202020204" pitchFamily="34" charset="0"/>
+              <a:buChar char="•"/>
+              <a:defRPr sz="2000" kern="1200">
+                <a:solidFill>
+                  <a:schemeClr val="tx1"/>
+                </a:solidFill>
+                <a:latin typeface="+mn-lt"/>
+                <a:ea typeface="+mn-ea"/>
+                <a:cs typeface="+mn-cs"/>
+              </a:defRPr>
+            </a:lvl3pPr>
+            <a:lvl4pPr marL="1600200" indent="-228600" algn="l" defTabSz="914400" rtl="0" eaLnBrk="1" latinLnBrk="0" hangingPunct="1">
+              <a:lnSpc>
+                <a:spcPct val="90000"/>
+              </a:lnSpc>
+              <a:spcBef>
+                <a:spcPts val="500"/>
+              </a:spcBef>
+              <a:buFont typeface="Arial" panose="020B0604020202020204" pitchFamily="34" charset="0"/>
+              <a:buChar char="•"/>
+              <a:defRPr sz="1800" kern="1200">
+                <a:solidFill>
+                  <a:schemeClr val="tx1"/>
+                </a:solidFill>
+                <a:latin typeface="+mn-lt"/>
+                <a:ea typeface="+mn-ea"/>
+                <a:cs typeface="+mn-cs"/>
+              </a:defRPr>
+            </a:lvl4pPr>
+            <a:lvl5pPr marL="2057400" indent="-228600" algn="l" defTabSz="914400" rtl="0" eaLnBrk="1" latinLnBrk="0" hangingPunct="1">
+              <a:lnSpc>
+                <a:spcPct val="90000"/>
+              </a:lnSpc>
+              <a:spcBef>
+                <a:spcPts val="500"/>
+              </a:spcBef>
+              <a:buFont typeface="Arial" panose="020B0604020202020204" pitchFamily="34" charset="0"/>
+              <a:buChar char="•"/>
+              <a:defRPr sz="1800" kern="1200">
+                <a:solidFill>
+                  <a:schemeClr val="tx1"/>
+                </a:solidFill>
+                <a:latin typeface="+mn-lt"/>
+                <a:ea typeface="+mn-ea"/>
+                <a:cs typeface="+mn-cs"/>
+              </a:defRPr>
+            </a:lvl5pPr>
+            <a:lvl6pPr marL="2514600" indent="-228600" algn="l" defTabSz="914400" rtl="0" eaLnBrk="1" latinLnBrk="0" hangingPunct="1">
+              <a:lnSpc>
+                <a:spcPct val="90000"/>
+              </a:lnSpc>
+              <a:spcBef>
+                <a:spcPts val="500"/>
+              </a:spcBef>
+              <a:buFont typeface="Arial" panose="020B0604020202020204" pitchFamily="34" charset="0"/>
+              <a:buChar char="•"/>
+              <a:defRPr sz="1800" kern="1200">
+                <a:solidFill>
+                  <a:schemeClr val="tx1"/>
+                </a:solidFill>
+                <a:latin typeface="+mn-lt"/>
+                <a:ea typeface="+mn-ea"/>
+                <a:cs typeface="+mn-cs"/>
+              </a:defRPr>
+            </a:lvl6pPr>
+            <a:lvl7pPr marL="2971800" indent="-228600" algn="l" defTabSz="914400" rtl="0" eaLnBrk="1" latinLnBrk="0" hangingPunct="1">
+              <a:lnSpc>
+                <a:spcPct val="90000"/>
+              </a:lnSpc>
+              <a:spcBef>
+                <a:spcPts val="500"/>
+              </a:spcBef>
+              <a:buFont typeface="Arial" panose="020B0604020202020204" pitchFamily="34" charset="0"/>
+              <a:buChar char="•"/>
+              <a:defRPr sz="1800" kern="1200">
+                <a:solidFill>
+                  <a:schemeClr val="tx1"/>
+                </a:solidFill>
+                <a:latin typeface="+mn-lt"/>
+                <a:ea typeface="+mn-ea"/>
+                <a:cs typeface="+mn-cs"/>
+              </a:defRPr>
+            </a:lvl7pPr>
+            <a:lvl8pPr marL="3429000" indent="-228600" algn="l" defTabSz="914400" rtl="0" eaLnBrk="1" latinLnBrk="0" hangingPunct="1">
+              <a:lnSpc>
+                <a:spcPct val="90000"/>
+              </a:lnSpc>
+              <a:spcBef>
+                <a:spcPts val="500"/>
+              </a:spcBef>
+              <a:buFont typeface="Arial" panose="020B0604020202020204" pitchFamily="34" charset="0"/>
+              <a:buChar char="•"/>
+              <a:defRPr sz="1800" kern="1200">
+                <a:solidFill>
+                  <a:schemeClr val="tx1"/>
+                </a:solidFill>
+                <a:latin typeface="+mn-lt"/>
+                <a:ea typeface="+mn-ea"/>
+                <a:cs typeface="+mn-cs"/>
+              </a:defRPr>
+            </a:lvl8pPr>
+            <a:lvl9pPr marL="3886200" indent="-228600" algn="l" defTabSz="914400" rtl="0" eaLnBrk="1" latinLnBrk="0" hangingPunct="1">
+              <a:lnSpc>
+                <a:spcPct val="90000"/>
+              </a:lnSpc>
+              <a:spcBef>
+                <a:spcPts val="500"/>
+              </a:spcBef>
+              <a:buFont typeface="Arial" panose="020B0604020202020204" pitchFamily="34" charset="0"/>
+              <a:buChar char="•"/>
+              <a:defRPr sz="1800" kern="1200">
+                <a:solidFill>
+                  <a:schemeClr val="tx1"/>
+                </a:solidFill>
+                <a:latin typeface="+mn-lt"/>
+                <a:ea typeface="+mn-ea"/>
+                <a:cs typeface="+mn-cs"/>
+              </a:defRPr>
+            </a:lvl9pPr>
+          </a:lstStyle>
+          <a:p>
             <a:r>
               <a:rPr lang="en-US" altLang="zh-CN" sz="2400" dirty="0"/>
-              <a:t>Experiment</a:t>
-            </a:r>
-          </a:p>
-          <a:p>
-            <a:pPr marL="0" indent="0">
-              <a:buNone/>
-            </a:pPr>
+              <a:t>Intuition: mimic human</a:t>
+            </a:r>
+            <a:r>
+              <a:rPr lang="zh-CN" altLang="en-US" sz="2400" dirty="0"/>
+              <a:t> </a:t>
+            </a:r>
+            <a:r>
+              <a:rPr lang="en-US" altLang="zh-CN" sz="2400" dirty="0"/>
+              <a:t>reasoning step</a:t>
+            </a:r>
+          </a:p>
+          <a:p>
+            <a:r>
+              <a:rPr lang="en-US" altLang="zh-CN" sz="2400" dirty="0"/>
+              <a:t>Three steps:</a:t>
+            </a:r>
+          </a:p>
+          <a:p>
+            <a:pPr lvl="1"/>
+            <a:r>
+              <a:rPr lang="en-US" altLang="zh-CN" sz="2000" dirty="0"/>
+              <a:t>Doc2Graph flow (Compute entity embedding)</a:t>
+            </a:r>
+          </a:p>
+          <a:p>
+            <a:pPr lvl="1"/>
+            <a:r>
+              <a:rPr lang="en-US" altLang="zh-CN" sz="2000" dirty="0"/>
+              <a:t>Propagate the information on graph</a:t>
+            </a:r>
+          </a:p>
+          <a:p>
+            <a:pPr lvl="1"/>
+            <a:r>
+              <a:rPr lang="en-US" altLang="zh-CN" sz="2000" dirty="0"/>
+              <a:t>Graph2Doc flow(Passing information back to token)</a:t>
+            </a:r>
+          </a:p>
+          <a:p>
+            <a:r>
+              <a:rPr lang="en-US" altLang="zh-CN" sz="2400" dirty="0"/>
+              <a:t> Dynamic Graph Attention </a:t>
+            </a:r>
+          </a:p>
+          <a:p>
+            <a:pPr lvl="1"/>
+            <a:r>
+              <a:rPr lang="en-US" altLang="zh-CN" sz="2000" dirty="0"/>
+              <a:t>Intuition: in different steps, we use different entity</a:t>
+            </a:r>
+          </a:p>
+          <a:p>
+            <a:pPr lvl="1"/>
+            <a:r>
+              <a:rPr lang="en-US" altLang="zh-CN" sz="2000" dirty="0"/>
+              <a:t>Use query to mask the entity. </a:t>
+            </a:r>
+          </a:p>
+          <a:p>
+            <a:pPr lvl="1"/>
+            <a:r>
+              <a:rPr lang="en-US" altLang="zh-CN" sz="2000" dirty="0"/>
+              <a:t>Information propagation is restricted on dynamic sub-graph</a:t>
+            </a:r>
+          </a:p>
+          <a:p>
+            <a:r>
+              <a:rPr lang="en-US" altLang="zh-CN" sz="2400" dirty="0"/>
+              <a:t>Updating the token embedding</a:t>
+            </a:r>
+          </a:p>
+          <a:p>
+            <a:pPr lvl="1"/>
+            <a:endParaRPr lang="en-US" altLang="zh-CN" sz="2000" dirty="0"/>
+          </a:p>
+          <a:p>
             <a:endParaRPr lang="en-US" altLang="zh-CN" sz="2400" dirty="0"/>
           </a:p>
         </p:txBody>
@@ -7491,7 +7319,7 @@
     </p:spTree>
     <p:extLst>
       <p:ext uri="{BB962C8B-B14F-4D97-AF65-F5344CB8AC3E}">
-        <p14:creationId xmlns:p14="http://schemas.microsoft.com/office/powerpoint/2010/main" val="178175755"/>
+        <p14:creationId xmlns:p14="http://schemas.microsoft.com/office/powerpoint/2010/main" val="1982537649"/>
       </p:ext>
     </p:extLst>
   </p:cSld>
@@ -7536,6 +7364,238 @@
         </p:nvSpPr>
         <p:spPr>
           <a:xfrm>
+            <a:off x="3556570" y="2491875"/>
+            <a:ext cx="10515600" cy="1325563"/>
+          </a:xfrm>
+        </p:spPr>
+        <p:txBody>
+          <a:bodyPr>
+            <a:noAutofit/>
+          </a:bodyPr>
+          <a:lstStyle/>
+          <a:p>
+            <a:r>
+              <a:rPr kumimoji="1" lang="en-US" altLang="zh-CN" sz="3600" dirty="0"/>
+              <a:t>Case 5: Rover</a:t>
+            </a:r>
+            <a:endParaRPr kumimoji="1" lang="zh-CN" altLang="en-US" sz="3600" dirty="0"/>
+          </a:p>
+        </p:txBody>
+      </p:sp>
+    </p:spTree>
+    <p:extLst>
+      <p:ext uri="{BB962C8B-B14F-4D97-AF65-F5344CB8AC3E}">
+        <p14:creationId xmlns:p14="http://schemas.microsoft.com/office/powerpoint/2010/main" val="3402459991"/>
+      </p:ext>
+    </p:extLst>
+  </p:cSld>
+  <p:clrMapOvr>
+    <a:masterClrMapping/>
+  </p:clrMapOvr>
+</p:sld>
+</file>
+
+<file path=ppt/slides/slide2.xml><?xml version="1.0" encoding="utf-8"?>
+<p:sld xmlns:a="http://schemas.openxmlformats.org/drawingml/2006/main" xmlns:r="http://schemas.openxmlformats.org/officeDocument/2006/relationships" xmlns:p="http://schemas.openxmlformats.org/presentationml/2006/main">
+  <p:cSld>
+    <p:spTree>
+      <p:nvGrpSpPr>
+        <p:cNvPr id="1" name=""/>
+        <p:cNvGrpSpPr/>
+        <p:nvPr/>
+      </p:nvGrpSpPr>
+      <p:grpSpPr>
+        <a:xfrm>
+          <a:off x="0" y="0"/>
+          <a:ext cx="0" cy="0"/>
+          <a:chOff x="0" y="0"/>
+          <a:chExt cx="0" cy="0"/>
+        </a:xfrm>
+      </p:grpSpPr>
+      <p:sp>
+        <p:nvSpPr>
+          <p:cNvPr id="2" name="标题 1">
+            <a:extLst>
+              <a:ext uri="{FF2B5EF4-FFF2-40B4-BE49-F238E27FC236}">
+                <a16:creationId xmlns:a16="http://schemas.microsoft.com/office/drawing/2014/main" id="{76504D81-2599-454B-972B-0E876A941268}"/>
+              </a:ext>
+            </a:extLst>
+          </p:cNvPr>
+          <p:cNvSpPr>
+            <a:spLocks noGrp="1"/>
+          </p:cNvSpPr>
+          <p:nvPr>
+            <p:ph type="title"/>
+          </p:nvPr>
+        </p:nvSpPr>
+        <p:spPr/>
+        <p:txBody>
+          <a:bodyPr/>
+          <a:lstStyle/>
+          <a:p>
+            <a:r>
+              <a:rPr kumimoji="1" lang="en-US" altLang="zh-CN" dirty="0"/>
+              <a:t>Overview</a:t>
+            </a:r>
+            <a:endParaRPr kumimoji="1" lang="zh-CN" altLang="en-US" dirty="0"/>
+          </a:p>
+        </p:txBody>
+      </p:sp>
+      <p:sp>
+        <p:nvSpPr>
+          <p:cNvPr id="3" name="内容占位符 2">
+            <a:extLst>
+              <a:ext uri="{FF2B5EF4-FFF2-40B4-BE49-F238E27FC236}">
+                <a16:creationId xmlns:a16="http://schemas.microsoft.com/office/drawing/2014/main" id="{5B7C554B-F0E0-344E-A58C-57DB2E1B2CFC}"/>
+              </a:ext>
+            </a:extLst>
+          </p:cNvPr>
+          <p:cNvSpPr>
+            <a:spLocks noGrp="1"/>
+          </p:cNvSpPr>
+          <p:nvPr>
+            <p:ph idx="1"/>
+          </p:nvPr>
+        </p:nvSpPr>
+        <p:spPr>
+          <a:xfrm>
+            <a:off x="838200" y="2041383"/>
+            <a:ext cx="10515600" cy="4351338"/>
+          </a:xfrm>
+        </p:spPr>
+        <p:txBody>
+          <a:bodyPr/>
+          <a:lstStyle/>
+          <a:p>
+            <a:r>
+              <a:rPr kumimoji="1" lang="en-US" altLang="zh-CN" dirty="0"/>
+              <a:t>Multi-hop Reasoning</a:t>
+            </a:r>
+          </a:p>
+          <a:p>
+            <a:pPr lvl="1"/>
+            <a:r>
+              <a:rPr kumimoji="1" lang="en-US" altLang="zh-CN" dirty="0"/>
+              <a:t>GNN, Language model based Method</a:t>
+            </a:r>
+          </a:p>
+          <a:p>
+            <a:r>
+              <a:rPr kumimoji="1" lang="en-US" altLang="zh-CN" dirty="0"/>
+              <a:t>Dataset</a:t>
+            </a:r>
+          </a:p>
+          <a:p>
+            <a:pPr lvl="1"/>
+            <a:r>
+              <a:rPr kumimoji="1" lang="en-US" altLang="zh-CN" dirty="0" err="1"/>
+              <a:t>HotpotQA</a:t>
+            </a:r>
+            <a:r>
+              <a:rPr kumimoji="1" lang="en-US" altLang="zh-CN" dirty="0"/>
+              <a:t>: </a:t>
+            </a:r>
+            <a:r>
+              <a:rPr kumimoji="1" lang="en-US" altLang="zh-CN" dirty="0" err="1"/>
+              <a:t>CogQA</a:t>
+            </a:r>
+            <a:r>
+              <a:rPr kumimoji="1" lang="en-US" altLang="zh-CN" dirty="0"/>
+              <a:t>, Transformer-XH</a:t>
+            </a:r>
+          </a:p>
+          <a:p>
+            <a:pPr lvl="1"/>
+            <a:r>
+              <a:rPr kumimoji="1" lang="en-US" altLang="zh-CN" dirty="0"/>
+              <a:t>DROP: </a:t>
+            </a:r>
+            <a:r>
+              <a:rPr kumimoji="1" lang="en-US" altLang="zh-CN" dirty="0" err="1"/>
+              <a:t>NumNet</a:t>
+            </a:r>
+            <a:r>
+              <a:rPr kumimoji="1" lang="en-US" altLang="zh-CN" dirty="0"/>
+              <a:t>, </a:t>
+            </a:r>
+            <a:r>
+              <a:rPr kumimoji="1" lang="en-US" altLang="zh-CN" dirty="0" err="1"/>
+              <a:t>ReNd</a:t>
+            </a:r>
+            <a:r>
+              <a:rPr kumimoji="1" lang="en-US" altLang="zh-CN" dirty="0"/>
+              <a:t>, extended </a:t>
+            </a:r>
+            <a:r>
+              <a:rPr lang="en-US" altLang="zh-CN" dirty="0"/>
+              <a:t>NMN</a:t>
+            </a:r>
+          </a:p>
+          <a:p>
+            <a:pPr lvl="1"/>
+            <a:r>
+              <a:rPr lang="en-US" altLang="zh-CN" dirty="0" err="1"/>
+              <a:t>ReClor</a:t>
+            </a:r>
+            <a:endParaRPr lang="en-US" altLang="zh-CN" dirty="0"/>
+          </a:p>
+          <a:p>
+            <a:pPr lvl="1"/>
+            <a:r>
+              <a:rPr kumimoji="1" lang="en-US" altLang="zh-CN" dirty="0"/>
+              <a:t>CLUTRR: predict the relative relationship</a:t>
+            </a:r>
+          </a:p>
+        </p:txBody>
+      </p:sp>
+    </p:spTree>
+    <p:extLst>
+      <p:ext uri="{BB962C8B-B14F-4D97-AF65-F5344CB8AC3E}">
+        <p14:creationId xmlns:p14="http://schemas.microsoft.com/office/powerpoint/2010/main" val="3267604172"/>
+      </p:ext>
+    </p:extLst>
+  </p:cSld>
+  <p:clrMapOvr>
+    <a:masterClrMapping/>
+  </p:clrMapOvr>
+</p:sld>
+</file>
+
+<file path=ppt/slides/slide20.xml><?xml version="1.0" encoding="utf-8"?>
+<p:sld xmlns:a="http://schemas.openxmlformats.org/drawingml/2006/main" xmlns:r="http://schemas.openxmlformats.org/officeDocument/2006/relationships" xmlns:p="http://schemas.openxmlformats.org/presentationml/2006/main">
+  <p:cSld>
+    <p:spTree>
+      <p:nvGrpSpPr>
+        <p:cNvPr id="1" name=""/>
+        <p:cNvGrpSpPr/>
+        <p:nvPr/>
+      </p:nvGrpSpPr>
+      <p:grpSpPr>
+        <a:xfrm>
+          <a:off x="0" y="0"/>
+          <a:ext cx="0" cy="0"/>
+          <a:chOff x="0" y="0"/>
+          <a:chExt cx="0" cy="0"/>
+        </a:xfrm>
+      </p:grpSpPr>
+      <p:sp>
+        <p:nvSpPr>
+          <p:cNvPr id="2" name="标题 1">
+            <a:extLst>
+              <a:ext uri="{FF2B5EF4-FFF2-40B4-BE49-F238E27FC236}">
+                <a16:creationId xmlns:a16="http://schemas.microsoft.com/office/drawing/2014/main" id="{76504D81-2599-454B-972B-0E876A941268}"/>
+              </a:ext>
+            </a:extLst>
+          </p:cNvPr>
+          <p:cNvSpPr>
+            <a:spLocks noGrp="1"/>
+          </p:cNvSpPr>
+          <p:nvPr>
+            <p:ph type="title"/>
+          </p:nvPr>
+        </p:nvSpPr>
+        <p:spPr>
+          <a:xfrm>
             <a:off x="601894" y="241835"/>
             <a:ext cx="10515600" cy="1325563"/>
           </a:xfrm>
@@ -7547,10 +7607,9 @@
           <a:lstStyle/>
           <a:p>
             <a:r>
-              <a:rPr lang="en-US" altLang="zh-CN" sz="4000" dirty="0"/>
-              <a:t>Dataset</a:t>
-            </a:r>
-            <a:endParaRPr kumimoji="1" lang="en-US" altLang="zh-CN" sz="4000" dirty="0"/>
+              <a:rPr kumimoji="1" lang="en-US" altLang="zh-CN" sz="4000" dirty="0"/>
+              <a:t>ROVER </a:t>
+            </a:r>
           </a:p>
         </p:txBody>
       </p:sp>
@@ -7568,8 +7627,8 @@
         </p:nvSpPr>
         <p:spPr>
           <a:xfrm>
-            <a:off x="3805882" y="6488438"/>
-            <a:ext cx="9141338" cy="307777"/>
+            <a:off x="5859694" y="6462276"/>
+            <a:ext cx="6543828" cy="307777"/>
           </a:xfrm>
           <a:prstGeom prst="rect">
             <a:avLst/>
@@ -7583,28 +7642,8 @@
           <a:lstStyle/>
           <a:p>
             <a:r>
-              <a:rPr lang="en-US" altLang="zh-CN" sz="1400" dirty="0" err="1"/>
-              <a:t>Akari</a:t>
-            </a:r>
-            <a:r>
-              <a:rPr lang="en-US" altLang="zh-CN" sz="1400" dirty="0"/>
-              <a:t> </a:t>
-            </a:r>
-            <a:r>
-              <a:rPr lang="en-US" altLang="zh-CN" sz="1400" dirty="0" err="1"/>
-              <a:t>Asai</a:t>
-            </a:r>
-            <a:r>
               <a:rPr kumimoji="1" lang="en-US" altLang="zh-CN" sz="1400" dirty="0"/>
-              <a:t>., et al.</a:t>
-            </a:r>
-            <a:r>
-              <a:rPr lang="en-US" altLang="zh-CN" sz="1400" dirty="0"/>
-              <a:t> Learning to Retrieve Reasoning Paths over Wikipedia Graph for Question Answering</a:t>
-            </a:r>
-            <a:r>
-              <a:rPr kumimoji="1" lang="en-US" altLang="zh-CN" sz="1400" dirty="0"/>
-              <a:t>.  2020</a:t>
+              <a:t>	Clark, P., et al. Transformers as Soft Reasoners over Language.  2020</a:t>
             </a:r>
             <a:endParaRPr kumimoji="1" lang="zh-CN" altLang="en-US" sz="1400" dirty="0"/>
           </a:p>
@@ -7626,8 +7665,8 @@
         </p:nvSpPr>
         <p:spPr>
           <a:xfrm>
-            <a:off x="601894" y="1590847"/>
-            <a:ext cx="8393825" cy="4351338"/>
+            <a:off x="601894" y="1824739"/>
+            <a:ext cx="5585223" cy="4351338"/>
           </a:xfrm>
           <a:prstGeom prst="rect">
             <a:avLst/>
@@ -7803,6 +7842,993 @@
           </a:lstStyle>
           <a:p>
             <a:r>
+              <a:rPr lang="en-US" altLang="zh-CN" sz="2400" dirty="0"/>
+              <a:t>ROVER determines whether statements are </a:t>
+            </a:r>
+            <a:r>
+              <a:rPr lang="en-US" altLang="zh-CN" sz="2400" b="1" dirty="0"/>
+              <a:t>True</a:t>
+            </a:r>
+            <a:r>
+              <a:rPr lang="en-US" altLang="zh-CN" sz="2400" dirty="0"/>
+              <a:t> or </a:t>
+            </a:r>
+            <a:r>
+              <a:rPr lang="en-US" altLang="zh-CN" sz="2400" b="1" dirty="0"/>
+              <a:t>False</a:t>
+            </a:r>
+            <a:r>
+              <a:rPr lang="en-US" altLang="zh-CN" sz="2400" dirty="0"/>
+              <a:t> based on rules given in natural language.</a:t>
+            </a:r>
+          </a:p>
+          <a:p>
+            <a:r>
+              <a:rPr lang="en-US" altLang="zh-CN" sz="2400" dirty="0"/>
+              <a:t>Accuracy of </a:t>
+            </a:r>
+            <a:r>
+              <a:rPr lang="en-US" altLang="zh-CN" sz="2400" dirty="0" err="1"/>
+              <a:t>RoBERTa</a:t>
+            </a:r>
+            <a:r>
+              <a:rPr lang="en-US" altLang="zh-CN" sz="2400" dirty="0"/>
+              <a:t> can reach 99%</a:t>
+            </a:r>
+          </a:p>
+        </p:txBody>
+      </p:sp>
+      <p:pic>
+        <p:nvPicPr>
+          <p:cNvPr id="8" name="图片 7">
+            <a:extLst>
+              <a:ext uri="{FF2B5EF4-FFF2-40B4-BE49-F238E27FC236}">
+                <a16:creationId xmlns:a16="http://schemas.microsoft.com/office/drawing/2014/main" id="{2BAD3644-B3F8-7A4C-9997-E76C668BA631}"/>
+              </a:ext>
+            </a:extLst>
+          </p:cNvPr>
+          <p:cNvPicPr>
+            <a:picLocks noChangeAspect="1"/>
+          </p:cNvPicPr>
+          <p:nvPr/>
+        </p:nvPicPr>
+        <p:blipFill>
+          <a:blip r:embed="rId2"/>
+          <a:stretch>
+            <a:fillRect/>
+          </a:stretch>
+        </p:blipFill>
+        <p:spPr>
+          <a:xfrm>
+            <a:off x="6199474" y="790835"/>
+            <a:ext cx="6004883" cy="5060091"/>
+          </a:xfrm>
+          <a:prstGeom prst="rect">
+            <a:avLst/>
+          </a:prstGeom>
+        </p:spPr>
+      </p:pic>
+      <p:pic>
+        <p:nvPicPr>
+          <p:cNvPr id="11" name="图片 10">
+            <a:extLst>
+              <a:ext uri="{FF2B5EF4-FFF2-40B4-BE49-F238E27FC236}">
+                <a16:creationId xmlns:a16="http://schemas.microsoft.com/office/drawing/2014/main" id="{5AC22230-F613-0749-B63C-3C6E52A2B0D7}"/>
+              </a:ext>
+            </a:extLst>
+          </p:cNvPr>
+          <p:cNvPicPr>
+            <a:picLocks noChangeAspect="1"/>
+          </p:cNvPicPr>
+          <p:nvPr/>
+        </p:nvPicPr>
+        <p:blipFill>
+          <a:blip r:embed="rId3"/>
+          <a:stretch>
+            <a:fillRect/>
+          </a:stretch>
+        </p:blipFill>
+        <p:spPr>
+          <a:xfrm>
+            <a:off x="779074" y="3597233"/>
+            <a:ext cx="5469828" cy="2994217"/>
+          </a:xfrm>
+          <a:prstGeom prst="rect">
+            <a:avLst/>
+          </a:prstGeom>
+        </p:spPr>
+      </p:pic>
+    </p:spTree>
+    <p:extLst>
+      <p:ext uri="{BB962C8B-B14F-4D97-AF65-F5344CB8AC3E}">
+        <p14:creationId xmlns:p14="http://schemas.microsoft.com/office/powerpoint/2010/main" val="2734235731"/>
+      </p:ext>
+    </p:extLst>
+  </p:cSld>
+  <p:clrMapOvr>
+    <a:masterClrMapping/>
+  </p:clrMapOvr>
+</p:sld>
+</file>
+
+<file path=ppt/slides/slide21.xml><?xml version="1.0" encoding="utf-8"?>
+<p:sld xmlns:a="http://schemas.openxmlformats.org/drawingml/2006/main" xmlns:r="http://schemas.openxmlformats.org/officeDocument/2006/relationships" xmlns:p="http://schemas.openxmlformats.org/presentationml/2006/main">
+  <p:cSld>
+    <p:spTree>
+      <p:nvGrpSpPr>
+        <p:cNvPr id="1" name=""/>
+        <p:cNvGrpSpPr/>
+        <p:nvPr/>
+      </p:nvGrpSpPr>
+      <p:grpSpPr>
+        <a:xfrm>
+          <a:off x="0" y="0"/>
+          <a:ext cx="0" cy="0"/>
+          <a:chOff x="0" y="0"/>
+          <a:chExt cx="0" cy="0"/>
+        </a:xfrm>
+      </p:grpSpPr>
+      <p:sp>
+        <p:nvSpPr>
+          <p:cNvPr id="2" name="标题 1">
+            <a:extLst>
+              <a:ext uri="{FF2B5EF4-FFF2-40B4-BE49-F238E27FC236}">
+                <a16:creationId xmlns:a16="http://schemas.microsoft.com/office/drawing/2014/main" id="{76504D81-2599-454B-972B-0E876A941268}"/>
+              </a:ext>
+            </a:extLst>
+          </p:cNvPr>
+          <p:cNvSpPr>
+            <a:spLocks noGrp="1"/>
+          </p:cNvSpPr>
+          <p:nvPr>
+            <p:ph type="title"/>
+          </p:nvPr>
+        </p:nvSpPr>
+        <p:spPr>
+          <a:xfrm>
+            <a:off x="601894" y="241835"/>
+            <a:ext cx="10515600" cy="1325563"/>
+          </a:xfrm>
+        </p:spPr>
+        <p:txBody>
+          <a:bodyPr>
+            <a:normAutofit/>
+          </a:bodyPr>
+          <a:lstStyle/>
+          <a:p>
+            <a:r>
+              <a:rPr kumimoji="1" lang="en-US" altLang="zh-CN" sz="4000" dirty="0"/>
+              <a:t>ROVER </a:t>
+            </a:r>
+          </a:p>
+        </p:txBody>
+      </p:sp>
+      <p:sp>
+        <p:nvSpPr>
+          <p:cNvPr id="4" name="文本框 3">
+            <a:extLst>
+              <a:ext uri="{FF2B5EF4-FFF2-40B4-BE49-F238E27FC236}">
+                <a16:creationId xmlns:a16="http://schemas.microsoft.com/office/drawing/2014/main" id="{BAB2B972-B7A3-9A48-919C-F2A21D1FE180}"/>
+              </a:ext>
+            </a:extLst>
+          </p:cNvPr>
+          <p:cNvSpPr txBox="1"/>
+          <p:nvPr/>
+        </p:nvSpPr>
+        <p:spPr>
+          <a:xfrm>
+            <a:off x="5859694" y="6462276"/>
+            <a:ext cx="6543828" cy="307777"/>
+          </a:xfrm>
+          <a:prstGeom prst="rect">
+            <a:avLst/>
+          </a:prstGeom>
+          <a:noFill/>
+        </p:spPr>
+        <p:txBody>
+          <a:bodyPr wrap="square" rtlCol="0">
+            <a:spAutoFit/>
+          </a:bodyPr>
+          <a:lstStyle/>
+          <a:p>
+            <a:r>
+              <a:rPr kumimoji="1" lang="en-US" altLang="zh-CN" sz="1400" dirty="0"/>
+              <a:t>	Clark, P., et al. Transformers as Soft Reasoners over Language.  2020</a:t>
+            </a:r>
+            <a:endParaRPr kumimoji="1" lang="zh-CN" altLang="en-US" sz="1400" dirty="0"/>
+          </a:p>
+        </p:txBody>
+      </p:sp>
+      <p:sp>
+        <p:nvSpPr>
+          <p:cNvPr id="5" name="内容占位符 2">
+            <a:extLst>
+              <a:ext uri="{FF2B5EF4-FFF2-40B4-BE49-F238E27FC236}">
+                <a16:creationId xmlns:a16="http://schemas.microsoft.com/office/drawing/2014/main" id="{B157B57F-C01F-9E46-90FB-F2584B1992B1}"/>
+              </a:ext>
+            </a:extLst>
+          </p:cNvPr>
+          <p:cNvSpPr txBox="1">
+            <a:spLocks/>
+          </p:cNvSpPr>
+          <p:nvPr/>
+        </p:nvSpPr>
+        <p:spPr>
+          <a:xfrm>
+            <a:off x="601894" y="1824739"/>
+            <a:ext cx="5922474" cy="4351338"/>
+          </a:xfrm>
+          <a:prstGeom prst="rect">
+            <a:avLst/>
+          </a:prstGeom>
+        </p:spPr>
+        <p:txBody>
+          <a:bodyPr vert="horz" lIns="91440" tIns="45720" rIns="91440" bIns="45720" rtlCol="0">
+            <a:normAutofit/>
+          </a:bodyPr>
+          <a:lstStyle>
+            <a:lvl1pPr marL="228600" indent="-228600" algn="l" defTabSz="914400" rtl="0" eaLnBrk="1" latinLnBrk="0" hangingPunct="1">
+              <a:lnSpc>
+                <a:spcPct val="90000"/>
+              </a:lnSpc>
+              <a:spcBef>
+                <a:spcPts val="1000"/>
+              </a:spcBef>
+              <a:buFont typeface="Arial" panose="020B0604020202020204" pitchFamily="34" charset="0"/>
+              <a:buChar char="•"/>
+              <a:defRPr sz="2800" kern="1200">
+                <a:solidFill>
+                  <a:schemeClr val="tx1"/>
+                </a:solidFill>
+                <a:latin typeface="+mn-lt"/>
+                <a:ea typeface="+mn-ea"/>
+                <a:cs typeface="+mn-cs"/>
+              </a:defRPr>
+            </a:lvl1pPr>
+            <a:lvl2pPr marL="685800" indent="-228600" algn="l" defTabSz="914400" rtl="0" eaLnBrk="1" latinLnBrk="0" hangingPunct="1">
+              <a:lnSpc>
+                <a:spcPct val="90000"/>
+              </a:lnSpc>
+              <a:spcBef>
+                <a:spcPts val="500"/>
+              </a:spcBef>
+              <a:buFont typeface="Arial" panose="020B0604020202020204" pitchFamily="34" charset="0"/>
+              <a:buChar char="•"/>
+              <a:defRPr sz="2400" kern="1200">
+                <a:solidFill>
+                  <a:schemeClr val="tx1"/>
+                </a:solidFill>
+                <a:latin typeface="+mn-lt"/>
+                <a:ea typeface="+mn-ea"/>
+                <a:cs typeface="+mn-cs"/>
+              </a:defRPr>
+            </a:lvl2pPr>
+            <a:lvl3pPr marL="1143000" indent="-228600" algn="l" defTabSz="914400" rtl="0" eaLnBrk="1" latinLnBrk="0" hangingPunct="1">
+              <a:lnSpc>
+                <a:spcPct val="90000"/>
+              </a:lnSpc>
+              <a:spcBef>
+                <a:spcPts val="500"/>
+              </a:spcBef>
+              <a:buFont typeface="Arial" panose="020B0604020202020204" pitchFamily="34" charset="0"/>
+              <a:buChar char="•"/>
+              <a:defRPr sz="2000" kern="1200">
+                <a:solidFill>
+                  <a:schemeClr val="tx1"/>
+                </a:solidFill>
+                <a:latin typeface="+mn-lt"/>
+                <a:ea typeface="+mn-ea"/>
+                <a:cs typeface="+mn-cs"/>
+              </a:defRPr>
+            </a:lvl3pPr>
+            <a:lvl4pPr marL="1600200" indent="-228600" algn="l" defTabSz="914400" rtl="0" eaLnBrk="1" latinLnBrk="0" hangingPunct="1">
+              <a:lnSpc>
+                <a:spcPct val="90000"/>
+              </a:lnSpc>
+              <a:spcBef>
+                <a:spcPts val="500"/>
+              </a:spcBef>
+              <a:buFont typeface="Arial" panose="020B0604020202020204" pitchFamily="34" charset="0"/>
+              <a:buChar char="•"/>
+              <a:defRPr sz="1800" kern="1200">
+                <a:solidFill>
+                  <a:schemeClr val="tx1"/>
+                </a:solidFill>
+                <a:latin typeface="+mn-lt"/>
+                <a:ea typeface="+mn-ea"/>
+                <a:cs typeface="+mn-cs"/>
+              </a:defRPr>
+            </a:lvl4pPr>
+            <a:lvl5pPr marL="2057400" indent="-228600" algn="l" defTabSz="914400" rtl="0" eaLnBrk="1" latinLnBrk="0" hangingPunct="1">
+              <a:lnSpc>
+                <a:spcPct val="90000"/>
+              </a:lnSpc>
+              <a:spcBef>
+                <a:spcPts val="500"/>
+              </a:spcBef>
+              <a:buFont typeface="Arial" panose="020B0604020202020204" pitchFamily="34" charset="0"/>
+              <a:buChar char="•"/>
+              <a:defRPr sz="1800" kern="1200">
+                <a:solidFill>
+                  <a:schemeClr val="tx1"/>
+                </a:solidFill>
+                <a:latin typeface="+mn-lt"/>
+                <a:ea typeface="+mn-ea"/>
+                <a:cs typeface="+mn-cs"/>
+              </a:defRPr>
+            </a:lvl5pPr>
+            <a:lvl6pPr marL="2514600" indent="-228600" algn="l" defTabSz="914400" rtl="0" eaLnBrk="1" latinLnBrk="0" hangingPunct="1">
+              <a:lnSpc>
+                <a:spcPct val="90000"/>
+              </a:lnSpc>
+              <a:spcBef>
+                <a:spcPts val="500"/>
+              </a:spcBef>
+              <a:buFont typeface="Arial" panose="020B0604020202020204" pitchFamily="34" charset="0"/>
+              <a:buChar char="•"/>
+              <a:defRPr sz="1800" kern="1200">
+                <a:solidFill>
+                  <a:schemeClr val="tx1"/>
+                </a:solidFill>
+                <a:latin typeface="+mn-lt"/>
+                <a:ea typeface="+mn-ea"/>
+                <a:cs typeface="+mn-cs"/>
+              </a:defRPr>
+            </a:lvl6pPr>
+            <a:lvl7pPr marL="2971800" indent="-228600" algn="l" defTabSz="914400" rtl="0" eaLnBrk="1" latinLnBrk="0" hangingPunct="1">
+              <a:lnSpc>
+                <a:spcPct val="90000"/>
+              </a:lnSpc>
+              <a:spcBef>
+                <a:spcPts val="500"/>
+              </a:spcBef>
+              <a:buFont typeface="Arial" panose="020B0604020202020204" pitchFamily="34" charset="0"/>
+              <a:buChar char="•"/>
+              <a:defRPr sz="1800" kern="1200">
+                <a:solidFill>
+                  <a:schemeClr val="tx1"/>
+                </a:solidFill>
+                <a:latin typeface="+mn-lt"/>
+                <a:ea typeface="+mn-ea"/>
+                <a:cs typeface="+mn-cs"/>
+              </a:defRPr>
+            </a:lvl7pPr>
+            <a:lvl8pPr marL="3429000" indent="-228600" algn="l" defTabSz="914400" rtl="0" eaLnBrk="1" latinLnBrk="0" hangingPunct="1">
+              <a:lnSpc>
+                <a:spcPct val="90000"/>
+              </a:lnSpc>
+              <a:spcBef>
+                <a:spcPts val="500"/>
+              </a:spcBef>
+              <a:buFont typeface="Arial" panose="020B0604020202020204" pitchFamily="34" charset="0"/>
+              <a:buChar char="•"/>
+              <a:defRPr sz="1800" kern="1200">
+                <a:solidFill>
+                  <a:schemeClr val="tx1"/>
+                </a:solidFill>
+                <a:latin typeface="+mn-lt"/>
+                <a:ea typeface="+mn-ea"/>
+                <a:cs typeface="+mn-cs"/>
+              </a:defRPr>
+            </a:lvl8pPr>
+            <a:lvl9pPr marL="3886200" indent="-228600" algn="l" defTabSz="914400" rtl="0" eaLnBrk="1" latinLnBrk="0" hangingPunct="1">
+              <a:lnSpc>
+                <a:spcPct val="90000"/>
+              </a:lnSpc>
+              <a:spcBef>
+                <a:spcPts val="500"/>
+              </a:spcBef>
+              <a:buFont typeface="Arial" panose="020B0604020202020204" pitchFamily="34" charset="0"/>
+              <a:buChar char="•"/>
+              <a:defRPr sz="1800" kern="1200">
+                <a:solidFill>
+                  <a:schemeClr val="tx1"/>
+                </a:solidFill>
+                <a:latin typeface="+mn-lt"/>
+                <a:ea typeface="+mn-ea"/>
+                <a:cs typeface="+mn-cs"/>
+              </a:defRPr>
+            </a:lvl9pPr>
+          </a:lstStyle>
+          <a:p>
+            <a:r>
+              <a:rPr lang="en-US" altLang="zh-CN" sz="2400" dirty="0"/>
+              <a:t>Training</a:t>
+            </a:r>
+            <a:r>
+              <a:rPr lang="zh-CN" altLang="en-US" sz="2400" dirty="0"/>
+              <a:t> </a:t>
+            </a:r>
+            <a:r>
+              <a:rPr lang="en-US" altLang="zh-CN" sz="2400" dirty="0"/>
+              <a:t>Dataset</a:t>
+            </a:r>
+            <a:r>
+              <a:rPr lang="zh-CN" altLang="en-US" sz="2400" dirty="0"/>
+              <a:t> </a:t>
+            </a:r>
+            <a:r>
+              <a:rPr lang="en-US" altLang="zh-CN" sz="2400" dirty="0"/>
+              <a:t>is</a:t>
+            </a:r>
+            <a:r>
+              <a:rPr lang="zh-CN" altLang="en-US" sz="2400" dirty="0"/>
+              <a:t> </a:t>
+            </a:r>
+            <a:r>
+              <a:rPr lang="en-US" altLang="zh-CN" sz="2400" dirty="0"/>
+              <a:t>generated</a:t>
+            </a:r>
+            <a:r>
+              <a:rPr lang="zh-CN" altLang="en-US" sz="2400" dirty="0"/>
+              <a:t> </a:t>
+            </a:r>
+            <a:r>
+              <a:rPr lang="en-US" altLang="zh-CN" sz="2400" dirty="0"/>
+              <a:t>based</a:t>
+            </a:r>
+            <a:r>
+              <a:rPr lang="zh-CN" altLang="en-US" sz="2400" dirty="0"/>
+              <a:t> </a:t>
+            </a:r>
+            <a:r>
+              <a:rPr lang="en-US" altLang="zh-CN" sz="2400" dirty="0"/>
+              <a:t>on several fixed form</a:t>
+            </a:r>
+          </a:p>
+          <a:p>
+            <a:r>
+              <a:rPr lang="en-US" altLang="zh-CN" sz="2400" dirty="0"/>
+              <a:t>No proposed specific architecture </a:t>
+            </a:r>
+          </a:p>
+          <a:p>
+            <a:r>
+              <a:rPr lang="en-US" altLang="zh-CN" sz="2400" dirty="0"/>
+              <a:t>Not stable enough </a:t>
+            </a:r>
+          </a:p>
+          <a:p>
+            <a:r>
+              <a:rPr lang="en-US" altLang="zh-CN" sz="2400" dirty="0"/>
+              <a:t>Exploration: reason over rules expressed in languages</a:t>
+            </a:r>
+          </a:p>
+        </p:txBody>
+      </p:sp>
+      <p:pic>
+        <p:nvPicPr>
+          <p:cNvPr id="9" name="图片 8">
+            <a:extLst>
+              <a:ext uri="{FF2B5EF4-FFF2-40B4-BE49-F238E27FC236}">
+                <a16:creationId xmlns:a16="http://schemas.microsoft.com/office/drawing/2014/main" id="{66598CCB-D4AC-E64C-B134-44D5A2D8F0F9}"/>
+              </a:ext>
+            </a:extLst>
+          </p:cNvPr>
+          <p:cNvPicPr>
+            <a:picLocks noChangeAspect="1"/>
+          </p:cNvPicPr>
+          <p:nvPr/>
+        </p:nvPicPr>
+        <p:blipFill>
+          <a:blip r:embed="rId2"/>
+          <a:stretch>
+            <a:fillRect/>
+          </a:stretch>
+        </p:blipFill>
+        <p:spPr>
+          <a:xfrm>
+            <a:off x="6957524" y="0"/>
+            <a:ext cx="4377564" cy="6081204"/>
+          </a:xfrm>
+          <a:prstGeom prst="rect">
+            <a:avLst/>
+          </a:prstGeom>
+        </p:spPr>
+      </p:pic>
+      <p:pic>
+        <p:nvPicPr>
+          <p:cNvPr id="6" name="图片 5">
+            <a:extLst>
+              <a:ext uri="{FF2B5EF4-FFF2-40B4-BE49-F238E27FC236}">
+                <a16:creationId xmlns:a16="http://schemas.microsoft.com/office/drawing/2014/main" id="{CB043228-D700-6D41-850D-329978B1AA15}"/>
+              </a:ext>
+            </a:extLst>
+          </p:cNvPr>
+          <p:cNvPicPr>
+            <a:picLocks noChangeAspect="1"/>
+          </p:cNvPicPr>
+          <p:nvPr/>
+        </p:nvPicPr>
+        <p:blipFill>
+          <a:blip r:embed="rId3"/>
+          <a:stretch>
+            <a:fillRect/>
+          </a:stretch>
+        </p:blipFill>
+        <p:spPr>
+          <a:xfrm>
+            <a:off x="6957524" y="94873"/>
+            <a:ext cx="4640322" cy="6081204"/>
+          </a:xfrm>
+          <a:prstGeom prst="rect">
+            <a:avLst/>
+          </a:prstGeom>
+        </p:spPr>
+      </p:pic>
+      <p:pic>
+        <p:nvPicPr>
+          <p:cNvPr id="14" name="图片 13">
+            <a:extLst>
+              <a:ext uri="{FF2B5EF4-FFF2-40B4-BE49-F238E27FC236}">
+                <a16:creationId xmlns:a16="http://schemas.microsoft.com/office/drawing/2014/main" id="{D129F63E-02F3-B64A-A70C-D5F34F35061A}"/>
+              </a:ext>
+            </a:extLst>
+          </p:cNvPr>
+          <p:cNvPicPr>
+            <a:picLocks noChangeAspect="1"/>
+          </p:cNvPicPr>
+          <p:nvPr/>
+        </p:nvPicPr>
+        <p:blipFill>
+          <a:blip r:embed="rId4"/>
+          <a:stretch>
+            <a:fillRect/>
+          </a:stretch>
+        </p:blipFill>
+        <p:spPr>
+          <a:xfrm>
+            <a:off x="6695123" y="94873"/>
+            <a:ext cx="5165124" cy="6279456"/>
+          </a:xfrm>
+          <a:prstGeom prst="rect">
+            <a:avLst/>
+          </a:prstGeom>
+        </p:spPr>
+      </p:pic>
+    </p:spTree>
+    <p:extLst>
+      <p:ext uri="{BB962C8B-B14F-4D97-AF65-F5344CB8AC3E}">
+        <p14:creationId xmlns:p14="http://schemas.microsoft.com/office/powerpoint/2010/main" val="4112315158"/>
+      </p:ext>
+    </p:extLst>
+  </p:cSld>
+  <p:clrMapOvr>
+    <a:masterClrMapping/>
+  </p:clrMapOvr>
+  <p:timing>
+    <p:tnLst>
+      <p:par>
+        <p:cTn id="1" dur="indefinite" restart="never" nodeType="tmRoot">
+          <p:childTnLst>
+            <p:seq concurrent="1" nextAc="seek">
+              <p:cTn id="2" dur="indefinite" nodeType="mainSeq">
+                <p:childTnLst>
+                  <p:par>
+                    <p:cTn id="3" fill="hold">
+                      <p:stCondLst>
+                        <p:cond delay="indefinite"/>
+                      </p:stCondLst>
+                      <p:childTnLst>
+                        <p:par>
+                          <p:cTn id="4" fill="hold">
+                            <p:stCondLst>
+                              <p:cond delay="0"/>
+                            </p:stCondLst>
+                            <p:childTnLst>
+                              <p:par>
+                                <p:cTn id="5" presetID="1" presetClass="entr" presetSubtype="0" fill="hold" nodeType="clickEffect">
+                                  <p:stCondLst>
+                                    <p:cond delay="0"/>
+                                  </p:stCondLst>
+                                  <p:childTnLst>
+                                    <p:set>
+                                      <p:cBhvr>
+                                        <p:cTn id="6" dur="1" fill="hold">
+                                          <p:stCondLst>
+                                            <p:cond delay="0"/>
+                                          </p:stCondLst>
+                                        </p:cTn>
+                                        <p:tgtEl>
+                                          <p:spTgt spid="9"/>
+                                        </p:tgtEl>
+                                        <p:attrNameLst>
+                                          <p:attrName>style.visibility</p:attrName>
+                                        </p:attrNameLst>
+                                      </p:cBhvr>
+                                      <p:to>
+                                        <p:strVal val="visible"/>
+                                      </p:to>
+                                    </p:set>
+                                  </p:childTnLst>
+                                </p:cTn>
+                              </p:par>
+                            </p:childTnLst>
+                          </p:cTn>
+                        </p:par>
+                      </p:childTnLst>
+                    </p:cTn>
+                  </p:par>
+                  <p:par>
+                    <p:cTn id="7" fill="hold">
+                      <p:stCondLst>
+                        <p:cond delay="indefinite"/>
+                      </p:stCondLst>
+                      <p:childTnLst>
+                        <p:par>
+                          <p:cTn id="8" fill="hold">
+                            <p:stCondLst>
+                              <p:cond delay="0"/>
+                            </p:stCondLst>
+                            <p:childTnLst>
+                              <p:par>
+                                <p:cTn id="9" presetID="3" presetClass="entr" presetSubtype="10" fill="hold" nodeType="clickEffect">
+                                  <p:stCondLst>
+                                    <p:cond delay="0"/>
+                                  </p:stCondLst>
+                                  <p:childTnLst>
+                                    <p:set>
+                                      <p:cBhvr>
+                                        <p:cTn id="10" dur="1" fill="hold">
+                                          <p:stCondLst>
+                                            <p:cond delay="0"/>
+                                          </p:stCondLst>
+                                        </p:cTn>
+                                        <p:tgtEl>
+                                          <p:spTgt spid="6"/>
+                                        </p:tgtEl>
+                                        <p:attrNameLst>
+                                          <p:attrName>style.visibility</p:attrName>
+                                        </p:attrNameLst>
+                                      </p:cBhvr>
+                                      <p:to>
+                                        <p:strVal val="visible"/>
+                                      </p:to>
+                                    </p:set>
+                                    <p:animEffect transition="in" filter="blinds(horizontal)">
+                                      <p:cBhvr>
+                                        <p:cTn id="11" dur="500"/>
+                                        <p:tgtEl>
+                                          <p:spTgt spid="6"/>
+                                        </p:tgtEl>
+                                      </p:cBhvr>
+                                    </p:animEffect>
+                                  </p:childTnLst>
+                                </p:cTn>
+                              </p:par>
+                            </p:childTnLst>
+                          </p:cTn>
+                        </p:par>
+                      </p:childTnLst>
+                    </p:cTn>
+                  </p:par>
+                </p:childTnLst>
+              </p:cTn>
+              <p:prevCondLst>
+                <p:cond evt="onPrev" delay="0">
+                  <p:tgtEl>
+                    <p:sldTgt/>
+                  </p:tgtEl>
+                </p:cond>
+              </p:prevCondLst>
+              <p:nextCondLst>
+                <p:cond evt="onNext" delay="0">
+                  <p:tgtEl>
+                    <p:sldTgt/>
+                  </p:tgtEl>
+                </p:cond>
+              </p:nextCondLst>
+            </p:seq>
+          </p:childTnLst>
+        </p:cTn>
+      </p:par>
+    </p:tnLst>
+  </p:timing>
+</p:sld>
+</file>
+
+<file path=ppt/slides/slide22.xml><?xml version="1.0" encoding="utf-8"?>
+<p:sld xmlns:a="http://schemas.openxmlformats.org/drawingml/2006/main" xmlns:r="http://schemas.openxmlformats.org/officeDocument/2006/relationships" xmlns:p="http://schemas.openxmlformats.org/presentationml/2006/main">
+  <p:cSld>
+    <p:spTree>
+      <p:nvGrpSpPr>
+        <p:cNvPr id="1" name=""/>
+        <p:cNvGrpSpPr/>
+        <p:nvPr/>
+      </p:nvGrpSpPr>
+      <p:grpSpPr>
+        <a:xfrm>
+          <a:off x="0" y="0"/>
+          <a:ext cx="0" cy="0"/>
+          <a:chOff x="0" y="0"/>
+          <a:chExt cx="0" cy="0"/>
+        </a:xfrm>
+      </p:grpSpPr>
+      <p:sp>
+        <p:nvSpPr>
+          <p:cNvPr id="2" name="标题 1">
+            <a:extLst>
+              <a:ext uri="{FF2B5EF4-FFF2-40B4-BE49-F238E27FC236}">
+                <a16:creationId xmlns:a16="http://schemas.microsoft.com/office/drawing/2014/main" id="{76504D81-2599-454B-972B-0E876A941268}"/>
+              </a:ext>
+            </a:extLst>
+          </p:cNvPr>
+          <p:cNvSpPr>
+            <a:spLocks noGrp="1"/>
+          </p:cNvSpPr>
+          <p:nvPr>
+            <p:ph type="title"/>
+          </p:nvPr>
+        </p:nvSpPr>
+        <p:spPr>
+          <a:xfrm>
+            <a:off x="601894" y="241835"/>
+            <a:ext cx="10515600" cy="1325563"/>
+          </a:xfrm>
+        </p:spPr>
+        <p:txBody>
+          <a:bodyPr>
+            <a:normAutofit/>
+          </a:bodyPr>
+          <a:lstStyle/>
+          <a:p>
+            <a:r>
+              <a:rPr lang="en-US" altLang="zh-CN" sz="4000" dirty="0"/>
+              <a:t>Dataset</a:t>
+            </a:r>
+            <a:endParaRPr kumimoji="1" lang="en-US" altLang="zh-CN" sz="4000" dirty="0"/>
+          </a:p>
+        </p:txBody>
+      </p:sp>
+      <p:sp>
+        <p:nvSpPr>
+          <p:cNvPr id="4" name="文本框 3">
+            <a:extLst>
+              <a:ext uri="{FF2B5EF4-FFF2-40B4-BE49-F238E27FC236}">
+                <a16:creationId xmlns:a16="http://schemas.microsoft.com/office/drawing/2014/main" id="{BAB2B972-B7A3-9A48-919C-F2A21D1FE180}"/>
+              </a:ext>
+            </a:extLst>
+          </p:cNvPr>
+          <p:cNvSpPr txBox="1"/>
+          <p:nvPr/>
+        </p:nvSpPr>
+        <p:spPr>
+          <a:xfrm>
+            <a:off x="3805882" y="6488438"/>
+            <a:ext cx="9141338" cy="307777"/>
+          </a:xfrm>
+          <a:prstGeom prst="rect">
+            <a:avLst/>
+          </a:prstGeom>
+          <a:noFill/>
+        </p:spPr>
+        <p:txBody>
+          <a:bodyPr wrap="square" rtlCol="0">
+            <a:spAutoFit/>
+          </a:bodyPr>
+          <a:lstStyle/>
+          <a:p>
+            <a:r>
+              <a:rPr lang="en-US" altLang="zh-CN" sz="1400" dirty="0" err="1"/>
+              <a:t>Akari</a:t>
+            </a:r>
+            <a:r>
+              <a:rPr lang="en-US" altLang="zh-CN" sz="1400" dirty="0"/>
+              <a:t> </a:t>
+            </a:r>
+            <a:r>
+              <a:rPr lang="en-US" altLang="zh-CN" sz="1400" dirty="0" err="1"/>
+              <a:t>Asai</a:t>
+            </a:r>
+            <a:r>
+              <a:rPr kumimoji="1" lang="en-US" altLang="zh-CN" sz="1400" dirty="0"/>
+              <a:t>., et al.</a:t>
+            </a:r>
+            <a:r>
+              <a:rPr lang="en-US" altLang="zh-CN" sz="1400" dirty="0"/>
+              <a:t> Learning to Retrieve Reasoning Paths over Wikipedia Graph for Question Answering</a:t>
+            </a:r>
+            <a:r>
+              <a:rPr kumimoji="1" lang="en-US" altLang="zh-CN" sz="1400" dirty="0"/>
+              <a:t>.  2020</a:t>
+            </a:r>
+            <a:endParaRPr kumimoji="1" lang="zh-CN" altLang="en-US" sz="1400" dirty="0"/>
+          </a:p>
+        </p:txBody>
+      </p:sp>
+      <p:sp>
+        <p:nvSpPr>
+          <p:cNvPr id="5" name="内容占位符 2">
+            <a:extLst>
+              <a:ext uri="{FF2B5EF4-FFF2-40B4-BE49-F238E27FC236}">
+                <a16:creationId xmlns:a16="http://schemas.microsoft.com/office/drawing/2014/main" id="{B157B57F-C01F-9E46-90FB-F2584B1992B1}"/>
+              </a:ext>
+            </a:extLst>
+          </p:cNvPr>
+          <p:cNvSpPr txBox="1">
+            <a:spLocks/>
+          </p:cNvSpPr>
+          <p:nvPr/>
+        </p:nvSpPr>
+        <p:spPr>
+          <a:xfrm>
+            <a:off x="601894" y="1590847"/>
+            <a:ext cx="8393825" cy="4351338"/>
+          </a:xfrm>
+          <a:prstGeom prst="rect">
+            <a:avLst/>
+          </a:prstGeom>
+        </p:spPr>
+        <p:txBody>
+          <a:bodyPr vert="horz" lIns="91440" tIns="45720" rIns="91440" bIns="45720" rtlCol="0">
+            <a:normAutofit fontScale="92500" lnSpcReduction="20000"/>
+          </a:bodyPr>
+          <a:lstStyle>
+            <a:lvl1pPr marL="228600" indent="-228600" algn="l" defTabSz="914400" rtl="0" eaLnBrk="1" latinLnBrk="0" hangingPunct="1">
+              <a:lnSpc>
+                <a:spcPct val="90000"/>
+              </a:lnSpc>
+              <a:spcBef>
+                <a:spcPts val="1000"/>
+              </a:spcBef>
+              <a:buFont typeface="Arial" panose="020B0604020202020204" pitchFamily="34" charset="0"/>
+              <a:buChar char="•"/>
+              <a:defRPr sz="2800" kern="1200">
+                <a:solidFill>
+                  <a:schemeClr val="tx1"/>
+                </a:solidFill>
+                <a:latin typeface="+mn-lt"/>
+                <a:ea typeface="+mn-ea"/>
+                <a:cs typeface="+mn-cs"/>
+              </a:defRPr>
+            </a:lvl1pPr>
+            <a:lvl2pPr marL="685800" indent="-228600" algn="l" defTabSz="914400" rtl="0" eaLnBrk="1" latinLnBrk="0" hangingPunct="1">
+              <a:lnSpc>
+                <a:spcPct val="90000"/>
+              </a:lnSpc>
+              <a:spcBef>
+                <a:spcPts val="500"/>
+              </a:spcBef>
+              <a:buFont typeface="Arial" panose="020B0604020202020204" pitchFamily="34" charset="0"/>
+              <a:buChar char="•"/>
+              <a:defRPr sz="2400" kern="1200">
+                <a:solidFill>
+                  <a:schemeClr val="tx1"/>
+                </a:solidFill>
+                <a:latin typeface="+mn-lt"/>
+                <a:ea typeface="+mn-ea"/>
+                <a:cs typeface="+mn-cs"/>
+              </a:defRPr>
+            </a:lvl2pPr>
+            <a:lvl3pPr marL="1143000" indent="-228600" algn="l" defTabSz="914400" rtl="0" eaLnBrk="1" latinLnBrk="0" hangingPunct="1">
+              <a:lnSpc>
+                <a:spcPct val="90000"/>
+              </a:lnSpc>
+              <a:spcBef>
+                <a:spcPts val="500"/>
+              </a:spcBef>
+              <a:buFont typeface="Arial" panose="020B0604020202020204" pitchFamily="34" charset="0"/>
+              <a:buChar char="•"/>
+              <a:defRPr sz="2000" kern="1200">
+                <a:solidFill>
+                  <a:schemeClr val="tx1"/>
+                </a:solidFill>
+                <a:latin typeface="+mn-lt"/>
+                <a:ea typeface="+mn-ea"/>
+                <a:cs typeface="+mn-cs"/>
+              </a:defRPr>
+            </a:lvl3pPr>
+            <a:lvl4pPr marL="1600200" indent="-228600" algn="l" defTabSz="914400" rtl="0" eaLnBrk="1" latinLnBrk="0" hangingPunct="1">
+              <a:lnSpc>
+                <a:spcPct val="90000"/>
+              </a:lnSpc>
+              <a:spcBef>
+                <a:spcPts val="500"/>
+              </a:spcBef>
+              <a:buFont typeface="Arial" panose="020B0604020202020204" pitchFamily="34" charset="0"/>
+              <a:buChar char="•"/>
+              <a:defRPr sz="1800" kern="1200">
+                <a:solidFill>
+                  <a:schemeClr val="tx1"/>
+                </a:solidFill>
+                <a:latin typeface="+mn-lt"/>
+                <a:ea typeface="+mn-ea"/>
+                <a:cs typeface="+mn-cs"/>
+              </a:defRPr>
+            </a:lvl4pPr>
+            <a:lvl5pPr marL="2057400" indent="-228600" algn="l" defTabSz="914400" rtl="0" eaLnBrk="1" latinLnBrk="0" hangingPunct="1">
+              <a:lnSpc>
+                <a:spcPct val="90000"/>
+              </a:lnSpc>
+              <a:spcBef>
+                <a:spcPts val="500"/>
+              </a:spcBef>
+              <a:buFont typeface="Arial" panose="020B0604020202020204" pitchFamily="34" charset="0"/>
+              <a:buChar char="•"/>
+              <a:defRPr sz="1800" kern="1200">
+                <a:solidFill>
+                  <a:schemeClr val="tx1"/>
+                </a:solidFill>
+                <a:latin typeface="+mn-lt"/>
+                <a:ea typeface="+mn-ea"/>
+                <a:cs typeface="+mn-cs"/>
+              </a:defRPr>
+            </a:lvl5pPr>
+            <a:lvl6pPr marL="2514600" indent="-228600" algn="l" defTabSz="914400" rtl="0" eaLnBrk="1" latinLnBrk="0" hangingPunct="1">
+              <a:lnSpc>
+                <a:spcPct val="90000"/>
+              </a:lnSpc>
+              <a:spcBef>
+                <a:spcPts val="500"/>
+              </a:spcBef>
+              <a:buFont typeface="Arial" panose="020B0604020202020204" pitchFamily="34" charset="0"/>
+              <a:buChar char="•"/>
+              <a:defRPr sz="1800" kern="1200">
+                <a:solidFill>
+                  <a:schemeClr val="tx1"/>
+                </a:solidFill>
+                <a:latin typeface="+mn-lt"/>
+                <a:ea typeface="+mn-ea"/>
+                <a:cs typeface="+mn-cs"/>
+              </a:defRPr>
+            </a:lvl6pPr>
+            <a:lvl7pPr marL="2971800" indent="-228600" algn="l" defTabSz="914400" rtl="0" eaLnBrk="1" latinLnBrk="0" hangingPunct="1">
+              <a:lnSpc>
+                <a:spcPct val="90000"/>
+              </a:lnSpc>
+              <a:spcBef>
+                <a:spcPts val="500"/>
+              </a:spcBef>
+              <a:buFont typeface="Arial" panose="020B0604020202020204" pitchFamily="34" charset="0"/>
+              <a:buChar char="•"/>
+              <a:defRPr sz="1800" kern="1200">
+                <a:solidFill>
+                  <a:schemeClr val="tx1"/>
+                </a:solidFill>
+                <a:latin typeface="+mn-lt"/>
+                <a:ea typeface="+mn-ea"/>
+                <a:cs typeface="+mn-cs"/>
+              </a:defRPr>
+            </a:lvl7pPr>
+            <a:lvl8pPr marL="3429000" indent="-228600" algn="l" defTabSz="914400" rtl="0" eaLnBrk="1" latinLnBrk="0" hangingPunct="1">
+              <a:lnSpc>
+                <a:spcPct val="90000"/>
+              </a:lnSpc>
+              <a:spcBef>
+                <a:spcPts val="500"/>
+              </a:spcBef>
+              <a:buFont typeface="Arial" panose="020B0604020202020204" pitchFamily="34" charset="0"/>
+              <a:buChar char="•"/>
+              <a:defRPr sz="1800" kern="1200">
+                <a:solidFill>
+                  <a:schemeClr val="tx1"/>
+                </a:solidFill>
+                <a:latin typeface="+mn-lt"/>
+                <a:ea typeface="+mn-ea"/>
+                <a:cs typeface="+mn-cs"/>
+              </a:defRPr>
+            </a:lvl8pPr>
+            <a:lvl9pPr marL="3886200" indent="-228600" algn="l" defTabSz="914400" rtl="0" eaLnBrk="1" latinLnBrk="0" hangingPunct="1">
+              <a:lnSpc>
+                <a:spcPct val="90000"/>
+              </a:lnSpc>
+              <a:spcBef>
+                <a:spcPts val="500"/>
+              </a:spcBef>
+              <a:buFont typeface="Arial" panose="020B0604020202020204" pitchFamily="34" charset="0"/>
+              <a:buChar char="•"/>
+              <a:defRPr sz="1800" kern="1200">
+                <a:solidFill>
+                  <a:schemeClr val="tx1"/>
+                </a:solidFill>
+                <a:latin typeface="+mn-lt"/>
+                <a:ea typeface="+mn-ea"/>
+                <a:cs typeface="+mn-cs"/>
+              </a:defRPr>
+            </a:lvl9pPr>
+          </a:lstStyle>
+          <a:p>
+            <a:r>
               <a:rPr lang="en-US" altLang="zh-CN" sz="2400" dirty="0" err="1"/>
               <a:t>HotpotQA</a:t>
             </a:r>
@@ -7812,6 +8838,12 @@
             </a:r>
           </a:p>
           <a:p>
+            <a:r>
+              <a:rPr lang="en-US" altLang="zh-CN" sz="2400" dirty="0"/>
+              <a:t>Model for Wiki Setting</a:t>
+            </a:r>
+          </a:p>
+          <a:p>
             <a:pPr lvl="1"/>
             <a:r>
               <a:rPr lang="en-US" altLang="zh-CN" sz="2000" dirty="0" err="1"/>
@@ -7872,13 +8904,16 @@
             </a:r>
           </a:p>
           <a:p>
-            <a:pPr lvl="2"/>
-            <a:endParaRPr lang="en-US" altLang="zh-CN" sz="1800" dirty="0"/>
-          </a:p>
-          <a:p>
-            <a:r>
-              <a:rPr lang="en-US" altLang="zh-CN" sz="2400" dirty="0"/>
-              <a:t>Summary </a:t>
+            <a:r>
+              <a:rPr lang="en-US" altLang="zh-CN" sz="2600" dirty="0"/>
+              <a:t>Model for Distractor Setting</a:t>
+            </a:r>
+          </a:p>
+          <a:p>
+            <a:pPr lvl="1"/>
+            <a:r>
+              <a:rPr lang="en-US" altLang="zh-CN" sz="2200" dirty="0"/>
+              <a:t>DFGN</a:t>
             </a:r>
           </a:p>
           <a:p>
@@ -7887,6 +8922,25 @@
             </a:pPr>
             <a:endParaRPr lang="en-US" altLang="zh-CN" sz="1800" dirty="0"/>
           </a:p>
+          <a:p>
+            <a:pPr lvl="2"/>
+            <a:endParaRPr lang="en-US" altLang="zh-CN" sz="1800" dirty="0"/>
+          </a:p>
+          <a:p>
+            <a:pPr marL="0" indent="0">
+              <a:buNone/>
+            </a:pPr>
+            <a:r>
+              <a:rPr lang="en-US" altLang="zh-CN" sz="2400" dirty="0"/>
+              <a:t> </a:t>
+            </a:r>
+          </a:p>
+          <a:p>
+            <a:pPr marL="914400" lvl="2" indent="0">
+              <a:buNone/>
+            </a:pPr>
+            <a:endParaRPr lang="en-US" altLang="zh-CN" sz="1800" dirty="0"/>
+          </a:p>
         </p:txBody>
       </p:sp>
       <p:sp>
@@ -7903,7 +8957,7 @@
         </p:nvSpPr>
         <p:spPr>
           <a:xfrm>
-            <a:off x="8995719" y="2334076"/>
+            <a:off x="8995719" y="2097773"/>
             <a:ext cx="2949270" cy="646331"/>
           </a:xfrm>
           <a:prstGeom prst="rect">
@@ -7942,7 +8996,7 @@
         </p:nvSpPr>
         <p:spPr>
           <a:xfrm>
-            <a:off x="8995719" y="3295745"/>
+            <a:off x="8995719" y="3059442"/>
             <a:ext cx="2949270" cy="646331"/>
           </a:xfrm>
           <a:prstGeom prst="rect">
@@ -7981,7 +9035,7 @@
         </p:nvSpPr>
         <p:spPr>
           <a:xfrm>
-            <a:off x="8995719" y="4165163"/>
+            <a:off x="8995719" y="3928860"/>
             <a:ext cx="2949270" cy="646331"/>
           </a:xfrm>
           <a:prstGeom prst="rect">
@@ -8189,7 +9243,7 @@
 </p:sld>
 </file>
 
-<file path=ppt/slides/slide2.xml><?xml version="1.0" encoding="utf-8"?>
+<file path=ppt/slides/slide23.xml><?xml version="1.0" encoding="utf-8"?>
 <p:sld xmlns:a="http://schemas.openxmlformats.org/drawingml/2006/main" xmlns:r="http://schemas.openxmlformats.org/officeDocument/2006/relationships" xmlns:p="http://schemas.openxmlformats.org/presentationml/2006/main">
   <p:cSld>
     <p:spTree>
@@ -8222,129 +9276,337 @@
             <p:ph type="title"/>
           </p:nvPr>
         </p:nvSpPr>
-        <p:spPr/>
-        <p:txBody>
-          <a:bodyPr/>
-          <a:lstStyle/>
-          <a:p>
-            <a:r>
-              <a:rPr kumimoji="1" lang="en-US" altLang="zh-CN" dirty="0"/>
-              <a:t>Aspect</a:t>
-            </a:r>
-            <a:endParaRPr kumimoji="1" lang="zh-CN" altLang="en-US" dirty="0"/>
-          </a:p>
-        </p:txBody>
-      </p:sp>
-      <p:sp>
-        <p:nvSpPr>
-          <p:cNvPr id="3" name="内容占位符 2">
-            <a:extLst>
-              <a:ext uri="{FF2B5EF4-FFF2-40B4-BE49-F238E27FC236}">
-                <a16:creationId xmlns:a16="http://schemas.microsoft.com/office/drawing/2014/main" id="{5B7C554B-F0E0-344E-A58C-57DB2E1B2CFC}"/>
-              </a:ext>
-            </a:extLst>
-          </p:cNvPr>
-          <p:cNvSpPr>
-            <a:spLocks noGrp="1"/>
-          </p:cNvSpPr>
-          <p:nvPr>
-            <p:ph idx="1"/>
-          </p:nvPr>
-        </p:nvSpPr>
         <p:spPr>
           <a:xfrm>
-            <a:off x="838200" y="2041383"/>
-            <a:ext cx="10515600" cy="4351338"/>
+            <a:off x="601894" y="241835"/>
+            <a:ext cx="10515600" cy="1325563"/>
           </a:xfrm>
         </p:spPr>
         <p:txBody>
-          <a:bodyPr/>
+          <a:bodyPr>
+            <a:normAutofit/>
+          </a:bodyPr>
           <a:lstStyle/>
           <a:p>
             <a:r>
-              <a:rPr kumimoji="1" lang="en-US" altLang="zh-CN" dirty="0"/>
-              <a:t>Multi-hop Reasoning</a:t>
+              <a:rPr lang="en-US" altLang="zh-CN" sz="4000" dirty="0"/>
+              <a:t>Dataset</a:t>
+            </a:r>
+            <a:endParaRPr kumimoji="1" lang="en-US" altLang="zh-CN" sz="4000" dirty="0"/>
+          </a:p>
+        </p:txBody>
+      </p:sp>
+      <p:sp>
+        <p:nvSpPr>
+          <p:cNvPr id="4" name="文本框 3">
+            <a:extLst>
+              <a:ext uri="{FF2B5EF4-FFF2-40B4-BE49-F238E27FC236}">
+                <a16:creationId xmlns:a16="http://schemas.microsoft.com/office/drawing/2014/main" id="{BAB2B972-B7A3-9A48-919C-F2A21D1FE180}"/>
+              </a:ext>
+            </a:extLst>
+          </p:cNvPr>
+          <p:cNvSpPr txBox="1"/>
+          <p:nvPr/>
+        </p:nvSpPr>
+        <p:spPr>
+          <a:xfrm>
+            <a:off x="3805882" y="6488438"/>
+            <a:ext cx="9141338" cy="307777"/>
+          </a:xfrm>
+          <a:prstGeom prst="rect">
+            <a:avLst/>
+          </a:prstGeom>
+          <a:noFill/>
+        </p:spPr>
+        <p:txBody>
+          <a:bodyPr wrap="square" rtlCol="0">
+            <a:spAutoFit/>
+          </a:bodyPr>
+          <a:lstStyle/>
+          <a:p>
+            <a:r>
+              <a:rPr lang="en-US" altLang="zh-CN" sz="1400" dirty="0" err="1"/>
+              <a:t>Akari</a:t>
+            </a:r>
+            <a:r>
+              <a:rPr lang="en-US" altLang="zh-CN" sz="1400" dirty="0"/>
+              <a:t> </a:t>
+            </a:r>
+            <a:r>
+              <a:rPr lang="en-US" altLang="zh-CN" sz="1400" dirty="0" err="1"/>
+              <a:t>Asai</a:t>
+            </a:r>
+            <a:r>
+              <a:rPr kumimoji="1" lang="en-US" altLang="zh-CN" sz="1400" dirty="0"/>
+              <a:t>., et al.</a:t>
+            </a:r>
+            <a:r>
+              <a:rPr lang="en-US" altLang="zh-CN" sz="1400" dirty="0"/>
+              <a:t> Learning to Retrieve Reasoning Paths over Wikipedia Graph for Question Answering</a:t>
+            </a:r>
+            <a:r>
+              <a:rPr kumimoji="1" lang="en-US" altLang="zh-CN" sz="1400" dirty="0"/>
+              <a:t>.  2020</a:t>
+            </a:r>
+            <a:endParaRPr kumimoji="1" lang="zh-CN" altLang="en-US" sz="1400" dirty="0"/>
+          </a:p>
+        </p:txBody>
+      </p:sp>
+      <p:sp>
+        <p:nvSpPr>
+          <p:cNvPr id="5" name="内容占位符 2">
+            <a:extLst>
+              <a:ext uri="{FF2B5EF4-FFF2-40B4-BE49-F238E27FC236}">
+                <a16:creationId xmlns:a16="http://schemas.microsoft.com/office/drawing/2014/main" id="{B157B57F-C01F-9E46-90FB-F2584B1992B1}"/>
+              </a:ext>
+            </a:extLst>
+          </p:cNvPr>
+          <p:cNvSpPr txBox="1">
+            <a:spLocks/>
+          </p:cNvSpPr>
+          <p:nvPr/>
+        </p:nvSpPr>
+        <p:spPr>
+          <a:xfrm>
+            <a:off x="601894" y="1590847"/>
+            <a:ext cx="8393825" cy="4351338"/>
+          </a:xfrm>
+          <a:prstGeom prst="rect">
+            <a:avLst/>
+          </a:prstGeom>
+        </p:spPr>
+        <p:txBody>
+          <a:bodyPr vert="horz" lIns="91440" tIns="45720" rIns="91440" bIns="45720" rtlCol="0">
+            <a:normAutofit/>
+          </a:bodyPr>
+          <a:lstStyle>
+            <a:lvl1pPr marL="228600" indent="-228600" algn="l" defTabSz="914400" rtl="0" eaLnBrk="1" latinLnBrk="0" hangingPunct="1">
+              <a:lnSpc>
+                <a:spcPct val="90000"/>
+              </a:lnSpc>
+              <a:spcBef>
+                <a:spcPts val="1000"/>
+              </a:spcBef>
+              <a:buFont typeface="Arial" panose="020B0604020202020204" pitchFamily="34" charset="0"/>
+              <a:buChar char="•"/>
+              <a:defRPr sz="2800" kern="1200">
+                <a:solidFill>
+                  <a:schemeClr val="tx1"/>
+                </a:solidFill>
+                <a:latin typeface="+mn-lt"/>
+                <a:ea typeface="+mn-ea"/>
+                <a:cs typeface="+mn-cs"/>
+              </a:defRPr>
+            </a:lvl1pPr>
+            <a:lvl2pPr marL="685800" indent="-228600" algn="l" defTabSz="914400" rtl="0" eaLnBrk="1" latinLnBrk="0" hangingPunct="1">
+              <a:lnSpc>
+                <a:spcPct val="90000"/>
+              </a:lnSpc>
+              <a:spcBef>
+                <a:spcPts val="500"/>
+              </a:spcBef>
+              <a:buFont typeface="Arial" panose="020B0604020202020204" pitchFamily="34" charset="0"/>
+              <a:buChar char="•"/>
+              <a:defRPr sz="2400" kern="1200">
+                <a:solidFill>
+                  <a:schemeClr val="tx1"/>
+                </a:solidFill>
+                <a:latin typeface="+mn-lt"/>
+                <a:ea typeface="+mn-ea"/>
+                <a:cs typeface="+mn-cs"/>
+              </a:defRPr>
+            </a:lvl2pPr>
+            <a:lvl3pPr marL="1143000" indent="-228600" algn="l" defTabSz="914400" rtl="0" eaLnBrk="1" latinLnBrk="0" hangingPunct="1">
+              <a:lnSpc>
+                <a:spcPct val="90000"/>
+              </a:lnSpc>
+              <a:spcBef>
+                <a:spcPts val="500"/>
+              </a:spcBef>
+              <a:buFont typeface="Arial" panose="020B0604020202020204" pitchFamily="34" charset="0"/>
+              <a:buChar char="•"/>
+              <a:defRPr sz="2000" kern="1200">
+                <a:solidFill>
+                  <a:schemeClr val="tx1"/>
+                </a:solidFill>
+                <a:latin typeface="+mn-lt"/>
+                <a:ea typeface="+mn-ea"/>
+                <a:cs typeface="+mn-cs"/>
+              </a:defRPr>
+            </a:lvl3pPr>
+            <a:lvl4pPr marL="1600200" indent="-228600" algn="l" defTabSz="914400" rtl="0" eaLnBrk="1" latinLnBrk="0" hangingPunct="1">
+              <a:lnSpc>
+                <a:spcPct val="90000"/>
+              </a:lnSpc>
+              <a:spcBef>
+                <a:spcPts val="500"/>
+              </a:spcBef>
+              <a:buFont typeface="Arial" panose="020B0604020202020204" pitchFamily="34" charset="0"/>
+              <a:buChar char="•"/>
+              <a:defRPr sz="1800" kern="1200">
+                <a:solidFill>
+                  <a:schemeClr val="tx1"/>
+                </a:solidFill>
+                <a:latin typeface="+mn-lt"/>
+                <a:ea typeface="+mn-ea"/>
+                <a:cs typeface="+mn-cs"/>
+              </a:defRPr>
+            </a:lvl4pPr>
+            <a:lvl5pPr marL="2057400" indent="-228600" algn="l" defTabSz="914400" rtl="0" eaLnBrk="1" latinLnBrk="0" hangingPunct="1">
+              <a:lnSpc>
+                <a:spcPct val="90000"/>
+              </a:lnSpc>
+              <a:spcBef>
+                <a:spcPts val="500"/>
+              </a:spcBef>
+              <a:buFont typeface="Arial" panose="020B0604020202020204" pitchFamily="34" charset="0"/>
+              <a:buChar char="•"/>
+              <a:defRPr sz="1800" kern="1200">
+                <a:solidFill>
+                  <a:schemeClr val="tx1"/>
+                </a:solidFill>
+                <a:latin typeface="+mn-lt"/>
+                <a:ea typeface="+mn-ea"/>
+                <a:cs typeface="+mn-cs"/>
+              </a:defRPr>
+            </a:lvl5pPr>
+            <a:lvl6pPr marL="2514600" indent="-228600" algn="l" defTabSz="914400" rtl="0" eaLnBrk="1" latinLnBrk="0" hangingPunct="1">
+              <a:lnSpc>
+                <a:spcPct val="90000"/>
+              </a:lnSpc>
+              <a:spcBef>
+                <a:spcPts val="500"/>
+              </a:spcBef>
+              <a:buFont typeface="Arial" panose="020B0604020202020204" pitchFamily="34" charset="0"/>
+              <a:buChar char="•"/>
+              <a:defRPr sz="1800" kern="1200">
+                <a:solidFill>
+                  <a:schemeClr val="tx1"/>
+                </a:solidFill>
+                <a:latin typeface="+mn-lt"/>
+                <a:ea typeface="+mn-ea"/>
+                <a:cs typeface="+mn-cs"/>
+              </a:defRPr>
+            </a:lvl6pPr>
+            <a:lvl7pPr marL="2971800" indent="-228600" algn="l" defTabSz="914400" rtl="0" eaLnBrk="1" latinLnBrk="0" hangingPunct="1">
+              <a:lnSpc>
+                <a:spcPct val="90000"/>
+              </a:lnSpc>
+              <a:spcBef>
+                <a:spcPts val="500"/>
+              </a:spcBef>
+              <a:buFont typeface="Arial" panose="020B0604020202020204" pitchFamily="34" charset="0"/>
+              <a:buChar char="•"/>
+              <a:defRPr sz="1800" kern="1200">
+                <a:solidFill>
+                  <a:schemeClr val="tx1"/>
+                </a:solidFill>
+                <a:latin typeface="+mn-lt"/>
+                <a:ea typeface="+mn-ea"/>
+                <a:cs typeface="+mn-cs"/>
+              </a:defRPr>
+            </a:lvl7pPr>
+            <a:lvl8pPr marL="3429000" indent="-228600" algn="l" defTabSz="914400" rtl="0" eaLnBrk="1" latinLnBrk="0" hangingPunct="1">
+              <a:lnSpc>
+                <a:spcPct val="90000"/>
+              </a:lnSpc>
+              <a:spcBef>
+                <a:spcPts val="500"/>
+              </a:spcBef>
+              <a:buFont typeface="Arial" panose="020B0604020202020204" pitchFamily="34" charset="0"/>
+              <a:buChar char="•"/>
+              <a:defRPr sz="1800" kern="1200">
+                <a:solidFill>
+                  <a:schemeClr val="tx1"/>
+                </a:solidFill>
+                <a:latin typeface="+mn-lt"/>
+                <a:ea typeface="+mn-ea"/>
+                <a:cs typeface="+mn-cs"/>
+              </a:defRPr>
+            </a:lvl8pPr>
+            <a:lvl9pPr marL="3886200" indent="-228600" algn="l" defTabSz="914400" rtl="0" eaLnBrk="1" latinLnBrk="0" hangingPunct="1">
+              <a:lnSpc>
+                <a:spcPct val="90000"/>
+              </a:lnSpc>
+              <a:spcBef>
+                <a:spcPts val="500"/>
+              </a:spcBef>
+              <a:buFont typeface="Arial" panose="020B0604020202020204" pitchFamily="34" charset="0"/>
+              <a:buChar char="•"/>
+              <a:defRPr sz="1800" kern="1200">
+                <a:solidFill>
+                  <a:schemeClr val="tx1"/>
+                </a:solidFill>
+                <a:latin typeface="+mn-lt"/>
+                <a:ea typeface="+mn-ea"/>
+                <a:cs typeface="+mn-cs"/>
+              </a:defRPr>
+            </a:lvl9pPr>
+          </a:lstStyle>
+          <a:p>
+            <a:r>
+              <a:rPr lang="en-US" altLang="zh-CN" sz="2400" dirty="0"/>
+              <a:t>DROP: More mathematical operation </a:t>
             </a:r>
           </a:p>
           <a:p>
             <a:pPr lvl="1"/>
             <a:r>
-              <a:rPr kumimoji="1" lang="en-US" altLang="zh-CN" dirty="0"/>
-              <a:t>GNN, Language model based Method</a:t>
-            </a:r>
-          </a:p>
-          <a:p>
-            <a:r>
-              <a:rPr kumimoji="1" lang="en-US" altLang="zh-CN" dirty="0"/>
-              <a:t>Symbolic Method</a:t>
+              <a:rPr lang="en-US" altLang="zh-CN" sz="2000" dirty="0"/>
+              <a:t>MTMSN</a:t>
             </a:r>
           </a:p>
           <a:p>
             <a:pPr lvl="1"/>
             <a:r>
-              <a:rPr kumimoji="1" lang="en-US" altLang="zh-CN" dirty="0"/>
-              <a:t>Neural Symbolic Network; Learn rules; Encode logic;</a:t>
-            </a:r>
-          </a:p>
-          <a:p>
-            <a:r>
-              <a:rPr kumimoji="1" lang="en-US" altLang="zh-CN" dirty="0"/>
-              <a:t>Dataset</a:t>
-            </a:r>
+              <a:rPr lang="en-US" altLang="zh-CN" sz="2000" dirty="0" err="1"/>
+              <a:t>ReNd</a:t>
+            </a:r>
+            <a:endParaRPr lang="en-US" altLang="zh-CN" sz="2000" dirty="0"/>
           </a:p>
           <a:p>
             <a:pPr lvl="1"/>
             <a:r>
-              <a:rPr kumimoji="1" lang="en-US" altLang="zh-CN" dirty="0" err="1"/>
-              <a:t>HotpotQA</a:t>
-            </a:r>
-            <a:r>
-              <a:rPr kumimoji="1" lang="en-US" altLang="zh-CN" dirty="0"/>
-              <a:t>: </a:t>
-            </a:r>
-            <a:r>
-              <a:rPr kumimoji="1" lang="en-US" altLang="zh-CN" dirty="0" err="1"/>
-              <a:t>CogQA</a:t>
-            </a:r>
-            <a:r>
-              <a:rPr kumimoji="1" lang="en-US" altLang="zh-CN" dirty="0"/>
-              <a:t>, Transformer-XH</a:t>
+              <a:rPr lang="en-US" altLang="zh-CN" sz="2000" dirty="0"/>
+              <a:t>Neural Module Networks for Reasoning over Text</a:t>
             </a:r>
           </a:p>
           <a:p>
             <a:pPr lvl="1"/>
-            <a:r>
-              <a:rPr kumimoji="1" lang="en-US" altLang="zh-CN" dirty="0"/>
-              <a:t>DROP: </a:t>
-            </a:r>
-            <a:r>
-              <a:rPr kumimoji="1" lang="en-US" altLang="zh-CN" dirty="0" err="1"/>
-              <a:t>NumNet</a:t>
-            </a:r>
-            <a:r>
-              <a:rPr kumimoji="1" lang="en-US" altLang="zh-CN" dirty="0"/>
-              <a:t>, </a:t>
-            </a:r>
-            <a:r>
-              <a:rPr kumimoji="1" lang="en-US" altLang="zh-CN" dirty="0" err="1"/>
-              <a:t>ReNd</a:t>
-            </a:r>
-            <a:r>
-              <a:rPr kumimoji="1" lang="en-US" altLang="zh-CN" dirty="0"/>
-              <a:t>, extended </a:t>
-            </a:r>
-            <a:r>
-              <a:rPr lang="en-US" altLang="zh-CN" dirty="0"/>
-              <a:t>NMN</a:t>
-            </a:r>
-            <a:endParaRPr kumimoji="1" lang="zh-CN" altLang="en-US" dirty="0"/>
+            <a:endParaRPr lang="en-US" altLang="zh-CN" sz="2000" dirty="0"/>
+          </a:p>
+          <a:p>
+            <a:r>
+              <a:rPr lang="en-US" altLang="zh-CN" sz="2400" dirty="0"/>
+              <a:t>Learn the operation case by case</a:t>
+            </a:r>
+          </a:p>
+          <a:p>
+            <a:pPr lvl="1"/>
+            <a:endParaRPr lang="en-US" altLang="zh-CN" dirty="0"/>
+          </a:p>
+          <a:p>
+            <a:pPr marL="914400" lvl="2" indent="0">
+              <a:buNone/>
+            </a:pPr>
+            <a:endParaRPr lang="en-US" altLang="zh-CN" dirty="0"/>
+          </a:p>
+          <a:p>
+            <a:pPr marL="914400" lvl="2" indent="0">
+              <a:buNone/>
+            </a:pPr>
+            <a:endParaRPr lang="en-US" altLang="zh-CN" dirty="0"/>
+          </a:p>
+          <a:p>
+            <a:pPr lvl="2"/>
+            <a:endParaRPr lang="en-US" altLang="zh-CN" sz="1600" dirty="0"/>
           </a:p>
         </p:txBody>
       </p:sp>
     </p:spTree>
     <p:extLst>
       <p:ext uri="{BB962C8B-B14F-4D97-AF65-F5344CB8AC3E}">
-        <p14:creationId xmlns:p14="http://schemas.microsoft.com/office/powerpoint/2010/main" val="3267604172"/>
+        <p14:creationId xmlns:p14="http://schemas.microsoft.com/office/powerpoint/2010/main" val="2349179058"/>
       </p:ext>
     </p:extLst>
   </p:cSld>
@@ -8354,7 +9616,7 @@
 </p:sld>
 </file>
 
-<file path=ppt/slides/slide20.xml><?xml version="1.0" encoding="utf-8"?>
+<file path=ppt/slides/slide24.xml><?xml version="1.0" encoding="utf-8"?>
 <p:sld xmlns:a="http://schemas.openxmlformats.org/drawingml/2006/main" xmlns:r="http://schemas.openxmlformats.org/officeDocument/2006/relationships" xmlns:p="http://schemas.openxmlformats.org/presentationml/2006/main">
   <p:cSld>
     <p:spTree>
@@ -8479,8 +9741,8 @@
         </p:nvSpPr>
         <p:spPr>
           <a:xfrm>
-            <a:off x="601894" y="1590847"/>
-            <a:ext cx="8393825" cy="4351338"/>
+            <a:off x="601894" y="2264827"/>
+            <a:ext cx="9446232" cy="4351338"/>
           </a:xfrm>
           <a:prstGeom prst="rect">
             <a:avLst/>
@@ -8656,44 +9918,26 @@
           </a:lstStyle>
           <a:p>
             <a:r>
+              <a:rPr lang="en-US" altLang="zh-CN" sz="2400" dirty="0" err="1"/>
+              <a:t>ReClor</a:t>
+            </a:r>
+            <a:r>
               <a:rPr lang="en-US" altLang="zh-CN" sz="2400" dirty="0"/>
-              <a:t>DROP: More mathematical operation </a:t>
-            </a:r>
-          </a:p>
-          <a:p>
-            <a:pPr lvl="1"/>
-            <a:r>
-              <a:rPr lang="en-US" altLang="zh-CN" sz="2000" dirty="0"/>
-              <a:t>MTMSN</a:t>
-            </a:r>
-          </a:p>
-          <a:p>
-            <a:pPr lvl="1"/>
-            <a:r>
-              <a:rPr lang="en-US" altLang="zh-CN" sz="2000" dirty="0" err="1"/>
-              <a:t>ReNd</a:t>
+              <a:t>: Logical Question in GMAT</a:t>
             </a:r>
             <a:endParaRPr lang="en-US" altLang="zh-CN" sz="2000" dirty="0"/>
           </a:p>
           <a:p>
-            <a:pPr lvl="1"/>
-            <a:r>
-              <a:rPr lang="en-US" altLang="zh-CN" sz="2000" dirty="0"/>
-              <a:t>Neural Module Networks for Reasoning over Text</a:t>
-            </a:r>
-          </a:p>
-          <a:p>
-            <a:pPr lvl="1"/>
-            <a:endParaRPr lang="en-US" altLang="zh-CN" sz="2000" dirty="0"/>
+            <a:pPr marL="0" indent="0">
+              <a:buNone/>
+            </a:pPr>
+            <a:endParaRPr lang="en-US" altLang="zh-CN" sz="2400" dirty="0"/>
           </a:p>
           <a:p>
             <a:r>
               <a:rPr lang="en-US" altLang="zh-CN" sz="2400" dirty="0"/>
-              <a:t>Learn the operation case by case</a:t>
-            </a:r>
-          </a:p>
-          <a:p>
-            <a:pPr lvl="1"/>
+              <a:t>CLUTRR: predict the relative relationship </a:t>
+            </a:r>
             <a:endParaRPr lang="en-US" altLang="zh-CN" dirty="0"/>
           </a:p>
           <a:p>
@@ -8717,7 +9961,7 @@
     </p:spTree>
     <p:extLst>
       <p:ext uri="{BB962C8B-B14F-4D97-AF65-F5344CB8AC3E}">
-        <p14:creationId xmlns:p14="http://schemas.microsoft.com/office/powerpoint/2010/main" val="2349179058"/>
+        <p14:creationId xmlns:p14="http://schemas.microsoft.com/office/powerpoint/2010/main" val="1334172045"/>
       </p:ext>
     </p:extLst>
   </p:cSld>
@@ -8727,7 +9971,7 @@
 </p:sld>
 </file>
 
-<file path=ppt/slides/slide21.xml><?xml version="1.0" encoding="utf-8"?>
+<file path=ppt/slides/slide25.xml><?xml version="1.0" encoding="utf-8"?>
 <p:sld xmlns:a="http://schemas.openxmlformats.org/drawingml/2006/main" xmlns:r="http://schemas.openxmlformats.org/officeDocument/2006/relationships" xmlns:p="http://schemas.openxmlformats.org/presentationml/2006/main">
   <p:cSld>
     <p:spTree>
@@ -8773,10 +10017,9 @@
           <a:lstStyle/>
           <a:p>
             <a:r>
-              <a:rPr lang="en-US" altLang="zh-CN" sz="4000" dirty="0"/>
-              <a:t>Dataset</a:t>
-            </a:r>
-            <a:endParaRPr kumimoji="1" lang="en-US" altLang="zh-CN" sz="4000" dirty="0"/>
+              <a:rPr kumimoji="1" lang="en-US" altLang="zh-CN" sz="4000" dirty="0"/>
+              <a:t>Ideas</a:t>
+            </a:r>
           </a:p>
         </p:txBody>
       </p:sp>
@@ -8852,8 +10095,8 @@
         </p:nvSpPr>
         <p:spPr>
           <a:xfrm>
-            <a:off x="601894" y="1986263"/>
-            <a:ext cx="8393825" cy="4351338"/>
+            <a:off x="601894" y="1956602"/>
+            <a:ext cx="9446232" cy="4351338"/>
           </a:xfrm>
           <a:prstGeom prst="rect">
             <a:avLst/>
@@ -9029,68 +10272,82 @@
           </a:lstStyle>
           <a:p>
             <a:r>
+              <a:rPr lang="en-US" altLang="zh-CN" sz="2400" dirty="0"/>
+              <a:t>For </a:t>
+            </a:r>
+            <a:r>
               <a:rPr lang="en-US" altLang="zh-CN" sz="2400" dirty="0" err="1"/>
-              <a:t>ReClor</a:t>
-            </a:r>
-            <a:r>
-              <a:rPr lang="en-US" altLang="zh-CN" sz="2400" dirty="0"/>
-              <a:t>: Logical Question in GMAT</a:t>
-            </a:r>
-            <a:endParaRPr lang="en-US" altLang="zh-CN" sz="2000" dirty="0"/>
-          </a:p>
-          <a:p>
-            <a:r>
-              <a:rPr lang="en-US" altLang="zh-CN" sz="2400" dirty="0"/>
-              <a:t>An infant idea inspired by my GRE teacher</a:t>
-            </a:r>
+              <a:t>Reclor</a:t>
+            </a:r>
+            <a:endParaRPr lang="en-US" altLang="zh-CN" sz="2400" dirty="0"/>
           </a:p>
           <a:p>
             <a:pPr lvl="1"/>
             <a:r>
               <a:rPr lang="en-US" altLang="zh-CN" sz="2000" dirty="0"/>
-              <a:t>Using memory network to memorize the main logical lines</a:t>
+              <a:t>Use fact verification</a:t>
+            </a:r>
+          </a:p>
+          <a:p>
+            <a:pPr lvl="2"/>
+            <a:r>
+              <a:rPr lang="en-US" altLang="zh-CN" sz="1600" dirty="0"/>
+              <a:t>find support or refute in the given passage to every option</a:t>
             </a:r>
           </a:p>
           <a:p>
             <a:pPr lvl="1"/>
             <a:r>
               <a:rPr lang="en-US" altLang="zh-CN" sz="2000" dirty="0"/>
-              <a:t>Details do not influence the argument points</a:t>
-            </a:r>
-          </a:p>
-          <a:p>
-            <a:pPr lvl="1"/>
-            <a:r>
-              <a:rPr lang="en-US" altLang="zh-CN" sz="2000" dirty="0"/>
-              <a:t>Compare the choice and the lines logically</a:t>
-            </a:r>
-          </a:p>
-          <a:p>
-            <a:pPr lvl="1"/>
-            <a:endParaRPr lang="en-US" altLang="zh-CN" dirty="0"/>
-          </a:p>
-          <a:p>
-            <a:pPr marL="914400" lvl="2" indent="0">
+              <a:t>The logic is augment level, much harder than the previous dataset</a:t>
+            </a:r>
+          </a:p>
+          <a:p>
+            <a:pPr marL="457200" lvl="1" indent="0">
               <a:buNone/>
             </a:pPr>
-            <a:endParaRPr lang="en-US" altLang="zh-CN" dirty="0"/>
-          </a:p>
-          <a:p>
-            <a:pPr marL="914400" lvl="2" indent="0">
-              <a:buNone/>
-            </a:pPr>
-            <a:endParaRPr lang="en-US" altLang="zh-CN" dirty="0"/>
-          </a:p>
-          <a:p>
-            <a:pPr lvl="2"/>
-            <a:endParaRPr lang="en-US" altLang="zh-CN" sz="1600" dirty="0"/>
+            <a:endParaRPr lang="en-US" altLang="zh-CN" sz="2000" dirty="0"/>
+          </a:p>
+          <a:p>
+            <a:r>
+              <a:rPr lang="en-US" altLang="zh-CN" sz="2400" dirty="0"/>
+              <a:t> For Rules-based Inductive</a:t>
+            </a:r>
+          </a:p>
+          <a:p>
+            <a:pPr lvl="1"/>
+            <a:r>
+              <a:rPr lang="en-US" altLang="zh-CN" sz="2000" dirty="0"/>
+              <a:t>Rules are described by natural language. </a:t>
+            </a:r>
+          </a:p>
+          <a:p>
+            <a:pPr lvl="1"/>
+            <a:r>
+              <a:rPr lang="en-US" altLang="zh-CN" sz="2000" dirty="0"/>
+              <a:t>How to build a directed graph based on the language model.</a:t>
+            </a:r>
+          </a:p>
+          <a:p>
+            <a:pPr lvl="1"/>
+            <a:r>
+              <a:rPr lang="en-US" altLang="zh-CN" sz="2000" dirty="0"/>
+              <a:t>Using attention</a:t>
+            </a:r>
+          </a:p>
+          <a:p>
+            <a:pPr lvl="1"/>
+            <a:r>
+              <a:rPr lang="en-US" altLang="zh-CN" sz="2000" dirty="0"/>
+              <a:t>Using mutual information</a:t>
+            </a:r>
           </a:p>
         </p:txBody>
       </p:sp>
     </p:spTree>
     <p:extLst>
       <p:ext uri="{BB962C8B-B14F-4D97-AF65-F5344CB8AC3E}">
-        <p14:creationId xmlns:p14="http://schemas.microsoft.com/office/powerpoint/2010/main" val="1334172045"/>
+        <p14:creationId xmlns:p14="http://schemas.microsoft.com/office/powerpoint/2010/main" val="974788495"/>
       </p:ext>
     </p:extLst>
   </p:cSld>
@@ -9145,7 +10402,7 @@
           <a:p>
             <a:r>
               <a:rPr kumimoji="1" lang="en-US" altLang="zh-CN" dirty="0"/>
-              <a:t>Multi-hop Reasoning</a:t>
+              <a:t>Overview on Multi-hop Reasoning</a:t>
             </a:r>
             <a:endParaRPr kumimoji="1" lang="zh-CN" altLang="en-US" dirty="0"/>
           </a:p>
@@ -9169,7 +10426,7 @@
         </p:nvSpPr>
         <p:spPr>
           <a:xfrm>
-            <a:off x="601894" y="1711236"/>
+            <a:off x="601894" y="1772881"/>
             <a:ext cx="10515600" cy="4351338"/>
           </a:xfrm>
         </p:spPr>
@@ -9181,78 +10438,51 @@
           <a:p>
             <a:r>
               <a:rPr kumimoji="1" lang="en-US" altLang="zh-CN" dirty="0"/>
-              <a:t>Language model based</a:t>
+              <a:t>Language model encode the semantic information</a:t>
+            </a:r>
+          </a:p>
+          <a:p>
+            <a:r>
+              <a:rPr kumimoji="1" lang="en-US" altLang="zh-CN" dirty="0"/>
+              <a:t>GNN propagate the information between nodes</a:t>
+            </a:r>
+          </a:p>
+          <a:p>
+            <a:endParaRPr kumimoji="1" lang="en-US" altLang="zh-CN" dirty="0"/>
+          </a:p>
+          <a:p>
+            <a:r>
+              <a:rPr kumimoji="1" lang="en-US" altLang="zh-CN" dirty="0"/>
+              <a:t>Two basic question:</a:t>
             </a:r>
           </a:p>
           <a:p>
             <a:pPr lvl="1"/>
             <a:r>
-              <a:rPr lang="en-US" altLang="zh-CN" dirty="0"/>
-              <a:t>Cognitive Graph for Multi-Hop Reading Comprehension at Scale</a:t>
-            </a:r>
-            <a:endParaRPr kumimoji="1" lang="en-US" altLang="zh-CN" dirty="0"/>
+              <a:rPr kumimoji="1" lang="en-US" altLang="zh-CN" dirty="0"/>
+              <a:t>How to build the graph</a:t>
+            </a:r>
+          </a:p>
+          <a:p>
+            <a:pPr lvl="2"/>
+            <a:r>
+              <a:rPr kumimoji="1" lang="en-US" altLang="zh-CN" dirty="0"/>
+              <a:t>Open domain Wiki-based graph </a:t>
+            </a:r>
+          </a:p>
+          <a:p>
+            <a:pPr lvl="2"/>
+            <a:r>
+              <a:rPr kumimoji="1" lang="en-US" altLang="zh-CN" dirty="0"/>
+              <a:t>Build the local graph by relation extracting</a:t>
+            </a:r>
           </a:p>
           <a:p>
             <a:pPr lvl="1"/>
             <a:r>
               <a:rPr kumimoji="1" lang="en-US" altLang="zh-CN" dirty="0"/>
-              <a:t>Transformer-XH:</a:t>
-            </a:r>
-            <a:r>
-              <a:rPr kumimoji="1" lang="zh-CN" altLang="en-US" dirty="0"/>
-              <a:t> </a:t>
-            </a:r>
-            <a:r>
-              <a:rPr kumimoji="1" lang="en-US" altLang="zh-CN" dirty="0"/>
-              <a:t>Multi-Evidence Reasoning with </a:t>
-            </a:r>
-            <a:r>
-              <a:rPr kumimoji="1" lang="en-US" altLang="zh-CN" dirty="0" err="1"/>
-              <a:t>eXtra</a:t>
-            </a:r>
-            <a:r>
-              <a:rPr kumimoji="1" lang="en-US" altLang="zh-CN" dirty="0"/>
-              <a:t> Hop Attention</a:t>
-            </a:r>
-          </a:p>
-          <a:p>
-            <a:pPr lvl="1"/>
-            <a:r>
-              <a:rPr lang="en-US" altLang="zh-CN" dirty="0"/>
-              <a:t>Transformers as Soft Reasoners over Language</a:t>
-            </a:r>
-            <a:endParaRPr kumimoji="1" lang="en-US" altLang="zh-CN" dirty="0"/>
-          </a:p>
-          <a:p>
-            <a:r>
-              <a:rPr kumimoji="1" lang="en-US" altLang="zh-CN" dirty="0"/>
-              <a:t>Graph-based model</a:t>
-            </a:r>
-          </a:p>
-          <a:p>
-            <a:pPr lvl="1"/>
-            <a:r>
-              <a:rPr lang="en-US" altLang="zh-CN" dirty="0"/>
-              <a:t>Dynamically Fused Graph Network for Multi-hop Reasoning</a:t>
-            </a:r>
-          </a:p>
-          <a:p>
-            <a:pPr lvl="1"/>
-            <a:r>
-              <a:rPr lang="en-US" altLang="zh-CN" dirty="0"/>
-              <a:t>Learning to Retrieve Reasoning Paths over Wikipedia Graph for Question Answering</a:t>
-            </a:r>
-          </a:p>
-          <a:p>
-            <a:pPr lvl="1"/>
-            <a:r>
-              <a:rPr lang="en-US" altLang="zh-CN" dirty="0"/>
-              <a:t>Multi-hop Reading Comprehension across Multiple Documents by Reasoning over Heterogeneous Graphs</a:t>
-            </a:r>
-          </a:p>
-          <a:p>
-            <a:pPr lvl="1"/>
-            <a:endParaRPr kumimoji="1" lang="en-US" altLang="zh-CN" dirty="0"/>
+              <a:t>How to tradeoff between graph structure and language encoder</a:t>
+            </a:r>
           </a:p>
           <a:p>
             <a:pPr marL="0" indent="0">
@@ -9292,36 +10522,6 @@
           <a:chExt cx="0" cy="0"/>
         </a:xfrm>
       </p:grpSpPr>
-      <p:pic>
-        <p:nvPicPr>
-          <p:cNvPr id="8" name="图片 7">
-            <a:extLst>
-              <a:ext uri="{FF2B5EF4-FFF2-40B4-BE49-F238E27FC236}">
-                <a16:creationId xmlns:a16="http://schemas.microsoft.com/office/drawing/2014/main" id="{750F3947-FC55-8045-B671-477F7FFA076D}"/>
-              </a:ext>
-            </a:extLst>
-          </p:cNvPr>
-          <p:cNvPicPr>
-            <a:picLocks noChangeAspect="1"/>
-          </p:cNvPicPr>
-          <p:nvPr/>
-        </p:nvPicPr>
-        <p:blipFill>
-          <a:blip r:embed="rId2"/>
-          <a:stretch>
-            <a:fillRect/>
-          </a:stretch>
-        </p:blipFill>
-        <p:spPr>
-          <a:xfrm>
-            <a:off x="6724829" y="1567398"/>
-            <a:ext cx="5368713" cy="3785501"/>
-          </a:xfrm>
-          <a:prstGeom prst="rect">
-            <a:avLst/>
-          </a:prstGeom>
-        </p:spPr>
-      </p:pic>
       <p:sp>
         <p:nvSpPr>
           <p:cNvPr id="2" name="标题 1">
@@ -9340,172 +10540,32 @@
         </p:nvSpPr>
         <p:spPr>
           <a:xfrm>
-            <a:off x="490681" y="241835"/>
+            <a:off x="3546296" y="2348037"/>
             <a:ext cx="10515600" cy="1325563"/>
           </a:xfrm>
         </p:spPr>
         <p:txBody>
           <a:bodyPr>
-            <a:normAutofit/>
+            <a:noAutofit/>
           </a:bodyPr>
           <a:lstStyle/>
           <a:p>
             <a:r>
-              <a:rPr kumimoji="1" lang="en-US" altLang="zh-CN" sz="4000" dirty="0" err="1"/>
+              <a:rPr kumimoji="1" lang="en-US" altLang="zh-CN" sz="3600" dirty="0"/>
+              <a:t>Case 1: </a:t>
+            </a:r>
+            <a:r>
+              <a:rPr kumimoji="1" lang="en-US" altLang="zh-CN" sz="3600" dirty="0" err="1"/>
               <a:t>CogQA</a:t>
             </a:r>
-            <a:r>
-              <a:rPr kumimoji="1" lang="en-US" altLang="zh-CN" sz="4000" dirty="0"/>
-              <a:t> </a:t>
-            </a:r>
-            <a:endParaRPr kumimoji="1" lang="en-US" altLang="zh-CN" sz="2800" dirty="0"/>
-          </a:p>
-        </p:txBody>
-      </p:sp>
-      <p:sp>
-        <p:nvSpPr>
-          <p:cNvPr id="3" name="内容占位符 2">
-            <a:extLst>
-              <a:ext uri="{FF2B5EF4-FFF2-40B4-BE49-F238E27FC236}">
-                <a16:creationId xmlns:a16="http://schemas.microsoft.com/office/drawing/2014/main" id="{5B7C554B-F0E0-344E-A58C-57DB2E1B2CFC}"/>
-              </a:ext>
-            </a:extLst>
-          </p:cNvPr>
-          <p:cNvSpPr>
-            <a:spLocks noGrp="1"/>
-          </p:cNvSpPr>
-          <p:nvPr>
-            <p:ph idx="1"/>
-          </p:nvPr>
-        </p:nvSpPr>
-        <p:spPr>
-          <a:xfrm>
-            <a:off x="478324" y="1567398"/>
-            <a:ext cx="6453814" cy="4351338"/>
-          </a:xfrm>
-        </p:spPr>
-        <p:txBody>
-          <a:bodyPr/>
-          <a:lstStyle/>
-          <a:p>
-            <a:r>
-              <a:rPr kumimoji="1" lang="en-US" altLang="zh-CN" dirty="0"/>
-              <a:t>System 1 &amp; System 2</a:t>
-            </a:r>
-          </a:p>
-          <a:p>
-            <a:pPr lvl="1"/>
-            <a:r>
-              <a:rPr lang="en-US" altLang="zh-CN" dirty="0"/>
-              <a:t>System 1: implicit extraction module </a:t>
-            </a:r>
-            <a:r>
-              <a:rPr kumimoji="1" lang="en-US" altLang="zh-CN" dirty="0"/>
-              <a:t>(Bert)</a:t>
-            </a:r>
-          </a:p>
-          <a:p>
-            <a:pPr lvl="1"/>
-            <a:r>
-              <a:rPr kumimoji="1" lang="en-US" altLang="zh-CN" dirty="0"/>
-              <a:t>System 2: </a:t>
-            </a:r>
-            <a:r>
-              <a:rPr lang="en-US" altLang="zh-CN" dirty="0"/>
-              <a:t>explicit reasoning module (GNN)</a:t>
-            </a:r>
-          </a:p>
-          <a:p>
-            <a:r>
-              <a:rPr kumimoji="1" lang="en-US" altLang="zh-CN" dirty="0"/>
-              <a:t>System 1 extract </a:t>
-            </a:r>
-            <a:r>
-              <a:rPr lang="en-US" altLang="zh-CN" dirty="0"/>
-              <a:t>entities and answer candidates</a:t>
-            </a:r>
-          </a:p>
-          <a:p>
-            <a:r>
-              <a:rPr kumimoji="1" lang="en-US" altLang="zh-CN" dirty="0"/>
-              <a:t>Organized as a </a:t>
-            </a:r>
-            <a:r>
-              <a:rPr lang="en-US" altLang="zh-CN" dirty="0"/>
-              <a:t>cognitive graph</a:t>
-            </a:r>
-          </a:p>
-          <a:p>
-            <a:r>
-              <a:rPr lang="en-US" altLang="zh-CN" dirty="0"/>
-              <a:t>System 2 conducts the reasoning over the graph</a:t>
-            </a:r>
-            <a:endParaRPr kumimoji="1" lang="en-US" altLang="zh-CN" dirty="0"/>
-          </a:p>
-          <a:p>
-            <a:pPr marL="0" indent="0">
-              <a:buNone/>
-            </a:pPr>
-            <a:endParaRPr kumimoji="1" lang="en-US" altLang="zh-CN" dirty="0"/>
-          </a:p>
-        </p:txBody>
-      </p:sp>
-      <p:sp>
-        <p:nvSpPr>
-          <p:cNvPr id="4" name="文本框 3">
-            <a:extLst>
-              <a:ext uri="{FF2B5EF4-FFF2-40B4-BE49-F238E27FC236}">
-                <a16:creationId xmlns:a16="http://schemas.microsoft.com/office/drawing/2014/main" id="{D836F611-898F-8347-B3A7-AA20AF22289F}"/>
-              </a:ext>
-            </a:extLst>
-          </p:cNvPr>
-          <p:cNvSpPr txBox="1"/>
-          <p:nvPr/>
-        </p:nvSpPr>
-        <p:spPr>
-          <a:xfrm>
-            <a:off x="5549714" y="6431032"/>
-            <a:ext cx="6543828" cy="307777"/>
-          </a:xfrm>
-          <a:prstGeom prst="rect">
-            <a:avLst/>
-          </a:prstGeom>
-          <a:noFill/>
-        </p:spPr>
-        <p:txBody>
-          <a:bodyPr wrap="square" rtlCol="0">
-            <a:spAutoFit/>
-          </a:bodyPr>
-          <a:lstStyle/>
-          <a:p>
-            <a:r>
-              <a:rPr kumimoji="1" lang="en-US" altLang="zh-CN" sz="1400" dirty="0"/>
-              <a:t>Ding M, et al. Cognitive graph for multi-hop reading</a:t>
-            </a:r>
-            <a:r>
-              <a:rPr kumimoji="1" lang="zh-CN" altLang="en-US" sz="1400" dirty="0"/>
-              <a:t> </a:t>
-            </a:r>
-            <a:r>
-              <a:rPr kumimoji="1" lang="en-US" altLang="zh-CN" sz="1400" dirty="0"/>
-              <a:t>comprehension at scale</a:t>
-            </a:r>
-            <a:r>
-              <a:rPr kumimoji="1" lang="zh-CN" altLang="en-US" sz="1400" dirty="0"/>
-              <a:t> </a:t>
-            </a:r>
-            <a:r>
-              <a:rPr kumimoji="1" lang="en-US" altLang="zh-CN" sz="1400" dirty="0"/>
-              <a:t>2019.</a:t>
-            </a:r>
-            <a:endParaRPr kumimoji="1" lang="zh-CN" altLang="en-US" sz="1400" dirty="0"/>
+            <a:endParaRPr kumimoji="1" lang="zh-CN" altLang="en-US" sz="3600" dirty="0"/>
           </a:p>
         </p:txBody>
       </p:sp>
     </p:spTree>
     <p:extLst>
       <p:ext uri="{BB962C8B-B14F-4D97-AF65-F5344CB8AC3E}">
-        <p14:creationId xmlns:p14="http://schemas.microsoft.com/office/powerpoint/2010/main" val="3289938562"/>
+        <p14:creationId xmlns:p14="http://schemas.microsoft.com/office/powerpoint/2010/main" val="2741222983"/>
       </p:ext>
     </p:extLst>
   </p:cSld>
@@ -9534,6 +10594,246 @@
       </p:grpSpPr>
       <p:pic>
         <p:nvPicPr>
+          <p:cNvPr id="8" name="图片 7">
+            <a:extLst>
+              <a:ext uri="{FF2B5EF4-FFF2-40B4-BE49-F238E27FC236}">
+                <a16:creationId xmlns:a16="http://schemas.microsoft.com/office/drawing/2014/main" id="{750F3947-FC55-8045-B671-477F7FFA076D}"/>
+              </a:ext>
+            </a:extLst>
+          </p:cNvPr>
+          <p:cNvPicPr>
+            <a:picLocks noChangeAspect="1"/>
+          </p:cNvPicPr>
+          <p:nvPr/>
+        </p:nvPicPr>
+        <p:blipFill>
+          <a:blip r:embed="rId2"/>
+          <a:stretch>
+            <a:fillRect/>
+          </a:stretch>
+        </p:blipFill>
+        <p:spPr>
+          <a:xfrm>
+            <a:off x="6724829" y="1567398"/>
+            <a:ext cx="5368713" cy="3785501"/>
+          </a:xfrm>
+          <a:prstGeom prst="rect">
+            <a:avLst/>
+          </a:prstGeom>
+        </p:spPr>
+      </p:pic>
+      <p:sp>
+        <p:nvSpPr>
+          <p:cNvPr id="2" name="标题 1">
+            <a:extLst>
+              <a:ext uri="{FF2B5EF4-FFF2-40B4-BE49-F238E27FC236}">
+                <a16:creationId xmlns:a16="http://schemas.microsoft.com/office/drawing/2014/main" id="{76504D81-2599-454B-972B-0E876A941268}"/>
+              </a:ext>
+            </a:extLst>
+          </p:cNvPr>
+          <p:cNvSpPr>
+            <a:spLocks noGrp="1"/>
+          </p:cNvSpPr>
+          <p:nvPr>
+            <p:ph type="title"/>
+          </p:nvPr>
+        </p:nvSpPr>
+        <p:spPr>
+          <a:xfrm>
+            <a:off x="490681" y="241835"/>
+            <a:ext cx="10515600" cy="1325563"/>
+          </a:xfrm>
+        </p:spPr>
+        <p:txBody>
+          <a:bodyPr>
+            <a:normAutofit/>
+          </a:bodyPr>
+          <a:lstStyle/>
+          <a:p>
+            <a:r>
+              <a:rPr kumimoji="1" lang="en-US" altLang="zh-CN" sz="4000" dirty="0" err="1"/>
+              <a:t>CogQA</a:t>
+            </a:r>
+            <a:r>
+              <a:rPr kumimoji="1" lang="en-US" altLang="zh-CN" sz="4000" dirty="0"/>
+              <a:t> </a:t>
+            </a:r>
+            <a:endParaRPr kumimoji="1" lang="en-US" altLang="zh-CN" sz="2800" dirty="0"/>
+          </a:p>
+        </p:txBody>
+      </p:sp>
+      <p:sp>
+        <p:nvSpPr>
+          <p:cNvPr id="3" name="内容占位符 2">
+            <a:extLst>
+              <a:ext uri="{FF2B5EF4-FFF2-40B4-BE49-F238E27FC236}">
+                <a16:creationId xmlns:a16="http://schemas.microsoft.com/office/drawing/2014/main" id="{5B7C554B-F0E0-344E-A58C-57DB2E1B2CFC}"/>
+              </a:ext>
+            </a:extLst>
+          </p:cNvPr>
+          <p:cNvSpPr>
+            <a:spLocks noGrp="1"/>
+          </p:cNvSpPr>
+          <p:nvPr>
+            <p:ph idx="1"/>
+          </p:nvPr>
+        </p:nvSpPr>
+        <p:spPr>
+          <a:xfrm>
+            <a:off x="478324" y="1567398"/>
+            <a:ext cx="6453814" cy="4351338"/>
+          </a:xfrm>
+        </p:spPr>
+        <p:txBody>
+          <a:bodyPr/>
+          <a:lstStyle/>
+          <a:p>
+            <a:r>
+              <a:rPr kumimoji="1" lang="en-US" altLang="zh-CN" dirty="0"/>
+              <a:t>System 1 &amp; System 2</a:t>
+            </a:r>
+          </a:p>
+          <a:p>
+            <a:pPr lvl="1"/>
+            <a:r>
+              <a:rPr lang="en-US" altLang="zh-CN" dirty="0"/>
+              <a:t>System 1: implicit extraction module </a:t>
+            </a:r>
+            <a:r>
+              <a:rPr kumimoji="1" lang="en-US" altLang="zh-CN" dirty="0"/>
+              <a:t>(Bert)</a:t>
+            </a:r>
+          </a:p>
+          <a:p>
+            <a:pPr lvl="1"/>
+            <a:r>
+              <a:rPr kumimoji="1" lang="en-US" altLang="zh-CN" dirty="0"/>
+              <a:t>System 2: </a:t>
+            </a:r>
+            <a:r>
+              <a:rPr lang="en-US" altLang="zh-CN" dirty="0"/>
+              <a:t>explicit reasoning module (GNN)</a:t>
+            </a:r>
+          </a:p>
+          <a:p>
+            <a:r>
+              <a:rPr kumimoji="1" lang="en-US" altLang="zh-CN" dirty="0"/>
+              <a:t>System 1 extract </a:t>
+            </a:r>
+            <a:r>
+              <a:rPr lang="en-US" altLang="zh-CN" dirty="0"/>
+              <a:t>entities and answer candidates</a:t>
+            </a:r>
+          </a:p>
+          <a:p>
+            <a:r>
+              <a:rPr kumimoji="1" lang="en-US" altLang="zh-CN" dirty="0"/>
+              <a:t>Organized as a </a:t>
+            </a:r>
+            <a:r>
+              <a:rPr lang="en-US" altLang="zh-CN" dirty="0"/>
+              <a:t>cognitive graph</a:t>
+            </a:r>
+          </a:p>
+          <a:p>
+            <a:r>
+              <a:rPr lang="en-US" altLang="zh-CN" dirty="0"/>
+              <a:t>System 2 conducts the reasoning over the graph</a:t>
+            </a:r>
+            <a:endParaRPr kumimoji="1" lang="en-US" altLang="zh-CN" dirty="0"/>
+          </a:p>
+          <a:p>
+            <a:pPr marL="0" indent="0">
+              <a:buNone/>
+            </a:pPr>
+            <a:endParaRPr kumimoji="1" lang="en-US" altLang="zh-CN" dirty="0"/>
+          </a:p>
+        </p:txBody>
+      </p:sp>
+      <p:sp>
+        <p:nvSpPr>
+          <p:cNvPr id="4" name="文本框 3">
+            <a:extLst>
+              <a:ext uri="{FF2B5EF4-FFF2-40B4-BE49-F238E27FC236}">
+                <a16:creationId xmlns:a16="http://schemas.microsoft.com/office/drawing/2014/main" id="{D836F611-898F-8347-B3A7-AA20AF22289F}"/>
+              </a:ext>
+            </a:extLst>
+          </p:cNvPr>
+          <p:cNvSpPr txBox="1"/>
+          <p:nvPr/>
+        </p:nvSpPr>
+        <p:spPr>
+          <a:xfrm>
+            <a:off x="5549714" y="6431032"/>
+            <a:ext cx="6543828" cy="307777"/>
+          </a:xfrm>
+          <a:prstGeom prst="rect">
+            <a:avLst/>
+          </a:prstGeom>
+          <a:noFill/>
+        </p:spPr>
+        <p:txBody>
+          <a:bodyPr wrap="square" rtlCol="0">
+            <a:spAutoFit/>
+          </a:bodyPr>
+          <a:lstStyle/>
+          <a:p>
+            <a:r>
+              <a:rPr kumimoji="1" lang="en-US" altLang="zh-CN" sz="1400" dirty="0"/>
+              <a:t>Ding M, et al. Cognitive graph for multi-hop reading</a:t>
+            </a:r>
+            <a:r>
+              <a:rPr kumimoji="1" lang="zh-CN" altLang="en-US" sz="1400" dirty="0"/>
+              <a:t> </a:t>
+            </a:r>
+            <a:r>
+              <a:rPr kumimoji="1" lang="en-US" altLang="zh-CN" sz="1400" dirty="0"/>
+              <a:t>comprehension at scale</a:t>
+            </a:r>
+            <a:r>
+              <a:rPr kumimoji="1" lang="zh-CN" altLang="en-US" sz="1400" dirty="0"/>
+              <a:t> </a:t>
+            </a:r>
+            <a:r>
+              <a:rPr kumimoji="1" lang="en-US" altLang="zh-CN" sz="1400" dirty="0"/>
+              <a:t>2019.</a:t>
+            </a:r>
+            <a:endParaRPr kumimoji="1" lang="zh-CN" altLang="en-US" sz="1400" dirty="0"/>
+          </a:p>
+        </p:txBody>
+      </p:sp>
+    </p:spTree>
+    <p:extLst>
+      <p:ext uri="{BB962C8B-B14F-4D97-AF65-F5344CB8AC3E}">
+        <p14:creationId xmlns:p14="http://schemas.microsoft.com/office/powerpoint/2010/main" val="3289938562"/>
+      </p:ext>
+    </p:extLst>
+  </p:cSld>
+  <p:clrMapOvr>
+    <a:masterClrMapping/>
+  </p:clrMapOvr>
+</p:sld>
+</file>
+
+<file path=ppt/slides/slide6.xml><?xml version="1.0" encoding="utf-8"?>
+<p:sld xmlns:a="http://schemas.openxmlformats.org/drawingml/2006/main" xmlns:r="http://schemas.openxmlformats.org/officeDocument/2006/relationships" xmlns:p="http://schemas.openxmlformats.org/presentationml/2006/main">
+  <p:cSld>
+    <p:spTree>
+      <p:nvGrpSpPr>
+        <p:cNvPr id="1" name=""/>
+        <p:cNvGrpSpPr/>
+        <p:nvPr/>
+      </p:nvGrpSpPr>
+      <p:grpSpPr>
+        <a:xfrm>
+          <a:off x="0" y="0"/>
+          <a:ext cx="0" cy="0"/>
+          <a:chOff x="0" y="0"/>
+          <a:chExt cx="0" cy="0"/>
+        </a:xfrm>
+      </p:grpSpPr>
+      <p:pic>
+        <p:nvPicPr>
           <p:cNvPr id="14" name="图片 13">
             <a:extLst>
               <a:ext uri="{FF2B5EF4-FFF2-40B4-BE49-F238E27FC236}">
@@ -9818,7 +11118,7 @@
 </p:sld>
 </file>
 
-<file path=ppt/slides/slide6.xml><?xml version="1.0" encoding="utf-8"?>
+<file path=ppt/slides/slide7.xml><?xml version="1.0" encoding="utf-8"?>
 <p:sld xmlns:a="http://schemas.openxmlformats.org/drawingml/2006/main" xmlns:r="http://schemas.openxmlformats.org/officeDocument/2006/relationships" xmlns:p="http://schemas.openxmlformats.org/presentationml/2006/main">
   <p:cSld>
     <p:spTree>
@@ -10104,292 +11404,6 @@
 </p:sld>
 </file>
 
-<file path=ppt/slides/slide7.xml><?xml version="1.0" encoding="utf-8"?>
-<p:sld xmlns:a="http://schemas.openxmlformats.org/drawingml/2006/main" xmlns:r="http://schemas.openxmlformats.org/officeDocument/2006/relationships" xmlns:p="http://schemas.openxmlformats.org/presentationml/2006/main">
-  <p:cSld>
-    <p:spTree>
-      <p:nvGrpSpPr>
-        <p:cNvPr id="1" name=""/>
-        <p:cNvGrpSpPr/>
-        <p:nvPr/>
-      </p:nvGrpSpPr>
-      <p:grpSpPr>
-        <a:xfrm>
-          <a:off x="0" y="0"/>
-          <a:ext cx="0" cy="0"/>
-          <a:chOff x="0" y="0"/>
-          <a:chExt cx="0" cy="0"/>
-        </a:xfrm>
-      </p:grpSpPr>
-      <p:sp>
-        <p:nvSpPr>
-          <p:cNvPr id="2" name="标题 1">
-            <a:extLst>
-              <a:ext uri="{FF2B5EF4-FFF2-40B4-BE49-F238E27FC236}">
-                <a16:creationId xmlns:a16="http://schemas.microsoft.com/office/drawing/2014/main" id="{76504D81-2599-454B-972B-0E876A941268}"/>
-              </a:ext>
-            </a:extLst>
-          </p:cNvPr>
-          <p:cNvSpPr>
-            <a:spLocks noGrp="1"/>
-          </p:cNvSpPr>
-          <p:nvPr>
-            <p:ph type="title"/>
-          </p:nvPr>
-        </p:nvSpPr>
-        <p:spPr>
-          <a:xfrm>
-            <a:off x="490681" y="241835"/>
-            <a:ext cx="10515600" cy="1325563"/>
-          </a:xfrm>
-        </p:spPr>
-        <p:txBody>
-          <a:bodyPr>
-            <a:normAutofit/>
-          </a:bodyPr>
-          <a:lstStyle/>
-          <a:p>
-            <a:r>
-              <a:rPr kumimoji="1" lang="en-US" altLang="zh-CN" sz="4000" dirty="0" err="1"/>
-              <a:t>CogQA</a:t>
-            </a:r>
-            <a:r>
-              <a:rPr kumimoji="1" lang="en-US" altLang="zh-CN" sz="4000" dirty="0"/>
-              <a:t> </a:t>
-            </a:r>
-            <a:endParaRPr kumimoji="1" lang="en-US" altLang="zh-CN" sz="2800" dirty="0"/>
-          </a:p>
-        </p:txBody>
-      </p:sp>
-      <p:sp>
-        <p:nvSpPr>
-          <p:cNvPr id="4" name="文本框 3">
-            <a:extLst>
-              <a:ext uri="{FF2B5EF4-FFF2-40B4-BE49-F238E27FC236}">
-                <a16:creationId xmlns:a16="http://schemas.microsoft.com/office/drawing/2014/main" id="{D836F611-898F-8347-B3A7-AA20AF22289F}"/>
-              </a:ext>
-            </a:extLst>
-          </p:cNvPr>
-          <p:cNvSpPr txBox="1"/>
-          <p:nvPr/>
-        </p:nvSpPr>
-        <p:spPr>
-          <a:xfrm>
-            <a:off x="5549714" y="6431032"/>
-            <a:ext cx="6543828" cy="307777"/>
-          </a:xfrm>
-          <a:prstGeom prst="rect">
-            <a:avLst/>
-          </a:prstGeom>
-          <a:noFill/>
-        </p:spPr>
-        <p:txBody>
-          <a:bodyPr wrap="square" rtlCol="0">
-            <a:spAutoFit/>
-          </a:bodyPr>
-          <a:lstStyle/>
-          <a:p>
-            <a:r>
-              <a:rPr kumimoji="1" lang="en-US" altLang="zh-CN" sz="1400" dirty="0"/>
-              <a:t>Ding M, et al. Cognitive graph for multi-hop reading</a:t>
-            </a:r>
-            <a:r>
-              <a:rPr kumimoji="1" lang="zh-CN" altLang="en-US" sz="1400" dirty="0"/>
-              <a:t> </a:t>
-            </a:r>
-            <a:r>
-              <a:rPr kumimoji="1" lang="en-US" altLang="zh-CN" sz="1400" dirty="0"/>
-              <a:t>comprehension at scale</a:t>
-            </a:r>
-            <a:r>
-              <a:rPr kumimoji="1" lang="zh-CN" altLang="en-US" sz="1400" dirty="0"/>
-              <a:t> </a:t>
-            </a:r>
-            <a:r>
-              <a:rPr kumimoji="1" lang="en-US" altLang="zh-CN" sz="1400" dirty="0"/>
-              <a:t>2019.</a:t>
-            </a:r>
-            <a:endParaRPr kumimoji="1" lang="zh-CN" altLang="en-US" sz="1400" dirty="0"/>
-          </a:p>
-        </p:txBody>
-      </p:sp>
-      <p:sp>
-        <p:nvSpPr>
-          <p:cNvPr id="10" name="内容占位符 2">
-            <a:extLst>
-              <a:ext uri="{FF2B5EF4-FFF2-40B4-BE49-F238E27FC236}">
-                <a16:creationId xmlns:a16="http://schemas.microsoft.com/office/drawing/2014/main" id="{C148CF31-A74D-6141-99F7-944F194168BC}"/>
-              </a:ext>
-            </a:extLst>
-          </p:cNvPr>
-          <p:cNvSpPr>
-            <a:spLocks noGrp="1"/>
-          </p:cNvSpPr>
-          <p:nvPr>
-            <p:ph idx="1"/>
-          </p:nvPr>
-        </p:nvSpPr>
-        <p:spPr>
-          <a:xfrm>
-            <a:off x="593653" y="1443831"/>
-            <a:ext cx="10762205" cy="4351338"/>
-          </a:xfrm>
-        </p:spPr>
-        <p:txBody>
-          <a:bodyPr/>
-          <a:lstStyle/>
-          <a:p>
-            <a:r>
-              <a:rPr kumimoji="1" lang="en-US" altLang="zh-CN" dirty="0"/>
-              <a:t>Training: Two Tasks</a:t>
-            </a:r>
-            <a:endParaRPr kumimoji="1" lang="en-US" altLang="zh-CN" sz="2000" dirty="0"/>
-          </a:p>
-          <a:p>
-            <a:pPr lvl="1"/>
-            <a:r>
-              <a:rPr kumimoji="1" lang="en-US" altLang="zh-CN" dirty="0"/>
-              <a:t>Task 1: </a:t>
-            </a:r>
-            <a:r>
-              <a:rPr lang="en-US" altLang="zh-CN" dirty="0"/>
-              <a:t>Span Extraction</a:t>
-            </a:r>
-          </a:p>
-          <a:p>
-            <a:pPr marL="457200" lvl="1" indent="0">
-              <a:buNone/>
-            </a:pPr>
-            <a:endParaRPr lang="en-US" altLang="zh-CN" dirty="0"/>
-          </a:p>
-          <a:p>
-            <a:pPr lvl="1"/>
-            <a:endParaRPr kumimoji="1" lang="en-US" altLang="zh-CN" dirty="0"/>
-          </a:p>
-          <a:p>
-            <a:pPr lvl="1"/>
-            <a:endParaRPr kumimoji="1" lang="en-US" altLang="zh-CN" dirty="0"/>
-          </a:p>
-          <a:p>
-            <a:pPr lvl="1"/>
-            <a:endParaRPr kumimoji="1" lang="en-US" altLang="zh-CN" dirty="0"/>
-          </a:p>
-          <a:p>
-            <a:pPr lvl="1"/>
-            <a:r>
-              <a:rPr kumimoji="1" lang="en-US" altLang="zh-CN" dirty="0"/>
-              <a:t>Task 2: </a:t>
-            </a:r>
-            <a:r>
-              <a:rPr lang="en-US" altLang="zh-CN" dirty="0"/>
-              <a:t>Answer Node Prediction    </a:t>
-            </a:r>
-            <a:endParaRPr kumimoji="1" lang="en-US" altLang="zh-CN" dirty="0"/>
-          </a:p>
-        </p:txBody>
-      </p:sp>
-      <p:pic>
-        <p:nvPicPr>
-          <p:cNvPr id="5" name="图片 4">
-            <a:extLst>
-              <a:ext uri="{FF2B5EF4-FFF2-40B4-BE49-F238E27FC236}">
-                <a16:creationId xmlns:a16="http://schemas.microsoft.com/office/drawing/2014/main" id="{6F0D8125-9EA7-7B47-A28A-70D438051DBC}"/>
-              </a:ext>
-            </a:extLst>
-          </p:cNvPr>
-          <p:cNvPicPr>
-            <a:picLocks noChangeAspect="1"/>
-          </p:cNvPicPr>
-          <p:nvPr/>
-        </p:nvPicPr>
-        <p:blipFill>
-          <a:blip r:embed="rId2"/>
-          <a:stretch>
-            <a:fillRect/>
-          </a:stretch>
-        </p:blipFill>
-        <p:spPr>
-          <a:xfrm>
-            <a:off x="2217694" y="2326488"/>
-            <a:ext cx="6273800" cy="635000"/>
-          </a:xfrm>
-          <a:prstGeom prst="rect">
-            <a:avLst/>
-          </a:prstGeom>
-        </p:spPr>
-      </p:pic>
-      <p:pic>
-        <p:nvPicPr>
-          <p:cNvPr id="11" name="图片 10">
-            <a:extLst>
-              <a:ext uri="{FF2B5EF4-FFF2-40B4-BE49-F238E27FC236}">
-                <a16:creationId xmlns:a16="http://schemas.microsoft.com/office/drawing/2014/main" id="{127E4E97-F207-9349-8AEC-C7B0E082126C}"/>
-              </a:ext>
-            </a:extLst>
-          </p:cNvPr>
-          <p:cNvPicPr>
-            <a:picLocks noChangeAspect="1"/>
-          </p:cNvPicPr>
-          <p:nvPr/>
-        </p:nvPicPr>
-        <p:blipFill rotWithShape="1">
-          <a:blip r:embed="rId3"/>
-          <a:srcRect r="16022"/>
-          <a:stretch/>
-        </p:blipFill>
-        <p:spPr>
-          <a:xfrm>
-            <a:off x="2306594" y="2872495"/>
-            <a:ext cx="5193957" cy="965200"/>
-          </a:xfrm>
-          <a:prstGeom prst="rect">
-            <a:avLst/>
-          </a:prstGeom>
-        </p:spPr>
-      </p:pic>
-      <p:pic>
-        <p:nvPicPr>
-          <p:cNvPr id="15" name="图片 14">
-            <a:extLst>
-              <a:ext uri="{FF2B5EF4-FFF2-40B4-BE49-F238E27FC236}">
-                <a16:creationId xmlns:a16="http://schemas.microsoft.com/office/drawing/2014/main" id="{296188FB-14DF-7D4D-BBCB-8971B5C71BC7}"/>
-              </a:ext>
-            </a:extLst>
-          </p:cNvPr>
-          <p:cNvPicPr>
-            <a:picLocks noChangeAspect="1"/>
-          </p:cNvPicPr>
-          <p:nvPr/>
-        </p:nvPicPr>
-        <p:blipFill>
-          <a:blip r:embed="rId4"/>
-          <a:stretch>
-            <a:fillRect/>
-          </a:stretch>
-        </p:blipFill>
-        <p:spPr>
-          <a:xfrm>
-            <a:off x="2941594" y="4473558"/>
-            <a:ext cx="4826000" cy="762000"/>
-          </a:xfrm>
-          <a:prstGeom prst="rect">
-            <a:avLst/>
-          </a:prstGeom>
-        </p:spPr>
-      </p:pic>
-    </p:spTree>
-    <p:extLst>
-      <p:ext uri="{BB962C8B-B14F-4D97-AF65-F5344CB8AC3E}">
-        <p14:creationId xmlns:p14="http://schemas.microsoft.com/office/powerpoint/2010/main" val="2725763287"/>
-      </p:ext>
-    </p:extLst>
-  </p:cSld>
-  <p:clrMapOvr>
-    <a:masterClrMapping/>
-  </p:clrMapOvr>
-</p:sld>
-</file>
-
 <file path=ppt/slides/slide8.xml><?xml version="1.0" encoding="utf-8"?>
 <p:sld xmlns:a="http://schemas.openxmlformats.org/drawingml/2006/main" xmlns:r="http://schemas.openxmlformats.org/officeDocument/2006/relationships" xmlns:p="http://schemas.openxmlformats.org/presentationml/2006/main">
   <p:cSld>
@@ -10425,138 +11439,28 @@
         </p:nvSpPr>
         <p:spPr>
           <a:xfrm>
-            <a:off x="601894" y="241835"/>
+            <a:off x="3022314" y="2471327"/>
             <a:ext cx="10515600" cy="1325563"/>
           </a:xfrm>
         </p:spPr>
         <p:txBody>
           <a:bodyPr>
-            <a:normAutofit/>
+            <a:noAutofit/>
           </a:bodyPr>
           <a:lstStyle/>
           <a:p>
             <a:r>
-              <a:rPr kumimoji="1" lang="en-US" altLang="zh-CN" sz="4000" dirty="0"/>
-              <a:t>Transformer-XH   </a:t>
-            </a:r>
-            <a:r>
-              <a:rPr kumimoji="1" lang="en-US" altLang="zh-CN" sz="2800" dirty="0"/>
-              <a:t>ICLR 2020</a:t>
-            </a:r>
-          </a:p>
-        </p:txBody>
-      </p:sp>
-      <p:sp>
-        <p:nvSpPr>
-          <p:cNvPr id="3" name="内容占位符 2">
-            <a:extLst>
-              <a:ext uri="{FF2B5EF4-FFF2-40B4-BE49-F238E27FC236}">
-                <a16:creationId xmlns:a16="http://schemas.microsoft.com/office/drawing/2014/main" id="{5B7C554B-F0E0-344E-A58C-57DB2E1B2CFC}"/>
-              </a:ext>
-            </a:extLst>
-          </p:cNvPr>
-          <p:cNvSpPr>
-            <a:spLocks noGrp="1"/>
-          </p:cNvSpPr>
-          <p:nvPr>
-            <p:ph idx="1"/>
-          </p:nvPr>
-        </p:nvSpPr>
-        <p:spPr>
-          <a:xfrm>
-            <a:off x="601894" y="1567398"/>
-            <a:ext cx="10515600" cy="4351338"/>
-          </a:xfrm>
-        </p:spPr>
-        <p:txBody>
-          <a:bodyPr/>
-          <a:lstStyle/>
-          <a:p>
-            <a:r>
-              <a:rPr kumimoji="1" lang="en-US" altLang="zh-CN" dirty="0"/>
-              <a:t>Transformer</a:t>
-            </a:r>
-            <a:r>
-              <a:rPr kumimoji="1" lang="zh-CN" altLang="en-US" dirty="0"/>
-              <a:t> </a:t>
-            </a:r>
-            <a:r>
-              <a:rPr kumimoji="1" lang="en-US" altLang="zh-CN" dirty="0"/>
-              <a:t>architecture </a:t>
-            </a:r>
-          </a:p>
-          <a:p>
-            <a:pPr marL="0" indent="0">
-              <a:buNone/>
-            </a:pPr>
-            <a:endParaRPr kumimoji="1" lang="en-US" altLang="zh-CN" dirty="0"/>
-          </a:p>
-        </p:txBody>
-      </p:sp>
-      <p:pic>
-        <p:nvPicPr>
-          <p:cNvPr id="5" name="图片 4">
-            <a:extLst>
-              <a:ext uri="{FF2B5EF4-FFF2-40B4-BE49-F238E27FC236}">
-                <a16:creationId xmlns:a16="http://schemas.microsoft.com/office/drawing/2014/main" id="{42EBCFAF-4988-6E4B-B3A9-307128E21461}"/>
-              </a:ext>
-            </a:extLst>
-          </p:cNvPr>
-          <p:cNvPicPr>
-            <a:picLocks noChangeAspect="1"/>
-          </p:cNvPicPr>
-          <p:nvPr/>
-        </p:nvPicPr>
-        <p:blipFill>
-          <a:blip r:embed="rId2"/>
-          <a:stretch>
-            <a:fillRect/>
-          </a:stretch>
-        </p:blipFill>
-        <p:spPr>
-          <a:xfrm>
-            <a:off x="5697998" y="1756880"/>
-            <a:ext cx="6159235" cy="4484670"/>
-          </a:xfrm>
-          <a:prstGeom prst="rect">
-            <a:avLst/>
-          </a:prstGeom>
-        </p:spPr>
-      </p:pic>
-      <p:pic>
-        <p:nvPicPr>
-          <p:cNvPr id="7" name="图片 6">
-            <a:extLst>
-              <a:ext uri="{FF2B5EF4-FFF2-40B4-BE49-F238E27FC236}">
-                <a16:creationId xmlns:a16="http://schemas.microsoft.com/office/drawing/2014/main" id="{772AC78C-6060-FA46-85BB-67CB64280B1C}"/>
-              </a:ext>
-            </a:extLst>
-          </p:cNvPr>
-          <p:cNvPicPr>
-            <a:picLocks noChangeAspect="1"/>
-          </p:cNvPicPr>
-          <p:nvPr/>
-        </p:nvPicPr>
-        <p:blipFill>
-          <a:blip r:embed="rId3"/>
-          <a:stretch>
-            <a:fillRect/>
-          </a:stretch>
-        </p:blipFill>
-        <p:spPr>
-          <a:xfrm>
-            <a:off x="389398" y="3203317"/>
-            <a:ext cx="5308600" cy="1079500"/>
-          </a:xfrm>
-          <a:prstGeom prst="rect">
-            <a:avLst/>
-          </a:prstGeom>
-        </p:spPr>
-      </p:pic>
+              <a:rPr kumimoji="1" lang="en-US" altLang="zh-CN" sz="3600" dirty="0"/>
+              <a:t>Case 2: Transformer-XH</a:t>
+            </a:r>
+            <a:endParaRPr kumimoji="1" lang="zh-CN" altLang="en-US" sz="3600" dirty="0"/>
+          </a:p>
+        </p:txBody>
+      </p:sp>
     </p:spTree>
     <p:extLst>
       <p:ext uri="{BB962C8B-B14F-4D97-AF65-F5344CB8AC3E}">
-        <p14:creationId xmlns:p14="http://schemas.microsoft.com/office/powerpoint/2010/main" val="1903611117"/>
+        <p14:creationId xmlns:p14="http://schemas.microsoft.com/office/powerpoint/2010/main" val="2574531602"/>
       </p:ext>
     </p:extLst>
   </p:cSld>
@@ -10583,12 +11487,98 @@
           <a:chExt cx="0" cy="0"/>
         </a:xfrm>
       </p:grpSpPr>
+      <p:sp>
+        <p:nvSpPr>
+          <p:cNvPr id="2" name="标题 1">
+            <a:extLst>
+              <a:ext uri="{FF2B5EF4-FFF2-40B4-BE49-F238E27FC236}">
+                <a16:creationId xmlns:a16="http://schemas.microsoft.com/office/drawing/2014/main" id="{76504D81-2599-454B-972B-0E876A941268}"/>
+              </a:ext>
+            </a:extLst>
+          </p:cNvPr>
+          <p:cNvSpPr>
+            <a:spLocks noGrp="1"/>
+          </p:cNvSpPr>
+          <p:nvPr>
+            <p:ph type="title"/>
+          </p:nvPr>
+        </p:nvSpPr>
+        <p:spPr>
+          <a:xfrm>
+            <a:off x="601894" y="241835"/>
+            <a:ext cx="10515600" cy="1325563"/>
+          </a:xfrm>
+        </p:spPr>
+        <p:txBody>
+          <a:bodyPr>
+            <a:normAutofit/>
+          </a:bodyPr>
+          <a:lstStyle/>
+          <a:p>
+            <a:r>
+              <a:rPr kumimoji="1" lang="en-US" altLang="zh-CN" sz="4000" dirty="0"/>
+              <a:t>Transformer-XH   </a:t>
+            </a:r>
+            <a:r>
+              <a:rPr kumimoji="1" lang="en-US" altLang="zh-CN" sz="2800" dirty="0"/>
+              <a:t>ICLR 2020</a:t>
+            </a:r>
+          </a:p>
+        </p:txBody>
+      </p:sp>
+      <p:sp>
+        <p:nvSpPr>
+          <p:cNvPr id="3" name="内容占位符 2">
+            <a:extLst>
+              <a:ext uri="{FF2B5EF4-FFF2-40B4-BE49-F238E27FC236}">
+                <a16:creationId xmlns:a16="http://schemas.microsoft.com/office/drawing/2014/main" id="{5B7C554B-F0E0-344E-A58C-57DB2E1B2CFC}"/>
+              </a:ext>
+            </a:extLst>
+          </p:cNvPr>
+          <p:cNvSpPr>
+            <a:spLocks noGrp="1"/>
+          </p:cNvSpPr>
+          <p:nvPr>
+            <p:ph idx="1"/>
+          </p:nvPr>
+        </p:nvSpPr>
+        <p:spPr>
+          <a:xfrm>
+            <a:off x="601894" y="1567398"/>
+            <a:ext cx="10515600" cy="4351338"/>
+          </a:xfrm>
+        </p:spPr>
+        <p:txBody>
+          <a:bodyPr/>
+          <a:lstStyle/>
+          <a:p>
+            <a:r>
+              <a:rPr kumimoji="1" lang="en-US" altLang="zh-CN" dirty="0"/>
+              <a:t>Transformer</a:t>
+            </a:r>
+            <a:r>
+              <a:rPr kumimoji="1" lang="zh-CN" altLang="en-US" dirty="0"/>
+              <a:t> </a:t>
+            </a:r>
+            <a:r>
+              <a:rPr kumimoji="1" lang="en-US" altLang="zh-CN" dirty="0"/>
+              <a:t>architecture </a:t>
+            </a:r>
+          </a:p>
+          <a:p>
+            <a:pPr marL="0" indent="0">
+              <a:buNone/>
+            </a:pPr>
+            <a:endParaRPr kumimoji="1" lang="en-US" altLang="zh-CN" dirty="0"/>
+          </a:p>
+        </p:txBody>
+      </p:sp>
       <p:pic>
         <p:nvPicPr>
-          <p:cNvPr id="6" name="图片 5">
-            <a:extLst>
-              <a:ext uri="{FF2B5EF4-FFF2-40B4-BE49-F238E27FC236}">
-                <a16:creationId xmlns:a16="http://schemas.microsoft.com/office/drawing/2014/main" id="{29EDF982-20AF-4E4A-8527-81BD15AEEECF}"/>
+          <p:cNvPr id="5" name="图片 4">
+            <a:extLst>
+              <a:ext uri="{FF2B5EF4-FFF2-40B4-BE49-F238E27FC236}">
+                <a16:creationId xmlns:a16="http://schemas.microsoft.com/office/drawing/2014/main" id="{42EBCFAF-4988-6E4B-B3A9-307128E21461}"/>
               </a:ext>
             </a:extLst>
           </p:cNvPr>
@@ -10605,148 +11595,20 @@
         </p:blipFill>
         <p:spPr>
           <a:xfrm>
-            <a:off x="6662883" y="752510"/>
-            <a:ext cx="5232400" cy="5702300"/>
+            <a:off x="5697998" y="1756880"/>
+            <a:ext cx="6159235" cy="4484670"/>
           </a:xfrm>
           <a:prstGeom prst="rect">
             <a:avLst/>
           </a:prstGeom>
         </p:spPr>
       </p:pic>
-      <p:sp>
-        <p:nvSpPr>
-          <p:cNvPr id="2" name="标题 1">
-            <a:extLst>
-              <a:ext uri="{FF2B5EF4-FFF2-40B4-BE49-F238E27FC236}">
-                <a16:creationId xmlns:a16="http://schemas.microsoft.com/office/drawing/2014/main" id="{76504D81-2599-454B-972B-0E876A941268}"/>
-              </a:ext>
-            </a:extLst>
-          </p:cNvPr>
-          <p:cNvSpPr>
-            <a:spLocks noGrp="1"/>
-          </p:cNvSpPr>
-          <p:nvPr>
-            <p:ph type="title"/>
-          </p:nvPr>
-        </p:nvSpPr>
-        <p:spPr>
-          <a:xfrm>
-            <a:off x="601894" y="241835"/>
-            <a:ext cx="10515600" cy="1325563"/>
-          </a:xfrm>
-        </p:spPr>
-        <p:txBody>
-          <a:bodyPr>
-            <a:normAutofit/>
-          </a:bodyPr>
-          <a:lstStyle/>
-          <a:p>
-            <a:r>
-              <a:rPr kumimoji="1" lang="en-US" altLang="zh-CN" sz="4000" dirty="0"/>
-              <a:t>Transformer-XH   </a:t>
-            </a:r>
-            <a:r>
-              <a:rPr kumimoji="1" lang="en-US" altLang="zh-CN" sz="2800" dirty="0"/>
-              <a:t>ICLR 2020</a:t>
-            </a:r>
-            <a:endParaRPr kumimoji="1" lang="en-US" altLang="zh-CN" sz="4000" dirty="0"/>
-          </a:p>
-        </p:txBody>
-      </p:sp>
-      <p:sp>
-        <p:nvSpPr>
-          <p:cNvPr id="3" name="内容占位符 2">
-            <a:extLst>
-              <a:ext uri="{FF2B5EF4-FFF2-40B4-BE49-F238E27FC236}">
-                <a16:creationId xmlns:a16="http://schemas.microsoft.com/office/drawing/2014/main" id="{5B7C554B-F0E0-344E-A58C-57DB2E1B2CFC}"/>
-              </a:ext>
-            </a:extLst>
-          </p:cNvPr>
-          <p:cNvSpPr>
-            <a:spLocks noGrp="1"/>
-          </p:cNvSpPr>
-          <p:nvPr>
-            <p:ph idx="1"/>
-          </p:nvPr>
-        </p:nvSpPr>
-        <p:spPr>
-          <a:xfrm>
-            <a:off x="601894" y="1567398"/>
-            <a:ext cx="10515600" cy="4351338"/>
-          </a:xfrm>
-        </p:spPr>
-        <p:txBody>
-          <a:bodyPr/>
-          <a:lstStyle/>
-          <a:p>
-            <a:r>
-              <a:rPr lang="en-US" altLang="zh-CN" dirty="0"/>
-              <a:t>in-sequence attention</a:t>
-            </a:r>
-          </a:p>
-          <a:p>
-            <a:endParaRPr kumimoji="1" lang="en-US" altLang="zh-CN" dirty="0"/>
-          </a:p>
-          <a:p>
-            <a:endParaRPr kumimoji="1" lang="en-US" altLang="zh-CN" dirty="0"/>
-          </a:p>
-          <a:p>
-            <a:r>
-              <a:rPr kumimoji="1" lang="en-US" altLang="zh-CN" dirty="0" err="1"/>
-              <a:t>eXtra</a:t>
-            </a:r>
-            <a:r>
-              <a:rPr kumimoji="1" lang="en-US" altLang="zh-CN" dirty="0"/>
-              <a:t> Hop attention</a:t>
-            </a:r>
-          </a:p>
-          <a:p>
-            <a:pPr marL="0" indent="0">
-              <a:buNone/>
-            </a:pPr>
-            <a:r>
-              <a:rPr kumimoji="1" lang="en-US" altLang="zh-CN" sz="2000" dirty="0"/>
-              <a:t>   compute the attention between neighbors by [CLS] token</a:t>
-            </a:r>
-          </a:p>
-          <a:p>
-            <a:pPr marL="0" indent="0">
-              <a:buNone/>
-            </a:pPr>
-            <a:endParaRPr kumimoji="1" lang="en-US" altLang="zh-CN" sz="2000" dirty="0"/>
-          </a:p>
-          <a:p>
-            <a:pPr marL="0" indent="0">
-              <a:buNone/>
-            </a:pPr>
-            <a:endParaRPr kumimoji="1" lang="en-US" altLang="zh-CN" dirty="0"/>
-          </a:p>
-          <a:p>
-            <a:r>
-              <a:rPr kumimoji="1" lang="en-US" altLang="zh-CN" dirty="0"/>
-              <a:t>new representation</a:t>
-            </a:r>
-          </a:p>
-          <a:p>
-            <a:endParaRPr kumimoji="1" lang="en-US" altLang="zh-CN" dirty="0"/>
-          </a:p>
-          <a:p>
-            <a:endParaRPr kumimoji="1" lang="en-US" altLang="zh-CN" dirty="0"/>
-          </a:p>
-          <a:p>
-            <a:pPr marL="0" indent="0">
-              <a:buNone/>
-            </a:pPr>
-            <a:endParaRPr kumimoji="1" lang="en-US" altLang="zh-CN" dirty="0"/>
-          </a:p>
-        </p:txBody>
-      </p:sp>
       <p:pic>
         <p:nvPicPr>
-          <p:cNvPr id="9" name="图片 8">
-            <a:extLst>
-              <a:ext uri="{FF2B5EF4-FFF2-40B4-BE49-F238E27FC236}">
-                <a16:creationId xmlns:a16="http://schemas.microsoft.com/office/drawing/2014/main" id="{7C9E23A6-0869-B14F-81F8-FDA41678D4E1}"/>
+          <p:cNvPr id="7" name="图片 6">
+            <a:extLst>
+              <a:ext uri="{FF2B5EF4-FFF2-40B4-BE49-F238E27FC236}">
+                <a16:creationId xmlns:a16="http://schemas.microsoft.com/office/drawing/2014/main" id="{772AC78C-6060-FA46-85BB-67CB64280B1C}"/>
               </a:ext>
             </a:extLst>
           </p:cNvPr>
@@ -10763,67 +11625,8 @@
         </p:blipFill>
         <p:spPr>
           <a:xfrm>
-            <a:off x="1165832" y="2109406"/>
-            <a:ext cx="3962400" cy="876300"/>
-          </a:xfrm>
-          <a:prstGeom prst="rect">
-            <a:avLst/>
-          </a:prstGeom>
-        </p:spPr>
-      </p:pic>
-      <p:pic>
-        <p:nvPicPr>
-          <p:cNvPr id="11" name="图片 10">
-            <a:extLst>
-              <a:ext uri="{FF2B5EF4-FFF2-40B4-BE49-F238E27FC236}">
-                <a16:creationId xmlns:a16="http://schemas.microsoft.com/office/drawing/2014/main" id="{2F6486A8-547F-884A-A13B-7BDC31CCF9B3}"/>
-              </a:ext>
-            </a:extLst>
-          </p:cNvPr>
-          <p:cNvPicPr>
-            <a:picLocks noChangeAspect="1"/>
-          </p:cNvPicPr>
-          <p:nvPr/>
-        </p:nvPicPr>
-        <p:blipFill rotWithShape="1">
-          <a:blip r:embed="rId4"/>
-          <a:srcRect t="12658" b="8758"/>
-          <a:stretch/>
-        </p:blipFill>
-        <p:spPr>
-          <a:xfrm>
-            <a:off x="1027344" y="4058006"/>
-            <a:ext cx="4406900" cy="788430"/>
-          </a:xfrm>
-          <a:prstGeom prst="rect">
-            <a:avLst/>
-          </a:prstGeom>
-        </p:spPr>
-      </p:pic>
-      <p:pic>
-        <p:nvPicPr>
-          <p:cNvPr id="13" name="图片 12">
-            <a:extLst>
-              <a:ext uri="{FF2B5EF4-FFF2-40B4-BE49-F238E27FC236}">
-                <a16:creationId xmlns:a16="http://schemas.microsoft.com/office/drawing/2014/main" id="{1AB6350F-9F08-E749-B1A6-2A15F0367BFA}"/>
-              </a:ext>
-            </a:extLst>
-          </p:cNvPr>
-          <p:cNvPicPr>
-            <a:picLocks noChangeAspect="1"/>
-          </p:cNvPicPr>
-          <p:nvPr/>
-        </p:nvPicPr>
-        <p:blipFill>
-          <a:blip r:embed="rId5"/>
-          <a:stretch>
-            <a:fillRect/>
-          </a:stretch>
-        </p:blipFill>
-        <p:spPr>
-          <a:xfrm>
-            <a:off x="1290069" y="5476314"/>
-            <a:ext cx="2921000" cy="927100"/>
+            <a:off x="389398" y="3203317"/>
+            <a:ext cx="5308600" cy="1079500"/>
           </a:xfrm>
           <a:prstGeom prst="rect">
             <a:avLst/>
@@ -10833,7 +11636,7 @@
     </p:spTree>
     <p:extLst>
       <p:ext uri="{BB962C8B-B14F-4D97-AF65-F5344CB8AC3E}">
-        <p14:creationId xmlns:p14="http://schemas.microsoft.com/office/powerpoint/2010/main" val="2714444583"/>
+        <p14:creationId xmlns:p14="http://schemas.microsoft.com/office/powerpoint/2010/main" val="1903611117"/>
       </p:ext>
     </p:extLst>
   </p:cSld>

--- a/slides/Survey_week1_hujinyi.pptx
+++ b/slides/Survey_week1_hujinyi.pptx
@@ -3424,7 +3424,7 @@
           <a:p>
             <a:r>
               <a:rPr kumimoji="1" lang="en-US" altLang="zh-CN" dirty="0"/>
-              <a:t>2020.02.29</a:t>
+              <a:t>2020.03.06</a:t>
             </a:r>
             <a:endParaRPr kumimoji="1" lang="zh-CN" altLang="en-US" dirty="0"/>
           </a:p>
@@ -3717,6 +3717,405 @@
   <p:clrMapOvr>
     <a:masterClrMapping/>
   </p:clrMapOvr>
+  <p:timing>
+    <p:tnLst>
+      <p:par>
+        <p:cTn id="1" dur="indefinite" restart="never" nodeType="tmRoot">
+          <p:childTnLst>
+            <p:seq concurrent="1" nextAc="seek">
+              <p:cTn id="2" dur="indefinite" nodeType="mainSeq">
+                <p:childTnLst>
+                  <p:par>
+                    <p:cTn id="3" fill="hold">
+                      <p:stCondLst>
+                        <p:cond delay="indefinite"/>
+                      </p:stCondLst>
+                      <p:childTnLst>
+                        <p:par>
+                          <p:cTn id="4" fill="hold">
+                            <p:stCondLst>
+                              <p:cond delay="0"/>
+                            </p:stCondLst>
+                            <p:childTnLst>
+                              <p:par>
+                                <p:cTn id="5" presetID="5" presetClass="entr" presetSubtype="10" fill="hold" grpId="0" nodeType="clickEffect">
+                                  <p:stCondLst>
+                                    <p:cond delay="0"/>
+                                  </p:stCondLst>
+                                  <p:childTnLst>
+                                    <p:set>
+                                      <p:cBhvr>
+                                        <p:cTn id="6" dur="1" fill="hold">
+                                          <p:stCondLst>
+                                            <p:cond delay="0"/>
+                                          </p:stCondLst>
+                                        </p:cTn>
+                                        <p:tgtEl>
+                                          <p:spTgt spid="3">
+                                            <p:txEl>
+                                              <p:pRg st="0" end="0"/>
+                                            </p:txEl>
+                                          </p:spTgt>
+                                        </p:tgtEl>
+                                        <p:attrNameLst>
+                                          <p:attrName>style.visibility</p:attrName>
+                                        </p:attrNameLst>
+                                      </p:cBhvr>
+                                      <p:to>
+                                        <p:strVal val="visible"/>
+                                      </p:to>
+                                    </p:set>
+                                    <p:animEffect transition="in" filter="checkerboard(across)">
+                                      <p:cBhvr>
+                                        <p:cTn id="7" dur="500"/>
+                                        <p:tgtEl>
+                                          <p:spTgt spid="3">
+                                            <p:txEl>
+                                              <p:pRg st="0" end="0"/>
+                                            </p:txEl>
+                                          </p:spTgt>
+                                        </p:tgtEl>
+                                      </p:cBhvr>
+                                    </p:animEffect>
+                                  </p:childTnLst>
+                                </p:cTn>
+                              </p:par>
+                              <p:par>
+                                <p:cTn id="8" presetID="5" presetClass="entr" presetSubtype="10" fill="hold" nodeType="withEffect">
+                                  <p:stCondLst>
+                                    <p:cond delay="0"/>
+                                  </p:stCondLst>
+                                  <p:childTnLst>
+                                    <p:set>
+                                      <p:cBhvr>
+                                        <p:cTn id="9" dur="1" fill="hold">
+                                          <p:stCondLst>
+                                            <p:cond delay="0"/>
+                                          </p:stCondLst>
+                                        </p:cTn>
+                                        <p:tgtEl>
+                                          <p:spTgt spid="9"/>
+                                        </p:tgtEl>
+                                        <p:attrNameLst>
+                                          <p:attrName>style.visibility</p:attrName>
+                                        </p:attrNameLst>
+                                      </p:cBhvr>
+                                      <p:to>
+                                        <p:strVal val="visible"/>
+                                      </p:to>
+                                    </p:set>
+                                    <p:animEffect transition="in" filter="checkerboard(across)">
+                                      <p:cBhvr>
+                                        <p:cTn id="10" dur="500"/>
+                                        <p:tgtEl>
+                                          <p:spTgt spid="9"/>
+                                        </p:tgtEl>
+                                      </p:cBhvr>
+                                    </p:animEffect>
+                                  </p:childTnLst>
+                                </p:cTn>
+                              </p:par>
+                              <p:par>
+                                <p:cTn id="11" presetID="5" presetClass="entr" presetSubtype="10" fill="hold" nodeType="withEffect">
+                                  <p:stCondLst>
+                                    <p:cond delay="0"/>
+                                  </p:stCondLst>
+                                  <p:childTnLst>
+                                    <p:set>
+                                      <p:cBhvr>
+                                        <p:cTn id="12" dur="1" fill="hold">
+                                          <p:stCondLst>
+                                            <p:cond delay="0"/>
+                                          </p:stCondLst>
+                                        </p:cTn>
+                                        <p:tgtEl>
+                                          <p:spTgt spid="6"/>
+                                        </p:tgtEl>
+                                        <p:attrNameLst>
+                                          <p:attrName>style.visibility</p:attrName>
+                                        </p:attrNameLst>
+                                      </p:cBhvr>
+                                      <p:to>
+                                        <p:strVal val="visible"/>
+                                      </p:to>
+                                    </p:set>
+                                    <p:animEffect transition="in" filter="checkerboard(across)">
+                                      <p:cBhvr>
+                                        <p:cTn id="13" dur="500"/>
+                                        <p:tgtEl>
+                                          <p:spTgt spid="6"/>
+                                        </p:tgtEl>
+                                      </p:cBhvr>
+                                    </p:animEffect>
+                                  </p:childTnLst>
+                                </p:cTn>
+                              </p:par>
+                            </p:childTnLst>
+                          </p:cTn>
+                        </p:par>
+                      </p:childTnLst>
+                    </p:cTn>
+                  </p:par>
+                  <p:par>
+                    <p:cTn id="14" fill="hold">
+                      <p:stCondLst>
+                        <p:cond delay="indefinite"/>
+                      </p:stCondLst>
+                      <p:childTnLst>
+                        <p:par>
+                          <p:cTn id="15" fill="hold">
+                            <p:stCondLst>
+                              <p:cond delay="0"/>
+                            </p:stCondLst>
+                            <p:childTnLst>
+                              <p:par>
+                                <p:cTn id="16" presetID="5" presetClass="entr" presetSubtype="10" fill="hold" grpId="0" nodeType="clickEffect">
+                                  <p:stCondLst>
+                                    <p:cond delay="0"/>
+                                  </p:stCondLst>
+                                  <p:childTnLst>
+                                    <p:set>
+                                      <p:cBhvr>
+                                        <p:cTn id="17" dur="1" fill="hold">
+                                          <p:stCondLst>
+                                            <p:cond delay="0"/>
+                                          </p:stCondLst>
+                                        </p:cTn>
+                                        <p:tgtEl>
+                                          <p:spTgt spid="3">
+                                            <p:txEl>
+                                              <p:pRg st="3" end="3"/>
+                                            </p:txEl>
+                                          </p:spTgt>
+                                        </p:tgtEl>
+                                        <p:attrNameLst>
+                                          <p:attrName>style.visibility</p:attrName>
+                                        </p:attrNameLst>
+                                      </p:cBhvr>
+                                      <p:to>
+                                        <p:strVal val="visible"/>
+                                      </p:to>
+                                    </p:set>
+                                    <p:animEffect transition="in" filter="checkerboard(across)">
+                                      <p:cBhvr>
+                                        <p:cTn id="18" dur="500"/>
+                                        <p:tgtEl>
+                                          <p:spTgt spid="3">
+                                            <p:txEl>
+                                              <p:pRg st="3" end="3"/>
+                                            </p:txEl>
+                                          </p:spTgt>
+                                        </p:tgtEl>
+                                      </p:cBhvr>
+                                    </p:animEffect>
+                                  </p:childTnLst>
+                                </p:cTn>
+                              </p:par>
+                              <p:par>
+                                <p:cTn id="19" presetID="5" presetClass="entr" presetSubtype="10" fill="hold" nodeType="withEffect">
+                                  <p:stCondLst>
+                                    <p:cond delay="0"/>
+                                  </p:stCondLst>
+                                  <p:childTnLst>
+                                    <p:set>
+                                      <p:cBhvr>
+                                        <p:cTn id="20" dur="1" fill="hold">
+                                          <p:stCondLst>
+                                            <p:cond delay="0"/>
+                                          </p:stCondLst>
+                                        </p:cTn>
+                                        <p:tgtEl>
+                                          <p:spTgt spid="11"/>
+                                        </p:tgtEl>
+                                        <p:attrNameLst>
+                                          <p:attrName>style.visibility</p:attrName>
+                                        </p:attrNameLst>
+                                      </p:cBhvr>
+                                      <p:to>
+                                        <p:strVal val="visible"/>
+                                      </p:to>
+                                    </p:set>
+                                    <p:animEffect transition="in" filter="checkerboard(across)">
+                                      <p:cBhvr>
+                                        <p:cTn id="21" dur="500"/>
+                                        <p:tgtEl>
+                                          <p:spTgt spid="11"/>
+                                        </p:tgtEl>
+                                      </p:cBhvr>
+                                    </p:animEffect>
+                                  </p:childTnLst>
+                                </p:cTn>
+                              </p:par>
+                              <p:par>
+                                <p:cTn id="22" presetID="5" presetClass="entr" presetSubtype="10" fill="hold" grpId="0" nodeType="withEffect">
+                                  <p:stCondLst>
+                                    <p:cond delay="0"/>
+                                  </p:stCondLst>
+                                  <p:childTnLst>
+                                    <p:set>
+                                      <p:cBhvr>
+                                        <p:cTn id="23" dur="1" fill="hold">
+                                          <p:stCondLst>
+                                            <p:cond delay="0"/>
+                                          </p:stCondLst>
+                                        </p:cTn>
+                                        <p:tgtEl>
+                                          <p:spTgt spid="3">
+                                            <p:txEl>
+                                              <p:pRg st="4" end="4"/>
+                                            </p:txEl>
+                                          </p:spTgt>
+                                        </p:tgtEl>
+                                        <p:attrNameLst>
+                                          <p:attrName>style.visibility</p:attrName>
+                                        </p:attrNameLst>
+                                      </p:cBhvr>
+                                      <p:to>
+                                        <p:strVal val="visible"/>
+                                      </p:to>
+                                    </p:set>
+                                    <p:animEffect transition="in" filter="checkerboard(across)">
+                                      <p:cBhvr>
+                                        <p:cTn id="24" dur="500"/>
+                                        <p:tgtEl>
+                                          <p:spTgt spid="3">
+                                            <p:txEl>
+                                              <p:pRg st="4" end="4"/>
+                                            </p:txEl>
+                                          </p:spTgt>
+                                        </p:tgtEl>
+                                      </p:cBhvr>
+                                    </p:animEffect>
+                                  </p:childTnLst>
+                                </p:cTn>
+                              </p:par>
+                            </p:childTnLst>
+                          </p:cTn>
+                        </p:par>
+                      </p:childTnLst>
+                    </p:cTn>
+                  </p:par>
+                  <p:par>
+                    <p:cTn id="25" fill="hold">
+                      <p:stCondLst>
+                        <p:cond delay="indefinite"/>
+                      </p:stCondLst>
+                      <p:childTnLst>
+                        <p:par>
+                          <p:cTn id="26" fill="hold">
+                            <p:stCondLst>
+                              <p:cond delay="0"/>
+                            </p:stCondLst>
+                            <p:childTnLst>
+                              <p:par>
+                                <p:cTn id="27" presetID="5" presetClass="entr" presetSubtype="10" fill="hold" grpId="0" nodeType="clickEffect">
+                                  <p:stCondLst>
+                                    <p:cond delay="0"/>
+                                  </p:stCondLst>
+                                  <p:childTnLst>
+                                    <p:set>
+                                      <p:cBhvr>
+                                        <p:cTn id="28" dur="1" fill="hold">
+                                          <p:stCondLst>
+                                            <p:cond delay="0"/>
+                                          </p:stCondLst>
+                                        </p:cTn>
+                                        <p:tgtEl>
+                                          <p:spTgt spid="3">
+                                            <p:txEl>
+                                              <p:pRg st="7" end="7"/>
+                                            </p:txEl>
+                                          </p:spTgt>
+                                        </p:tgtEl>
+                                        <p:attrNameLst>
+                                          <p:attrName>style.visibility</p:attrName>
+                                        </p:attrNameLst>
+                                      </p:cBhvr>
+                                      <p:to>
+                                        <p:strVal val="visible"/>
+                                      </p:to>
+                                    </p:set>
+                                    <p:animEffect transition="in" filter="checkerboard(across)">
+                                      <p:cBhvr>
+                                        <p:cTn id="29" dur="500"/>
+                                        <p:tgtEl>
+                                          <p:spTgt spid="3">
+                                            <p:txEl>
+                                              <p:pRg st="7" end="7"/>
+                                            </p:txEl>
+                                          </p:spTgt>
+                                        </p:tgtEl>
+                                      </p:cBhvr>
+                                    </p:animEffect>
+                                  </p:childTnLst>
+                                </p:cTn>
+                              </p:par>
+                              <p:par>
+                                <p:cTn id="30" presetID="5" presetClass="entr" presetSubtype="10" fill="hold" nodeType="withEffect">
+                                  <p:stCondLst>
+                                    <p:cond delay="0"/>
+                                  </p:stCondLst>
+                                  <p:childTnLst>
+                                    <p:set>
+                                      <p:cBhvr>
+                                        <p:cTn id="31" dur="1" fill="hold">
+                                          <p:stCondLst>
+                                            <p:cond delay="0"/>
+                                          </p:stCondLst>
+                                        </p:cTn>
+                                        <p:tgtEl>
+                                          <p:spTgt spid="13"/>
+                                        </p:tgtEl>
+                                        <p:attrNameLst>
+                                          <p:attrName>style.visibility</p:attrName>
+                                        </p:attrNameLst>
+                                      </p:cBhvr>
+                                      <p:to>
+                                        <p:strVal val="visible"/>
+                                      </p:to>
+                                    </p:set>
+                                    <p:animEffect transition="in" filter="checkerboard(across)">
+                                      <p:cBhvr>
+                                        <p:cTn id="32" dur="500"/>
+                                        <p:tgtEl>
+                                          <p:spTgt spid="13"/>
+                                        </p:tgtEl>
+                                      </p:cBhvr>
+                                    </p:animEffect>
+                                  </p:childTnLst>
+                                </p:cTn>
+                              </p:par>
+                            </p:childTnLst>
+                          </p:cTn>
+                        </p:par>
+                      </p:childTnLst>
+                    </p:cTn>
+                  </p:par>
+                </p:childTnLst>
+              </p:cTn>
+              <p:prevCondLst>
+                <p:cond evt="onPrev" delay="0">
+                  <p:tgtEl>
+                    <p:sldTgt/>
+                  </p:tgtEl>
+                </p:cond>
+              </p:prevCondLst>
+              <p:nextCondLst>
+                <p:cond evt="onNext" delay="0">
+                  <p:tgtEl>
+                    <p:sldTgt/>
+                  </p:tgtEl>
+                </p:cond>
+              </p:nextCondLst>
+            </p:seq>
+          </p:childTnLst>
+        </p:cTn>
+      </p:par>
+    </p:tnLst>
+    <p:bldLst>
+      <p:bldP spid="3" grpId="0" uiExpand="1" build="p"/>
+    </p:bldLst>
+  </p:timing>
 </p:sld>
 </file>
 
@@ -3777,108 +4176,288 @@
           </a:p>
         </p:txBody>
       </p:sp>
-      <p:sp>
-        <p:nvSpPr>
-          <p:cNvPr id="10" name="内容占位符 2">
-            <a:extLst>
-              <a:ext uri="{FF2B5EF4-FFF2-40B4-BE49-F238E27FC236}">
-                <a16:creationId xmlns:a16="http://schemas.microsoft.com/office/drawing/2014/main" id="{6CA03DBB-8A67-E64A-AD71-8FF7DC6DB8C3}"/>
-              </a:ext>
-            </a:extLst>
-          </p:cNvPr>
-          <p:cNvSpPr>
-            <a:spLocks noGrp="1"/>
-          </p:cNvSpPr>
-          <p:nvPr>
-            <p:ph idx="1"/>
-          </p:nvPr>
-        </p:nvSpPr>
-        <p:spPr>
-          <a:xfrm>
-            <a:off x="601894" y="1789820"/>
-            <a:ext cx="10515600" cy="4351338"/>
-          </a:xfrm>
-        </p:spPr>
-        <p:txBody>
-          <a:bodyPr/>
-          <a:lstStyle/>
-          <a:p>
-            <a:r>
-              <a:rPr kumimoji="1" lang="en-US" altLang="zh-CN" dirty="0"/>
-              <a:t>Transformer-XH  VS </a:t>
-            </a:r>
-            <a:r>
-              <a:rPr kumimoji="1" lang="en-US" altLang="zh-CN" dirty="0" err="1"/>
-              <a:t>CogQA</a:t>
-            </a:r>
-            <a:endParaRPr kumimoji="1" lang="en-US" altLang="zh-CN" dirty="0"/>
-          </a:p>
-          <a:p>
-            <a:pPr marL="457200" lvl="1" indent="0">
-              <a:buNone/>
-            </a:pPr>
-            <a:endParaRPr kumimoji="1" lang="en-US" altLang="zh-CN" dirty="0"/>
-          </a:p>
-          <a:p>
-            <a:pPr marL="457200" lvl="1" indent="0">
-              <a:buNone/>
-            </a:pPr>
-            <a:r>
-              <a:rPr kumimoji="1" lang="en-US" altLang="zh-CN" dirty="0"/>
-              <a:t>Transformer-XH utilizes the graph during the semantic encoding</a:t>
-            </a:r>
-          </a:p>
-          <a:p>
-            <a:pPr marL="457200" lvl="1" indent="0">
-              <a:buNone/>
-            </a:pPr>
-            <a:r>
-              <a:rPr kumimoji="1" lang="en-US" altLang="zh-CN" dirty="0" err="1"/>
-              <a:t>CogQA</a:t>
-            </a:r>
-            <a:r>
-              <a:rPr kumimoji="1" lang="en-US" altLang="zh-CN" dirty="0"/>
-              <a:t> utilizes the graph after encoding</a:t>
-            </a:r>
-          </a:p>
-          <a:p>
-            <a:pPr marL="457200" lvl="1" indent="0">
-              <a:buNone/>
-            </a:pPr>
-            <a:endParaRPr kumimoji="1" lang="en-US" altLang="zh-CN" dirty="0"/>
-          </a:p>
-          <a:p>
-            <a:pPr marL="457200" lvl="1" indent="0">
-              <a:buNone/>
-            </a:pPr>
-            <a:r>
-              <a:rPr kumimoji="1" lang="en-US" altLang="zh-CN" dirty="0"/>
-              <a:t>The building of graph in transformer-XH is more comprehensive </a:t>
-            </a:r>
-          </a:p>
-          <a:p>
-            <a:pPr marL="457200" lvl="1" indent="0">
-              <a:buNone/>
-            </a:pPr>
-            <a:endParaRPr kumimoji="1" lang="en-US" altLang="zh-CN" dirty="0"/>
-          </a:p>
-          <a:p>
-            <a:pPr marL="0" indent="0">
-              <a:buNone/>
-            </a:pPr>
-            <a:endParaRPr kumimoji="1" lang="en-US" altLang="zh-CN" dirty="0"/>
-          </a:p>
-          <a:p>
-            <a:endParaRPr kumimoji="1" lang="en-US" altLang="zh-CN" dirty="0"/>
-          </a:p>
-          <a:p>
-            <a:pPr marL="0" indent="0">
-              <a:buNone/>
-            </a:pPr>
-            <a:endParaRPr kumimoji="1" lang="en-US" altLang="zh-CN" dirty="0"/>
-          </a:p>
-        </p:txBody>
-      </p:sp>
+      <mc:AlternateContent xmlns:mc="http://schemas.openxmlformats.org/markup-compatibility/2006">
+        <mc:Choice xmlns:a14="http://schemas.microsoft.com/office/drawing/2010/main" Requires="a14">
+          <p:sp>
+            <p:nvSpPr>
+              <p:cNvPr id="10" name="内容占位符 2">
+                <a:extLst>
+                  <a:ext uri="{FF2B5EF4-FFF2-40B4-BE49-F238E27FC236}">
+                    <a16:creationId xmlns:a16="http://schemas.microsoft.com/office/drawing/2014/main" id="{6CA03DBB-8A67-E64A-AD71-8FF7DC6DB8C3}"/>
+                  </a:ext>
+                </a:extLst>
+              </p:cNvPr>
+              <p:cNvSpPr>
+                <a:spLocks noGrp="1"/>
+              </p:cNvSpPr>
+              <p:nvPr>
+                <p:ph idx="1"/>
+              </p:nvPr>
+            </p:nvSpPr>
+            <p:spPr>
+              <a:xfrm>
+                <a:off x="309794" y="1713620"/>
+                <a:ext cx="11882206" cy="4351338"/>
+              </a:xfrm>
+            </p:spPr>
+            <p:txBody>
+              <a:bodyPr>
+                <a:normAutofit fontScale="92500" lnSpcReduction="20000"/>
+              </a:bodyPr>
+              <a:lstStyle/>
+              <a:p>
+                <a:endParaRPr kumimoji="1" lang="en-US" altLang="zh-CN" dirty="0"/>
+              </a:p>
+              <a:p>
+                <a:r>
+                  <a:rPr kumimoji="1" lang="en-US" altLang="zh-CN" dirty="0"/>
+                  <a:t>Evidence source and Graph Construction</a:t>
+                </a:r>
+              </a:p>
+              <a:p>
+                <a:pPr lvl="1"/>
+                <a:r>
+                  <a:rPr kumimoji="1" lang="en-US" altLang="zh-CN" dirty="0"/>
+                  <a:t>Three candidate sources</a:t>
+                </a:r>
+              </a:p>
+              <a:p>
+                <a:pPr lvl="2"/>
+                <a14:m>
+                  <m:oMath xmlns:m="http://schemas.openxmlformats.org/officeDocument/2006/math">
+                    <m:sSub>
+                      <m:sSubPr>
+                        <m:ctrlPr>
+                          <a:rPr kumimoji="1" lang="en-US" altLang="zh-CN" b="0" i="1" smtClean="0">
+                            <a:latin typeface="Cambria Math" panose="02040503050406030204" pitchFamily="18" charset="0"/>
+                          </a:rPr>
+                        </m:ctrlPr>
+                      </m:sSubPr>
+                      <m:e>
+                        <m:r>
+                          <a:rPr kumimoji="1" lang="en-US" altLang="zh-CN" b="0" i="1" smtClean="0">
+                            <a:latin typeface="Cambria Math" panose="02040503050406030204" pitchFamily="18" charset="0"/>
+                          </a:rPr>
+                          <m:t>𝐷</m:t>
+                        </m:r>
+                      </m:e>
+                      <m:sub>
+                        <m:r>
+                          <a:rPr kumimoji="1" lang="en-US" altLang="zh-CN" b="0" i="1" smtClean="0">
+                            <a:latin typeface="Cambria Math" panose="02040503050406030204" pitchFamily="18" charset="0"/>
+                          </a:rPr>
+                          <m:t>𝑖𝑟</m:t>
+                        </m:r>
+                      </m:sub>
+                    </m:sSub>
+                  </m:oMath>
+                </a14:m>
+                <a:r>
+                  <a:rPr kumimoji="1" lang="en-US" altLang="zh-CN" dirty="0"/>
+                  <a:t>: top documents retrieved with TF-IDF</a:t>
+                </a:r>
+              </a:p>
+              <a:p>
+                <a:pPr lvl="2"/>
+                <a14:m>
+                  <m:oMath xmlns:m="http://schemas.openxmlformats.org/officeDocument/2006/math">
+                    <m:sSub>
+                      <m:sSubPr>
+                        <m:ctrlPr>
+                          <a:rPr kumimoji="1" lang="en-US" altLang="zh-CN" i="1">
+                            <a:latin typeface="Cambria Math" panose="02040503050406030204" pitchFamily="18" charset="0"/>
+                          </a:rPr>
+                        </m:ctrlPr>
+                      </m:sSubPr>
+                      <m:e>
+                        <m:r>
+                          <a:rPr kumimoji="1" lang="en-US" altLang="zh-CN" i="1">
+                            <a:latin typeface="Cambria Math" panose="02040503050406030204" pitchFamily="18" charset="0"/>
+                          </a:rPr>
+                          <m:t>𝐷</m:t>
+                        </m:r>
+                      </m:e>
+                      <m:sub>
+                        <m:r>
+                          <a:rPr kumimoji="1" lang="en-US" altLang="zh-CN" b="0" i="1" smtClean="0">
+                            <a:latin typeface="Cambria Math" panose="02040503050406030204" pitchFamily="18" charset="0"/>
+                          </a:rPr>
+                          <m:t>𝑒𝑙</m:t>
+                        </m:r>
+                      </m:sub>
+                    </m:sSub>
+                  </m:oMath>
+                </a14:m>
+                <a:r>
+                  <a:rPr kumimoji="1" lang="en-US" altLang="zh-CN" dirty="0"/>
+                  <a:t>: documents associated with entities appearing in question</a:t>
+                </a:r>
+              </a:p>
+              <a:p>
+                <a:pPr lvl="2"/>
+                <a14:m>
+                  <m:oMath xmlns:m="http://schemas.openxmlformats.org/officeDocument/2006/math">
+                    <m:sSub>
+                      <m:sSubPr>
+                        <m:ctrlPr>
+                          <a:rPr kumimoji="1" lang="en-US" altLang="zh-CN" i="1">
+                            <a:latin typeface="Cambria Math" panose="02040503050406030204" pitchFamily="18" charset="0"/>
+                          </a:rPr>
+                        </m:ctrlPr>
+                      </m:sSubPr>
+                      <m:e>
+                        <m:r>
+                          <a:rPr kumimoji="1" lang="en-US" altLang="zh-CN" i="1">
+                            <a:latin typeface="Cambria Math" panose="02040503050406030204" pitchFamily="18" charset="0"/>
+                          </a:rPr>
+                          <m:t>𝐷</m:t>
+                        </m:r>
+                      </m:e>
+                      <m:sub>
+                        <m:r>
+                          <a:rPr kumimoji="1" lang="en-US" altLang="zh-CN" b="0" i="1" smtClean="0">
+                            <a:latin typeface="Cambria Math" panose="02040503050406030204" pitchFamily="18" charset="0"/>
+                          </a:rPr>
+                          <m:t>𝑒𝑥𝑝</m:t>
+                        </m:r>
+                      </m:sub>
+                    </m:sSub>
+                  </m:oMath>
+                </a14:m>
+                <a:r>
+                  <a:rPr kumimoji="1" lang="en-US" altLang="zh-CN" dirty="0"/>
+                  <a:t>: all documents connected to top-ranker via Wiki hyperlinks</a:t>
+                </a:r>
+              </a:p>
+              <a:p>
+                <a:pPr lvl="1"/>
+                <a:r>
+                  <a:rPr kumimoji="1" lang="en-US" altLang="zh-CN" dirty="0"/>
+                  <a:t>Build the graph: connect nodes with hyperlink</a:t>
+                </a:r>
+              </a:p>
+              <a:p>
+                <a:r>
+                  <a:rPr kumimoji="1" lang="en-US" altLang="zh-CN" dirty="0"/>
+                  <a:t>Transformer-XH  VS </a:t>
+                </a:r>
+                <a:r>
+                  <a:rPr kumimoji="1" lang="en-US" altLang="zh-CN" dirty="0" err="1"/>
+                  <a:t>CogQA</a:t>
+                </a:r>
+                <a:endParaRPr kumimoji="1" lang="en-US" altLang="zh-CN" dirty="0"/>
+              </a:p>
+              <a:p>
+                <a:pPr marL="457200" lvl="1" indent="0">
+                  <a:buNone/>
+                </a:pPr>
+                <a:endParaRPr kumimoji="1" lang="en-US" altLang="zh-CN" dirty="0"/>
+              </a:p>
+              <a:p>
+                <a:pPr marL="457200" lvl="1" indent="0">
+                  <a:buNone/>
+                </a:pPr>
+                <a:r>
+                  <a:rPr kumimoji="1" lang="en-US" altLang="zh-CN" dirty="0"/>
+                  <a:t>Transformer-XH utilizes the graph during the semantic encoding</a:t>
+                </a:r>
+              </a:p>
+              <a:p>
+                <a:pPr marL="457200" lvl="1" indent="0">
+                  <a:buNone/>
+                </a:pPr>
+                <a:r>
+                  <a:rPr kumimoji="1" lang="en-US" altLang="zh-CN" dirty="0" err="1"/>
+                  <a:t>CogQA</a:t>
+                </a:r>
+                <a:r>
+                  <a:rPr kumimoji="1" lang="en-US" altLang="zh-CN" dirty="0"/>
+                  <a:t> utilizes the graph after encoding</a:t>
+                </a:r>
+              </a:p>
+              <a:p>
+                <a:pPr marL="457200" lvl="1" indent="0">
+                  <a:buNone/>
+                </a:pPr>
+                <a:endParaRPr kumimoji="1" lang="en-US" altLang="zh-CN" dirty="0"/>
+              </a:p>
+              <a:p>
+                <a:pPr marL="457200" lvl="1" indent="0">
+                  <a:buNone/>
+                </a:pPr>
+                <a:r>
+                  <a:rPr kumimoji="1" lang="en-US" altLang="zh-CN" dirty="0"/>
+                  <a:t>The building of graph in transformer-XH is more comprehensive </a:t>
+                </a:r>
+              </a:p>
+              <a:p>
+                <a:pPr marL="457200" lvl="1" indent="0">
+                  <a:buNone/>
+                </a:pPr>
+                <a:endParaRPr kumimoji="1" lang="en-US" altLang="zh-CN" dirty="0"/>
+              </a:p>
+              <a:p>
+                <a:pPr marL="0" indent="0">
+                  <a:buNone/>
+                </a:pPr>
+                <a:endParaRPr kumimoji="1" lang="en-US" altLang="zh-CN" dirty="0"/>
+              </a:p>
+              <a:p>
+                <a:endParaRPr kumimoji="1" lang="en-US" altLang="zh-CN" dirty="0"/>
+              </a:p>
+              <a:p>
+                <a:pPr marL="0" indent="0">
+                  <a:buNone/>
+                </a:pPr>
+                <a:endParaRPr kumimoji="1" lang="en-US" altLang="zh-CN" dirty="0"/>
+              </a:p>
+            </p:txBody>
+          </p:sp>
+        </mc:Choice>
+        <mc:Fallback>
+          <p:sp>
+            <p:nvSpPr>
+              <p:cNvPr id="10" name="内容占位符 2">
+                <a:extLst>
+                  <a:ext uri="{FF2B5EF4-FFF2-40B4-BE49-F238E27FC236}">
+                    <a16:creationId xmlns:a16="http://schemas.microsoft.com/office/drawing/2014/main" id="{6CA03DBB-8A67-E64A-AD71-8FF7DC6DB8C3}"/>
+                  </a:ext>
+                </a:extLst>
+              </p:cNvPr>
+              <p:cNvSpPr>
+                <a:spLocks noGrp="1" noRot="1" noChangeAspect="1" noMove="1" noResize="1" noEditPoints="1" noAdjustHandles="1" noChangeArrowheads="1" noChangeShapeType="1" noTextEdit="1"/>
+              </p:cNvSpPr>
+              <p:nvPr>
+                <p:ph idx="1"/>
+              </p:nvPr>
+            </p:nvSpPr>
+            <p:spPr>
+              <a:xfrm>
+                <a:off x="309794" y="1713620"/>
+                <a:ext cx="11882206" cy="4351338"/>
+              </a:xfrm>
+              <a:blipFill>
+                <a:blip r:embed="rId2"/>
+                <a:stretch>
+                  <a:fillRect l="-855"/>
+                </a:stretch>
+              </a:blipFill>
+            </p:spPr>
+            <p:txBody>
+              <a:bodyPr/>
+              <a:lstStyle/>
+              <a:p>
+                <a:r>
+                  <a:rPr lang="zh-CN" altLang="en-US">
+                    <a:noFill/>
+                  </a:rPr>
+                  <a:t> </a:t>
+                </a:r>
+              </a:p>
+            </p:txBody>
+          </p:sp>
+        </mc:Fallback>
+      </mc:AlternateContent>
     </p:spTree>
     <p:extLst>
       <p:ext uri="{BB962C8B-B14F-4D97-AF65-F5344CB8AC3E}">
@@ -3889,6 +4468,505 @@
   <p:clrMapOvr>
     <a:masterClrMapping/>
   </p:clrMapOvr>
+  <p:timing>
+    <p:tnLst>
+      <p:par>
+        <p:cTn id="1" dur="indefinite" restart="never" nodeType="tmRoot">
+          <p:childTnLst>
+            <p:seq concurrent="1" nextAc="seek">
+              <p:cTn id="2" dur="indefinite" nodeType="mainSeq">
+                <p:childTnLst>
+                  <p:par>
+                    <p:cTn id="3" fill="hold">
+                      <p:stCondLst>
+                        <p:cond delay="indefinite"/>
+                      </p:stCondLst>
+                      <p:childTnLst>
+                        <p:par>
+                          <p:cTn id="4" fill="hold">
+                            <p:stCondLst>
+                              <p:cond delay="0"/>
+                            </p:stCondLst>
+                            <p:childTnLst>
+                              <p:par>
+                                <p:cTn id="5" presetID="5" presetClass="entr" presetSubtype="10" fill="hold" grpId="0" nodeType="clickEffect">
+                                  <p:stCondLst>
+                                    <p:cond delay="0"/>
+                                  </p:stCondLst>
+                                  <p:childTnLst>
+                                    <p:set>
+                                      <p:cBhvr>
+                                        <p:cTn id="6" dur="1" fill="hold">
+                                          <p:stCondLst>
+                                            <p:cond delay="0"/>
+                                          </p:stCondLst>
+                                        </p:cTn>
+                                        <p:tgtEl>
+                                          <p:spTgt spid="10">
+                                            <p:txEl>
+                                              <p:pRg st="1" end="1"/>
+                                            </p:txEl>
+                                          </p:spTgt>
+                                        </p:tgtEl>
+                                        <p:attrNameLst>
+                                          <p:attrName>style.visibility</p:attrName>
+                                        </p:attrNameLst>
+                                      </p:cBhvr>
+                                      <p:to>
+                                        <p:strVal val="visible"/>
+                                      </p:to>
+                                    </p:set>
+                                    <p:animEffect transition="in" filter="checkerboard(across)">
+                                      <p:cBhvr>
+                                        <p:cTn id="7" dur="500"/>
+                                        <p:tgtEl>
+                                          <p:spTgt spid="10">
+                                            <p:txEl>
+                                              <p:pRg st="1" end="1"/>
+                                            </p:txEl>
+                                          </p:spTgt>
+                                        </p:tgtEl>
+                                      </p:cBhvr>
+                                    </p:animEffect>
+                                  </p:childTnLst>
+                                </p:cTn>
+                              </p:par>
+                              <p:par>
+                                <p:cTn id="8" presetID="5" presetClass="entr" presetSubtype="10" fill="hold" grpId="0" nodeType="withEffect">
+                                  <p:stCondLst>
+                                    <p:cond delay="0"/>
+                                  </p:stCondLst>
+                                  <p:childTnLst>
+                                    <p:set>
+                                      <p:cBhvr>
+                                        <p:cTn id="9" dur="1" fill="hold">
+                                          <p:stCondLst>
+                                            <p:cond delay="0"/>
+                                          </p:stCondLst>
+                                        </p:cTn>
+                                        <p:tgtEl>
+                                          <p:spTgt spid="10">
+                                            <p:txEl>
+                                              <p:pRg st="2" end="2"/>
+                                            </p:txEl>
+                                          </p:spTgt>
+                                        </p:tgtEl>
+                                        <p:attrNameLst>
+                                          <p:attrName>style.visibility</p:attrName>
+                                        </p:attrNameLst>
+                                      </p:cBhvr>
+                                      <p:to>
+                                        <p:strVal val="visible"/>
+                                      </p:to>
+                                    </p:set>
+                                    <p:animEffect transition="in" filter="checkerboard(across)">
+                                      <p:cBhvr>
+                                        <p:cTn id="10" dur="500"/>
+                                        <p:tgtEl>
+                                          <p:spTgt spid="10">
+                                            <p:txEl>
+                                              <p:pRg st="2" end="2"/>
+                                            </p:txEl>
+                                          </p:spTgt>
+                                        </p:tgtEl>
+                                      </p:cBhvr>
+                                    </p:animEffect>
+                                  </p:childTnLst>
+                                </p:cTn>
+                              </p:par>
+                              <p:par>
+                                <p:cTn id="11" presetID="5" presetClass="entr" presetSubtype="10" fill="hold" grpId="0" nodeType="withEffect">
+                                  <p:stCondLst>
+                                    <p:cond delay="0"/>
+                                  </p:stCondLst>
+                                  <p:childTnLst>
+                                    <p:set>
+                                      <p:cBhvr>
+                                        <p:cTn id="12" dur="1" fill="hold">
+                                          <p:stCondLst>
+                                            <p:cond delay="0"/>
+                                          </p:stCondLst>
+                                        </p:cTn>
+                                        <p:tgtEl>
+                                          <p:spTgt spid="10">
+                                            <p:txEl>
+                                              <p:pRg st="3" end="3"/>
+                                            </p:txEl>
+                                          </p:spTgt>
+                                        </p:tgtEl>
+                                        <p:attrNameLst>
+                                          <p:attrName>style.visibility</p:attrName>
+                                        </p:attrNameLst>
+                                      </p:cBhvr>
+                                      <p:to>
+                                        <p:strVal val="visible"/>
+                                      </p:to>
+                                    </p:set>
+                                    <p:animEffect transition="in" filter="checkerboard(across)">
+                                      <p:cBhvr>
+                                        <p:cTn id="13" dur="500"/>
+                                        <p:tgtEl>
+                                          <p:spTgt spid="10">
+                                            <p:txEl>
+                                              <p:pRg st="3" end="3"/>
+                                            </p:txEl>
+                                          </p:spTgt>
+                                        </p:tgtEl>
+                                      </p:cBhvr>
+                                    </p:animEffect>
+                                  </p:childTnLst>
+                                </p:cTn>
+                              </p:par>
+                              <p:par>
+                                <p:cTn id="14" presetID="5" presetClass="entr" presetSubtype="10" fill="hold" grpId="0" nodeType="withEffect">
+                                  <p:stCondLst>
+                                    <p:cond delay="0"/>
+                                  </p:stCondLst>
+                                  <p:childTnLst>
+                                    <p:set>
+                                      <p:cBhvr>
+                                        <p:cTn id="15" dur="1" fill="hold">
+                                          <p:stCondLst>
+                                            <p:cond delay="0"/>
+                                          </p:stCondLst>
+                                        </p:cTn>
+                                        <p:tgtEl>
+                                          <p:spTgt spid="10">
+                                            <p:txEl>
+                                              <p:pRg st="4" end="4"/>
+                                            </p:txEl>
+                                          </p:spTgt>
+                                        </p:tgtEl>
+                                        <p:attrNameLst>
+                                          <p:attrName>style.visibility</p:attrName>
+                                        </p:attrNameLst>
+                                      </p:cBhvr>
+                                      <p:to>
+                                        <p:strVal val="visible"/>
+                                      </p:to>
+                                    </p:set>
+                                    <p:animEffect transition="in" filter="checkerboard(across)">
+                                      <p:cBhvr>
+                                        <p:cTn id="16" dur="500"/>
+                                        <p:tgtEl>
+                                          <p:spTgt spid="10">
+                                            <p:txEl>
+                                              <p:pRg st="4" end="4"/>
+                                            </p:txEl>
+                                          </p:spTgt>
+                                        </p:tgtEl>
+                                      </p:cBhvr>
+                                    </p:animEffect>
+                                  </p:childTnLst>
+                                </p:cTn>
+                              </p:par>
+                              <p:par>
+                                <p:cTn id="17" presetID="5" presetClass="entr" presetSubtype="10" fill="hold" grpId="0" nodeType="withEffect">
+                                  <p:stCondLst>
+                                    <p:cond delay="0"/>
+                                  </p:stCondLst>
+                                  <p:childTnLst>
+                                    <p:set>
+                                      <p:cBhvr>
+                                        <p:cTn id="18" dur="1" fill="hold">
+                                          <p:stCondLst>
+                                            <p:cond delay="0"/>
+                                          </p:stCondLst>
+                                        </p:cTn>
+                                        <p:tgtEl>
+                                          <p:spTgt spid="10">
+                                            <p:txEl>
+                                              <p:pRg st="5" end="5"/>
+                                            </p:txEl>
+                                          </p:spTgt>
+                                        </p:tgtEl>
+                                        <p:attrNameLst>
+                                          <p:attrName>style.visibility</p:attrName>
+                                        </p:attrNameLst>
+                                      </p:cBhvr>
+                                      <p:to>
+                                        <p:strVal val="visible"/>
+                                      </p:to>
+                                    </p:set>
+                                    <p:animEffect transition="in" filter="checkerboard(across)">
+                                      <p:cBhvr>
+                                        <p:cTn id="19" dur="500"/>
+                                        <p:tgtEl>
+                                          <p:spTgt spid="10">
+                                            <p:txEl>
+                                              <p:pRg st="5" end="5"/>
+                                            </p:txEl>
+                                          </p:spTgt>
+                                        </p:tgtEl>
+                                      </p:cBhvr>
+                                    </p:animEffect>
+                                  </p:childTnLst>
+                                </p:cTn>
+                              </p:par>
+                              <p:par>
+                                <p:cTn id="20" presetID="5" presetClass="entr" presetSubtype="10" fill="hold" grpId="0" nodeType="withEffect">
+                                  <p:stCondLst>
+                                    <p:cond delay="0"/>
+                                  </p:stCondLst>
+                                  <p:childTnLst>
+                                    <p:set>
+                                      <p:cBhvr>
+                                        <p:cTn id="21" dur="1" fill="hold">
+                                          <p:stCondLst>
+                                            <p:cond delay="0"/>
+                                          </p:stCondLst>
+                                        </p:cTn>
+                                        <p:tgtEl>
+                                          <p:spTgt spid="10">
+                                            <p:txEl>
+                                              <p:pRg st="6" end="6"/>
+                                            </p:txEl>
+                                          </p:spTgt>
+                                        </p:tgtEl>
+                                        <p:attrNameLst>
+                                          <p:attrName>style.visibility</p:attrName>
+                                        </p:attrNameLst>
+                                      </p:cBhvr>
+                                      <p:to>
+                                        <p:strVal val="visible"/>
+                                      </p:to>
+                                    </p:set>
+                                    <p:animEffect transition="in" filter="checkerboard(across)">
+                                      <p:cBhvr>
+                                        <p:cTn id="22" dur="500"/>
+                                        <p:tgtEl>
+                                          <p:spTgt spid="10">
+                                            <p:txEl>
+                                              <p:pRg st="6" end="6"/>
+                                            </p:txEl>
+                                          </p:spTgt>
+                                        </p:tgtEl>
+                                      </p:cBhvr>
+                                    </p:animEffect>
+                                  </p:childTnLst>
+                                </p:cTn>
+                              </p:par>
+                            </p:childTnLst>
+                          </p:cTn>
+                        </p:par>
+                      </p:childTnLst>
+                    </p:cTn>
+                  </p:par>
+                  <p:par>
+                    <p:cTn id="23" fill="hold">
+                      <p:stCondLst>
+                        <p:cond delay="indefinite"/>
+                      </p:stCondLst>
+                      <p:childTnLst>
+                        <p:par>
+                          <p:cTn id="24" fill="hold">
+                            <p:stCondLst>
+                              <p:cond delay="0"/>
+                            </p:stCondLst>
+                            <p:childTnLst>
+                              <p:par>
+                                <p:cTn id="25" presetID="5" presetClass="entr" presetSubtype="10" fill="hold" grpId="0" nodeType="clickEffect">
+                                  <p:stCondLst>
+                                    <p:cond delay="0"/>
+                                  </p:stCondLst>
+                                  <p:childTnLst>
+                                    <p:set>
+                                      <p:cBhvr>
+                                        <p:cTn id="26" dur="1" fill="hold">
+                                          <p:stCondLst>
+                                            <p:cond delay="0"/>
+                                          </p:stCondLst>
+                                        </p:cTn>
+                                        <p:tgtEl>
+                                          <p:spTgt spid="10">
+                                            <p:txEl>
+                                              <p:pRg st="7" end="7"/>
+                                            </p:txEl>
+                                          </p:spTgt>
+                                        </p:tgtEl>
+                                        <p:attrNameLst>
+                                          <p:attrName>style.visibility</p:attrName>
+                                        </p:attrNameLst>
+                                      </p:cBhvr>
+                                      <p:to>
+                                        <p:strVal val="visible"/>
+                                      </p:to>
+                                    </p:set>
+                                    <p:animEffect transition="in" filter="checkerboard(across)">
+                                      <p:cBhvr>
+                                        <p:cTn id="27" dur="500"/>
+                                        <p:tgtEl>
+                                          <p:spTgt spid="10">
+                                            <p:txEl>
+                                              <p:pRg st="7" end="7"/>
+                                            </p:txEl>
+                                          </p:spTgt>
+                                        </p:tgtEl>
+                                      </p:cBhvr>
+                                    </p:animEffect>
+                                  </p:childTnLst>
+                                </p:cTn>
+                              </p:par>
+                              <p:par>
+                                <p:cTn id="28" presetID="5" presetClass="entr" presetSubtype="10" fill="hold" grpId="0" nodeType="withEffect">
+                                  <p:stCondLst>
+                                    <p:cond delay="0"/>
+                                  </p:stCondLst>
+                                  <p:childTnLst>
+                                    <p:set>
+                                      <p:cBhvr>
+                                        <p:cTn id="29" dur="1" fill="hold">
+                                          <p:stCondLst>
+                                            <p:cond delay="0"/>
+                                          </p:stCondLst>
+                                        </p:cTn>
+                                        <p:tgtEl>
+                                          <p:spTgt spid="10">
+                                            <p:txEl>
+                                              <p:pRg st="9" end="9"/>
+                                            </p:txEl>
+                                          </p:spTgt>
+                                        </p:tgtEl>
+                                        <p:attrNameLst>
+                                          <p:attrName>style.visibility</p:attrName>
+                                        </p:attrNameLst>
+                                      </p:cBhvr>
+                                      <p:to>
+                                        <p:strVal val="visible"/>
+                                      </p:to>
+                                    </p:set>
+                                    <p:animEffect transition="in" filter="checkerboard(across)">
+                                      <p:cBhvr>
+                                        <p:cTn id="30" dur="500"/>
+                                        <p:tgtEl>
+                                          <p:spTgt spid="10">
+                                            <p:txEl>
+                                              <p:pRg st="9" end="9"/>
+                                            </p:txEl>
+                                          </p:spTgt>
+                                        </p:tgtEl>
+                                      </p:cBhvr>
+                                    </p:animEffect>
+                                  </p:childTnLst>
+                                </p:cTn>
+                              </p:par>
+                              <p:par>
+                                <p:cTn id="31" presetID="5" presetClass="entr" presetSubtype="10" fill="hold" grpId="0" nodeType="withEffect">
+                                  <p:stCondLst>
+                                    <p:cond delay="0"/>
+                                  </p:stCondLst>
+                                  <p:childTnLst>
+                                    <p:set>
+                                      <p:cBhvr>
+                                        <p:cTn id="32" dur="1" fill="hold">
+                                          <p:stCondLst>
+                                            <p:cond delay="0"/>
+                                          </p:stCondLst>
+                                        </p:cTn>
+                                        <p:tgtEl>
+                                          <p:spTgt spid="10">
+                                            <p:txEl>
+                                              <p:pRg st="10" end="10"/>
+                                            </p:txEl>
+                                          </p:spTgt>
+                                        </p:tgtEl>
+                                        <p:attrNameLst>
+                                          <p:attrName>style.visibility</p:attrName>
+                                        </p:attrNameLst>
+                                      </p:cBhvr>
+                                      <p:to>
+                                        <p:strVal val="visible"/>
+                                      </p:to>
+                                    </p:set>
+                                    <p:animEffect transition="in" filter="checkerboard(across)">
+                                      <p:cBhvr>
+                                        <p:cTn id="33" dur="500"/>
+                                        <p:tgtEl>
+                                          <p:spTgt spid="10">
+                                            <p:txEl>
+                                              <p:pRg st="10" end="10"/>
+                                            </p:txEl>
+                                          </p:spTgt>
+                                        </p:tgtEl>
+                                      </p:cBhvr>
+                                    </p:animEffect>
+                                  </p:childTnLst>
+                                </p:cTn>
+                              </p:par>
+                              <p:par>
+                                <p:cTn id="34" presetID="5" presetClass="entr" presetSubtype="10" fill="hold" grpId="0" nodeType="withEffect">
+                                  <p:stCondLst>
+                                    <p:cond delay="0"/>
+                                  </p:stCondLst>
+                                  <p:childTnLst>
+                                    <p:set>
+                                      <p:cBhvr>
+                                        <p:cTn id="35" dur="1" fill="hold">
+                                          <p:stCondLst>
+                                            <p:cond delay="0"/>
+                                          </p:stCondLst>
+                                        </p:cTn>
+                                        <p:tgtEl>
+                                          <p:spTgt spid="10">
+                                            <p:txEl>
+                                              <p:pRg st="12" end="12"/>
+                                            </p:txEl>
+                                          </p:spTgt>
+                                        </p:tgtEl>
+                                        <p:attrNameLst>
+                                          <p:attrName>style.visibility</p:attrName>
+                                        </p:attrNameLst>
+                                      </p:cBhvr>
+                                      <p:to>
+                                        <p:strVal val="visible"/>
+                                      </p:to>
+                                    </p:set>
+                                    <p:animEffect transition="in" filter="checkerboard(across)">
+                                      <p:cBhvr>
+                                        <p:cTn id="36" dur="500"/>
+                                        <p:tgtEl>
+                                          <p:spTgt spid="10">
+                                            <p:txEl>
+                                              <p:pRg st="12" end="12"/>
+                                            </p:txEl>
+                                          </p:spTgt>
+                                        </p:tgtEl>
+                                      </p:cBhvr>
+                                    </p:animEffect>
+                                  </p:childTnLst>
+                                </p:cTn>
+                              </p:par>
+                            </p:childTnLst>
+                          </p:cTn>
+                        </p:par>
+                      </p:childTnLst>
+                    </p:cTn>
+                  </p:par>
+                </p:childTnLst>
+              </p:cTn>
+              <p:prevCondLst>
+                <p:cond evt="onPrev" delay="0">
+                  <p:tgtEl>
+                    <p:sldTgt/>
+                  </p:tgtEl>
+                </p:cond>
+              </p:prevCondLst>
+              <p:nextCondLst>
+                <p:cond evt="onNext" delay="0">
+                  <p:tgtEl>
+                    <p:sldTgt/>
+                  </p:tgtEl>
+                </p:cond>
+              </p:nextCondLst>
+            </p:seq>
+          </p:childTnLst>
+        </p:cTn>
+      </p:par>
+    </p:tnLst>
+    <p:bldLst>
+      <p:bldP spid="10" grpId="0" build="p"/>
+    </p:bldLst>
+  </p:timing>
 </p:sld>
 </file>
 
@@ -4113,7 +5191,7 @@
         </p:nvSpPr>
         <p:spPr>
           <a:xfrm>
-            <a:off x="478327" y="2506662"/>
+            <a:off x="414827" y="2290988"/>
             <a:ext cx="4563230" cy="4351338"/>
           </a:xfrm>
           <a:prstGeom prst="rect">
@@ -4303,7 +5381,7 @@
           <a:p>
             <a:r>
               <a:rPr lang="en-US" altLang="zh-CN" sz="2400" dirty="0"/>
-              <a:t>Train a retriever and a reader</a:t>
+              <a:t>A reader re-rank the documents and find the answer</a:t>
             </a:r>
           </a:p>
           <a:p>
@@ -4321,6 +5399,145 @@
   <p:clrMapOvr>
     <a:masterClrMapping/>
   </p:clrMapOvr>
+  <p:timing>
+    <p:tnLst>
+      <p:par>
+        <p:cTn id="1" dur="indefinite" restart="never" nodeType="tmRoot">
+          <p:childTnLst>
+            <p:seq concurrent="1" nextAc="seek">
+              <p:cTn id="2" dur="indefinite" nodeType="mainSeq">
+                <p:childTnLst>
+                  <p:par>
+                    <p:cTn id="3" fill="hold">
+                      <p:stCondLst>
+                        <p:cond delay="indefinite"/>
+                      </p:stCondLst>
+                      <p:childTnLst>
+                        <p:par>
+                          <p:cTn id="4" fill="hold">
+                            <p:stCondLst>
+                              <p:cond delay="0"/>
+                            </p:stCondLst>
+                            <p:childTnLst>
+                              <p:par>
+                                <p:cTn id="5" presetID="5" presetClass="entr" presetSubtype="10" fill="hold" grpId="0" nodeType="clickEffect">
+                                  <p:stCondLst>
+                                    <p:cond delay="0"/>
+                                  </p:stCondLst>
+                                  <p:childTnLst>
+                                    <p:set>
+                                      <p:cBhvr>
+                                        <p:cTn id="6" dur="1" fill="hold">
+                                          <p:stCondLst>
+                                            <p:cond delay="0"/>
+                                          </p:stCondLst>
+                                        </p:cTn>
+                                        <p:tgtEl>
+                                          <p:spTgt spid="5"/>
+                                        </p:tgtEl>
+                                        <p:attrNameLst>
+                                          <p:attrName>style.visibility</p:attrName>
+                                        </p:attrNameLst>
+                                      </p:cBhvr>
+                                      <p:to>
+                                        <p:strVal val="visible"/>
+                                      </p:to>
+                                    </p:set>
+                                    <p:animEffect transition="in" filter="checkerboard(across)">
+                                      <p:cBhvr>
+                                        <p:cTn id="7" dur="500"/>
+                                        <p:tgtEl>
+                                          <p:spTgt spid="5"/>
+                                        </p:tgtEl>
+                                      </p:cBhvr>
+                                    </p:animEffect>
+                                  </p:childTnLst>
+                                </p:cTn>
+                              </p:par>
+                            </p:childTnLst>
+                          </p:cTn>
+                        </p:par>
+                      </p:childTnLst>
+                    </p:cTn>
+                  </p:par>
+                  <p:par>
+                    <p:cTn id="8" fill="hold">
+                      <p:stCondLst>
+                        <p:cond delay="indefinite"/>
+                      </p:stCondLst>
+                      <p:childTnLst>
+                        <p:par>
+                          <p:cTn id="9" fill="hold">
+                            <p:stCondLst>
+                              <p:cond delay="0"/>
+                            </p:stCondLst>
+                            <p:childTnLst>
+                              <p:par>
+                                <p:cTn id="10" presetID="5" presetClass="entr" presetSubtype="10" fill="hold" nodeType="clickEffect">
+                                  <p:stCondLst>
+                                    <p:cond delay="0"/>
+                                  </p:stCondLst>
+                                  <p:childTnLst>
+                                    <p:set>
+                                      <p:cBhvr>
+                                        <p:cTn id="11" dur="1" fill="hold">
+                                          <p:stCondLst>
+                                            <p:cond delay="0"/>
+                                          </p:stCondLst>
+                                        </p:cTn>
+                                        <p:tgtEl>
+                                          <p:spTgt spid="8"/>
+                                        </p:tgtEl>
+                                        <p:attrNameLst>
+                                          <p:attrName>style.visibility</p:attrName>
+                                        </p:attrNameLst>
+                                      </p:cBhvr>
+                                      <p:to>
+                                        <p:strVal val="visible"/>
+                                      </p:to>
+                                    </p:set>
+                                    <p:animEffect transition="in" filter="checkerboard(across)">
+                                      <p:cBhvr>
+                                        <p:cTn id="12" dur="500"/>
+                                        <p:tgtEl>
+                                          <p:spTgt spid="8"/>
+                                        </p:tgtEl>
+                                      </p:cBhvr>
+                                    </p:animEffect>
+                                  </p:childTnLst>
+                                </p:cTn>
+                              </p:par>
+                            </p:childTnLst>
+                          </p:cTn>
+                        </p:par>
+                      </p:childTnLst>
+                    </p:cTn>
+                  </p:par>
+                </p:childTnLst>
+              </p:cTn>
+              <p:prevCondLst>
+                <p:cond evt="onPrev" delay="0">
+                  <p:tgtEl>
+                    <p:sldTgt/>
+                  </p:tgtEl>
+                </p:cond>
+              </p:prevCondLst>
+              <p:nextCondLst>
+                <p:cond evt="onNext" delay="0">
+                  <p:tgtEl>
+                    <p:sldTgt/>
+                  </p:tgtEl>
+                </p:cond>
+              </p:nextCondLst>
+            </p:seq>
+          </p:childTnLst>
+        </p:cTn>
+      </p:par>
+    </p:tnLst>
+    <p:bldLst>
+      <p:bldP spid="5" grpId="0"/>
+    </p:bldLst>
+  </p:timing>
 </p:sld>
 </file>
 
@@ -4493,8 +5710,8 @@
           </a:p>
         </p:txBody>
       </p:sp>
-      <mc:AlternateContent xmlns:mc="http://schemas.openxmlformats.org/markup-compatibility/2006" xmlns:a14="http://schemas.microsoft.com/office/drawing/2010/main">
-        <mc:Choice Requires="a14">
+      <mc:AlternateContent xmlns:mc="http://schemas.openxmlformats.org/markup-compatibility/2006">
+        <mc:Choice xmlns:a14="http://schemas.microsoft.com/office/drawing/2010/main" Requires="a14">
           <p:sp>
             <p:nvSpPr>
               <p:cNvPr id="5" name="内容占位符 2">
@@ -5142,7 +6359,7 @@
             </p:txBody>
           </p:sp>
         </mc:Choice>
-        <mc:Fallback xmlns="">
+        <mc:Fallback>
           <p:sp>
             <p:nvSpPr>
               <p:cNvPr id="5" name="内容占位符 2">
@@ -5554,6 +6771,829 @@
   <p:clrMapOvr>
     <a:masterClrMapping/>
   </p:clrMapOvr>
+  <p:timing>
+    <p:tnLst>
+      <p:par>
+        <p:cTn id="1" dur="indefinite" restart="never" nodeType="tmRoot">
+          <p:childTnLst>
+            <p:seq concurrent="1" nextAc="seek">
+              <p:cTn id="2" dur="indefinite" nodeType="mainSeq">
+                <p:childTnLst>
+                  <p:par>
+                    <p:cTn id="3" fill="hold">
+                      <p:stCondLst>
+                        <p:cond delay="indefinite"/>
+                      </p:stCondLst>
+                      <p:childTnLst>
+                        <p:par>
+                          <p:cTn id="4" fill="hold">
+                            <p:stCondLst>
+                              <p:cond delay="0"/>
+                            </p:stCondLst>
+                            <p:childTnLst>
+                              <p:par>
+                                <p:cTn id="5" presetID="5" presetClass="entr" presetSubtype="10" fill="hold" nodeType="clickEffect">
+                                  <p:stCondLst>
+                                    <p:cond delay="0"/>
+                                  </p:stCondLst>
+                                  <p:childTnLst>
+                                    <p:set>
+                                      <p:cBhvr>
+                                        <p:cTn id="6" dur="1" fill="hold">
+                                          <p:stCondLst>
+                                            <p:cond delay="0"/>
+                                          </p:stCondLst>
+                                        </p:cTn>
+                                        <p:tgtEl>
+                                          <p:spTgt spid="5">
+                                            <p:txEl>
+                                              <p:pRg st="0" end="0"/>
+                                            </p:txEl>
+                                          </p:spTgt>
+                                        </p:tgtEl>
+                                        <p:attrNameLst>
+                                          <p:attrName>style.visibility</p:attrName>
+                                        </p:attrNameLst>
+                                      </p:cBhvr>
+                                      <p:to>
+                                        <p:strVal val="visible"/>
+                                      </p:to>
+                                    </p:set>
+                                    <p:animEffect transition="in" filter="checkerboard(across)">
+                                      <p:cBhvr>
+                                        <p:cTn id="7" dur="500"/>
+                                        <p:tgtEl>
+                                          <p:spTgt spid="5">
+                                            <p:txEl>
+                                              <p:pRg st="0" end="0"/>
+                                            </p:txEl>
+                                          </p:spTgt>
+                                        </p:tgtEl>
+                                      </p:cBhvr>
+                                    </p:animEffect>
+                                  </p:childTnLst>
+                                </p:cTn>
+                              </p:par>
+                              <p:par>
+                                <p:cTn id="8" presetID="5" presetClass="entr" presetSubtype="10" fill="hold" nodeType="withEffect">
+                                  <p:stCondLst>
+                                    <p:cond delay="0"/>
+                                  </p:stCondLst>
+                                  <p:childTnLst>
+                                    <p:set>
+                                      <p:cBhvr>
+                                        <p:cTn id="9" dur="1" fill="hold">
+                                          <p:stCondLst>
+                                            <p:cond delay="0"/>
+                                          </p:stCondLst>
+                                        </p:cTn>
+                                        <p:tgtEl>
+                                          <p:spTgt spid="5">
+                                            <p:txEl>
+                                              <p:pRg st="1" end="1"/>
+                                            </p:txEl>
+                                          </p:spTgt>
+                                        </p:tgtEl>
+                                        <p:attrNameLst>
+                                          <p:attrName>style.visibility</p:attrName>
+                                        </p:attrNameLst>
+                                      </p:cBhvr>
+                                      <p:to>
+                                        <p:strVal val="visible"/>
+                                      </p:to>
+                                    </p:set>
+                                    <p:animEffect transition="in" filter="checkerboard(across)">
+                                      <p:cBhvr>
+                                        <p:cTn id="10" dur="500"/>
+                                        <p:tgtEl>
+                                          <p:spTgt spid="5">
+                                            <p:txEl>
+                                              <p:pRg st="1" end="1"/>
+                                            </p:txEl>
+                                          </p:spTgt>
+                                        </p:tgtEl>
+                                      </p:cBhvr>
+                                    </p:animEffect>
+                                  </p:childTnLst>
+                                </p:cTn>
+                              </p:par>
+                              <p:par>
+                                <p:cTn id="11" presetID="5" presetClass="entr" presetSubtype="10" fill="hold" nodeType="withEffect">
+                                  <p:stCondLst>
+                                    <p:cond delay="0"/>
+                                  </p:stCondLst>
+                                  <p:childTnLst>
+                                    <p:set>
+                                      <p:cBhvr>
+                                        <p:cTn id="12" dur="1" fill="hold">
+                                          <p:stCondLst>
+                                            <p:cond delay="0"/>
+                                          </p:stCondLst>
+                                        </p:cTn>
+                                        <p:tgtEl>
+                                          <p:spTgt spid="5">
+                                            <p:txEl>
+                                              <p:pRg st="2" end="2"/>
+                                            </p:txEl>
+                                          </p:spTgt>
+                                        </p:tgtEl>
+                                        <p:attrNameLst>
+                                          <p:attrName>style.visibility</p:attrName>
+                                        </p:attrNameLst>
+                                      </p:cBhvr>
+                                      <p:to>
+                                        <p:strVal val="visible"/>
+                                      </p:to>
+                                    </p:set>
+                                    <p:animEffect transition="in" filter="checkerboard(across)">
+                                      <p:cBhvr>
+                                        <p:cTn id="13" dur="500"/>
+                                        <p:tgtEl>
+                                          <p:spTgt spid="5">
+                                            <p:txEl>
+                                              <p:pRg st="2" end="2"/>
+                                            </p:txEl>
+                                          </p:spTgt>
+                                        </p:tgtEl>
+                                      </p:cBhvr>
+                                    </p:animEffect>
+                                  </p:childTnLst>
+                                </p:cTn>
+                              </p:par>
+                              <p:par>
+                                <p:cTn id="14" presetID="5" presetClass="entr" presetSubtype="10" fill="hold" nodeType="withEffect">
+                                  <p:stCondLst>
+                                    <p:cond delay="0"/>
+                                  </p:stCondLst>
+                                  <p:childTnLst>
+                                    <p:set>
+                                      <p:cBhvr>
+                                        <p:cTn id="15" dur="1" fill="hold">
+                                          <p:stCondLst>
+                                            <p:cond delay="0"/>
+                                          </p:stCondLst>
+                                        </p:cTn>
+                                        <p:tgtEl>
+                                          <p:spTgt spid="5">
+                                            <p:txEl>
+                                              <p:pRg st="3" end="3"/>
+                                            </p:txEl>
+                                          </p:spTgt>
+                                        </p:tgtEl>
+                                        <p:attrNameLst>
+                                          <p:attrName>style.visibility</p:attrName>
+                                        </p:attrNameLst>
+                                      </p:cBhvr>
+                                      <p:to>
+                                        <p:strVal val="visible"/>
+                                      </p:to>
+                                    </p:set>
+                                    <p:animEffect transition="in" filter="checkerboard(across)">
+                                      <p:cBhvr>
+                                        <p:cTn id="16" dur="500"/>
+                                        <p:tgtEl>
+                                          <p:spTgt spid="5">
+                                            <p:txEl>
+                                              <p:pRg st="3" end="3"/>
+                                            </p:txEl>
+                                          </p:spTgt>
+                                        </p:tgtEl>
+                                      </p:cBhvr>
+                                    </p:animEffect>
+                                  </p:childTnLst>
+                                </p:cTn>
+                              </p:par>
+                            </p:childTnLst>
+                          </p:cTn>
+                        </p:par>
+                      </p:childTnLst>
+                    </p:cTn>
+                  </p:par>
+                  <p:par>
+                    <p:cTn id="17" fill="hold">
+                      <p:stCondLst>
+                        <p:cond delay="indefinite"/>
+                      </p:stCondLst>
+                      <p:childTnLst>
+                        <p:par>
+                          <p:cTn id="18" fill="hold">
+                            <p:stCondLst>
+                              <p:cond delay="0"/>
+                            </p:stCondLst>
+                            <p:childTnLst>
+                              <p:par>
+                                <p:cTn id="19" presetID="5" presetClass="entr" presetSubtype="10" fill="hold" nodeType="clickEffect">
+                                  <p:stCondLst>
+                                    <p:cond delay="0"/>
+                                  </p:stCondLst>
+                                  <p:childTnLst>
+                                    <p:set>
+                                      <p:cBhvr>
+                                        <p:cTn id="20" dur="1" fill="hold">
+                                          <p:stCondLst>
+                                            <p:cond delay="0"/>
+                                          </p:stCondLst>
+                                        </p:cTn>
+                                        <p:tgtEl>
+                                          <p:spTgt spid="6"/>
+                                        </p:tgtEl>
+                                        <p:attrNameLst>
+                                          <p:attrName>style.visibility</p:attrName>
+                                        </p:attrNameLst>
+                                      </p:cBhvr>
+                                      <p:to>
+                                        <p:strVal val="visible"/>
+                                      </p:to>
+                                    </p:set>
+                                    <p:animEffect transition="in" filter="checkerboard(across)">
+                                      <p:cBhvr>
+                                        <p:cTn id="21" dur="500"/>
+                                        <p:tgtEl>
+                                          <p:spTgt spid="6"/>
+                                        </p:tgtEl>
+                                      </p:cBhvr>
+                                    </p:animEffect>
+                                  </p:childTnLst>
+                                </p:cTn>
+                              </p:par>
+                            </p:childTnLst>
+                          </p:cTn>
+                        </p:par>
+                      </p:childTnLst>
+                    </p:cTn>
+                  </p:par>
+                  <p:par>
+                    <p:cTn id="22" fill="hold">
+                      <p:stCondLst>
+                        <p:cond delay="indefinite"/>
+                      </p:stCondLst>
+                      <p:childTnLst>
+                        <p:par>
+                          <p:cTn id="23" fill="hold">
+                            <p:stCondLst>
+                              <p:cond delay="0"/>
+                            </p:stCondLst>
+                            <p:childTnLst>
+                              <p:par>
+                                <p:cTn id="24" presetID="5" presetClass="entr" presetSubtype="10" fill="hold" nodeType="clickEffect">
+                                  <p:stCondLst>
+                                    <p:cond delay="0"/>
+                                  </p:stCondLst>
+                                  <p:childTnLst>
+                                    <p:set>
+                                      <p:cBhvr>
+                                        <p:cTn id="25" dur="1" fill="hold">
+                                          <p:stCondLst>
+                                            <p:cond delay="0"/>
+                                          </p:stCondLst>
+                                        </p:cTn>
+                                        <p:tgtEl>
+                                          <p:spTgt spid="5">
+                                            <p:txEl>
+                                              <p:pRg st="4" end="4"/>
+                                            </p:txEl>
+                                          </p:spTgt>
+                                        </p:tgtEl>
+                                        <p:attrNameLst>
+                                          <p:attrName>style.visibility</p:attrName>
+                                        </p:attrNameLst>
+                                      </p:cBhvr>
+                                      <p:to>
+                                        <p:strVal val="visible"/>
+                                      </p:to>
+                                    </p:set>
+                                    <p:animEffect transition="in" filter="checkerboard(across)">
+                                      <p:cBhvr>
+                                        <p:cTn id="26" dur="500"/>
+                                        <p:tgtEl>
+                                          <p:spTgt spid="5">
+                                            <p:txEl>
+                                              <p:pRg st="4" end="4"/>
+                                            </p:txEl>
+                                          </p:spTgt>
+                                        </p:tgtEl>
+                                      </p:cBhvr>
+                                    </p:animEffect>
+                                  </p:childTnLst>
+                                </p:cTn>
+                              </p:par>
+                              <p:par>
+                                <p:cTn id="27" presetID="5" presetClass="entr" presetSubtype="10" fill="hold" nodeType="withEffect">
+                                  <p:stCondLst>
+                                    <p:cond delay="0"/>
+                                  </p:stCondLst>
+                                  <p:childTnLst>
+                                    <p:set>
+                                      <p:cBhvr>
+                                        <p:cTn id="28" dur="1" fill="hold">
+                                          <p:stCondLst>
+                                            <p:cond delay="0"/>
+                                          </p:stCondLst>
+                                        </p:cTn>
+                                        <p:tgtEl>
+                                          <p:spTgt spid="5">
+                                            <p:txEl>
+                                              <p:pRg st="5" end="5"/>
+                                            </p:txEl>
+                                          </p:spTgt>
+                                        </p:tgtEl>
+                                        <p:attrNameLst>
+                                          <p:attrName>style.visibility</p:attrName>
+                                        </p:attrNameLst>
+                                      </p:cBhvr>
+                                      <p:to>
+                                        <p:strVal val="visible"/>
+                                      </p:to>
+                                    </p:set>
+                                    <p:animEffect transition="in" filter="checkerboard(across)">
+                                      <p:cBhvr>
+                                        <p:cTn id="29" dur="500"/>
+                                        <p:tgtEl>
+                                          <p:spTgt spid="5">
+                                            <p:txEl>
+                                              <p:pRg st="5" end="5"/>
+                                            </p:txEl>
+                                          </p:spTgt>
+                                        </p:tgtEl>
+                                      </p:cBhvr>
+                                    </p:animEffect>
+                                  </p:childTnLst>
+                                </p:cTn>
+                              </p:par>
+                              <p:par>
+                                <p:cTn id="30" presetID="5" presetClass="entr" presetSubtype="10" fill="hold" nodeType="withEffect">
+                                  <p:stCondLst>
+                                    <p:cond delay="0"/>
+                                  </p:stCondLst>
+                                  <p:childTnLst>
+                                    <p:set>
+                                      <p:cBhvr>
+                                        <p:cTn id="31" dur="1" fill="hold">
+                                          <p:stCondLst>
+                                            <p:cond delay="0"/>
+                                          </p:stCondLst>
+                                        </p:cTn>
+                                        <p:tgtEl>
+                                          <p:spTgt spid="5">
+                                            <p:txEl>
+                                              <p:pRg st="6" end="6"/>
+                                            </p:txEl>
+                                          </p:spTgt>
+                                        </p:tgtEl>
+                                        <p:attrNameLst>
+                                          <p:attrName>style.visibility</p:attrName>
+                                        </p:attrNameLst>
+                                      </p:cBhvr>
+                                      <p:to>
+                                        <p:strVal val="visible"/>
+                                      </p:to>
+                                    </p:set>
+                                    <p:animEffect transition="in" filter="checkerboard(across)">
+                                      <p:cBhvr>
+                                        <p:cTn id="32" dur="500"/>
+                                        <p:tgtEl>
+                                          <p:spTgt spid="5">
+                                            <p:txEl>
+                                              <p:pRg st="6" end="6"/>
+                                            </p:txEl>
+                                          </p:spTgt>
+                                        </p:tgtEl>
+                                      </p:cBhvr>
+                                    </p:animEffect>
+                                  </p:childTnLst>
+                                </p:cTn>
+                              </p:par>
+                            </p:childTnLst>
+                          </p:cTn>
+                        </p:par>
+                      </p:childTnLst>
+                    </p:cTn>
+                  </p:par>
+                  <p:par>
+                    <p:cTn id="33" fill="hold">
+                      <p:stCondLst>
+                        <p:cond delay="indefinite"/>
+                      </p:stCondLst>
+                      <p:childTnLst>
+                        <p:par>
+                          <p:cTn id="34" fill="hold">
+                            <p:stCondLst>
+                              <p:cond delay="0"/>
+                            </p:stCondLst>
+                            <p:childTnLst>
+                              <p:par>
+                                <p:cTn id="35" presetID="5" presetClass="entr" presetSubtype="10" fill="hold" grpId="0" nodeType="clickEffect">
+                                  <p:stCondLst>
+                                    <p:cond delay="0"/>
+                                  </p:stCondLst>
+                                  <p:childTnLst>
+                                    <p:set>
+                                      <p:cBhvr>
+                                        <p:cTn id="36" dur="1" fill="hold">
+                                          <p:stCondLst>
+                                            <p:cond delay="0"/>
+                                          </p:stCondLst>
+                                        </p:cTn>
+                                        <p:tgtEl>
+                                          <p:spTgt spid="9"/>
+                                        </p:tgtEl>
+                                        <p:attrNameLst>
+                                          <p:attrName>style.visibility</p:attrName>
+                                        </p:attrNameLst>
+                                      </p:cBhvr>
+                                      <p:to>
+                                        <p:strVal val="visible"/>
+                                      </p:to>
+                                    </p:set>
+                                    <p:animEffect transition="in" filter="checkerboard(across)">
+                                      <p:cBhvr>
+                                        <p:cTn id="37" dur="500"/>
+                                        <p:tgtEl>
+                                          <p:spTgt spid="9"/>
+                                        </p:tgtEl>
+                                      </p:cBhvr>
+                                    </p:animEffect>
+                                  </p:childTnLst>
+                                </p:cTn>
+                              </p:par>
+                            </p:childTnLst>
+                          </p:cTn>
+                        </p:par>
+                      </p:childTnLst>
+                    </p:cTn>
+                  </p:par>
+                  <p:par>
+                    <p:cTn id="38" fill="hold">
+                      <p:stCondLst>
+                        <p:cond delay="indefinite"/>
+                      </p:stCondLst>
+                      <p:childTnLst>
+                        <p:par>
+                          <p:cTn id="39" fill="hold">
+                            <p:stCondLst>
+                              <p:cond delay="0"/>
+                            </p:stCondLst>
+                            <p:childTnLst>
+                              <p:par>
+                                <p:cTn id="40" presetID="5" presetClass="entr" presetSubtype="10" fill="hold" nodeType="clickEffect">
+                                  <p:stCondLst>
+                                    <p:cond delay="0"/>
+                                  </p:stCondLst>
+                                  <p:childTnLst>
+                                    <p:set>
+                                      <p:cBhvr>
+                                        <p:cTn id="41" dur="1" fill="hold">
+                                          <p:stCondLst>
+                                            <p:cond delay="0"/>
+                                          </p:stCondLst>
+                                        </p:cTn>
+                                        <p:tgtEl>
+                                          <p:spTgt spid="5">
+                                            <p:txEl>
+                                              <p:pRg st="8" end="8"/>
+                                            </p:txEl>
+                                          </p:spTgt>
+                                        </p:tgtEl>
+                                        <p:attrNameLst>
+                                          <p:attrName>style.visibility</p:attrName>
+                                        </p:attrNameLst>
+                                      </p:cBhvr>
+                                      <p:to>
+                                        <p:strVal val="visible"/>
+                                      </p:to>
+                                    </p:set>
+                                    <p:animEffect transition="in" filter="checkerboard(across)">
+                                      <p:cBhvr>
+                                        <p:cTn id="42" dur="500"/>
+                                        <p:tgtEl>
+                                          <p:spTgt spid="5">
+                                            <p:txEl>
+                                              <p:pRg st="8" end="8"/>
+                                            </p:txEl>
+                                          </p:spTgt>
+                                        </p:tgtEl>
+                                      </p:cBhvr>
+                                    </p:animEffect>
+                                  </p:childTnLst>
+                                </p:cTn>
+                              </p:par>
+                              <p:par>
+                                <p:cTn id="43" presetID="5" presetClass="entr" presetSubtype="10" fill="hold" nodeType="withEffect">
+                                  <p:stCondLst>
+                                    <p:cond delay="0"/>
+                                  </p:stCondLst>
+                                  <p:childTnLst>
+                                    <p:set>
+                                      <p:cBhvr>
+                                        <p:cTn id="44" dur="1" fill="hold">
+                                          <p:stCondLst>
+                                            <p:cond delay="0"/>
+                                          </p:stCondLst>
+                                        </p:cTn>
+                                        <p:tgtEl>
+                                          <p:spTgt spid="5">
+                                            <p:txEl>
+                                              <p:pRg st="9" end="9"/>
+                                            </p:txEl>
+                                          </p:spTgt>
+                                        </p:tgtEl>
+                                        <p:attrNameLst>
+                                          <p:attrName>style.visibility</p:attrName>
+                                        </p:attrNameLst>
+                                      </p:cBhvr>
+                                      <p:to>
+                                        <p:strVal val="visible"/>
+                                      </p:to>
+                                    </p:set>
+                                    <p:animEffect transition="in" filter="checkerboard(across)">
+                                      <p:cBhvr>
+                                        <p:cTn id="45" dur="500"/>
+                                        <p:tgtEl>
+                                          <p:spTgt spid="5">
+                                            <p:txEl>
+                                              <p:pRg st="9" end="9"/>
+                                            </p:txEl>
+                                          </p:spTgt>
+                                        </p:tgtEl>
+                                      </p:cBhvr>
+                                    </p:animEffect>
+                                  </p:childTnLst>
+                                </p:cTn>
+                              </p:par>
+                              <p:par>
+                                <p:cTn id="46" presetID="5" presetClass="entr" presetSubtype="10" fill="hold" nodeType="withEffect">
+                                  <p:stCondLst>
+                                    <p:cond delay="0"/>
+                                  </p:stCondLst>
+                                  <p:childTnLst>
+                                    <p:set>
+                                      <p:cBhvr>
+                                        <p:cTn id="47" dur="1" fill="hold">
+                                          <p:stCondLst>
+                                            <p:cond delay="0"/>
+                                          </p:stCondLst>
+                                        </p:cTn>
+                                        <p:tgtEl>
+                                          <p:spTgt spid="5">
+                                            <p:txEl>
+                                              <p:pRg st="10" end="10"/>
+                                            </p:txEl>
+                                          </p:spTgt>
+                                        </p:tgtEl>
+                                        <p:attrNameLst>
+                                          <p:attrName>style.visibility</p:attrName>
+                                        </p:attrNameLst>
+                                      </p:cBhvr>
+                                      <p:to>
+                                        <p:strVal val="visible"/>
+                                      </p:to>
+                                    </p:set>
+                                    <p:animEffect transition="in" filter="checkerboard(across)">
+                                      <p:cBhvr>
+                                        <p:cTn id="48" dur="500"/>
+                                        <p:tgtEl>
+                                          <p:spTgt spid="5">
+                                            <p:txEl>
+                                              <p:pRg st="10" end="10"/>
+                                            </p:txEl>
+                                          </p:spTgt>
+                                        </p:tgtEl>
+                                      </p:cBhvr>
+                                    </p:animEffect>
+                                  </p:childTnLst>
+                                </p:cTn>
+                              </p:par>
+                              <p:par>
+                                <p:cTn id="49" presetID="5" presetClass="entr" presetSubtype="10" fill="hold" nodeType="withEffect">
+                                  <p:stCondLst>
+                                    <p:cond delay="0"/>
+                                  </p:stCondLst>
+                                  <p:childTnLst>
+                                    <p:set>
+                                      <p:cBhvr>
+                                        <p:cTn id="50" dur="1" fill="hold">
+                                          <p:stCondLst>
+                                            <p:cond delay="0"/>
+                                          </p:stCondLst>
+                                        </p:cTn>
+                                        <p:tgtEl>
+                                          <p:spTgt spid="5">
+                                            <p:txEl>
+                                              <p:pRg st="11" end="11"/>
+                                            </p:txEl>
+                                          </p:spTgt>
+                                        </p:tgtEl>
+                                        <p:attrNameLst>
+                                          <p:attrName>style.visibility</p:attrName>
+                                        </p:attrNameLst>
+                                      </p:cBhvr>
+                                      <p:to>
+                                        <p:strVal val="visible"/>
+                                      </p:to>
+                                    </p:set>
+                                    <p:animEffect transition="in" filter="checkerboard(across)">
+                                      <p:cBhvr>
+                                        <p:cTn id="51" dur="500"/>
+                                        <p:tgtEl>
+                                          <p:spTgt spid="5">
+                                            <p:txEl>
+                                              <p:pRg st="11" end="11"/>
+                                            </p:txEl>
+                                          </p:spTgt>
+                                        </p:tgtEl>
+                                      </p:cBhvr>
+                                    </p:animEffect>
+                                  </p:childTnLst>
+                                </p:cTn>
+                              </p:par>
+                            </p:childTnLst>
+                          </p:cTn>
+                        </p:par>
+                      </p:childTnLst>
+                    </p:cTn>
+                  </p:par>
+                  <p:par>
+                    <p:cTn id="52" fill="hold">
+                      <p:stCondLst>
+                        <p:cond delay="indefinite"/>
+                      </p:stCondLst>
+                      <p:childTnLst>
+                        <p:par>
+                          <p:cTn id="53" fill="hold">
+                            <p:stCondLst>
+                              <p:cond delay="0"/>
+                            </p:stCondLst>
+                            <p:childTnLst>
+                              <p:par>
+                                <p:cTn id="54" presetID="5" presetClass="entr" presetSubtype="10" fill="hold" nodeType="clickEffect">
+                                  <p:stCondLst>
+                                    <p:cond delay="0"/>
+                                  </p:stCondLst>
+                                  <p:childTnLst>
+                                    <p:set>
+                                      <p:cBhvr>
+                                        <p:cTn id="55" dur="1" fill="hold">
+                                          <p:stCondLst>
+                                            <p:cond delay="0"/>
+                                          </p:stCondLst>
+                                        </p:cTn>
+                                        <p:tgtEl>
+                                          <p:spTgt spid="5">
+                                            <p:txEl>
+                                              <p:pRg st="12" end="12"/>
+                                            </p:txEl>
+                                          </p:spTgt>
+                                        </p:tgtEl>
+                                        <p:attrNameLst>
+                                          <p:attrName>style.visibility</p:attrName>
+                                        </p:attrNameLst>
+                                      </p:cBhvr>
+                                      <p:to>
+                                        <p:strVal val="visible"/>
+                                      </p:to>
+                                    </p:set>
+                                    <p:animEffect transition="in" filter="checkerboard(across)">
+                                      <p:cBhvr>
+                                        <p:cTn id="56" dur="500"/>
+                                        <p:tgtEl>
+                                          <p:spTgt spid="5">
+                                            <p:txEl>
+                                              <p:pRg st="12" end="12"/>
+                                            </p:txEl>
+                                          </p:spTgt>
+                                        </p:tgtEl>
+                                      </p:cBhvr>
+                                    </p:animEffect>
+                                  </p:childTnLst>
+                                </p:cTn>
+                              </p:par>
+                              <p:par>
+                                <p:cTn id="57" presetID="5" presetClass="entr" presetSubtype="10" fill="hold" nodeType="withEffect">
+                                  <p:stCondLst>
+                                    <p:cond delay="0"/>
+                                  </p:stCondLst>
+                                  <p:childTnLst>
+                                    <p:set>
+                                      <p:cBhvr>
+                                        <p:cTn id="58" dur="1" fill="hold">
+                                          <p:stCondLst>
+                                            <p:cond delay="0"/>
+                                          </p:stCondLst>
+                                        </p:cTn>
+                                        <p:tgtEl>
+                                          <p:spTgt spid="5">
+                                            <p:txEl>
+                                              <p:pRg st="13" end="13"/>
+                                            </p:txEl>
+                                          </p:spTgt>
+                                        </p:tgtEl>
+                                        <p:attrNameLst>
+                                          <p:attrName>style.visibility</p:attrName>
+                                        </p:attrNameLst>
+                                      </p:cBhvr>
+                                      <p:to>
+                                        <p:strVal val="visible"/>
+                                      </p:to>
+                                    </p:set>
+                                    <p:animEffect transition="in" filter="checkerboard(across)">
+                                      <p:cBhvr>
+                                        <p:cTn id="59" dur="500"/>
+                                        <p:tgtEl>
+                                          <p:spTgt spid="5">
+                                            <p:txEl>
+                                              <p:pRg st="13" end="13"/>
+                                            </p:txEl>
+                                          </p:spTgt>
+                                        </p:tgtEl>
+                                      </p:cBhvr>
+                                    </p:animEffect>
+                                  </p:childTnLst>
+                                </p:cTn>
+                              </p:par>
+                            </p:childTnLst>
+                          </p:cTn>
+                        </p:par>
+                      </p:childTnLst>
+                    </p:cTn>
+                  </p:par>
+                  <p:par>
+                    <p:cTn id="60" fill="hold">
+                      <p:stCondLst>
+                        <p:cond delay="indefinite"/>
+                      </p:stCondLst>
+                      <p:childTnLst>
+                        <p:par>
+                          <p:cTn id="61" fill="hold">
+                            <p:stCondLst>
+                              <p:cond delay="0"/>
+                            </p:stCondLst>
+                            <p:childTnLst>
+                              <p:par>
+                                <p:cTn id="62" presetID="5" presetClass="entr" presetSubtype="10" fill="hold" nodeType="clickEffect">
+                                  <p:stCondLst>
+                                    <p:cond delay="0"/>
+                                  </p:stCondLst>
+                                  <p:childTnLst>
+                                    <p:set>
+                                      <p:cBhvr>
+                                        <p:cTn id="63" dur="1" fill="hold">
+                                          <p:stCondLst>
+                                            <p:cond delay="0"/>
+                                          </p:stCondLst>
+                                        </p:cTn>
+                                        <p:tgtEl>
+                                          <p:spTgt spid="10"/>
+                                        </p:tgtEl>
+                                        <p:attrNameLst>
+                                          <p:attrName>style.visibility</p:attrName>
+                                        </p:attrNameLst>
+                                      </p:cBhvr>
+                                      <p:to>
+                                        <p:strVal val="visible"/>
+                                      </p:to>
+                                    </p:set>
+                                    <p:animEffect transition="in" filter="checkerboard(across)">
+                                      <p:cBhvr>
+                                        <p:cTn id="64" dur="500"/>
+                                        <p:tgtEl>
+                                          <p:spTgt spid="10"/>
+                                        </p:tgtEl>
+                                      </p:cBhvr>
+                                    </p:animEffect>
+                                  </p:childTnLst>
+                                </p:cTn>
+                              </p:par>
+                            </p:childTnLst>
+                          </p:cTn>
+                        </p:par>
+                      </p:childTnLst>
+                    </p:cTn>
+                  </p:par>
+                </p:childTnLst>
+              </p:cTn>
+              <p:prevCondLst>
+                <p:cond evt="onPrev" delay="0">
+                  <p:tgtEl>
+                    <p:sldTgt/>
+                  </p:tgtEl>
+                </p:cond>
+              </p:prevCondLst>
+              <p:nextCondLst>
+                <p:cond evt="onNext" delay="0">
+                  <p:tgtEl>
+                    <p:sldTgt/>
+                  </p:tgtEl>
+                </p:cond>
+              </p:nextCondLst>
+            </p:seq>
+          </p:childTnLst>
+        </p:cTn>
+      </p:par>
+    </p:tnLst>
+    <p:bldLst>
+      <p:bldP spid="9" grpId="0"/>
+    </p:bldLst>
+  </p:timing>
 </p:sld>
 </file>
 
@@ -6043,6 +8083,464 @@
   <p:clrMapOvr>
     <a:masterClrMapping/>
   </p:clrMapOvr>
+  <p:timing>
+    <p:tnLst>
+      <p:par>
+        <p:cTn id="1" dur="indefinite" restart="never" nodeType="tmRoot">
+          <p:childTnLst>
+            <p:seq concurrent="1" nextAc="seek">
+              <p:cTn id="2" dur="indefinite" nodeType="mainSeq">
+                <p:childTnLst>
+                  <p:par>
+                    <p:cTn id="3" fill="hold">
+                      <p:stCondLst>
+                        <p:cond delay="indefinite"/>
+                      </p:stCondLst>
+                      <p:childTnLst>
+                        <p:par>
+                          <p:cTn id="4" fill="hold">
+                            <p:stCondLst>
+                              <p:cond delay="0"/>
+                            </p:stCondLst>
+                            <p:childTnLst>
+                              <p:par>
+                                <p:cTn id="5" presetID="5" presetClass="entr" presetSubtype="10" fill="hold" nodeType="clickEffect">
+                                  <p:stCondLst>
+                                    <p:cond delay="0"/>
+                                  </p:stCondLst>
+                                  <p:childTnLst>
+                                    <p:set>
+                                      <p:cBhvr>
+                                        <p:cTn id="6" dur="1" fill="hold">
+                                          <p:stCondLst>
+                                            <p:cond delay="0"/>
+                                          </p:stCondLst>
+                                        </p:cTn>
+                                        <p:tgtEl>
+                                          <p:spTgt spid="5">
+                                            <p:txEl>
+                                              <p:pRg st="0" end="0"/>
+                                            </p:txEl>
+                                          </p:spTgt>
+                                        </p:tgtEl>
+                                        <p:attrNameLst>
+                                          <p:attrName>style.visibility</p:attrName>
+                                        </p:attrNameLst>
+                                      </p:cBhvr>
+                                      <p:to>
+                                        <p:strVal val="visible"/>
+                                      </p:to>
+                                    </p:set>
+                                    <p:animEffect transition="in" filter="checkerboard(across)">
+                                      <p:cBhvr>
+                                        <p:cTn id="7" dur="500"/>
+                                        <p:tgtEl>
+                                          <p:spTgt spid="5">
+                                            <p:txEl>
+                                              <p:pRg st="0" end="0"/>
+                                            </p:txEl>
+                                          </p:spTgt>
+                                        </p:tgtEl>
+                                      </p:cBhvr>
+                                    </p:animEffect>
+                                  </p:childTnLst>
+                                </p:cTn>
+                              </p:par>
+                              <p:par>
+                                <p:cTn id="8" presetID="5" presetClass="entr" presetSubtype="10" fill="hold" nodeType="withEffect">
+                                  <p:stCondLst>
+                                    <p:cond delay="0"/>
+                                  </p:stCondLst>
+                                  <p:childTnLst>
+                                    <p:set>
+                                      <p:cBhvr>
+                                        <p:cTn id="9" dur="1" fill="hold">
+                                          <p:stCondLst>
+                                            <p:cond delay="0"/>
+                                          </p:stCondLst>
+                                        </p:cTn>
+                                        <p:tgtEl>
+                                          <p:spTgt spid="5">
+                                            <p:txEl>
+                                              <p:pRg st="1" end="1"/>
+                                            </p:txEl>
+                                          </p:spTgt>
+                                        </p:tgtEl>
+                                        <p:attrNameLst>
+                                          <p:attrName>style.visibility</p:attrName>
+                                        </p:attrNameLst>
+                                      </p:cBhvr>
+                                      <p:to>
+                                        <p:strVal val="visible"/>
+                                      </p:to>
+                                    </p:set>
+                                    <p:animEffect transition="in" filter="checkerboard(across)">
+                                      <p:cBhvr>
+                                        <p:cTn id="10" dur="500"/>
+                                        <p:tgtEl>
+                                          <p:spTgt spid="5">
+                                            <p:txEl>
+                                              <p:pRg st="1" end="1"/>
+                                            </p:txEl>
+                                          </p:spTgt>
+                                        </p:tgtEl>
+                                      </p:cBhvr>
+                                    </p:animEffect>
+                                  </p:childTnLst>
+                                </p:cTn>
+                              </p:par>
+                              <p:par>
+                                <p:cTn id="11" presetID="5" presetClass="entr" presetSubtype="10" fill="hold" nodeType="withEffect">
+                                  <p:stCondLst>
+                                    <p:cond delay="0"/>
+                                  </p:stCondLst>
+                                  <p:childTnLst>
+                                    <p:set>
+                                      <p:cBhvr>
+                                        <p:cTn id="12" dur="1" fill="hold">
+                                          <p:stCondLst>
+                                            <p:cond delay="0"/>
+                                          </p:stCondLst>
+                                        </p:cTn>
+                                        <p:tgtEl>
+                                          <p:spTgt spid="5">
+                                            <p:txEl>
+                                              <p:pRg st="2" end="2"/>
+                                            </p:txEl>
+                                          </p:spTgt>
+                                        </p:tgtEl>
+                                        <p:attrNameLst>
+                                          <p:attrName>style.visibility</p:attrName>
+                                        </p:attrNameLst>
+                                      </p:cBhvr>
+                                      <p:to>
+                                        <p:strVal val="visible"/>
+                                      </p:to>
+                                    </p:set>
+                                    <p:animEffect transition="in" filter="checkerboard(across)">
+                                      <p:cBhvr>
+                                        <p:cTn id="13" dur="500"/>
+                                        <p:tgtEl>
+                                          <p:spTgt spid="5">
+                                            <p:txEl>
+                                              <p:pRg st="2" end="2"/>
+                                            </p:txEl>
+                                          </p:spTgt>
+                                        </p:tgtEl>
+                                      </p:cBhvr>
+                                    </p:animEffect>
+                                  </p:childTnLst>
+                                </p:cTn>
+                              </p:par>
+                            </p:childTnLst>
+                          </p:cTn>
+                        </p:par>
+                      </p:childTnLst>
+                    </p:cTn>
+                  </p:par>
+                  <p:par>
+                    <p:cTn id="14" fill="hold">
+                      <p:stCondLst>
+                        <p:cond delay="indefinite"/>
+                      </p:stCondLst>
+                      <p:childTnLst>
+                        <p:par>
+                          <p:cTn id="15" fill="hold">
+                            <p:stCondLst>
+                              <p:cond delay="0"/>
+                            </p:stCondLst>
+                            <p:childTnLst>
+                              <p:par>
+                                <p:cTn id="16" presetID="5" presetClass="entr" presetSubtype="10" fill="hold" nodeType="clickEffect">
+                                  <p:stCondLst>
+                                    <p:cond delay="0"/>
+                                  </p:stCondLst>
+                                  <p:childTnLst>
+                                    <p:set>
+                                      <p:cBhvr>
+                                        <p:cTn id="17" dur="1" fill="hold">
+                                          <p:stCondLst>
+                                            <p:cond delay="0"/>
+                                          </p:stCondLst>
+                                        </p:cTn>
+                                        <p:tgtEl>
+                                          <p:spTgt spid="10"/>
+                                        </p:tgtEl>
+                                        <p:attrNameLst>
+                                          <p:attrName>style.visibility</p:attrName>
+                                        </p:attrNameLst>
+                                      </p:cBhvr>
+                                      <p:to>
+                                        <p:strVal val="visible"/>
+                                      </p:to>
+                                    </p:set>
+                                    <p:animEffect transition="in" filter="checkerboard(across)">
+                                      <p:cBhvr>
+                                        <p:cTn id="18" dur="500"/>
+                                        <p:tgtEl>
+                                          <p:spTgt spid="10"/>
+                                        </p:tgtEl>
+                                      </p:cBhvr>
+                                    </p:animEffect>
+                                  </p:childTnLst>
+                                </p:cTn>
+                              </p:par>
+                            </p:childTnLst>
+                          </p:cTn>
+                        </p:par>
+                      </p:childTnLst>
+                    </p:cTn>
+                  </p:par>
+                  <p:par>
+                    <p:cTn id="19" fill="hold">
+                      <p:stCondLst>
+                        <p:cond delay="indefinite"/>
+                      </p:stCondLst>
+                      <p:childTnLst>
+                        <p:par>
+                          <p:cTn id="20" fill="hold">
+                            <p:stCondLst>
+                              <p:cond delay="0"/>
+                            </p:stCondLst>
+                            <p:childTnLst>
+                              <p:par>
+                                <p:cTn id="21" presetID="5" presetClass="entr" presetSubtype="10" fill="hold" nodeType="clickEffect">
+                                  <p:stCondLst>
+                                    <p:cond delay="0"/>
+                                  </p:stCondLst>
+                                  <p:childTnLst>
+                                    <p:set>
+                                      <p:cBhvr>
+                                        <p:cTn id="22" dur="1" fill="hold">
+                                          <p:stCondLst>
+                                            <p:cond delay="0"/>
+                                          </p:stCondLst>
+                                        </p:cTn>
+                                        <p:tgtEl>
+                                          <p:spTgt spid="5">
+                                            <p:txEl>
+                                              <p:pRg st="4" end="4"/>
+                                            </p:txEl>
+                                          </p:spTgt>
+                                        </p:tgtEl>
+                                        <p:attrNameLst>
+                                          <p:attrName>style.visibility</p:attrName>
+                                        </p:attrNameLst>
+                                      </p:cBhvr>
+                                      <p:to>
+                                        <p:strVal val="visible"/>
+                                      </p:to>
+                                    </p:set>
+                                    <p:animEffect transition="in" filter="checkerboard(across)">
+                                      <p:cBhvr>
+                                        <p:cTn id="23" dur="500"/>
+                                        <p:tgtEl>
+                                          <p:spTgt spid="5">
+                                            <p:txEl>
+                                              <p:pRg st="4" end="4"/>
+                                            </p:txEl>
+                                          </p:spTgt>
+                                        </p:tgtEl>
+                                      </p:cBhvr>
+                                    </p:animEffect>
+                                  </p:childTnLst>
+                                </p:cTn>
+                              </p:par>
+                            </p:childTnLst>
+                          </p:cTn>
+                        </p:par>
+                      </p:childTnLst>
+                    </p:cTn>
+                  </p:par>
+                  <p:par>
+                    <p:cTn id="24" fill="hold">
+                      <p:stCondLst>
+                        <p:cond delay="indefinite"/>
+                      </p:stCondLst>
+                      <p:childTnLst>
+                        <p:par>
+                          <p:cTn id="25" fill="hold">
+                            <p:stCondLst>
+                              <p:cond delay="0"/>
+                            </p:stCondLst>
+                            <p:childTnLst>
+                              <p:par>
+                                <p:cTn id="26" presetID="5" presetClass="entr" presetSubtype="10" fill="hold" nodeType="clickEffect">
+                                  <p:stCondLst>
+                                    <p:cond delay="0"/>
+                                  </p:stCondLst>
+                                  <p:childTnLst>
+                                    <p:set>
+                                      <p:cBhvr>
+                                        <p:cTn id="27" dur="1" fill="hold">
+                                          <p:stCondLst>
+                                            <p:cond delay="0"/>
+                                          </p:stCondLst>
+                                        </p:cTn>
+                                        <p:tgtEl>
+                                          <p:spTgt spid="12"/>
+                                        </p:tgtEl>
+                                        <p:attrNameLst>
+                                          <p:attrName>style.visibility</p:attrName>
+                                        </p:attrNameLst>
+                                      </p:cBhvr>
+                                      <p:to>
+                                        <p:strVal val="visible"/>
+                                      </p:to>
+                                    </p:set>
+                                    <p:animEffect transition="in" filter="checkerboard(across)">
+                                      <p:cBhvr>
+                                        <p:cTn id="28" dur="500"/>
+                                        <p:tgtEl>
+                                          <p:spTgt spid="12"/>
+                                        </p:tgtEl>
+                                      </p:cBhvr>
+                                    </p:animEffect>
+                                  </p:childTnLst>
+                                </p:cTn>
+                              </p:par>
+                            </p:childTnLst>
+                          </p:cTn>
+                        </p:par>
+                      </p:childTnLst>
+                    </p:cTn>
+                  </p:par>
+                  <p:par>
+                    <p:cTn id="29" fill="hold">
+                      <p:stCondLst>
+                        <p:cond delay="indefinite"/>
+                      </p:stCondLst>
+                      <p:childTnLst>
+                        <p:par>
+                          <p:cTn id="30" fill="hold">
+                            <p:stCondLst>
+                              <p:cond delay="0"/>
+                            </p:stCondLst>
+                            <p:childTnLst>
+                              <p:par>
+                                <p:cTn id="31" presetID="5" presetClass="entr" presetSubtype="10" fill="hold" nodeType="clickEffect">
+                                  <p:stCondLst>
+                                    <p:cond delay="0"/>
+                                  </p:stCondLst>
+                                  <p:childTnLst>
+                                    <p:set>
+                                      <p:cBhvr>
+                                        <p:cTn id="32" dur="1" fill="hold">
+                                          <p:stCondLst>
+                                            <p:cond delay="0"/>
+                                          </p:stCondLst>
+                                        </p:cTn>
+                                        <p:tgtEl>
+                                          <p:spTgt spid="5">
+                                            <p:txEl>
+                                              <p:pRg st="7" end="7"/>
+                                            </p:txEl>
+                                          </p:spTgt>
+                                        </p:tgtEl>
+                                        <p:attrNameLst>
+                                          <p:attrName>style.visibility</p:attrName>
+                                        </p:attrNameLst>
+                                      </p:cBhvr>
+                                      <p:to>
+                                        <p:strVal val="visible"/>
+                                      </p:to>
+                                    </p:set>
+                                    <p:animEffect transition="in" filter="checkerboard(across)">
+                                      <p:cBhvr>
+                                        <p:cTn id="33" dur="500"/>
+                                        <p:tgtEl>
+                                          <p:spTgt spid="5">
+                                            <p:txEl>
+                                              <p:pRg st="7" end="7"/>
+                                            </p:txEl>
+                                          </p:spTgt>
+                                        </p:tgtEl>
+                                      </p:cBhvr>
+                                    </p:animEffect>
+                                  </p:childTnLst>
+                                </p:cTn>
+                              </p:par>
+                            </p:childTnLst>
+                          </p:cTn>
+                        </p:par>
+                      </p:childTnLst>
+                    </p:cTn>
+                  </p:par>
+                  <p:par>
+                    <p:cTn id="34" fill="hold">
+                      <p:stCondLst>
+                        <p:cond delay="indefinite"/>
+                      </p:stCondLst>
+                      <p:childTnLst>
+                        <p:par>
+                          <p:cTn id="35" fill="hold">
+                            <p:stCondLst>
+                              <p:cond delay="0"/>
+                            </p:stCondLst>
+                            <p:childTnLst>
+                              <p:par>
+                                <p:cTn id="36" presetID="5" presetClass="entr" presetSubtype="10" fill="hold" nodeType="clickEffect">
+                                  <p:stCondLst>
+                                    <p:cond delay="0"/>
+                                  </p:stCondLst>
+                                  <p:childTnLst>
+                                    <p:set>
+                                      <p:cBhvr>
+                                        <p:cTn id="37" dur="1" fill="hold">
+                                          <p:stCondLst>
+                                            <p:cond delay="0"/>
+                                          </p:stCondLst>
+                                        </p:cTn>
+                                        <p:tgtEl>
+                                          <p:spTgt spid="14"/>
+                                        </p:tgtEl>
+                                        <p:attrNameLst>
+                                          <p:attrName>style.visibility</p:attrName>
+                                        </p:attrNameLst>
+                                      </p:cBhvr>
+                                      <p:to>
+                                        <p:strVal val="visible"/>
+                                      </p:to>
+                                    </p:set>
+                                    <p:animEffect transition="in" filter="checkerboard(across)">
+                                      <p:cBhvr>
+                                        <p:cTn id="38" dur="500"/>
+                                        <p:tgtEl>
+                                          <p:spTgt spid="14"/>
+                                        </p:tgtEl>
+                                      </p:cBhvr>
+                                    </p:animEffect>
+                                  </p:childTnLst>
+                                </p:cTn>
+                              </p:par>
+                            </p:childTnLst>
+                          </p:cTn>
+                        </p:par>
+                      </p:childTnLst>
+                    </p:cTn>
+                  </p:par>
+                </p:childTnLst>
+              </p:cTn>
+              <p:prevCondLst>
+                <p:cond evt="onPrev" delay="0">
+                  <p:tgtEl>
+                    <p:sldTgt/>
+                  </p:tgtEl>
+                </p:cond>
+              </p:prevCondLst>
+              <p:nextCondLst>
+                <p:cond evt="onNext" delay="0">
+                  <p:tgtEl>
+                    <p:sldTgt/>
+                  </p:tgtEl>
+                </p:cond>
+              </p:nextCondLst>
+            </p:seq>
+          </p:childTnLst>
+        </p:cTn>
+      </p:par>
+    </p:tnLst>
+  </p:timing>
 </p:sld>
 </file>
 
@@ -6165,62 +8663,6 @@
               <a:rPr lang="en-US" altLang="zh-CN" sz="4000" dirty="0"/>
               <a:t>Dynamically Fused Graph Network </a:t>
             </a:r>
-          </a:p>
-        </p:txBody>
-      </p:sp>
-      <p:sp>
-        <p:nvSpPr>
-          <p:cNvPr id="4" name="文本框 3">
-            <a:extLst>
-              <a:ext uri="{FF2B5EF4-FFF2-40B4-BE49-F238E27FC236}">
-                <a16:creationId xmlns:a16="http://schemas.microsoft.com/office/drawing/2014/main" id="{BAB2B972-B7A3-9A48-919C-F2A21D1FE180}"/>
-              </a:ext>
-            </a:extLst>
-          </p:cNvPr>
-          <p:cNvSpPr txBox="1"/>
-          <p:nvPr/>
-        </p:nvSpPr>
-        <p:spPr>
-          <a:xfrm>
-            <a:off x="3805882" y="6488438"/>
-            <a:ext cx="9141338" cy="307777"/>
-          </a:xfrm>
-          <a:prstGeom prst="rect">
-            <a:avLst/>
-          </a:prstGeom>
-          <a:noFill/>
-        </p:spPr>
-        <p:txBody>
-          <a:bodyPr wrap="square" rtlCol="0">
-            <a:spAutoFit/>
-          </a:bodyPr>
-          <a:lstStyle/>
-          <a:p>
-            <a:r>
-              <a:rPr lang="en-US" altLang="zh-CN" sz="1400" dirty="0" err="1"/>
-              <a:t>Akari</a:t>
-            </a:r>
-            <a:r>
-              <a:rPr lang="en-US" altLang="zh-CN" sz="1400" dirty="0"/>
-              <a:t> </a:t>
-            </a:r>
-            <a:r>
-              <a:rPr lang="en-US" altLang="zh-CN" sz="1400" dirty="0" err="1"/>
-              <a:t>Asai</a:t>
-            </a:r>
-            <a:r>
-              <a:rPr kumimoji="1" lang="en-US" altLang="zh-CN" sz="1400" dirty="0"/>
-              <a:t>., et al.</a:t>
-            </a:r>
-            <a:r>
-              <a:rPr lang="en-US" altLang="zh-CN" sz="1400" dirty="0"/>
-              <a:t> Learning to Retrieve Reasoning Paths over Wikipedia Graph for Question Answering</a:t>
-            </a:r>
-            <a:r>
-              <a:rPr kumimoji="1" lang="en-US" altLang="zh-CN" sz="1400" dirty="0"/>
-              <a:t>.  2020</a:t>
-            </a:r>
-            <a:endParaRPr kumimoji="1" lang="zh-CN" altLang="en-US" sz="1400" dirty="0"/>
           </a:p>
         </p:txBody>
       </p:sp>
@@ -6705,6 +9147,145 @@
   <p:clrMapOvr>
     <a:masterClrMapping/>
   </p:clrMapOvr>
+  <p:timing>
+    <p:tnLst>
+      <p:par>
+        <p:cTn id="1" dur="indefinite" restart="never" nodeType="tmRoot">
+          <p:childTnLst>
+            <p:seq concurrent="1" nextAc="seek">
+              <p:cTn id="2" dur="indefinite" nodeType="mainSeq">
+                <p:childTnLst>
+                  <p:par>
+                    <p:cTn id="3" fill="hold">
+                      <p:stCondLst>
+                        <p:cond delay="indefinite"/>
+                      </p:stCondLst>
+                      <p:childTnLst>
+                        <p:par>
+                          <p:cTn id="4" fill="hold">
+                            <p:stCondLst>
+                              <p:cond delay="0"/>
+                            </p:stCondLst>
+                            <p:childTnLst>
+                              <p:par>
+                                <p:cTn id="5" presetID="5" presetClass="entr" presetSubtype="10" fill="hold" grpId="0" nodeType="clickEffect">
+                                  <p:stCondLst>
+                                    <p:cond delay="0"/>
+                                  </p:stCondLst>
+                                  <p:childTnLst>
+                                    <p:set>
+                                      <p:cBhvr>
+                                        <p:cTn id="6" dur="1" fill="hold">
+                                          <p:stCondLst>
+                                            <p:cond delay="0"/>
+                                          </p:stCondLst>
+                                        </p:cTn>
+                                        <p:tgtEl>
+                                          <p:spTgt spid="13"/>
+                                        </p:tgtEl>
+                                        <p:attrNameLst>
+                                          <p:attrName>style.visibility</p:attrName>
+                                        </p:attrNameLst>
+                                      </p:cBhvr>
+                                      <p:to>
+                                        <p:strVal val="visible"/>
+                                      </p:to>
+                                    </p:set>
+                                    <p:animEffect transition="in" filter="checkerboard(across)">
+                                      <p:cBhvr>
+                                        <p:cTn id="7" dur="500"/>
+                                        <p:tgtEl>
+                                          <p:spTgt spid="13"/>
+                                        </p:tgtEl>
+                                      </p:cBhvr>
+                                    </p:animEffect>
+                                  </p:childTnLst>
+                                </p:cTn>
+                              </p:par>
+                            </p:childTnLst>
+                          </p:cTn>
+                        </p:par>
+                      </p:childTnLst>
+                    </p:cTn>
+                  </p:par>
+                  <p:par>
+                    <p:cTn id="8" fill="hold">
+                      <p:stCondLst>
+                        <p:cond delay="indefinite"/>
+                      </p:stCondLst>
+                      <p:childTnLst>
+                        <p:par>
+                          <p:cTn id="9" fill="hold">
+                            <p:stCondLst>
+                              <p:cond delay="0"/>
+                            </p:stCondLst>
+                            <p:childTnLst>
+                              <p:par>
+                                <p:cTn id="10" presetID="5" presetClass="entr" presetSubtype="10" fill="hold" nodeType="clickEffect">
+                                  <p:stCondLst>
+                                    <p:cond delay="0"/>
+                                  </p:stCondLst>
+                                  <p:childTnLst>
+                                    <p:set>
+                                      <p:cBhvr>
+                                        <p:cTn id="11" dur="1" fill="hold">
+                                          <p:stCondLst>
+                                            <p:cond delay="0"/>
+                                          </p:stCondLst>
+                                        </p:cTn>
+                                        <p:tgtEl>
+                                          <p:spTgt spid="8"/>
+                                        </p:tgtEl>
+                                        <p:attrNameLst>
+                                          <p:attrName>style.visibility</p:attrName>
+                                        </p:attrNameLst>
+                                      </p:cBhvr>
+                                      <p:to>
+                                        <p:strVal val="visible"/>
+                                      </p:to>
+                                    </p:set>
+                                    <p:animEffect transition="in" filter="checkerboard(across)">
+                                      <p:cBhvr>
+                                        <p:cTn id="12" dur="500"/>
+                                        <p:tgtEl>
+                                          <p:spTgt spid="8"/>
+                                        </p:tgtEl>
+                                      </p:cBhvr>
+                                    </p:animEffect>
+                                  </p:childTnLst>
+                                </p:cTn>
+                              </p:par>
+                            </p:childTnLst>
+                          </p:cTn>
+                        </p:par>
+                      </p:childTnLst>
+                    </p:cTn>
+                  </p:par>
+                </p:childTnLst>
+              </p:cTn>
+              <p:prevCondLst>
+                <p:cond evt="onPrev" delay="0">
+                  <p:tgtEl>
+                    <p:sldTgt/>
+                  </p:tgtEl>
+                </p:cond>
+              </p:prevCondLst>
+              <p:nextCondLst>
+                <p:cond evt="onNext" delay="0">
+                  <p:tgtEl>
+                    <p:sldTgt/>
+                  </p:tgtEl>
+                </p:cond>
+              </p:nextCondLst>
+            </p:seq>
+          </p:childTnLst>
+        </p:cTn>
+      </p:par>
+    </p:tnLst>
+    <p:bldLst>
+      <p:bldP spid="13" grpId="0"/>
+    </p:bldLst>
+  </p:timing>
 </p:sld>
 </file>
 
@@ -6787,62 +9368,6 @@
               <a:rPr lang="en-US" altLang="zh-CN" sz="4000" dirty="0"/>
               <a:t>Dynamically Fused Graph Network </a:t>
             </a:r>
-          </a:p>
-        </p:txBody>
-      </p:sp>
-      <p:sp>
-        <p:nvSpPr>
-          <p:cNvPr id="4" name="文本框 3">
-            <a:extLst>
-              <a:ext uri="{FF2B5EF4-FFF2-40B4-BE49-F238E27FC236}">
-                <a16:creationId xmlns:a16="http://schemas.microsoft.com/office/drawing/2014/main" id="{BAB2B972-B7A3-9A48-919C-F2A21D1FE180}"/>
-              </a:ext>
-            </a:extLst>
-          </p:cNvPr>
-          <p:cNvSpPr txBox="1"/>
-          <p:nvPr/>
-        </p:nvSpPr>
-        <p:spPr>
-          <a:xfrm>
-            <a:off x="3805882" y="6488438"/>
-            <a:ext cx="9141338" cy="307777"/>
-          </a:xfrm>
-          <a:prstGeom prst="rect">
-            <a:avLst/>
-          </a:prstGeom>
-          <a:noFill/>
-        </p:spPr>
-        <p:txBody>
-          <a:bodyPr wrap="square" rtlCol="0">
-            <a:spAutoFit/>
-          </a:bodyPr>
-          <a:lstStyle/>
-          <a:p>
-            <a:r>
-              <a:rPr lang="en-US" altLang="zh-CN" sz="1400" dirty="0" err="1"/>
-              <a:t>Akari</a:t>
-            </a:r>
-            <a:r>
-              <a:rPr lang="en-US" altLang="zh-CN" sz="1400" dirty="0"/>
-              <a:t> </a:t>
-            </a:r>
-            <a:r>
-              <a:rPr lang="en-US" altLang="zh-CN" sz="1400" dirty="0" err="1"/>
-              <a:t>Asai</a:t>
-            </a:r>
-            <a:r>
-              <a:rPr kumimoji="1" lang="en-US" altLang="zh-CN" sz="1400" dirty="0"/>
-              <a:t>., et al.</a:t>
-            </a:r>
-            <a:r>
-              <a:rPr lang="en-US" altLang="zh-CN" sz="1400" dirty="0"/>
-              <a:t> Learning to Retrieve Reasoning Paths over Wikipedia Graph for Question Answering</a:t>
-            </a:r>
-            <a:r>
-              <a:rPr kumimoji="1" lang="en-US" altLang="zh-CN" sz="1400" dirty="0"/>
-              <a:t>.  2020</a:t>
-            </a:r>
-            <a:endParaRPr kumimoji="1" lang="zh-CN" altLang="en-US" sz="1400" dirty="0"/>
           </a:p>
         </p:txBody>
       </p:sp>
@@ -7326,6 +9851,591 @@
   <p:clrMapOvr>
     <a:masterClrMapping/>
   </p:clrMapOvr>
+  <p:timing>
+    <p:tnLst>
+      <p:par>
+        <p:cTn id="1" dur="indefinite" restart="never" nodeType="tmRoot">
+          <p:childTnLst>
+            <p:seq concurrent="1" nextAc="seek">
+              <p:cTn id="2" dur="indefinite" nodeType="mainSeq">
+                <p:childTnLst>
+                  <p:par>
+                    <p:cTn id="3" fill="hold">
+                      <p:stCondLst>
+                        <p:cond delay="indefinite"/>
+                      </p:stCondLst>
+                      <p:childTnLst>
+                        <p:par>
+                          <p:cTn id="4" fill="hold">
+                            <p:stCondLst>
+                              <p:cond delay="0"/>
+                            </p:stCondLst>
+                            <p:childTnLst>
+                              <p:par>
+                                <p:cTn id="5" presetID="5" presetClass="entr" presetSubtype="10" fill="hold" nodeType="clickEffect">
+                                  <p:stCondLst>
+                                    <p:cond delay="0"/>
+                                  </p:stCondLst>
+                                  <p:childTnLst>
+                                    <p:set>
+                                      <p:cBhvr>
+                                        <p:cTn id="6" dur="1" fill="hold">
+                                          <p:stCondLst>
+                                            <p:cond delay="0"/>
+                                          </p:stCondLst>
+                                        </p:cTn>
+                                        <p:tgtEl>
+                                          <p:spTgt spid="13">
+                                            <p:txEl>
+                                              <p:pRg st="0" end="0"/>
+                                            </p:txEl>
+                                          </p:spTgt>
+                                        </p:tgtEl>
+                                        <p:attrNameLst>
+                                          <p:attrName>style.visibility</p:attrName>
+                                        </p:attrNameLst>
+                                      </p:cBhvr>
+                                      <p:to>
+                                        <p:strVal val="visible"/>
+                                      </p:to>
+                                    </p:set>
+                                    <p:animEffect transition="in" filter="checkerboard(across)">
+                                      <p:cBhvr>
+                                        <p:cTn id="7" dur="500"/>
+                                        <p:tgtEl>
+                                          <p:spTgt spid="13">
+                                            <p:txEl>
+                                              <p:pRg st="0" end="0"/>
+                                            </p:txEl>
+                                          </p:spTgt>
+                                        </p:tgtEl>
+                                      </p:cBhvr>
+                                    </p:animEffect>
+                                  </p:childTnLst>
+                                </p:cTn>
+                              </p:par>
+                            </p:childTnLst>
+                          </p:cTn>
+                        </p:par>
+                      </p:childTnLst>
+                    </p:cTn>
+                  </p:par>
+                  <p:par>
+                    <p:cTn id="8" fill="hold">
+                      <p:stCondLst>
+                        <p:cond delay="indefinite"/>
+                      </p:stCondLst>
+                      <p:childTnLst>
+                        <p:par>
+                          <p:cTn id="9" fill="hold">
+                            <p:stCondLst>
+                              <p:cond delay="0"/>
+                            </p:stCondLst>
+                            <p:childTnLst>
+                              <p:par>
+                                <p:cTn id="10" presetID="5" presetClass="entr" presetSubtype="10" fill="hold" nodeType="clickEffect">
+                                  <p:stCondLst>
+                                    <p:cond delay="0"/>
+                                  </p:stCondLst>
+                                  <p:childTnLst>
+                                    <p:set>
+                                      <p:cBhvr>
+                                        <p:cTn id="11" dur="1" fill="hold">
+                                          <p:stCondLst>
+                                            <p:cond delay="0"/>
+                                          </p:stCondLst>
+                                        </p:cTn>
+                                        <p:tgtEl>
+                                          <p:spTgt spid="5"/>
+                                        </p:tgtEl>
+                                        <p:attrNameLst>
+                                          <p:attrName>style.visibility</p:attrName>
+                                        </p:attrNameLst>
+                                      </p:cBhvr>
+                                      <p:to>
+                                        <p:strVal val="visible"/>
+                                      </p:to>
+                                    </p:set>
+                                    <p:animEffect transition="in" filter="checkerboard(across)">
+                                      <p:cBhvr>
+                                        <p:cTn id="12" dur="500"/>
+                                        <p:tgtEl>
+                                          <p:spTgt spid="5"/>
+                                        </p:tgtEl>
+                                      </p:cBhvr>
+                                    </p:animEffect>
+                                  </p:childTnLst>
+                                </p:cTn>
+                              </p:par>
+                            </p:childTnLst>
+                          </p:cTn>
+                        </p:par>
+                      </p:childTnLst>
+                    </p:cTn>
+                  </p:par>
+                  <p:par>
+                    <p:cTn id="13" fill="hold">
+                      <p:stCondLst>
+                        <p:cond delay="indefinite"/>
+                      </p:stCondLst>
+                      <p:childTnLst>
+                        <p:par>
+                          <p:cTn id="14" fill="hold">
+                            <p:stCondLst>
+                              <p:cond delay="0"/>
+                            </p:stCondLst>
+                            <p:childTnLst>
+                              <p:par>
+                                <p:cTn id="15" presetID="5" presetClass="entr" presetSubtype="10" fill="hold" nodeType="clickEffect">
+                                  <p:stCondLst>
+                                    <p:cond delay="0"/>
+                                  </p:stCondLst>
+                                  <p:childTnLst>
+                                    <p:set>
+                                      <p:cBhvr>
+                                        <p:cTn id="16" dur="1" fill="hold">
+                                          <p:stCondLst>
+                                            <p:cond delay="0"/>
+                                          </p:stCondLst>
+                                        </p:cTn>
+                                        <p:tgtEl>
+                                          <p:spTgt spid="13">
+                                            <p:txEl>
+                                              <p:pRg st="1" end="1"/>
+                                            </p:txEl>
+                                          </p:spTgt>
+                                        </p:tgtEl>
+                                        <p:attrNameLst>
+                                          <p:attrName>style.visibility</p:attrName>
+                                        </p:attrNameLst>
+                                      </p:cBhvr>
+                                      <p:to>
+                                        <p:strVal val="visible"/>
+                                      </p:to>
+                                    </p:set>
+                                    <p:animEffect transition="in" filter="checkerboard(across)">
+                                      <p:cBhvr>
+                                        <p:cTn id="17" dur="500"/>
+                                        <p:tgtEl>
+                                          <p:spTgt spid="13">
+                                            <p:txEl>
+                                              <p:pRg st="1" end="1"/>
+                                            </p:txEl>
+                                          </p:spTgt>
+                                        </p:tgtEl>
+                                      </p:cBhvr>
+                                    </p:animEffect>
+                                  </p:childTnLst>
+                                </p:cTn>
+                              </p:par>
+                              <p:par>
+                                <p:cTn id="18" presetID="5" presetClass="entr" presetSubtype="10" fill="hold" nodeType="withEffect">
+                                  <p:stCondLst>
+                                    <p:cond delay="0"/>
+                                  </p:stCondLst>
+                                  <p:childTnLst>
+                                    <p:set>
+                                      <p:cBhvr>
+                                        <p:cTn id="19" dur="1" fill="hold">
+                                          <p:stCondLst>
+                                            <p:cond delay="0"/>
+                                          </p:stCondLst>
+                                        </p:cTn>
+                                        <p:tgtEl>
+                                          <p:spTgt spid="13">
+                                            <p:txEl>
+                                              <p:pRg st="2" end="2"/>
+                                            </p:txEl>
+                                          </p:spTgt>
+                                        </p:tgtEl>
+                                        <p:attrNameLst>
+                                          <p:attrName>style.visibility</p:attrName>
+                                        </p:attrNameLst>
+                                      </p:cBhvr>
+                                      <p:to>
+                                        <p:strVal val="visible"/>
+                                      </p:to>
+                                    </p:set>
+                                    <p:animEffect transition="in" filter="checkerboard(across)">
+                                      <p:cBhvr>
+                                        <p:cTn id="20" dur="500"/>
+                                        <p:tgtEl>
+                                          <p:spTgt spid="13">
+                                            <p:txEl>
+                                              <p:pRg st="2" end="2"/>
+                                            </p:txEl>
+                                          </p:spTgt>
+                                        </p:tgtEl>
+                                      </p:cBhvr>
+                                    </p:animEffect>
+                                  </p:childTnLst>
+                                </p:cTn>
+                              </p:par>
+                              <p:par>
+                                <p:cTn id="21" presetID="5" presetClass="entr" presetSubtype="10" fill="hold" nodeType="withEffect">
+                                  <p:stCondLst>
+                                    <p:cond delay="0"/>
+                                  </p:stCondLst>
+                                  <p:childTnLst>
+                                    <p:set>
+                                      <p:cBhvr>
+                                        <p:cTn id="22" dur="1" fill="hold">
+                                          <p:stCondLst>
+                                            <p:cond delay="0"/>
+                                          </p:stCondLst>
+                                        </p:cTn>
+                                        <p:tgtEl>
+                                          <p:spTgt spid="13">
+                                            <p:txEl>
+                                              <p:pRg st="3" end="3"/>
+                                            </p:txEl>
+                                          </p:spTgt>
+                                        </p:tgtEl>
+                                        <p:attrNameLst>
+                                          <p:attrName>style.visibility</p:attrName>
+                                        </p:attrNameLst>
+                                      </p:cBhvr>
+                                      <p:to>
+                                        <p:strVal val="visible"/>
+                                      </p:to>
+                                    </p:set>
+                                    <p:animEffect transition="in" filter="checkerboard(across)">
+                                      <p:cBhvr>
+                                        <p:cTn id="23" dur="500"/>
+                                        <p:tgtEl>
+                                          <p:spTgt spid="13">
+                                            <p:txEl>
+                                              <p:pRg st="3" end="3"/>
+                                            </p:txEl>
+                                          </p:spTgt>
+                                        </p:tgtEl>
+                                      </p:cBhvr>
+                                    </p:animEffect>
+                                  </p:childTnLst>
+                                </p:cTn>
+                              </p:par>
+                              <p:par>
+                                <p:cTn id="24" presetID="5" presetClass="entr" presetSubtype="10" fill="hold" nodeType="withEffect">
+                                  <p:stCondLst>
+                                    <p:cond delay="0"/>
+                                  </p:stCondLst>
+                                  <p:childTnLst>
+                                    <p:set>
+                                      <p:cBhvr>
+                                        <p:cTn id="25" dur="1" fill="hold">
+                                          <p:stCondLst>
+                                            <p:cond delay="0"/>
+                                          </p:stCondLst>
+                                        </p:cTn>
+                                        <p:tgtEl>
+                                          <p:spTgt spid="13">
+                                            <p:txEl>
+                                              <p:pRg st="4" end="4"/>
+                                            </p:txEl>
+                                          </p:spTgt>
+                                        </p:tgtEl>
+                                        <p:attrNameLst>
+                                          <p:attrName>style.visibility</p:attrName>
+                                        </p:attrNameLst>
+                                      </p:cBhvr>
+                                      <p:to>
+                                        <p:strVal val="visible"/>
+                                      </p:to>
+                                    </p:set>
+                                    <p:animEffect transition="in" filter="checkerboard(across)">
+                                      <p:cBhvr>
+                                        <p:cTn id="26" dur="500"/>
+                                        <p:tgtEl>
+                                          <p:spTgt spid="13">
+                                            <p:txEl>
+                                              <p:pRg st="4" end="4"/>
+                                            </p:txEl>
+                                          </p:spTgt>
+                                        </p:tgtEl>
+                                      </p:cBhvr>
+                                    </p:animEffect>
+                                  </p:childTnLst>
+                                </p:cTn>
+                              </p:par>
+                            </p:childTnLst>
+                          </p:cTn>
+                        </p:par>
+                      </p:childTnLst>
+                    </p:cTn>
+                  </p:par>
+                  <p:par>
+                    <p:cTn id="27" fill="hold">
+                      <p:stCondLst>
+                        <p:cond delay="indefinite"/>
+                      </p:stCondLst>
+                      <p:childTnLst>
+                        <p:par>
+                          <p:cTn id="28" fill="hold">
+                            <p:stCondLst>
+                              <p:cond delay="0"/>
+                            </p:stCondLst>
+                            <p:childTnLst>
+                              <p:par>
+                                <p:cTn id="29" presetID="5" presetClass="entr" presetSubtype="10" fill="hold" nodeType="clickEffect">
+                                  <p:stCondLst>
+                                    <p:cond delay="0"/>
+                                  </p:stCondLst>
+                                  <p:childTnLst>
+                                    <p:set>
+                                      <p:cBhvr>
+                                        <p:cTn id="30" dur="1" fill="hold">
+                                          <p:stCondLst>
+                                            <p:cond delay="0"/>
+                                          </p:stCondLst>
+                                        </p:cTn>
+                                        <p:tgtEl>
+                                          <p:spTgt spid="13">
+                                            <p:txEl>
+                                              <p:pRg st="5" end="5"/>
+                                            </p:txEl>
+                                          </p:spTgt>
+                                        </p:tgtEl>
+                                        <p:attrNameLst>
+                                          <p:attrName>style.visibility</p:attrName>
+                                        </p:attrNameLst>
+                                      </p:cBhvr>
+                                      <p:to>
+                                        <p:strVal val="visible"/>
+                                      </p:to>
+                                    </p:set>
+                                    <p:animEffect transition="in" filter="checkerboard(across)">
+                                      <p:cBhvr>
+                                        <p:cTn id="31" dur="500"/>
+                                        <p:tgtEl>
+                                          <p:spTgt spid="13">
+                                            <p:txEl>
+                                              <p:pRg st="5" end="5"/>
+                                            </p:txEl>
+                                          </p:spTgt>
+                                        </p:tgtEl>
+                                      </p:cBhvr>
+                                    </p:animEffect>
+                                  </p:childTnLst>
+                                </p:cTn>
+                              </p:par>
+                              <p:par>
+                                <p:cTn id="32" presetID="5" presetClass="entr" presetSubtype="10" fill="hold" nodeType="withEffect">
+                                  <p:stCondLst>
+                                    <p:cond delay="0"/>
+                                  </p:stCondLst>
+                                  <p:childTnLst>
+                                    <p:set>
+                                      <p:cBhvr>
+                                        <p:cTn id="33" dur="1" fill="hold">
+                                          <p:stCondLst>
+                                            <p:cond delay="0"/>
+                                          </p:stCondLst>
+                                        </p:cTn>
+                                        <p:tgtEl>
+                                          <p:spTgt spid="13">
+                                            <p:txEl>
+                                              <p:pRg st="6" end="6"/>
+                                            </p:txEl>
+                                          </p:spTgt>
+                                        </p:tgtEl>
+                                        <p:attrNameLst>
+                                          <p:attrName>style.visibility</p:attrName>
+                                        </p:attrNameLst>
+                                      </p:cBhvr>
+                                      <p:to>
+                                        <p:strVal val="visible"/>
+                                      </p:to>
+                                    </p:set>
+                                    <p:animEffect transition="in" filter="checkerboard(across)">
+                                      <p:cBhvr>
+                                        <p:cTn id="34" dur="500"/>
+                                        <p:tgtEl>
+                                          <p:spTgt spid="13">
+                                            <p:txEl>
+                                              <p:pRg st="6" end="6"/>
+                                            </p:txEl>
+                                          </p:spTgt>
+                                        </p:tgtEl>
+                                      </p:cBhvr>
+                                    </p:animEffect>
+                                  </p:childTnLst>
+                                </p:cTn>
+                              </p:par>
+                              <p:par>
+                                <p:cTn id="35" presetID="5" presetClass="entr" presetSubtype="10" fill="hold" nodeType="withEffect">
+                                  <p:stCondLst>
+                                    <p:cond delay="0"/>
+                                  </p:stCondLst>
+                                  <p:childTnLst>
+                                    <p:set>
+                                      <p:cBhvr>
+                                        <p:cTn id="36" dur="1" fill="hold">
+                                          <p:stCondLst>
+                                            <p:cond delay="0"/>
+                                          </p:stCondLst>
+                                        </p:cTn>
+                                        <p:tgtEl>
+                                          <p:spTgt spid="13">
+                                            <p:txEl>
+                                              <p:pRg st="7" end="7"/>
+                                            </p:txEl>
+                                          </p:spTgt>
+                                        </p:tgtEl>
+                                        <p:attrNameLst>
+                                          <p:attrName>style.visibility</p:attrName>
+                                        </p:attrNameLst>
+                                      </p:cBhvr>
+                                      <p:to>
+                                        <p:strVal val="visible"/>
+                                      </p:to>
+                                    </p:set>
+                                    <p:animEffect transition="in" filter="checkerboard(across)">
+                                      <p:cBhvr>
+                                        <p:cTn id="37" dur="500"/>
+                                        <p:tgtEl>
+                                          <p:spTgt spid="13">
+                                            <p:txEl>
+                                              <p:pRg st="7" end="7"/>
+                                            </p:txEl>
+                                          </p:spTgt>
+                                        </p:tgtEl>
+                                      </p:cBhvr>
+                                    </p:animEffect>
+                                  </p:childTnLst>
+                                </p:cTn>
+                              </p:par>
+                              <p:par>
+                                <p:cTn id="38" presetID="5" presetClass="entr" presetSubtype="10" fill="hold" nodeType="withEffect">
+                                  <p:stCondLst>
+                                    <p:cond delay="0"/>
+                                  </p:stCondLst>
+                                  <p:childTnLst>
+                                    <p:set>
+                                      <p:cBhvr>
+                                        <p:cTn id="39" dur="1" fill="hold">
+                                          <p:stCondLst>
+                                            <p:cond delay="0"/>
+                                          </p:stCondLst>
+                                        </p:cTn>
+                                        <p:tgtEl>
+                                          <p:spTgt spid="13">
+                                            <p:txEl>
+                                              <p:pRg st="8" end="8"/>
+                                            </p:txEl>
+                                          </p:spTgt>
+                                        </p:tgtEl>
+                                        <p:attrNameLst>
+                                          <p:attrName>style.visibility</p:attrName>
+                                        </p:attrNameLst>
+                                      </p:cBhvr>
+                                      <p:to>
+                                        <p:strVal val="visible"/>
+                                      </p:to>
+                                    </p:set>
+                                    <p:animEffect transition="in" filter="checkerboard(across)">
+                                      <p:cBhvr>
+                                        <p:cTn id="40" dur="500"/>
+                                        <p:tgtEl>
+                                          <p:spTgt spid="13">
+                                            <p:txEl>
+                                              <p:pRg st="8" end="8"/>
+                                            </p:txEl>
+                                          </p:spTgt>
+                                        </p:tgtEl>
+                                      </p:cBhvr>
+                                    </p:animEffect>
+                                  </p:childTnLst>
+                                </p:cTn>
+                              </p:par>
+                            </p:childTnLst>
+                          </p:cTn>
+                        </p:par>
+                      </p:childTnLst>
+                    </p:cTn>
+                  </p:par>
+                  <p:par>
+                    <p:cTn id="41" fill="hold">
+                      <p:stCondLst>
+                        <p:cond delay="indefinite"/>
+                      </p:stCondLst>
+                      <p:childTnLst>
+                        <p:par>
+                          <p:cTn id="42" fill="hold">
+                            <p:stCondLst>
+                              <p:cond delay="0"/>
+                            </p:stCondLst>
+                            <p:childTnLst>
+                              <p:par>
+                                <p:cTn id="43" presetID="5" presetClass="entr" presetSubtype="10" fill="hold" nodeType="clickEffect">
+                                  <p:stCondLst>
+                                    <p:cond delay="0"/>
+                                  </p:stCondLst>
+                                  <p:childTnLst>
+                                    <p:set>
+                                      <p:cBhvr>
+                                        <p:cTn id="44" dur="1" fill="hold">
+                                          <p:stCondLst>
+                                            <p:cond delay="0"/>
+                                          </p:stCondLst>
+                                        </p:cTn>
+                                        <p:tgtEl>
+                                          <p:spTgt spid="13">
+                                            <p:txEl>
+                                              <p:pRg st="9" end="9"/>
+                                            </p:txEl>
+                                          </p:spTgt>
+                                        </p:tgtEl>
+                                        <p:attrNameLst>
+                                          <p:attrName>style.visibility</p:attrName>
+                                        </p:attrNameLst>
+                                      </p:cBhvr>
+                                      <p:to>
+                                        <p:strVal val="visible"/>
+                                      </p:to>
+                                    </p:set>
+                                    <p:animEffect transition="in" filter="checkerboard(across)">
+                                      <p:cBhvr>
+                                        <p:cTn id="45" dur="500"/>
+                                        <p:tgtEl>
+                                          <p:spTgt spid="13">
+                                            <p:txEl>
+                                              <p:pRg st="9" end="9"/>
+                                            </p:txEl>
+                                          </p:spTgt>
+                                        </p:tgtEl>
+                                      </p:cBhvr>
+                                    </p:animEffect>
+                                  </p:childTnLst>
+                                </p:cTn>
+                              </p:par>
+                            </p:childTnLst>
+                          </p:cTn>
+                        </p:par>
+                      </p:childTnLst>
+                    </p:cTn>
+                  </p:par>
+                </p:childTnLst>
+              </p:cTn>
+              <p:prevCondLst>
+                <p:cond evt="onPrev" delay="0">
+                  <p:tgtEl>
+                    <p:sldTgt/>
+                  </p:tgtEl>
+                </p:cond>
+              </p:prevCondLst>
+              <p:nextCondLst>
+                <p:cond evt="onNext" delay="0">
+                  <p:tgtEl>
+                    <p:sldTgt/>
+                  </p:tgtEl>
+                </p:cond>
+              </p:nextCondLst>
+            </p:seq>
+          </p:childTnLst>
+        </p:cTn>
+      </p:par>
+    </p:tnLst>
+  </p:timing>
 </p:sld>
 </file>
 
@@ -7491,45 +10601,15 @@
               <a:rPr kumimoji="1" lang="en-US" altLang="zh-CN" dirty="0" err="1"/>
               <a:t>HotpotQA</a:t>
             </a:r>
+            <a:endParaRPr kumimoji="1" lang="en-US" altLang="zh-CN" dirty="0"/>
+          </a:p>
+          <a:p>
+            <a:pPr lvl="1"/>
             <a:r>
               <a:rPr kumimoji="1" lang="en-US" altLang="zh-CN" dirty="0"/>
-              <a:t>: </a:t>
-            </a:r>
-            <a:r>
-              <a:rPr kumimoji="1" lang="en-US" altLang="zh-CN" dirty="0" err="1"/>
-              <a:t>CogQA</a:t>
-            </a:r>
-            <a:r>
-              <a:rPr kumimoji="1" lang="en-US" altLang="zh-CN" dirty="0"/>
-              <a:t>, Transformer-XH</a:t>
-            </a:r>
-          </a:p>
-          <a:p>
-            <a:pPr lvl="1"/>
-            <a:r>
-              <a:rPr kumimoji="1" lang="en-US" altLang="zh-CN" dirty="0"/>
-              <a:t>DROP: </a:t>
-            </a:r>
-            <a:r>
-              <a:rPr kumimoji="1" lang="en-US" altLang="zh-CN" dirty="0" err="1"/>
-              <a:t>NumNet</a:t>
-            </a:r>
-            <a:r>
-              <a:rPr kumimoji="1" lang="en-US" altLang="zh-CN" dirty="0"/>
-              <a:t>, </a:t>
-            </a:r>
-            <a:r>
-              <a:rPr kumimoji="1" lang="en-US" altLang="zh-CN" dirty="0" err="1"/>
-              <a:t>ReNd</a:t>
-            </a:r>
-            <a:r>
-              <a:rPr kumimoji="1" lang="en-US" altLang="zh-CN" dirty="0"/>
-              <a:t>, extended </a:t>
-            </a:r>
-            <a:r>
-              <a:rPr lang="en-US" altLang="zh-CN" dirty="0"/>
-              <a:t>NMN</a:t>
-            </a:r>
+              <a:t>DROP</a:t>
+            </a:r>
+            <a:endParaRPr lang="en-US" altLang="zh-CN" dirty="0"/>
           </a:p>
           <a:p>
             <a:pPr lvl="1"/>
@@ -7543,7 +10623,7 @@
             <a:pPr lvl="1"/>
             <a:r>
               <a:rPr kumimoji="1" lang="en-US" altLang="zh-CN" dirty="0"/>
-              <a:t>CLUTRR: predict the relative relationship</a:t>
+              <a:t>CLUTRR</a:t>
             </a:r>
           </a:p>
         </p:txBody>
@@ -7558,6 +10638,376 @@
   <p:clrMapOvr>
     <a:masterClrMapping/>
   </p:clrMapOvr>
+  <p:timing>
+    <p:tnLst>
+      <p:par>
+        <p:cTn id="1" dur="indefinite" restart="never" nodeType="tmRoot">
+          <p:childTnLst>
+            <p:seq concurrent="1" nextAc="seek">
+              <p:cTn id="2" dur="indefinite" nodeType="mainSeq">
+                <p:childTnLst>
+                  <p:par>
+                    <p:cTn id="3" fill="hold">
+                      <p:stCondLst>
+                        <p:cond delay="indefinite"/>
+                      </p:stCondLst>
+                      <p:childTnLst>
+                        <p:par>
+                          <p:cTn id="4" fill="hold">
+                            <p:stCondLst>
+                              <p:cond delay="0"/>
+                            </p:stCondLst>
+                            <p:childTnLst>
+                              <p:par>
+                                <p:cTn id="5" presetID="5" presetClass="entr" presetSubtype="10" fill="hold" grpId="0" nodeType="clickEffect">
+                                  <p:stCondLst>
+                                    <p:cond delay="0"/>
+                                  </p:stCondLst>
+                                  <p:childTnLst>
+                                    <p:set>
+                                      <p:cBhvr>
+                                        <p:cTn id="6" dur="1" fill="hold">
+                                          <p:stCondLst>
+                                            <p:cond delay="0"/>
+                                          </p:stCondLst>
+                                        </p:cTn>
+                                        <p:tgtEl>
+                                          <p:spTgt spid="3">
+                                            <p:txEl>
+                                              <p:pRg st="0" end="0"/>
+                                            </p:txEl>
+                                          </p:spTgt>
+                                        </p:tgtEl>
+                                        <p:attrNameLst>
+                                          <p:attrName>style.visibility</p:attrName>
+                                        </p:attrNameLst>
+                                      </p:cBhvr>
+                                      <p:to>
+                                        <p:strVal val="visible"/>
+                                      </p:to>
+                                    </p:set>
+                                    <p:animEffect transition="in" filter="checkerboard(across)">
+                                      <p:cBhvr>
+                                        <p:cTn id="7" dur="500"/>
+                                        <p:tgtEl>
+                                          <p:spTgt spid="3">
+                                            <p:txEl>
+                                              <p:pRg st="0" end="0"/>
+                                            </p:txEl>
+                                          </p:spTgt>
+                                        </p:tgtEl>
+                                      </p:cBhvr>
+                                    </p:animEffect>
+                                  </p:childTnLst>
+                                </p:cTn>
+                              </p:par>
+                              <p:par>
+                                <p:cTn id="8" presetID="5" presetClass="entr" presetSubtype="10" fill="hold" grpId="0" nodeType="withEffect">
+                                  <p:stCondLst>
+                                    <p:cond delay="0"/>
+                                  </p:stCondLst>
+                                  <p:childTnLst>
+                                    <p:set>
+                                      <p:cBhvr>
+                                        <p:cTn id="9" dur="1" fill="hold">
+                                          <p:stCondLst>
+                                            <p:cond delay="0"/>
+                                          </p:stCondLst>
+                                        </p:cTn>
+                                        <p:tgtEl>
+                                          <p:spTgt spid="3">
+                                            <p:txEl>
+                                              <p:pRg st="1" end="1"/>
+                                            </p:txEl>
+                                          </p:spTgt>
+                                        </p:tgtEl>
+                                        <p:attrNameLst>
+                                          <p:attrName>style.visibility</p:attrName>
+                                        </p:attrNameLst>
+                                      </p:cBhvr>
+                                      <p:to>
+                                        <p:strVal val="visible"/>
+                                      </p:to>
+                                    </p:set>
+                                    <p:animEffect transition="in" filter="checkerboard(across)">
+                                      <p:cBhvr>
+                                        <p:cTn id="10" dur="500"/>
+                                        <p:tgtEl>
+                                          <p:spTgt spid="3">
+                                            <p:txEl>
+                                              <p:pRg st="1" end="1"/>
+                                            </p:txEl>
+                                          </p:spTgt>
+                                        </p:tgtEl>
+                                      </p:cBhvr>
+                                    </p:animEffect>
+                                  </p:childTnLst>
+                                </p:cTn>
+                              </p:par>
+                            </p:childTnLst>
+                          </p:cTn>
+                        </p:par>
+                      </p:childTnLst>
+                    </p:cTn>
+                  </p:par>
+                  <p:par>
+                    <p:cTn id="11" fill="hold">
+                      <p:stCondLst>
+                        <p:cond delay="indefinite"/>
+                      </p:stCondLst>
+                      <p:childTnLst>
+                        <p:par>
+                          <p:cTn id="12" fill="hold">
+                            <p:stCondLst>
+                              <p:cond delay="0"/>
+                            </p:stCondLst>
+                            <p:childTnLst>
+                              <p:par>
+                                <p:cTn id="13" presetID="5" presetClass="entr" presetSubtype="10" fill="hold" grpId="0" nodeType="clickEffect">
+                                  <p:stCondLst>
+                                    <p:cond delay="0"/>
+                                  </p:stCondLst>
+                                  <p:childTnLst>
+                                    <p:set>
+                                      <p:cBhvr>
+                                        <p:cTn id="14" dur="1" fill="hold">
+                                          <p:stCondLst>
+                                            <p:cond delay="0"/>
+                                          </p:stCondLst>
+                                        </p:cTn>
+                                        <p:tgtEl>
+                                          <p:spTgt spid="3">
+                                            <p:txEl>
+                                              <p:pRg st="2" end="2"/>
+                                            </p:txEl>
+                                          </p:spTgt>
+                                        </p:tgtEl>
+                                        <p:attrNameLst>
+                                          <p:attrName>style.visibility</p:attrName>
+                                        </p:attrNameLst>
+                                      </p:cBhvr>
+                                      <p:to>
+                                        <p:strVal val="visible"/>
+                                      </p:to>
+                                    </p:set>
+                                    <p:animEffect transition="in" filter="checkerboard(across)">
+                                      <p:cBhvr>
+                                        <p:cTn id="15" dur="500"/>
+                                        <p:tgtEl>
+                                          <p:spTgt spid="3">
+                                            <p:txEl>
+                                              <p:pRg st="2" end="2"/>
+                                            </p:txEl>
+                                          </p:spTgt>
+                                        </p:tgtEl>
+                                      </p:cBhvr>
+                                    </p:animEffect>
+                                  </p:childTnLst>
+                                </p:cTn>
+                              </p:par>
+                              <p:par>
+                                <p:cTn id="16" presetID="5" presetClass="entr" presetSubtype="10" fill="hold" grpId="0" nodeType="withEffect">
+                                  <p:stCondLst>
+                                    <p:cond delay="0"/>
+                                  </p:stCondLst>
+                                  <p:childTnLst>
+                                    <p:set>
+                                      <p:cBhvr>
+                                        <p:cTn id="17" dur="1" fill="hold">
+                                          <p:stCondLst>
+                                            <p:cond delay="0"/>
+                                          </p:stCondLst>
+                                        </p:cTn>
+                                        <p:tgtEl>
+                                          <p:spTgt spid="3">
+                                            <p:txEl>
+                                              <p:pRg st="3" end="3"/>
+                                            </p:txEl>
+                                          </p:spTgt>
+                                        </p:tgtEl>
+                                        <p:attrNameLst>
+                                          <p:attrName>style.visibility</p:attrName>
+                                        </p:attrNameLst>
+                                      </p:cBhvr>
+                                      <p:to>
+                                        <p:strVal val="visible"/>
+                                      </p:to>
+                                    </p:set>
+                                    <p:animEffect transition="in" filter="checkerboard(across)">
+                                      <p:cBhvr>
+                                        <p:cTn id="18" dur="500"/>
+                                        <p:tgtEl>
+                                          <p:spTgt spid="3">
+                                            <p:txEl>
+                                              <p:pRg st="3" end="3"/>
+                                            </p:txEl>
+                                          </p:spTgt>
+                                        </p:tgtEl>
+                                      </p:cBhvr>
+                                    </p:animEffect>
+                                  </p:childTnLst>
+                                </p:cTn>
+                              </p:par>
+                              <p:par>
+                                <p:cTn id="19" presetID="5" presetClass="entr" presetSubtype="10" fill="hold" grpId="0" nodeType="withEffect">
+                                  <p:stCondLst>
+                                    <p:cond delay="0"/>
+                                  </p:stCondLst>
+                                  <p:childTnLst>
+                                    <p:set>
+                                      <p:cBhvr>
+                                        <p:cTn id="20" dur="1" fill="hold">
+                                          <p:stCondLst>
+                                            <p:cond delay="0"/>
+                                          </p:stCondLst>
+                                        </p:cTn>
+                                        <p:tgtEl>
+                                          <p:spTgt spid="3">
+                                            <p:txEl>
+                                              <p:pRg st="4" end="4"/>
+                                            </p:txEl>
+                                          </p:spTgt>
+                                        </p:tgtEl>
+                                        <p:attrNameLst>
+                                          <p:attrName>style.visibility</p:attrName>
+                                        </p:attrNameLst>
+                                      </p:cBhvr>
+                                      <p:to>
+                                        <p:strVal val="visible"/>
+                                      </p:to>
+                                    </p:set>
+                                    <p:animEffect transition="in" filter="checkerboard(across)">
+                                      <p:cBhvr>
+                                        <p:cTn id="21" dur="500"/>
+                                        <p:tgtEl>
+                                          <p:spTgt spid="3">
+                                            <p:txEl>
+                                              <p:pRg st="4" end="4"/>
+                                            </p:txEl>
+                                          </p:spTgt>
+                                        </p:tgtEl>
+                                      </p:cBhvr>
+                                    </p:animEffect>
+                                  </p:childTnLst>
+                                </p:cTn>
+                              </p:par>
+                              <p:par>
+                                <p:cTn id="22" presetID="5" presetClass="entr" presetSubtype="10" fill="hold" grpId="0" nodeType="withEffect">
+                                  <p:stCondLst>
+                                    <p:cond delay="0"/>
+                                  </p:stCondLst>
+                                  <p:childTnLst>
+                                    <p:set>
+                                      <p:cBhvr>
+                                        <p:cTn id="23" dur="1" fill="hold">
+                                          <p:stCondLst>
+                                            <p:cond delay="0"/>
+                                          </p:stCondLst>
+                                        </p:cTn>
+                                        <p:tgtEl>
+                                          <p:spTgt spid="3">
+                                            <p:txEl>
+                                              <p:pRg st="5" end="5"/>
+                                            </p:txEl>
+                                          </p:spTgt>
+                                        </p:tgtEl>
+                                        <p:attrNameLst>
+                                          <p:attrName>style.visibility</p:attrName>
+                                        </p:attrNameLst>
+                                      </p:cBhvr>
+                                      <p:to>
+                                        <p:strVal val="visible"/>
+                                      </p:to>
+                                    </p:set>
+                                    <p:animEffect transition="in" filter="checkerboard(across)">
+                                      <p:cBhvr>
+                                        <p:cTn id="24" dur="500"/>
+                                        <p:tgtEl>
+                                          <p:spTgt spid="3">
+                                            <p:txEl>
+                                              <p:pRg st="5" end="5"/>
+                                            </p:txEl>
+                                          </p:spTgt>
+                                        </p:tgtEl>
+                                      </p:cBhvr>
+                                    </p:animEffect>
+                                  </p:childTnLst>
+                                </p:cTn>
+                              </p:par>
+                              <p:par>
+                                <p:cTn id="25" presetID="5" presetClass="entr" presetSubtype="10" fill="hold" grpId="0" nodeType="withEffect">
+                                  <p:stCondLst>
+                                    <p:cond delay="0"/>
+                                  </p:stCondLst>
+                                  <p:childTnLst>
+                                    <p:set>
+                                      <p:cBhvr>
+                                        <p:cTn id="26" dur="1" fill="hold">
+                                          <p:stCondLst>
+                                            <p:cond delay="0"/>
+                                          </p:stCondLst>
+                                        </p:cTn>
+                                        <p:tgtEl>
+                                          <p:spTgt spid="3">
+                                            <p:txEl>
+                                              <p:pRg st="6" end="6"/>
+                                            </p:txEl>
+                                          </p:spTgt>
+                                        </p:tgtEl>
+                                        <p:attrNameLst>
+                                          <p:attrName>style.visibility</p:attrName>
+                                        </p:attrNameLst>
+                                      </p:cBhvr>
+                                      <p:to>
+                                        <p:strVal val="visible"/>
+                                      </p:to>
+                                    </p:set>
+                                    <p:animEffect transition="in" filter="checkerboard(across)">
+                                      <p:cBhvr>
+                                        <p:cTn id="27" dur="500"/>
+                                        <p:tgtEl>
+                                          <p:spTgt spid="3">
+                                            <p:txEl>
+                                              <p:pRg st="6" end="6"/>
+                                            </p:txEl>
+                                          </p:spTgt>
+                                        </p:tgtEl>
+                                      </p:cBhvr>
+                                    </p:animEffect>
+                                  </p:childTnLst>
+                                </p:cTn>
+                              </p:par>
+                            </p:childTnLst>
+                          </p:cTn>
+                        </p:par>
+                      </p:childTnLst>
+                    </p:cTn>
+                  </p:par>
+                </p:childTnLst>
+              </p:cTn>
+              <p:prevCondLst>
+                <p:cond evt="onPrev" delay="0">
+                  <p:tgtEl>
+                    <p:sldTgt/>
+                  </p:tgtEl>
+                </p:cond>
+              </p:prevCondLst>
+              <p:nextCondLst>
+                <p:cond evt="onNext" delay="0">
+                  <p:tgtEl>
+                    <p:sldTgt/>
+                  </p:tgtEl>
+                </p:cond>
+              </p:nextCondLst>
+            </p:seq>
+          </p:childTnLst>
+        </p:cTn>
+      </p:par>
+    </p:tnLst>
+    <p:bldLst>
+      <p:bldP spid="3" grpId="0" build="p"/>
+    </p:bldLst>
+  </p:timing>
 </p:sld>
 </file>
 
@@ -7665,7 +11115,7 @@
         </p:nvSpPr>
         <p:spPr>
           <a:xfrm>
-            <a:off x="601894" y="1824739"/>
+            <a:off x="510777" y="2418715"/>
             <a:ext cx="5585223" cy="4351338"/>
           </a:xfrm>
           <a:prstGeom prst="rect">
@@ -7880,10 +11330,10 @@
       </p:sp>
       <p:pic>
         <p:nvPicPr>
-          <p:cNvPr id="8" name="图片 7">
+          <p:cNvPr id="11" name="图片 10">
             <a:extLst>
               <a:ext uri="{FF2B5EF4-FFF2-40B4-BE49-F238E27FC236}">
-                <a16:creationId xmlns:a16="http://schemas.microsoft.com/office/drawing/2014/main" id="{2BAD3644-B3F8-7A4C-9997-E76C668BA631}"/>
+                <a16:creationId xmlns:a16="http://schemas.microsoft.com/office/drawing/2014/main" id="{5AC22230-F613-0749-B63C-3C6E52A2B0D7}"/>
               </a:ext>
             </a:extLst>
           </p:cNvPr>
@@ -7900,37 +11350,7 @@
         </p:blipFill>
         <p:spPr>
           <a:xfrm>
-            <a:off x="6199474" y="790835"/>
-            <a:ext cx="6004883" cy="5060091"/>
-          </a:xfrm>
-          <a:prstGeom prst="rect">
-            <a:avLst/>
-          </a:prstGeom>
-        </p:spPr>
-      </p:pic>
-      <p:pic>
-        <p:nvPicPr>
-          <p:cNvPr id="11" name="图片 10">
-            <a:extLst>
-              <a:ext uri="{FF2B5EF4-FFF2-40B4-BE49-F238E27FC236}">
-                <a16:creationId xmlns:a16="http://schemas.microsoft.com/office/drawing/2014/main" id="{5AC22230-F613-0749-B63C-3C6E52A2B0D7}"/>
-              </a:ext>
-            </a:extLst>
-          </p:cNvPr>
-          <p:cNvPicPr>
-            <a:picLocks noChangeAspect="1"/>
-          </p:cNvPicPr>
-          <p:nvPr/>
-        </p:nvPicPr>
-        <p:blipFill>
-          <a:blip r:embed="rId3"/>
-          <a:stretch>
-            <a:fillRect/>
-          </a:stretch>
-        </p:blipFill>
-        <p:spPr>
-          <a:xfrm>
-            <a:off x="779074" y="3597233"/>
+            <a:off x="6396694" y="1717633"/>
             <a:ext cx="5469828" cy="2994217"/>
           </a:xfrm>
           <a:prstGeom prst="rect">
@@ -7948,6 +11368,211 @@
   <p:clrMapOvr>
     <a:masterClrMapping/>
   </p:clrMapOvr>
+  <p:timing>
+    <p:tnLst>
+      <p:par>
+        <p:cTn id="1" dur="indefinite" restart="never" nodeType="tmRoot">
+          <p:childTnLst>
+            <p:seq concurrent="1" nextAc="seek">
+              <p:cTn id="2" dur="indefinite" nodeType="mainSeq">
+                <p:childTnLst>
+                  <p:par>
+                    <p:cTn id="3" fill="hold">
+                      <p:stCondLst>
+                        <p:cond delay="indefinite"/>
+                      </p:stCondLst>
+                      <p:childTnLst>
+                        <p:par>
+                          <p:cTn id="4" fill="hold">
+                            <p:stCondLst>
+                              <p:cond delay="0"/>
+                            </p:stCondLst>
+                            <p:childTnLst>
+                              <p:par>
+                                <p:cTn id="5" presetID="5" presetClass="entr" presetSubtype="10" fill="hold" nodeType="clickEffect">
+                                  <p:stCondLst>
+                                    <p:cond delay="0"/>
+                                  </p:stCondLst>
+                                  <p:childTnLst>
+                                    <p:set>
+                                      <p:cBhvr>
+                                        <p:cTn id="6" dur="1" fill="hold">
+                                          <p:stCondLst>
+                                            <p:cond delay="0"/>
+                                          </p:stCondLst>
+                                        </p:cTn>
+                                        <p:tgtEl>
+                                          <p:spTgt spid="5">
+                                            <p:txEl>
+                                              <p:pRg st="0" end="0"/>
+                                            </p:txEl>
+                                          </p:spTgt>
+                                        </p:tgtEl>
+                                        <p:attrNameLst>
+                                          <p:attrName>style.visibility</p:attrName>
+                                        </p:attrNameLst>
+                                      </p:cBhvr>
+                                      <p:to>
+                                        <p:strVal val="visible"/>
+                                      </p:to>
+                                    </p:set>
+                                    <p:animEffect transition="in" filter="checkerboard(across)">
+                                      <p:cBhvr>
+                                        <p:cTn id="7" dur="500"/>
+                                        <p:tgtEl>
+                                          <p:spTgt spid="5">
+                                            <p:txEl>
+                                              <p:pRg st="0" end="0"/>
+                                            </p:txEl>
+                                          </p:spTgt>
+                                        </p:tgtEl>
+                                      </p:cBhvr>
+                                    </p:animEffect>
+                                  </p:childTnLst>
+                                </p:cTn>
+                              </p:par>
+                            </p:childTnLst>
+                          </p:cTn>
+                        </p:par>
+                      </p:childTnLst>
+                    </p:cTn>
+                  </p:par>
+                  <p:par>
+                    <p:cTn id="8" fill="hold">
+                      <p:stCondLst>
+                        <p:cond delay="indefinite"/>
+                      </p:stCondLst>
+                      <p:childTnLst>
+                        <p:par>
+                          <p:cTn id="9" fill="hold">
+                            <p:stCondLst>
+                              <p:cond delay="0"/>
+                            </p:stCondLst>
+                            <p:childTnLst>
+                              <p:par>
+                                <p:cTn id="10" presetID="5" presetClass="entr" presetSubtype="10" fill="hold" nodeType="clickEffect">
+                                  <p:stCondLst>
+                                    <p:cond delay="0"/>
+                                  </p:stCondLst>
+                                  <p:childTnLst>
+                                    <p:set>
+                                      <p:cBhvr>
+                                        <p:cTn id="11" dur="1" fill="hold">
+                                          <p:stCondLst>
+                                            <p:cond delay="0"/>
+                                          </p:stCondLst>
+                                        </p:cTn>
+                                        <p:tgtEl>
+                                          <p:spTgt spid="5">
+                                            <p:txEl>
+                                              <p:pRg st="1" end="1"/>
+                                            </p:txEl>
+                                          </p:spTgt>
+                                        </p:tgtEl>
+                                        <p:attrNameLst>
+                                          <p:attrName>style.visibility</p:attrName>
+                                        </p:attrNameLst>
+                                      </p:cBhvr>
+                                      <p:to>
+                                        <p:strVal val="visible"/>
+                                      </p:to>
+                                    </p:set>
+                                    <p:animEffect transition="in" filter="checkerboard(across)">
+                                      <p:cBhvr>
+                                        <p:cTn id="12" dur="500"/>
+                                        <p:tgtEl>
+                                          <p:spTgt spid="5">
+                                            <p:txEl>
+                                              <p:pRg st="1" end="1"/>
+                                            </p:txEl>
+                                          </p:spTgt>
+                                        </p:tgtEl>
+                                      </p:cBhvr>
+                                    </p:animEffect>
+                                  </p:childTnLst>
+                                </p:cTn>
+                              </p:par>
+                            </p:childTnLst>
+                          </p:cTn>
+                        </p:par>
+                      </p:childTnLst>
+                    </p:cTn>
+                  </p:par>
+                  <p:par>
+                    <p:cTn id="13" fill="hold">
+                      <p:stCondLst>
+                        <p:cond delay="indefinite"/>
+                      </p:stCondLst>
+                      <p:childTnLst>
+                        <p:par>
+                          <p:cTn id="14" fill="hold">
+                            <p:stCondLst>
+                              <p:cond delay="0"/>
+                            </p:stCondLst>
+                            <p:childTnLst>
+                              <p:par>
+                                <p:cTn id="15" presetID="5" presetClass="entr" presetSubtype="10" fill="hold" nodeType="clickEffect">
+                                  <p:stCondLst>
+                                    <p:cond delay="0"/>
+                                  </p:stCondLst>
+                                  <p:childTnLst>
+                                    <p:set>
+                                      <p:cBhvr>
+                                        <p:cTn id="16" dur="1" fill="hold">
+                                          <p:stCondLst>
+                                            <p:cond delay="0"/>
+                                          </p:stCondLst>
+                                        </p:cTn>
+                                        <p:tgtEl>
+                                          <p:spTgt spid="11"/>
+                                        </p:tgtEl>
+                                        <p:attrNameLst>
+                                          <p:attrName>style.visibility</p:attrName>
+                                        </p:attrNameLst>
+                                      </p:cBhvr>
+                                      <p:to>
+                                        <p:strVal val="visible"/>
+                                      </p:to>
+                                    </p:set>
+                                    <p:animEffect transition="in" filter="checkerboard(across)">
+                                      <p:cBhvr>
+                                        <p:cTn id="17" dur="500"/>
+                                        <p:tgtEl>
+                                          <p:spTgt spid="11"/>
+                                        </p:tgtEl>
+                                      </p:cBhvr>
+                                    </p:animEffect>
+                                  </p:childTnLst>
+                                </p:cTn>
+                              </p:par>
+                            </p:childTnLst>
+                          </p:cTn>
+                        </p:par>
+                      </p:childTnLst>
+                    </p:cTn>
+                  </p:par>
+                </p:childTnLst>
+              </p:cTn>
+              <p:prevCondLst>
+                <p:cond evt="onPrev" delay="0">
+                  <p:tgtEl>
+                    <p:sldTgt/>
+                  </p:tgtEl>
+                </p:cond>
+              </p:prevCondLst>
+              <p:nextCondLst>
+                <p:cond evt="onNext" delay="0">
+                  <p:tgtEl>
+                    <p:sldTgt/>
+                  </p:tgtEl>
+                </p:cond>
+              </p:nextCondLst>
+            </p:seq>
+          </p:childTnLst>
+        </p:cTn>
+      </p:par>
+    </p:tnLst>
+  </p:timing>
 </p:sld>
 </file>
 
@@ -8298,10 +11923,10 @@
       </p:sp>
       <p:pic>
         <p:nvPicPr>
-          <p:cNvPr id="9" name="图片 8">
+          <p:cNvPr id="14" name="图片 13">
             <a:extLst>
               <a:ext uri="{FF2B5EF4-FFF2-40B4-BE49-F238E27FC236}">
-                <a16:creationId xmlns:a16="http://schemas.microsoft.com/office/drawing/2014/main" id="{66598CCB-D4AC-E64C-B134-44D5A2D8F0F9}"/>
+                <a16:creationId xmlns:a16="http://schemas.microsoft.com/office/drawing/2014/main" id="{D129F63E-02F3-B64A-A70C-D5F34F35061A}"/>
               </a:ext>
             </a:extLst>
           </p:cNvPr>
@@ -8318,67 +11943,7 @@
         </p:blipFill>
         <p:spPr>
           <a:xfrm>
-            <a:off x="6957524" y="0"/>
-            <a:ext cx="4377564" cy="6081204"/>
-          </a:xfrm>
-          <a:prstGeom prst="rect">
-            <a:avLst/>
-          </a:prstGeom>
-        </p:spPr>
-      </p:pic>
-      <p:pic>
-        <p:nvPicPr>
-          <p:cNvPr id="6" name="图片 5">
-            <a:extLst>
-              <a:ext uri="{FF2B5EF4-FFF2-40B4-BE49-F238E27FC236}">
-                <a16:creationId xmlns:a16="http://schemas.microsoft.com/office/drawing/2014/main" id="{CB043228-D700-6D41-850D-329978B1AA15}"/>
-              </a:ext>
-            </a:extLst>
-          </p:cNvPr>
-          <p:cNvPicPr>
-            <a:picLocks noChangeAspect="1"/>
-          </p:cNvPicPr>
-          <p:nvPr/>
-        </p:nvPicPr>
-        <p:blipFill>
-          <a:blip r:embed="rId3"/>
-          <a:stretch>
-            <a:fillRect/>
-          </a:stretch>
-        </p:blipFill>
-        <p:spPr>
-          <a:xfrm>
-            <a:off x="6957524" y="94873"/>
-            <a:ext cx="4640322" cy="6081204"/>
-          </a:xfrm>
-          <a:prstGeom prst="rect">
-            <a:avLst/>
-          </a:prstGeom>
-        </p:spPr>
-      </p:pic>
-      <p:pic>
-        <p:nvPicPr>
-          <p:cNvPr id="14" name="图片 13">
-            <a:extLst>
-              <a:ext uri="{FF2B5EF4-FFF2-40B4-BE49-F238E27FC236}">
-                <a16:creationId xmlns:a16="http://schemas.microsoft.com/office/drawing/2014/main" id="{D129F63E-02F3-B64A-A70C-D5F34F35061A}"/>
-              </a:ext>
-            </a:extLst>
-          </p:cNvPr>
-          <p:cNvPicPr>
-            <a:picLocks noChangeAspect="1"/>
-          </p:cNvPicPr>
-          <p:nvPr/>
-        </p:nvPicPr>
-        <p:blipFill>
-          <a:blip r:embed="rId4"/>
-          <a:stretch>
-            <a:fillRect/>
-          </a:stretch>
-        </p:blipFill>
-        <p:spPr>
-          <a:xfrm>
-            <a:off x="6695123" y="94873"/>
+            <a:off x="6872948" y="87947"/>
             <a:ext cx="5165124" cy="6279456"/>
           </a:xfrm>
           <a:prstGeom prst="rect">
@@ -8417,7 +11982,7 @@
                             </p:stCondLst>
                             <p:childTnLst>
                               <p:par>
-                                <p:cTn id="5" presetID="1" presetClass="entr" presetSubtype="0" fill="hold" nodeType="clickEffect">
+                                <p:cTn id="5" presetID="5" presetClass="entr" presetSubtype="10" fill="hold" grpId="0" nodeType="clickEffect">
                                   <p:stCondLst>
                                     <p:cond delay="0"/>
                                   </p:stCondLst>
@@ -8430,7 +11995,7 @@
                                           </p:stCondLst>
                                         </p:cTn>
                                         <p:tgtEl>
-                                          <p:spTgt spid="9"/>
+                                          <p:spTgt spid="5"/>
                                         </p:tgtEl>
                                         <p:attrNameLst>
                                           <p:attrName>style.visibility</p:attrName>
@@ -8440,6 +12005,14 @@
                                         <p:strVal val="visible"/>
                                       </p:to>
                                     </p:set>
+                                    <p:animEffect transition="in" filter="checkerboard(across)">
+                                      <p:cBhvr>
+                                        <p:cTn id="7" dur="500"/>
+                                        <p:tgtEl>
+                                          <p:spTgt spid="5"/>
+                                        </p:tgtEl>
+                                      </p:cBhvr>
+                                    </p:animEffect>
                                   </p:childTnLst>
                                 </p:cTn>
                               </p:par>
@@ -8450,32 +12023,32 @@
                     </p:cTn>
                   </p:par>
                   <p:par>
-                    <p:cTn id="7" fill="hold">
+                    <p:cTn id="8" fill="hold">
                       <p:stCondLst>
                         <p:cond delay="indefinite"/>
                       </p:stCondLst>
                       <p:childTnLst>
                         <p:par>
-                          <p:cTn id="8" fill="hold">
+                          <p:cTn id="9" fill="hold">
                             <p:stCondLst>
                               <p:cond delay="0"/>
                             </p:stCondLst>
                             <p:childTnLst>
                               <p:par>
-                                <p:cTn id="9" presetID="3" presetClass="entr" presetSubtype="10" fill="hold" nodeType="clickEffect">
+                                <p:cTn id="10" presetID="5" presetClass="entr" presetSubtype="10" fill="hold" nodeType="clickEffect">
                                   <p:stCondLst>
                                     <p:cond delay="0"/>
                                   </p:stCondLst>
                                   <p:childTnLst>
                                     <p:set>
                                       <p:cBhvr>
-                                        <p:cTn id="10" dur="1" fill="hold">
+                                        <p:cTn id="11" dur="1" fill="hold">
                                           <p:stCondLst>
                                             <p:cond delay="0"/>
                                           </p:stCondLst>
                                         </p:cTn>
                                         <p:tgtEl>
-                                          <p:spTgt spid="6"/>
+                                          <p:spTgt spid="14"/>
                                         </p:tgtEl>
                                         <p:attrNameLst>
                                           <p:attrName>style.visibility</p:attrName>
@@ -8485,11 +12058,11 @@
                                         <p:strVal val="visible"/>
                                       </p:to>
                                     </p:set>
-                                    <p:animEffect transition="in" filter="blinds(horizontal)">
-                                      <p:cBhvr>
-                                        <p:cTn id="11" dur="500"/>
-                                        <p:tgtEl>
-                                          <p:spTgt spid="6"/>
+                                    <p:animEffect transition="in" filter="checkerboard(across)">
+                                      <p:cBhvr>
+                                        <p:cTn id="12" dur="500"/>
+                                        <p:tgtEl>
+                                          <p:spTgt spid="14"/>
                                         </p:tgtEl>
                                       </p:cBhvr>
                                     </p:animEffect>
@@ -8523,6 +12096,9 @@
         </p:cTn>
       </p:par>
     </p:tnLst>
+    <p:bldLst>
+      <p:bldP spid="5" grpId="0"/>
+    </p:bldLst>
   </p:timing>
 </p:sld>
 </file>
@@ -8577,62 +12153,6 @@
               <a:t>Dataset</a:t>
             </a:r>
             <a:endParaRPr kumimoji="1" lang="en-US" altLang="zh-CN" sz="4000" dirty="0"/>
-          </a:p>
-        </p:txBody>
-      </p:sp>
-      <p:sp>
-        <p:nvSpPr>
-          <p:cNvPr id="4" name="文本框 3">
-            <a:extLst>
-              <a:ext uri="{FF2B5EF4-FFF2-40B4-BE49-F238E27FC236}">
-                <a16:creationId xmlns:a16="http://schemas.microsoft.com/office/drawing/2014/main" id="{BAB2B972-B7A3-9A48-919C-F2A21D1FE180}"/>
-              </a:ext>
-            </a:extLst>
-          </p:cNvPr>
-          <p:cNvSpPr txBox="1"/>
-          <p:nvPr/>
-        </p:nvSpPr>
-        <p:spPr>
-          <a:xfrm>
-            <a:off x="3805882" y="6488438"/>
-            <a:ext cx="9141338" cy="307777"/>
-          </a:xfrm>
-          <a:prstGeom prst="rect">
-            <a:avLst/>
-          </a:prstGeom>
-          <a:noFill/>
-        </p:spPr>
-        <p:txBody>
-          <a:bodyPr wrap="square" rtlCol="0">
-            <a:spAutoFit/>
-          </a:bodyPr>
-          <a:lstStyle/>
-          <a:p>
-            <a:r>
-              <a:rPr lang="en-US" altLang="zh-CN" sz="1400" dirty="0" err="1"/>
-              <a:t>Akari</a:t>
-            </a:r>
-            <a:r>
-              <a:rPr lang="en-US" altLang="zh-CN" sz="1400" dirty="0"/>
-              <a:t> </a:t>
-            </a:r>
-            <a:r>
-              <a:rPr lang="en-US" altLang="zh-CN" sz="1400" dirty="0" err="1"/>
-              <a:t>Asai</a:t>
-            </a:r>
-            <a:r>
-              <a:rPr kumimoji="1" lang="en-US" altLang="zh-CN" sz="1400" dirty="0"/>
-              <a:t>., et al.</a:t>
-            </a:r>
-            <a:r>
-              <a:rPr lang="en-US" altLang="zh-CN" sz="1400" dirty="0"/>
-              <a:t> Learning to Retrieve Reasoning Paths over Wikipedia Graph for Question Answering</a:t>
-            </a:r>
-            <a:r>
-              <a:rPr kumimoji="1" lang="en-US" altLang="zh-CN" sz="1400" dirty="0"/>
-              <a:t>.  2020</a:t>
-            </a:r>
-            <a:endParaRPr kumimoji="1" lang="zh-CN" altLang="en-US" sz="1400" dirty="0"/>
           </a:p>
         </p:txBody>
       </p:sp>
@@ -9091,7 +12611,7 @@
                             </p:stCondLst>
                             <p:childTnLst>
                               <p:par>
-                                <p:cTn id="5" presetID="1" presetClass="entr" presetSubtype="0" fill="hold" grpId="0" nodeType="clickEffect">
+                                <p:cTn id="5" presetID="5" presetClass="entr" presetSubtype="10" fill="hold" grpId="0" nodeType="clickEffect">
                                   <p:stCondLst>
                                     <p:cond delay="0"/>
                                   </p:stCondLst>
@@ -9099,6 +12619,59 @@
                                     <p:set>
                                       <p:cBhvr>
                                         <p:cTn id="6" dur="1" fill="hold">
+                                          <p:stCondLst>
+                                            <p:cond delay="0"/>
+                                          </p:stCondLst>
+                                        </p:cTn>
+                                        <p:tgtEl>
+                                          <p:spTgt spid="5"/>
+                                        </p:tgtEl>
+                                        <p:attrNameLst>
+                                          <p:attrName>style.visibility</p:attrName>
+                                        </p:attrNameLst>
+                                      </p:cBhvr>
+                                      <p:to>
+                                        <p:strVal val="visible"/>
+                                      </p:to>
+                                    </p:set>
+                                    <p:animEffect transition="in" filter="checkerboard(across)">
+                                      <p:cBhvr>
+                                        <p:cTn id="7" dur="500"/>
+                                        <p:tgtEl>
+                                          <p:spTgt spid="5"/>
+                                        </p:tgtEl>
+                                      </p:cBhvr>
+                                    </p:animEffect>
+                                  </p:childTnLst>
+                                </p:cTn>
+                              </p:par>
+                            </p:childTnLst>
+                          </p:cTn>
+                        </p:par>
+                      </p:childTnLst>
+                    </p:cTn>
+                  </p:par>
+                  <p:par>
+                    <p:cTn id="8" fill="hold">
+                      <p:stCondLst>
+                        <p:cond delay="indefinite"/>
+                      </p:stCondLst>
+                      <p:childTnLst>
+                        <p:par>
+                          <p:cTn id="9" fill="hold">
+                            <p:stCondLst>
+                              <p:cond delay="0"/>
+                            </p:stCondLst>
+                            <p:childTnLst>
+                              <p:par>
+                                <p:cTn id="10" presetID="1" presetClass="entr" presetSubtype="0" fill="hold" grpId="0" nodeType="clickEffect">
+                                  <p:stCondLst>
+                                    <p:cond delay="0"/>
+                                  </p:stCondLst>
+                                  <p:childTnLst>
+                                    <p:set>
+                                      <p:cBhvr>
+                                        <p:cTn id="11" dur="1" fill="hold">
                                           <p:stCondLst>
                                             <p:cond delay="0"/>
                                           </p:stCondLst>
@@ -9124,26 +12697,26 @@
                     </p:cTn>
                   </p:par>
                   <p:par>
-                    <p:cTn id="7" fill="hold">
+                    <p:cTn id="12" fill="hold">
                       <p:stCondLst>
                         <p:cond delay="indefinite"/>
                       </p:stCondLst>
                       <p:childTnLst>
                         <p:par>
-                          <p:cTn id="8" fill="hold">
+                          <p:cTn id="13" fill="hold">
                             <p:stCondLst>
                               <p:cond delay="0"/>
                             </p:stCondLst>
                             <p:childTnLst>
                               <p:par>
-                                <p:cTn id="9" presetID="1" presetClass="entr" presetSubtype="0" fill="hold" grpId="0" nodeType="clickEffect">
+                                <p:cTn id="14" presetID="1" presetClass="entr" presetSubtype="0" fill="hold" grpId="0" nodeType="clickEffect">
                                   <p:stCondLst>
                                     <p:cond delay="0"/>
                                   </p:stCondLst>
                                   <p:childTnLst>
                                     <p:set>
                                       <p:cBhvr>
-                                        <p:cTn id="10" dur="1" fill="hold">
+                                        <p:cTn id="15" dur="1" fill="hold">
                                           <p:stCondLst>
                                             <p:cond delay="0"/>
                                           </p:stCondLst>
@@ -9169,26 +12742,26 @@
                     </p:cTn>
                   </p:par>
                   <p:par>
-                    <p:cTn id="11" fill="hold">
+                    <p:cTn id="16" fill="hold">
                       <p:stCondLst>
                         <p:cond delay="indefinite"/>
                       </p:stCondLst>
                       <p:childTnLst>
                         <p:par>
-                          <p:cTn id="12" fill="hold">
+                          <p:cTn id="17" fill="hold">
                             <p:stCondLst>
                               <p:cond delay="0"/>
                             </p:stCondLst>
                             <p:childTnLst>
                               <p:par>
-                                <p:cTn id="13" presetID="1" presetClass="entr" presetSubtype="0" fill="hold" grpId="0" nodeType="clickEffect">
+                                <p:cTn id="18" presetID="1" presetClass="entr" presetSubtype="0" fill="hold" grpId="0" nodeType="clickEffect">
                                   <p:stCondLst>
                                     <p:cond delay="0"/>
                                   </p:stCondLst>
                                   <p:childTnLst>
                                     <p:set>
                                       <p:cBhvr>
-                                        <p:cTn id="14" dur="1" fill="hold">
+                                        <p:cTn id="19" dur="1" fill="hold">
                                           <p:stCondLst>
                                             <p:cond delay="0"/>
                                           </p:stCondLst>
@@ -9235,6 +12808,7 @@
       </p:par>
     </p:tnLst>
     <p:bldLst>
+      <p:bldP spid="5" grpId="0"/>
       <p:bldP spid="7" grpId="0"/>
       <p:bldP spid="8" grpId="0"/>
       <p:bldP spid="9" grpId="0"/>
@@ -9293,62 +12867,6 @@
               <a:t>Dataset</a:t>
             </a:r>
             <a:endParaRPr kumimoji="1" lang="en-US" altLang="zh-CN" sz="4000" dirty="0"/>
-          </a:p>
-        </p:txBody>
-      </p:sp>
-      <p:sp>
-        <p:nvSpPr>
-          <p:cNvPr id="4" name="文本框 3">
-            <a:extLst>
-              <a:ext uri="{FF2B5EF4-FFF2-40B4-BE49-F238E27FC236}">
-                <a16:creationId xmlns:a16="http://schemas.microsoft.com/office/drawing/2014/main" id="{BAB2B972-B7A3-9A48-919C-F2A21D1FE180}"/>
-              </a:ext>
-            </a:extLst>
-          </p:cNvPr>
-          <p:cNvSpPr txBox="1"/>
-          <p:nvPr/>
-        </p:nvSpPr>
-        <p:spPr>
-          <a:xfrm>
-            <a:off x="3805882" y="6488438"/>
-            <a:ext cx="9141338" cy="307777"/>
-          </a:xfrm>
-          <a:prstGeom prst="rect">
-            <a:avLst/>
-          </a:prstGeom>
-          <a:noFill/>
-        </p:spPr>
-        <p:txBody>
-          <a:bodyPr wrap="square" rtlCol="0">
-            <a:spAutoFit/>
-          </a:bodyPr>
-          <a:lstStyle/>
-          <a:p>
-            <a:r>
-              <a:rPr lang="en-US" altLang="zh-CN" sz="1400" dirty="0" err="1"/>
-              <a:t>Akari</a:t>
-            </a:r>
-            <a:r>
-              <a:rPr lang="en-US" altLang="zh-CN" sz="1400" dirty="0"/>
-              <a:t> </a:t>
-            </a:r>
-            <a:r>
-              <a:rPr lang="en-US" altLang="zh-CN" sz="1400" dirty="0" err="1"/>
-              <a:t>Asai</a:t>
-            </a:r>
-            <a:r>
-              <a:rPr kumimoji="1" lang="en-US" altLang="zh-CN" sz="1400" dirty="0"/>
-              <a:t>., et al.</a:t>
-            </a:r>
-            <a:r>
-              <a:rPr lang="en-US" altLang="zh-CN" sz="1400" dirty="0"/>
-              <a:t> Learning to Retrieve Reasoning Paths over Wikipedia Graph for Question Answering</a:t>
-            </a:r>
-            <a:r>
-              <a:rPr kumimoji="1" lang="en-US" altLang="zh-CN" sz="1400" dirty="0"/>
-              <a:t>.  2020</a:t>
-            </a:r>
-            <a:endParaRPr kumimoji="1" lang="zh-CN" altLang="en-US" sz="1400" dirty="0"/>
           </a:p>
         </p:txBody>
       </p:sp>
@@ -9613,6 +13131,92 @@
   <p:clrMapOvr>
     <a:masterClrMapping/>
   </p:clrMapOvr>
+  <p:timing>
+    <p:tnLst>
+      <p:par>
+        <p:cTn id="1" dur="indefinite" restart="never" nodeType="tmRoot">
+          <p:childTnLst>
+            <p:seq concurrent="1" nextAc="seek">
+              <p:cTn id="2" dur="indefinite" nodeType="mainSeq">
+                <p:childTnLst>
+                  <p:par>
+                    <p:cTn id="3" fill="hold">
+                      <p:stCondLst>
+                        <p:cond delay="indefinite"/>
+                      </p:stCondLst>
+                      <p:childTnLst>
+                        <p:par>
+                          <p:cTn id="4" fill="hold">
+                            <p:stCondLst>
+                              <p:cond delay="0"/>
+                            </p:stCondLst>
+                            <p:childTnLst>
+                              <p:par>
+                                <p:cTn id="5" presetID="5" presetClass="entr" presetSubtype="10" fill="hold" grpId="0" nodeType="clickEffect">
+                                  <p:stCondLst>
+                                    <p:cond delay="0"/>
+                                  </p:stCondLst>
+                                  <p:childTnLst>
+                                    <p:set>
+                                      <p:cBhvr>
+                                        <p:cTn id="6" dur="1" fill="hold">
+                                          <p:stCondLst>
+                                            <p:cond delay="0"/>
+                                          </p:stCondLst>
+                                        </p:cTn>
+                                        <p:tgtEl>
+                                          <p:spTgt spid="5"/>
+                                        </p:tgtEl>
+                                        <p:attrNameLst>
+                                          <p:attrName>style.visibility</p:attrName>
+                                        </p:attrNameLst>
+                                      </p:cBhvr>
+                                      <p:to>
+                                        <p:strVal val="visible"/>
+                                      </p:to>
+                                    </p:set>
+                                    <p:animEffect transition="in" filter="checkerboard(across)">
+                                      <p:cBhvr>
+                                        <p:cTn id="7" dur="500"/>
+                                        <p:tgtEl>
+                                          <p:spTgt spid="5"/>
+                                        </p:tgtEl>
+                                      </p:cBhvr>
+                                    </p:animEffect>
+                                  </p:childTnLst>
+                                </p:cTn>
+                              </p:par>
+                            </p:childTnLst>
+                          </p:cTn>
+                        </p:par>
+                      </p:childTnLst>
+                    </p:cTn>
+                  </p:par>
+                </p:childTnLst>
+              </p:cTn>
+              <p:prevCondLst>
+                <p:cond evt="onPrev" delay="0">
+                  <p:tgtEl>
+                    <p:sldTgt/>
+                  </p:tgtEl>
+                </p:cond>
+              </p:prevCondLst>
+              <p:nextCondLst>
+                <p:cond evt="onNext" delay="0">
+                  <p:tgtEl>
+                    <p:sldTgt/>
+                  </p:tgtEl>
+                </p:cond>
+              </p:nextCondLst>
+            </p:seq>
+          </p:childTnLst>
+        </p:cTn>
+      </p:par>
+    </p:tnLst>
+    <p:bldLst>
+      <p:bldP spid="5" grpId="0"/>
+    </p:bldLst>
+  </p:timing>
 </p:sld>
 </file>
 
@@ -9666,62 +13270,6 @@
               <a:t>Dataset</a:t>
             </a:r>
             <a:endParaRPr kumimoji="1" lang="en-US" altLang="zh-CN" sz="4000" dirty="0"/>
-          </a:p>
-        </p:txBody>
-      </p:sp>
-      <p:sp>
-        <p:nvSpPr>
-          <p:cNvPr id="4" name="文本框 3">
-            <a:extLst>
-              <a:ext uri="{FF2B5EF4-FFF2-40B4-BE49-F238E27FC236}">
-                <a16:creationId xmlns:a16="http://schemas.microsoft.com/office/drawing/2014/main" id="{BAB2B972-B7A3-9A48-919C-F2A21D1FE180}"/>
-              </a:ext>
-            </a:extLst>
-          </p:cNvPr>
-          <p:cNvSpPr txBox="1"/>
-          <p:nvPr/>
-        </p:nvSpPr>
-        <p:spPr>
-          <a:xfrm>
-            <a:off x="3805882" y="6488438"/>
-            <a:ext cx="9141338" cy="307777"/>
-          </a:xfrm>
-          <a:prstGeom prst="rect">
-            <a:avLst/>
-          </a:prstGeom>
-          <a:noFill/>
-        </p:spPr>
-        <p:txBody>
-          <a:bodyPr wrap="square" rtlCol="0">
-            <a:spAutoFit/>
-          </a:bodyPr>
-          <a:lstStyle/>
-          <a:p>
-            <a:r>
-              <a:rPr lang="en-US" altLang="zh-CN" sz="1400" dirty="0" err="1"/>
-              <a:t>Akari</a:t>
-            </a:r>
-            <a:r>
-              <a:rPr lang="en-US" altLang="zh-CN" sz="1400" dirty="0"/>
-              <a:t> </a:t>
-            </a:r>
-            <a:r>
-              <a:rPr lang="en-US" altLang="zh-CN" sz="1400" dirty="0" err="1"/>
-              <a:t>Asai</a:t>
-            </a:r>
-            <a:r>
-              <a:rPr kumimoji="1" lang="en-US" altLang="zh-CN" sz="1400" dirty="0"/>
-              <a:t>., et al.</a:t>
-            </a:r>
-            <a:r>
-              <a:rPr lang="en-US" altLang="zh-CN" sz="1400" dirty="0"/>
-              <a:t> Learning to Retrieve Reasoning Paths over Wikipedia Graph for Question Answering</a:t>
-            </a:r>
-            <a:r>
-              <a:rPr kumimoji="1" lang="en-US" altLang="zh-CN" sz="1400" dirty="0"/>
-              <a:t>.  2020</a:t>
-            </a:r>
-            <a:endParaRPr kumimoji="1" lang="zh-CN" altLang="en-US" sz="1400" dirty="0"/>
           </a:p>
         </p:txBody>
       </p:sp>
@@ -9968,6 +13516,92 @@
   <p:clrMapOvr>
     <a:masterClrMapping/>
   </p:clrMapOvr>
+  <p:timing>
+    <p:tnLst>
+      <p:par>
+        <p:cTn id="1" dur="indefinite" restart="never" nodeType="tmRoot">
+          <p:childTnLst>
+            <p:seq concurrent="1" nextAc="seek">
+              <p:cTn id="2" dur="indefinite" nodeType="mainSeq">
+                <p:childTnLst>
+                  <p:par>
+                    <p:cTn id="3" fill="hold">
+                      <p:stCondLst>
+                        <p:cond delay="indefinite"/>
+                      </p:stCondLst>
+                      <p:childTnLst>
+                        <p:par>
+                          <p:cTn id="4" fill="hold">
+                            <p:stCondLst>
+                              <p:cond delay="0"/>
+                            </p:stCondLst>
+                            <p:childTnLst>
+                              <p:par>
+                                <p:cTn id="5" presetID="5" presetClass="entr" presetSubtype="10" fill="hold" grpId="0" nodeType="clickEffect">
+                                  <p:stCondLst>
+                                    <p:cond delay="0"/>
+                                  </p:stCondLst>
+                                  <p:childTnLst>
+                                    <p:set>
+                                      <p:cBhvr>
+                                        <p:cTn id="6" dur="1" fill="hold">
+                                          <p:stCondLst>
+                                            <p:cond delay="0"/>
+                                          </p:stCondLst>
+                                        </p:cTn>
+                                        <p:tgtEl>
+                                          <p:spTgt spid="5"/>
+                                        </p:tgtEl>
+                                        <p:attrNameLst>
+                                          <p:attrName>style.visibility</p:attrName>
+                                        </p:attrNameLst>
+                                      </p:cBhvr>
+                                      <p:to>
+                                        <p:strVal val="visible"/>
+                                      </p:to>
+                                    </p:set>
+                                    <p:animEffect transition="in" filter="checkerboard(across)">
+                                      <p:cBhvr>
+                                        <p:cTn id="7" dur="500"/>
+                                        <p:tgtEl>
+                                          <p:spTgt spid="5"/>
+                                        </p:tgtEl>
+                                      </p:cBhvr>
+                                    </p:animEffect>
+                                  </p:childTnLst>
+                                </p:cTn>
+                              </p:par>
+                            </p:childTnLst>
+                          </p:cTn>
+                        </p:par>
+                      </p:childTnLst>
+                    </p:cTn>
+                  </p:par>
+                </p:childTnLst>
+              </p:cTn>
+              <p:prevCondLst>
+                <p:cond evt="onPrev" delay="0">
+                  <p:tgtEl>
+                    <p:sldTgt/>
+                  </p:tgtEl>
+                </p:cond>
+              </p:prevCondLst>
+              <p:nextCondLst>
+                <p:cond evt="onNext" delay="0">
+                  <p:tgtEl>
+                    <p:sldTgt/>
+                  </p:tgtEl>
+                </p:cond>
+              </p:nextCondLst>
+            </p:seq>
+          </p:childTnLst>
+        </p:cTn>
+      </p:par>
+    </p:tnLst>
+    <p:bldLst>
+      <p:bldP spid="5" grpId="0"/>
+    </p:bldLst>
+  </p:timing>
 </p:sld>
 </file>
 
@@ -10020,62 +13654,6 @@
               <a:rPr kumimoji="1" lang="en-US" altLang="zh-CN" sz="4000" dirty="0"/>
               <a:t>Ideas</a:t>
             </a:r>
-          </a:p>
-        </p:txBody>
-      </p:sp>
-      <p:sp>
-        <p:nvSpPr>
-          <p:cNvPr id="4" name="文本框 3">
-            <a:extLst>
-              <a:ext uri="{FF2B5EF4-FFF2-40B4-BE49-F238E27FC236}">
-                <a16:creationId xmlns:a16="http://schemas.microsoft.com/office/drawing/2014/main" id="{BAB2B972-B7A3-9A48-919C-F2A21D1FE180}"/>
-              </a:ext>
-            </a:extLst>
-          </p:cNvPr>
-          <p:cNvSpPr txBox="1"/>
-          <p:nvPr/>
-        </p:nvSpPr>
-        <p:spPr>
-          <a:xfrm>
-            <a:off x="3805882" y="6488438"/>
-            <a:ext cx="9141338" cy="307777"/>
-          </a:xfrm>
-          <a:prstGeom prst="rect">
-            <a:avLst/>
-          </a:prstGeom>
-          <a:noFill/>
-        </p:spPr>
-        <p:txBody>
-          <a:bodyPr wrap="square" rtlCol="0">
-            <a:spAutoFit/>
-          </a:bodyPr>
-          <a:lstStyle/>
-          <a:p>
-            <a:r>
-              <a:rPr lang="en-US" altLang="zh-CN" sz="1400" dirty="0" err="1"/>
-              <a:t>Akari</a:t>
-            </a:r>
-            <a:r>
-              <a:rPr lang="en-US" altLang="zh-CN" sz="1400" dirty="0"/>
-              <a:t> </a:t>
-            </a:r>
-            <a:r>
-              <a:rPr lang="en-US" altLang="zh-CN" sz="1400" dirty="0" err="1"/>
-              <a:t>Asai</a:t>
-            </a:r>
-            <a:r>
-              <a:rPr kumimoji="1" lang="en-US" altLang="zh-CN" sz="1400" dirty="0"/>
-              <a:t>., et al.</a:t>
-            </a:r>
-            <a:r>
-              <a:rPr lang="en-US" altLang="zh-CN" sz="1400" dirty="0"/>
-              <a:t> Learning to Retrieve Reasoning Paths over Wikipedia Graph for Question Answering</a:t>
-            </a:r>
-            <a:r>
-              <a:rPr kumimoji="1" lang="en-US" altLang="zh-CN" sz="1400" dirty="0"/>
-              <a:t>.  2020</a:t>
-            </a:r>
-            <a:endParaRPr kumimoji="1" lang="zh-CN" altLang="en-US" sz="1400" dirty="0"/>
           </a:p>
         </p:txBody>
       </p:sp>
@@ -10354,6 +13932,92 @@
   <p:clrMapOvr>
     <a:masterClrMapping/>
   </p:clrMapOvr>
+  <p:timing>
+    <p:tnLst>
+      <p:par>
+        <p:cTn id="1" dur="indefinite" restart="never" nodeType="tmRoot">
+          <p:childTnLst>
+            <p:seq concurrent="1" nextAc="seek">
+              <p:cTn id="2" dur="indefinite" nodeType="mainSeq">
+                <p:childTnLst>
+                  <p:par>
+                    <p:cTn id="3" fill="hold">
+                      <p:stCondLst>
+                        <p:cond delay="indefinite"/>
+                      </p:stCondLst>
+                      <p:childTnLst>
+                        <p:par>
+                          <p:cTn id="4" fill="hold">
+                            <p:stCondLst>
+                              <p:cond delay="0"/>
+                            </p:stCondLst>
+                            <p:childTnLst>
+                              <p:par>
+                                <p:cTn id="5" presetID="5" presetClass="entr" presetSubtype="10" fill="hold" grpId="0" nodeType="clickEffect">
+                                  <p:stCondLst>
+                                    <p:cond delay="0"/>
+                                  </p:stCondLst>
+                                  <p:childTnLst>
+                                    <p:set>
+                                      <p:cBhvr>
+                                        <p:cTn id="6" dur="1" fill="hold">
+                                          <p:stCondLst>
+                                            <p:cond delay="0"/>
+                                          </p:stCondLst>
+                                        </p:cTn>
+                                        <p:tgtEl>
+                                          <p:spTgt spid="5"/>
+                                        </p:tgtEl>
+                                        <p:attrNameLst>
+                                          <p:attrName>style.visibility</p:attrName>
+                                        </p:attrNameLst>
+                                      </p:cBhvr>
+                                      <p:to>
+                                        <p:strVal val="visible"/>
+                                      </p:to>
+                                    </p:set>
+                                    <p:animEffect transition="in" filter="checkerboard(across)">
+                                      <p:cBhvr>
+                                        <p:cTn id="7" dur="500"/>
+                                        <p:tgtEl>
+                                          <p:spTgt spid="5"/>
+                                        </p:tgtEl>
+                                      </p:cBhvr>
+                                    </p:animEffect>
+                                  </p:childTnLst>
+                                </p:cTn>
+                              </p:par>
+                            </p:childTnLst>
+                          </p:cTn>
+                        </p:par>
+                      </p:childTnLst>
+                    </p:cTn>
+                  </p:par>
+                </p:childTnLst>
+              </p:cTn>
+              <p:prevCondLst>
+                <p:cond evt="onPrev" delay="0">
+                  <p:tgtEl>
+                    <p:sldTgt/>
+                  </p:tgtEl>
+                </p:cond>
+              </p:prevCondLst>
+              <p:nextCondLst>
+                <p:cond evt="onNext" delay="0">
+                  <p:tgtEl>
+                    <p:sldTgt/>
+                  </p:tgtEl>
+                </p:cond>
+              </p:nextCondLst>
+            </p:seq>
+          </p:childTnLst>
+        </p:cTn>
+      </p:par>
+    </p:tnLst>
+    <p:bldLst>
+      <p:bldP spid="5" grpId="0"/>
+    </p:bldLst>
+  </p:timing>
 </p:sld>
 </file>
 
@@ -10453,7 +14117,7 @@
           <a:p>
             <a:r>
               <a:rPr kumimoji="1" lang="en-US" altLang="zh-CN" dirty="0"/>
-              <a:t>Two basic question:</a:t>
+              <a:t>Two basic questions:</a:t>
             </a:r>
           </a:p>
           <a:p>
@@ -10502,6 +14166,394 @@
   <p:clrMapOvr>
     <a:masterClrMapping/>
   </p:clrMapOvr>
+  <p:timing>
+    <p:tnLst>
+      <p:par>
+        <p:cTn id="1" dur="indefinite" restart="never" nodeType="tmRoot">
+          <p:childTnLst>
+            <p:seq concurrent="1" nextAc="seek">
+              <p:cTn id="2" dur="indefinite" nodeType="mainSeq">
+                <p:childTnLst>
+                  <p:par>
+                    <p:cTn id="3" fill="hold">
+                      <p:stCondLst>
+                        <p:cond delay="indefinite"/>
+                      </p:stCondLst>
+                      <p:childTnLst>
+                        <p:par>
+                          <p:cTn id="4" fill="hold">
+                            <p:stCondLst>
+                              <p:cond delay="0"/>
+                            </p:stCondLst>
+                            <p:childTnLst>
+                              <p:par>
+                                <p:cTn id="5" presetID="5" presetClass="entr" presetSubtype="10" fill="hold" grpId="0" nodeType="clickEffect">
+                                  <p:stCondLst>
+                                    <p:cond delay="0"/>
+                                  </p:stCondLst>
+                                  <p:childTnLst>
+                                    <p:set>
+                                      <p:cBhvr>
+                                        <p:cTn id="6" dur="1" fill="hold">
+                                          <p:stCondLst>
+                                            <p:cond delay="0"/>
+                                          </p:stCondLst>
+                                        </p:cTn>
+                                        <p:tgtEl>
+                                          <p:spTgt spid="3">
+                                            <p:txEl>
+                                              <p:pRg st="0" end="0"/>
+                                            </p:txEl>
+                                          </p:spTgt>
+                                        </p:tgtEl>
+                                        <p:attrNameLst>
+                                          <p:attrName>style.visibility</p:attrName>
+                                        </p:attrNameLst>
+                                      </p:cBhvr>
+                                      <p:to>
+                                        <p:strVal val="visible"/>
+                                      </p:to>
+                                    </p:set>
+                                    <p:animEffect transition="in" filter="checkerboard(across)">
+                                      <p:cBhvr>
+                                        <p:cTn id="7" dur="500"/>
+                                        <p:tgtEl>
+                                          <p:spTgt spid="3">
+                                            <p:txEl>
+                                              <p:pRg st="0" end="0"/>
+                                            </p:txEl>
+                                          </p:spTgt>
+                                        </p:tgtEl>
+                                      </p:cBhvr>
+                                    </p:animEffect>
+                                  </p:childTnLst>
+                                </p:cTn>
+                              </p:par>
+                            </p:childTnLst>
+                          </p:cTn>
+                        </p:par>
+                      </p:childTnLst>
+                    </p:cTn>
+                  </p:par>
+                  <p:par>
+                    <p:cTn id="8" fill="hold">
+                      <p:stCondLst>
+                        <p:cond delay="indefinite"/>
+                      </p:stCondLst>
+                      <p:childTnLst>
+                        <p:par>
+                          <p:cTn id="9" fill="hold">
+                            <p:stCondLst>
+                              <p:cond delay="0"/>
+                            </p:stCondLst>
+                            <p:childTnLst>
+                              <p:par>
+                                <p:cTn id="10" presetID="5" presetClass="entr" presetSubtype="10" fill="hold" grpId="0" nodeType="clickEffect">
+                                  <p:stCondLst>
+                                    <p:cond delay="0"/>
+                                  </p:stCondLst>
+                                  <p:childTnLst>
+                                    <p:set>
+                                      <p:cBhvr>
+                                        <p:cTn id="11" dur="1" fill="hold">
+                                          <p:stCondLst>
+                                            <p:cond delay="0"/>
+                                          </p:stCondLst>
+                                        </p:cTn>
+                                        <p:tgtEl>
+                                          <p:spTgt spid="3">
+                                            <p:txEl>
+                                              <p:pRg st="1" end="1"/>
+                                            </p:txEl>
+                                          </p:spTgt>
+                                        </p:tgtEl>
+                                        <p:attrNameLst>
+                                          <p:attrName>style.visibility</p:attrName>
+                                        </p:attrNameLst>
+                                      </p:cBhvr>
+                                      <p:to>
+                                        <p:strVal val="visible"/>
+                                      </p:to>
+                                    </p:set>
+                                    <p:animEffect transition="in" filter="checkerboard(across)">
+                                      <p:cBhvr>
+                                        <p:cTn id="12" dur="500"/>
+                                        <p:tgtEl>
+                                          <p:spTgt spid="3">
+                                            <p:txEl>
+                                              <p:pRg st="1" end="1"/>
+                                            </p:txEl>
+                                          </p:spTgt>
+                                        </p:tgtEl>
+                                      </p:cBhvr>
+                                    </p:animEffect>
+                                  </p:childTnLst>
+                                </p:cTn>
+                              </p:par>
+                            </p:childTnLst>
+                          </p:cTn>
+                        </p:par>
+                      </p:childTnLst>
+                    </p:cTn>
+                  </p:par>
+                  <p:par>
+                    <p:cTn id="13" fill="hold">
+                      <p:stCondLst>
+                        <p:cond delay="indefinite"/>
+                      </p:stCondLst>
+                      <p:childTnLst>
+                        <p:par>
+                          <p:cTn id="14" fill="hold">
+                            <p:stCondLst>
+                              <p:cond delay="0"/>
+                            </p:stCondLst>
+                            <p:childTnLst>
+                              <p:par>
+                                <p:cTn id="15" presetID="5" presetClass="entr" presetSubtype="10" fill="hold" grpId="0" nodeType="clickEffect">
+                                  <p:stCondLst>
+                                    <p:cond delay="0"/>
+                                  </p:stCondLst>
+                                  <p:childTnLst>
+                                    <p:set>
+                                      <p:cBhvr>
+                                        <p:cTn id="16" dur="1" fill="hold">
+                                          <p:stCondLst>
+                                            <p:cond delay="0"/>
+                                          </p:stCondLst>
+                                        </p:cTn>
+                                        <p:tgtEl>
+                                          <p:spTgt spid="3">
+                                            <p:txEl>
+                                              <p:pRg st="3" end="3"/>
+                                            </p:txEl>
+                                          </p:spTgt>
+                                        </p:tgtEl>
+                                        <p:attrNameLst>
+                                          <p:attrName>style.visibility</p:attrName>
+                                        </p:attrNameLst>
+                                      </p:cBhvr>
+                                      <p:to>
+                                        <p:strVal val="visible"/>
+                                      </p:to>
+                                    </p:set>
+                                    <p:animEffect transition="in" filter="checkerboard(across)">
+                                      <p:cBhvr>
+                                        <p:cTn id="17" dur="500"/>
+                                        <p:tgtEl>
+                                          <p:spTgt spid="3">
+                                            <p:txEl>
+                                              <p:pRg st="3" end="3"/>
+                                            </p:txEl>
+                                          </p:spTgt>
+                                        </p:tgtEl>
+                                      </p:cBhvr>
+                                    </p:animEffect>
+                                  </p:childTnLst>
+                                </p:cTn>
+                              </p:par>
+                              <p:par>
+                                <p:cTn id="18" presetID="5" presetClass="entr" presetSubtype="10" fill="hold" grpId="0" nodeType="withEffect">
+                                  <p:stCondLst>
+                                    <p:cond delay="0"/>
+                                  </p:stCondLst>
+                                  <p:childTnLst>
+                                    <p:set>
+                                      <p:cBhvr>
+                                        <p:cTn id="19" dur="1" fill="hold">
+                                          <p:stCondLst>
+                                            <p:cond delay="0"/>
+                                          </p:stCondLst>
+                                        </p:cTn>
+                                        <p:tgtEl>
+                                          <p:spTgt spid="3">
+                                            <p:txEl>
+                                              <p:pRg st="4" end="4"/>
+                                            </p:txEl>
+                                          </p:spTgt>
+                                        </p:tgtEl>
+                                        <p:attrNameLst>
+                                          <p:attrName>style.visibility</p:attrName>
+                                        </p:attrNameLst>
+                                      </p:cBhvr>
+                                      <p:to>
+                                        <p:strVal val="visible"/>
+                                      </p:to>
+                                    </p:set>
+                                    <p:animEffect transition="in" filter="checkerboard(across)">
+                                      <p:cBhvr>
+                                        <p:cTn id="20" dur="500"/>
+                                        <p:tgtEl>
+                                          <p:spTgt spid="3">
+                                            <p:txEl>
+                                              <p:pRg st="4" end="4"/>
+                                            </p:txEl>
+                                          </p:spTgt>
+                                        </p:tgtEl>
+                                      </p:cBhvr>
+                                    </p:animEffect>
+                                  </p:childTnLst>
+                                </p:cTn>
+                              </p:par>
+                              <p:par>
+                                <p:cTn id="21" presetID="5" presetClass="entr" presetSubtype="10" fill="hold" grpId="0" nodeType="withEffect">
+                                  <p:stCondLst>
+                                    <p:cond delay="0"/>
+                                  </p:stCondLst>
+                                  <p:childTnLst>
+                                    <p:set>
+                                      <p:cBhvr>
+                                        <p:cTn id="22" dur="1" fill="hold">
+                                          <p:stCondLst>
+                                            <p:cond delay="0"/>
+                                          </p:stCondLst>
+                                        </p:cTn>
+                                        <p:tgtEl>
+                                          <p:spTgt spid="3">
+                                            <p:txEl>
+                                              <p:pRg st="5" end="5"/>
+                                            </p:txEl>
+                                          </p:spTgt>
+                                        </p:tgtEl>
+                                        <p:attrNameLst>
+                                          <p:attrName>style.visibility</p:attrName>
+                                        </p:attrNameLst>
+                                      </p:cBhvr>
+                                      <p:to>
+                                        <p:strVal val="visible"/>
+                                      </p:to>
+                                    </p:set>
+                                    <p:animEffect transition="in" filter="checkerboard(across)">
+                                      <p:cBhvr>
+                                        <p:cTn id="23" dur="500"/>
+                                        <p:tgtEl>
+                                          <p:spTgt spid="3">
+                                            <p:txEl>
+                                              <p:pRg st="5" end="5"/>
+                                            </p:txEl>
+                                          </p:spTgt>
+                                        </p:tgtEl>
+                                      </p:cBhvr>
+                                    </p:animEffect>
+                                  </p:childTnLst>
+                                </p:cTn>
+                              </p:par>
+                              <p:par>
+                                <p:cTn id="24" presetID="5" presetClass="entr" presetSubtype="10" fill="hold" grpId="0" nodeType="withEffect">
+                                  <p:stCondLst>
+                                    <p:cond delay="0"/>
+                                  </p:stCondLst>
+                                  <p:childTnLst>
+                                    <p:set>
+                                      <p:cBhvr>
+                                        <p:cTn id="25" dur="1" fill="hold">
+                                          <p:stCondLst>
+                                            <p:cond delay="0"/>
+                                          </p:stCondLst>
+                                        </p:cTn>
+                                        <p:tgtEl>
+                                          <p:spTgt spid="3">
+                                            <p:txEl>
+                                              <p:pRg st="6" end="6"/>
+                                            </p:txEl>
+                                          </p:spTgt>
+                                        </p:tgtEl>
+                                        <p:attrNameLst>
+                                          <p:attrName>style.visibility</p:attrName>
+                                        </p:attrNameLst>
+                                      </p:cBhvr>
+                                      <p:to>
+                                        <p:strVal val="visible"/>
+                                      </p:to>
+                                    </p:set>
+                                    <p:animEffect transition="in" filter="checkerboard(across)">
+                                      <p:cBhvr>
+                                        <p:cTn id="26" dur="500"/>
+                                        <p:tgtEl>
+                                          <p:spTgt spid="3">
+                                            <p:txEl>
+                                              <p:pRg st="6" end="6"/>
+                                            </p:txEl>
+                                          </p:spTgt>
+                                        </p:tgtEl>
+                                      </p:cBhvr>
+                                    </p:animEffect>
+                                  </p:childTnLst>
+                                </p:cTn>
+                              </p:par>
+                              <p:par>
+                                <p:cTn id="27" presetID="5" presetClass="entr" presetSubtype="10" fill="hold" grpId="0" nodeType="withEffect">
+                                  <p:stCondLst>
+                                    <p:cond delay="0"/>
+                                  </p:stCondLst>
+                                  <p:childTnLst>
+                                    <p:set>
+                                      <p:cBhvr>
+                                        <p:cTn id="28" dur="1" fill="hold">
+                                          <p:stCondLst>
+                                            <p:cond delay="0"/>
+                                          </p:stCondLst>
+                                        </p:cTn>
+                                        <p:tgtEl>
+                                          <p:spTgt spid="3">
+                                            <p:txEl>
+                                              <p:pRg st="7" end="7"/>
+                                            </p:txEl>
+                                          </p:spTgt>
+                                        </p:tgtEl>
+                                        <p:attrNameLst>
+                                          <p:attrName>style.visibility</p:attrName>
+                                        </p:attrNameLst>
+                                      </p:cBhvr>
+                                      <p:to>
+                                        <p:strVal val="visible"/>
+                                      </p:to>
+                                    </p:set>
+                                    <p:animEffect transition="in" filter="checkerboard(across)">
+                                      <p:cBhvr>
+                                        <p:cTn id="29" dur="500"/>
+                                        <p:tgtEl>
+                                          <p:spTgt spid="3">
+                                            <p:txEl>
+                                              <p:pRg st="7" end="7"/>
+                                            </p:txEl>
+                                          </p:spTgt>
+                                        </p:tgtEl>
+                                      </p:cBhvr>
+                                    </p:animEffect>
+                                  </p:childTnLst>
+                                </p:cTn>
+                              </p:par>
+                            </p:childTnLst>
+                          </p:cTn>
+                        </p:par>
+                      </p:childTnLst>
+                    </p:cTn>
+                  </p:par>
+                </p:childTnLst>
+              </p:cTn>
+              <p:prevCondLst>
+                <p:cond evt="onPrev" delay="0">
+                  <p:tgtEl>
+                    <p:sldTgt/>
+                  </p:tgtEl>
+                </p:cond>
+              </p:prevCondLst>
+              <p:nextCondLst>
+                <p:cond evt="onNext" delay="0">
+                  <p:tgtEl>
+                    <p:sldTgt/>
+                  </p:tgtEl>
+                </p:cond>
+              </p:nextCondLst>
+            </p:seq>
+          </p:childTnLst>
+        </p:cTn>
+      </p:par>
+    </p:tnLst>
+    <p:bldLst>
+      <p:bldP spid="3" grpId="0" build="p"/>
+    </p:bldLst>
+  </p:timing>
 </p:sld>
 </file>
 
@@ -10812,6 +14864,422 @@
   <p:clrMapOvr>
     <a:masterClrMapping/>
   </p:clrMapOvr>
+  <p:timing>
+    <p:tnLst>
+      <p:par>
+        <p:cTn id="1" dur="indefinite" restart="never" nodeType="tmRoot">
+          <p:childTnLst>
+            <p:seq concurrent="1" nextAc="seek">
+              <p:cTn id="2" dur="indefinite" nodeType="mainSeq">
+                <p:childTnLst>
+                  <p:par>
+                    <p:cTn id="3" fill="hold">
+                      <p:stCondLst>
+                        <p:cond delay="indefinite"/>
+                      </p:stCondLst>
+                      <p:childTnLst>
+                        <p:par>
+                          <p:cTn id="4" fill="hold">
+                            <p:stCondLst>
+                              <p:cond delay="0"/>
+                            </p:stCondLst>
+                            <p:childTnLst>
+                              <p:par>
+                                <p:cTn id="5" presetID="5" presetClass="entr" presetSubtype="10" fill="hold" grpId="0" nodeType="clickEffect">
+                                  <p:stCondLst>
+                                    <p:cond delay="0"/>
+                                  </p:stCondLst>
+                                  <p:childTnLst>
+                                    <p:set>
+                                      <p:cBhvr>
+                                        <p:cTn id="6" dur="1" fill="hold">
+                                          <p:stCondLst>
+                                            <p:cond delay="0"/>
+                                          </p:stCondLst>
+                                        </p:cTn>
+                                        <p:tgtEl>
+                                          <p:spTgt spid="3">
+                                            <p:txEl>
+                                              <p:pRg st="0" end="0"/>
+                                            </p:txEl>
+                                          </p:spTgt>
+                                        </p:tgtEl>
+                                        <p:attrNameLst>
+                                          <p:attrName>style.visibility</p:attrName>
+                                        </p:attrNameLst>
+                                      </p:cBhvr>
+                                      <p:to>
+                                        <p:strVal val="visible"/>
+                                      </p:to>
+                                    </p:set>
+                                    <p:animEffect transition="in" filter="checkerboard(across)">
+                                      <p:cBhvr>
+                                        <p:cTn id="7" dur="500"/>
+                                        <p:tgtEl>
+                                          <p:spTgt spid="3">
+                                            <p:txEl>
+                                              <p:pRg st="0" end="0"/>
+                                            </p:txEl>
+                                          </p:spTgt>
+                                        </p:tgtEl>
+                                      </p:cBhvr>
+                                    </p:animEffect>
+                                  </p:childTnLst>
+                                </p:cTn>
+                              </p:par>
+                              <p:par>
+                                <p:cTn id="8" presetID="5" presetClass="entr" presetSubtype="10" fill="hold" grpId="0" nodeType="withEffect">
+                                  <p:stCondLst>
+                                    <p:cond delay="0"/>
+                                  </p:stCondLst>
+                                  <p:childTnLst>
+                                    <p:set>
+                                      <p:cBhvr>
+                                        <p:cTn id="9" dur="1" fill="hold">
+                                          <p:stCondLst>
+                                            <p:cond delay="0"/>
+                                          </p:stCondLst>
+                                        </p:cTn>
+                                        <p:tgtEl>
+                                          <p:spTgt spid="3">
+                                            <p:txEl>
+                                              <p:pRg st="1" end="1"/>
+                                            </p:txEl>
+                                          </p:spTgt>
+                                        </p:tgtEl>
+                                        <p:attrNameLst>
+                                          <p:attrName>style.visibility</p:attrName>
+                                        </p:attrNameLst>
+                                      </p:cBhvr>
+                                      <p:to>
+                                        <p:strVal val="visible"/>
+                                      </p:to>
+                                    </p:set>
+                                    <p:animEffect transition="in" filter="checkerboard(across)">
+                                      <p:cBhvr>
+                                        <p:cTn id="10" dur="500"/>
+                                        <p:tgtEl>
+                                          <p:spTgt spid="3">
+                                            <p:txEl>
+                                              <p:pRg st="1" end="1"/>
+                                            </p:txEl>
+                                          </p:spTgt>
+                                        </p:tgtEl>
+                                      </p:cBhvr>
+                                    </p:animEffect>
+                                  </p:childTnLst>
+                                </p:cTn>
+                              </p:par>
+                            </p:childTnLst>
+                          </p:cTn>
+                        </p:par>
+                      </p:childTnLst>
+                    </p:cTn>
+                  </p:par>
+                  <p:par>
+                    <p:cTn id="11" fill="hold">
+                      <p:stCondLst>
+                        <p:cond delay="indefinite"/>
+                      </p:stCondLst>
+                      <p:childTnLst>
+                        <p:par>
+                          <p:cTn id="12" fill="hold">
+                            <p:stCondLst>
+                              <p:cond delay="0"/>
+                            </p:stCondLst>
+                            <p:childTnLst>
+                              <p:par>
+                                <p:cTn id="13" presetID="5" presetClass="entr" presetSubtype="10" fill="hold" nodeType="clickEffect">
+                                  <p:stCondLst>
+                                    <p:cond delay="0"/>
+                                  </p:stCondLst>
+                                  <p:childTnLst>
+                                    <p:set>
+                                      <p:cBhvr>
+                                        <p:cTn id="14" dur="1" fill="hold">
+                                          <p:stCondLst>
+                                            <p:cond delay="0"/>
+                                          </p:stCondLst>
+                                        </p:cTn>
+                                        <p:tgtEl>
+                                          <p:spTgt spid="8"/>
+                                        </p:tgtEl>
+                                        <p:attrNameLst>
+                                          <p:attrName>style.visibility</p:attrName>
+                                        </p:attrNameLst>
+                                      </p:cBhvr>
+                                      <p:to>
+                                        <p:strVal val="visible"/>
+                                      </p:to>
+                                    </p:set>
+                                    <p:animEffect transition="in" filter="checkerboard(across)">
+                                      <p:cBhvr>
+                                        <p:cTn id="15" dur="500"/>
+                                        <p:tgtEl>
+                                          <p:spTgt spid="8"/>
+                                        </p:tgtEl>
+                                      </p:cBhvr>
+                                    </p:animEffect>
+                                  </p:childTnLst>
+                                </p:cTn>
+                              </p:par>
+                              <p:par>
+                                <p:cTn id="16" presetID="5" presetClass="entr" presetSubtype="10" fill="hold" grpId="0" nodeType="withEffect">
+                                  <p:stCondLst>
+                                    <p:cond delay="0"/>
+                                  </p:stCondLst>
+                                  <p:childTnLst>
+                                    <p:set>
+                                      <p:cBhvr>
+                                        <p:cTn id="17" dur="1" fill="hold">
+                                          <p:stCondLst>
+                                            <p:cond delay="0"/>
+                                          </p:stCondLst>
+                                        </p:cTn>
+                                        <p:tgtEl>
+                                          <p:spTgt spid="3">
+                                            <p:txEl>
+                                              <p:pRg st="2" end="2"/>
+                                            </p:txEl>
+                                          </p:spTgt>
+                                        </p:tgtEl>
+                                        <p:attrNameLst>
+                                          <p:attrName>style.visibility</p:attrName>
+                                        </p:attrNameLst>
+                                      </p:cBhvr>
+                                      <p:to>
+                                        <p:strVal val="visible"/>
+                                      </p:to>
+                                    </p:set>
+                                    <p:animEffect transition="in" filter="checkerboard(across)">
+                                      <p:cBhvr>
+                                        <p:cTn id="18" dur="500"/>
+                                        <p:tgtEl>
+                                          <p:spTgt spid="3">
+                                            <p:txEl>
+                                              <p:pRg st="2" end="2"/>
+                                            </p:txEl>
+                                          </p:spTgt>
+                                        </p:tgtEl>
+                                      </p:cBhvr>
+                                    </p:animEffect>
+                                  </p:childTnLst>
+                                </p:cTn>
+                              </p:par>
+                            </p:childTnLst>
+                          </p:cTn>
+                        </p:par>
+                      </p:childTnLst>
+                    </p:cTn>
+                  </p:par>
+                  <p:par>
+                    <p:cTn id="19" fill="hold">
+                      <p:stCondLst>
+                        <p:cond delay="indefinite"/>
+                      </p:stCondLst>
+                      <p:childTnLst>
+                        <p:par>
+                          <p:cTn id="20" fill="hold">
+                            <p:stCondLst>
+                              <p:cond delay="0"/>
+                            </p:stCondLst>
+                            <p:childTnLst>
+                              <p:par>
+                                <p:cTn id="21" presetID="5" presetClass="entr" presetSubtype="10" fill="hold" grpId="0" nodeType="clickEffect">
+                                  <p:stCondLst>
+                                    <p:cond delay="0"/>
+                                  </p:stCondLst>
+                                  <p:childTnLst>
+                                    <p:set>
+                                      <p:cBhvr>
+                                        <p:cTn id="22" dur="1" fill="hold">
+                                          <p:stCondLst>
+                                            <p:cond delay="0"/>
+                                          </p:stCondLst>
+                                        </p:cTn>
+                                        <p:tgtEl>
+                                          <p:spTgt spid="3">
+                                            <p:txEl>
+                                              <p:pRg st="3" end="3"/>
+                                            </p:txEl>
+                                          </p:spTgt>
+                                        </p:tgtEl>
+                                        <p:attrNameLst>
+                                          <p:attrName>style.visibility</p:attrName>
+                                        </p:attrNameLst>
+                                      </p:cBhvr>
+                                      <p:to>
+                                        <p:strVal val="visible"/>
+                                      </p:to>
+                                    </p:set>
+                                    <p:animEffect transition="in" filter="checkerboard(across)">
+                                      <p:cBhvr>
+                                        <p:cTn id="23" dur="500"/>
+                                        <p:tgtEl>
+                                          <p:spTgt spid="3">
+                                            <p:txEl>
+                                              <p:pRg st="3" end="3"/>
+                                            </p:txEl>
+                                          </p:spTgt>
+                                        </p:tgtEl>
+                                      </p:cBhvr>
+                                    </p:animEffect>
+                                  </p:childTnLst>
+                                </p:cTn>
+                              </p:par>
+                            </p:childTnLst>
+                          </p:cTn>
+                        </p:par>
+                      </p:childTnLst>
+                    </p:cTn>
+                  </p:par>
+                  <p:par>
+                    <p:cTn id="24" fill="hold">
+                      <p:stCondLst>
+                        <p:cond delay="indefinite"/>
+                      </p:stCondLst>
+                      <p:childTnLst>
+                        <p:par>
+                          <p:cTn id="25" fill="hold">
+                            <p:stCondLst>
+                              <p:cond delay="0"/>
+                            </p:stCondLst>
+                            <p:childTnLst>
+                              <p:par>
+                                <p:cTn id="26" presetID="5" presetClass="entr" presetSubtype="10" fill="hold" grpId="0" nodeType="clickEffect">
+                                  <p:stCondLst>
+                                    <p:cond delay="0"/>
+                                  </p:stCondLst>
+                                  <p:childTnLst>
+                                    <p:set>
+                                      <p:cBhvr>
+                                        <p:cTn id="27" dur="1" fill="hold">
+                                          <p:stCondLst>
+                                            <p:cond delay="0"/>
+                                          </p:stCondLst>
+                                        </p:cTn>
+                                        <p:tgtEl>
+                                          <p:spTgt spid="3">
+                                            <p:txEl>
+                                              <p:pRg st="4" end="4"/>
+                                            </p:txEl>
+                                          </p:spTgt>
+                                        </p:tgtEl>
+                                        <p:attrNameLst>
+                                          <p:attrName>style.visibility</p:attrName>
+                                        </p:attrNameLst>
+                                      </p:cBhvr>
+                                      <p:to>
+                                        <p:strVal val="visible"/>
+                                      </p:to>
+                                    </p:set>
+                                    <p:animEffect transition="in" filter="checkerboard(across)">
+                                      <p:cBhvr>
+                                        <p:cTn id="28" dur="500"/>
+                                        <p:tgtEl>
+                                          <p:spTgt spid="3">
+                                            <p:txEl>
+                                              <p:pRg st="4" end="4"/>
+                                            </p:txEl>
+                                          </p:spTgt>
+                                        </p:tgtEl>
+                                      </p:cBhvr>
+                                    </p:animEffect>
+                                  </p:childTnLst>
+                                </p:cTn>
+                              </p:par>
+                            </p:childTnLst>
+                          </p:cTn>
+                        </p:par>
+                      </p:childTnLst>
+                    </p:cTn>
+                  </p:par>
+                  <p:par>
+                    <p:cTn id="29" fill="hold">
+                      <p:stCondLst>
+                        <p:cond delay="indefinite"/>
+                      </p:stCondLst>
+                      <p:childTnLst>
+                        <p:par>
+                          <p:cTn id="30" fill="hold">
+                            <p:stCondLst>
+                              <p:cond delay="0"/>
+                            </p:stCondLst>
+                            <p:childTnLst>
+                              <p:par>
+                                <p:cTn id="31" presetID="5" presetClass="entr" presetSubtype="10" fill="hold" grpId="0" nodeType="clickEffect">
+                                  <p:stCondLst>
+                                    <p:cond delay="0"/>
+                                  </p:stCondLst>
+                                  <p:childTnLst>
+                                    <p:set>
+                                      <p:cBhvr>
+                                        <p:cTn id="32" dur="1" fill="hold">
+                                          <p:stCondLst>
+                                            <p:cond delay="0"/>
+                                          </p:stCondLst>
+                                        </p:cTn>
+                                        <p:tgtEl>
+                                          <p:spTgt spid="3">
+                                            <p:txEl>
+                                              <p:pRg st="5" end="5"/>
+                                            </p:txEl>
+                                          </p:spTgt>
+                                        </p:tgtEl>
+                                        <p:attrNameLst>
+                                          <p:attrName>style.visibility</p:attrName>
+                                        </p:attrNameLst>
+                                      </p:cBhvr>
+                                      <p:to>
+                                        <p:strVal val="visible"/>
+                                      </p:to>
+                                    </p:set>
+                                    <p:animEffect transition="in" filter="checkerboard(across)">
+                                      <p:cBhvr>
+                                        <p:cTn id="33" dur="500"/>
+                                        <p:tgtEl>
+                                          <p:spTgt spid="3">
+                                            <p:txEl>
+                                              <p:pRg st="5" end="5"/>
+                                            </p:txEl>
+                                          </p:spTgt>
+                                        </p:tgtEl>
+                                      </p:cBhvr>
+                                    </p:animEffect>
+                                  </p:childTnLst>
+                                </p:cTn>
+                              </p:par>
+                            </p:childTnLst>
+                          </p:cTn>
+                        </p:par>
+                      </p:childTnLst>
+                    </p:cTn>
+                  </p:par>
+                </p:childTnLst>
+              </p:cTn>
+              <p:prevCondLst>
+                <p:cond evt="onPrev" delay="0">
+                  <p:tgtEl>
+                    <p:sldTgt/>
+                  </p:tgtEl>
+                </p:cond>
+              </p:prevCondLst>
+              <p:nextCondLst>
+                <p:cond evt="onNext" delay="0">
+                  <p:tgtEl>
+                    <p:sldTgt/>
+                  </p:tgtEl>
+                </p:cond>
+              </p:nextCondLst>
+            </p:seq>
+          </p:childTnLst>
+        </p:cTn>
+      </p:par>
+    </p:tnLst>
+    <p:bldLst>
+      <p:bldP spid="3" grpId="0" uiExpand="1" build="p"/>
+    </p:bldLst>
+  </p:timing>
 </p:sld>
 </file>
 
@@ -10834,10 +15302,10 @@
       </p:grpSpPr>
       <p:pic>
         <p:nvPicPr>
-          <p:cNvPr id="14" name="图片 13">
+          <p:cNvPr id="9" name="图片 8">
             <a:extLst>
               <a:ext uri="{FF2B5EF4-FFF2-40B4-BE49-F238E27FC236}">
-                <a16:creationId xmlns:a16="http://schemas.microsoft.com/office/drawing/2014/main" id="{E17F85D7-D7DB-584D-A7B5-01A8415F2DEF}"/>
+                <a16:creationId xmlns:a16="http://schemas.microsoft.com/office/drawing/2014/main" id="{CA4BD864-4A24-9949-AFD3-0309FA7F7412}"/>
               </a:ext>
             </a:extLst>
           </p:cNvPr>
@@ -10854,7 +15322,128 @@
         </p:blipFill>
         <p:spPr>
           <a:xfrm>
-            <a:off x="1428920" y="2888287"/>
+            <a:off x="5424616" y="1309913"/>
+            <a:ext cx="6940382" cy="4351338"/>
+          </a:xfrm>
+          <a:prstGeom prst="rect">
+            <a:avLst/>
+          </a:prstGeom>
+        </p:spPr>
+      </p:pic>
+      <p:sp>
+        <p:nvSpPr>
+          <p:cNvPr id="10" name="内容占位符 2">
+            <a:extLst>
+              <a:ext uri="{FF2B5EF4-FFF2-40B4-BE49-F238E27FC236}">
+                <a16:creationId xmlns:a16="http://schemas.microsoft.com/office/drawing/2014/main" id="{C148CF31-A74D-6141-99F7-944F194168BC}"/>
+              </a:ext>
+            </a:extLst>
+          </p:cNvPr>
+          <p:cNvSpPr>
+            <a:spLocks noGrp="1"/>
+          </p:cNvSpPr>
+          <p:nvPr>
+            <p:ph idx="1"/>
+          </p:nvPr>
+        </p:nvSpPr>
+        <p:spPr>
+          <a:xfrm>
+            <a:off x="478324" y="1567398"/>
+            <a:ext cx="5502346" cy="4351338"/>
+          </a:xfrm>
+        </p:spPr>
+        <p:txBody>
+          <a:bodyPr/>
+          <a:lstStyle/>
+          <a:p>
+            <a:r>
+              <a:rPr kumimoji="1" lang="en-US" altLang="zh-CN" sz="2000" dirty="0"/>
+              <a:t>Input</a:t>
+            </a:r>
+            <a:r>
+              <a:rPr kumimoji="1" lang="zh-CN" altLang="en-US" sz="2000" dirty="0"/>
+              <a:t>                                                  </a:t>
+            </a:r>
+            <a:r>
+              <a:rPr kumimoji="1" lang="en-US" altLang="zh-CN" sz="2000" dirty="0"/>
+              <a:t>into </a:t>
+            </a:r>
+            <a:r>
+              <a:rPr kumimoji="1" lang="en-US" altLang="zh-CN" sz="2000" dirty="0" err="1"/>
+              <a:t>bert</a:t>
+            </a:r>
+            <a:endParaRPr kumimoji="1" lang="en-US" altLang="zh-CN" sz="2000" dirty="0"/>
+          </a:p>
+          <a:p>
+            <a:endParaRPr kumimoji="1" lang="en-US" altLang="zh-CN" sz="2000" dirty="0"/>
+          </a:p>
+          <a:p>
+            <a:r>
+              <a:rPr kumimoji="1" lang="en-US" altLang="zh-CN" sz="2000" dirty="0"/>
+              <a:t>Extract the entity span and answer span with pointer vectors</a:t>
+            </a:r>
+          </a:p>
+          <a:p>
+            <a:endParaRPr kumimoji="1" lang="en-US" altLang="zh-CN" sz="2000" dirty="0"/>
+          </a:p>
+          <a:p>
+            <a:endParaRPr kumimoji="1" lang="en-US" altLang="zh-CN" sz="2000" dirty="0"/>
+          </a:p>
+          <a:p>
+            <a:r>
+              <a:rPr kumimoji="1" lang="en-US" altLang="zh-CN" sz="2000" dirty="0"/>
+              <a:t>Extract the semantics representation to initialize the node representation </a:t>
+            </a:r>
+            <a:r>
+              <a:rPr kumimoji="1" lang="en-US" altLang="zh-CN" sz="1800" dirty="0"/>
+              <a:t>(representation of [CLS] in </a:t>
+            </a:r>
+            <a:r>
+              <a:rPr lang="en-US" altLang="zh-CN" sz="1800" dirty="0"/>
+              <a:t>third-to-last layer</a:t>
+            </a:r>
+            <a:r>
+              <a:rPr kumimoji="1" lang="en-US" altLang="zh-CN" sz="1800" dirty="0"/>
+              <a:t>)</a:t>
+            </a:r>
+          </a:p>
+          <a:p>
+            <a:r>
+              <a:rPr kumimoji="1" lang="en-US" altLang="zh-CN" sz="2000" dirty="0"/>
+              <a:t>Update the representation with a a propagation step of GNN</a:t>
+            </a:r>
+          </a:p>
+          <a:p>
+            <a:r>
+              <a:rPr kumimoji="1" lang="en-US" altLang="zh-CN" sz="2000" dirty="0"/>
+              <a:t>FCN layers as the predictor</a:t>
+            </a:r>
+          </a:p>
+        </p:txBody>
+      </p:sp>
+      <p:pic>
+        <p:nvPicPr>
+          <p:cNvPr id="14" name="图片 13">
+            <a:extLst>
+              <a:ext uri="{FF2B5EF4-FFF2-40B4-BE49-F238E27FC236}">
+                <a16:creationId xmlns:a16="http://schemas.microsoft.com/office/drawing/2014/main" id="{E17F85D7-D7DB-584D-A7B5-01A8415F2DEF}"/>
+              </a:ext>
+            </a:extLst>
+          </p:cNvPr>
+          <p:cNvPicPr>
+            <a:picLocks noChangeAspect="1"/>
+          </p:cNvPicPr>
+          <p:nvPr/>
+        </p:nvPicPr>
+        <p:blipFill>
+          <a:blip r:embed="rId3"/>
+          <a:stretch>
+            <a:fillRect/>
+          </a:stretch>
+        </p:blipFill>
+        <p:spPr>
+          <a:xfrm>
+            <a:off x="1428920" y="2949129"/>
             <a:ext cx="2897577" cy="973067"/>
           </a:xfrm>
           <a:prstGeom prst="rect">
@@ -10877,7 +15466,7 @@
           <p:nvPr/>
         </p:nvPicPr>
         <p:blipFill>
-          <a:blip r:embed="rId3"/>
+          <a:blip r:embed="rId4"/>
           <a:stretch>
             <a:fillRect/>
           </a:stretch>
@@ -10984,127 +15573,6 @@
           </a:p>
         </p:txBody>
       </p:sp>
-      <p:pic>
-        <p:nvPicPr>
-          <p:cNvPr id="9" name="图片 8">
-            <a:extLst>
-              <a:ext uri="{FF2B5EF4-FFF2-40B4-BE49-F238E27FC236}">
-                <a16:creationId xmlns:a16="http://schemas.microsoft.com/office/drawing/2014/main" id="{CA4BD864-4A24-9949-AFD3-0309FA7F7412}"/>
-              </a:ext>
-            </a:extLst>
-          </p:cNvPr>
-          <p:cNvPicPr>
-            <a:picLocks noChangeAspect="1"/>
-          </p:cNvPicPr>
-          <p:nvPr/>
-        </p:nvPicPr>
-        <p:blipFill>
-          <a:blip r:embed="rId4"/>
-          <a:stretch>
-            <a:fillRect/>
-          </a:stretch>
-        </p:blipFill>
-        <p:spPr>
-          <a:xfrm>
-            <a:off x="5424616" y="1309913"/>
-            <a:ext cx="6940382" cy="4351338"/>
-          </a:xfrm>
-          <a:prstGeom prst="rect">
-            <a:avLst/>
-          </a:prstGeom>
-        </p:spPr>
-      </p:pic>
-      <p:sp>
-        <p:nvSpPr>
-          <p:cNvPr id="10" name="内容占位符 2">
-            <a:extLst>
-              <a:ext uri="{FF2B5EF4-FFF2-40B4-BE49-F238E27FC236}">
-                <a16:creationId xmlns:a16="http://schemas.microsoft.com/office/drawing/2014/main" id="{C148CF31-A74D-6141-99F7-944F194168BC}"/>
-              </a:ext>
-            </a:extLst>
-          </p:cNvPr>
-          <p:cNvSpPr>
-            <a:spLocks noGrp="1"/>
-          </p:cNvSpPr>
-          <p:nvPr>
-            <p:ph idx="1"/>
-          </p:nvPr>
-        </p:nvSpPr>
-        <p:spPr>
-          <a:xfrm>
-            <a:off x="478324" y="1567398"/>
-            <a:ext cx="5502346" cy="4351338"/>
-          </a:xfrm>
-        </p:spPr>
-        <p:txBody>
-          <a:bodyPr/>
-          <a:lstStyle/>
-          <a:p>
-            <a:r>
-              <a:rPr kumimoji="1" lang="en-US" altLang="zh-CN" sz="2000" dirty="0"/>
-              <a:t>Input</a:t>
-            </a:r>
-            <a:r>
-              <a:rPr kumimoji="1" lang="zh-CN" altLang="en-US" sz="2000" dirty="0"/>
-              <a:t>                                                  </a:t>
-            </a:r>
-            <a:r>
-              <a:rPr kumimoji="1" lang="en-US" altLang="zh-CN" sz="2000" dirty="0"/>
-              <a:t>into </a:t>
-            </a:r>
-            <a:r>
-              <a:rPr kumimoji="1" lang="en-US" altLang="zh-CN" sz="2000" dirty="0" err="1"/>
-              <a:t>bert</a:t>
-            </a:r>
-            <a:endParaRPr kumimoji="1" lang="en-US" altLang="zh-CN" sz="2000" dirty="0"/>
-          </a:p>
-          <a:p>
-            <a:endParaRPr kumimoji="1" lang="en-US" altLang="zh-CN" sz="2000" dirty="0"/>
-          </a:p>
-          <a:p>
-            <a:r>
-              <a:rPr kumimoji="1" lang="en-US" altLang="zh-CN" sz="2000" dirty="0"/>
-              <a:t>Extract the entity span and answer span with pointer vectors</a:t>
-            </a:r>
-          </a:p>
-          <a:p>
-            <a:endParaRPr kumimoji="1" lang="en-US" altLang="zh-CN" sz="2000" dirty="0"/>
-          </a:p>
-          <a:p>
-            <a:endParaRPr kumimoji="1" lang="en-US" altLang="zh-CN" sz="2000" dirty="0"/>
-          </a:p>
-          <a:p>
-            <a:r>
-              <a:rPr kumimoji="1" lang="en-US" altLang="zh-CN" sz="2000" dirty="0"/>
-              <a:t>Extract the semantics representation to initialize the node representation </a:t>
-            </a:r>
-            <a:r>
-              <a:rPr kumimoji="1" lang="en-US" altLang="zh-CN" sz="1800" dirty="0"/>
-              <a:t>(representation of [CLS] in </a:t>
-            </a:r>
-            <a:r>
-              <a:rPr lang="en-US" altLang="zh-CN" sz="1800" dirty="0"/>
-              <a:t>third-to-last layer</a:t>
-            </a:r>
-            <a:r>
-              <a:rPr kumimoji="1" lang="en-US" altLang="zh-CN" sz="1800" dirty="0"/>
-              <a:t>)</a:t>
-            </a:r>
-          </a:p>
-          <a:p>
-            <a:r>
-              <a:rPr kumimoji="1" lang="en-US" altLang="zh-CN" sz="2000" dirty="0"/>
-              <a:t>Update the representation with a a propagation step of GNN</a:t>
-            </a:r>
-          </a:p>
-          <a:p>
-            <a:r>
-              <a:rPr kumimoji="1" lang="en-US" altLang="zh-CN" sz="2000" dirty="0"/>
-              <a:t>FCN layers as the predictor</a:t>
-            </a:r>
-          </a:p>
-        </p:txBody>
-      </p:sp>
     </p:spTree>
     <p:extLst>
       <p:ext uri="{BB962C8B-B14F-4D97-AF65-F5344CB8AC3E}">
@@ -11115,6 +15583,467 @@
   <p:clrMapOvr>
     <a:masterClrMapping/>
   </p:clrMapOvr>
+  <p:timing>
+    <p:tnLst>
+      <p:par>
+        <p:cTn id="1" dur="indefinite" restart="never" nodeType="tmRoot">
+          <p:childTnLst>
+            <p:seq concurrent="1" nextAc="seek">
+              <p:cTn id="2" dur="indefinite" nodeType="mainSeq">
+                <p:childTnLst>
+                  <p:par>
+                    <p:cTn id="3" fill="hold">
+                      <p:stCondLst>
+                        <p:cond delay="indefinite"/>
+                      </p:stCondLst>
+                      <p:childTnLst>
+                        <p:par>
+                          <p:cTn id="4" fill="hold">
+                            <p:stCondLst>
+                              <p:cond delay="0"/>
+                            </p:stCondLst>
+                            <p:childTnLst>
+                              <p:par>
+                                <p:cTn id="5" presetID="5" presetClass="entr" presetSubtype="10" fill="hold" grpId="0" nodeType="clickEffect">
+                                  <p:stCondLst>
+                                    <p:cond delay="0"/>
+                                  </p:stCondLst>
+                                  <p:childTnLst>
+                                    <p:set>
+                                      <p:cBhvr>
+                                        <p:cTn id="6" dur="1" fill="hold">
+                                          <p:stCondLst>
+                                            <p:cond delay="0"/>
+                                          </p:stCondLst>
+                                        </p:cTn>
+                                        <p:tgtEl>
+                                          <p:spTgt spid="10">
+                                            <p:txEl>
+                                              <p:pRg st="0" end="0"/>
+                                            </p:txEl>
+                                          </p:spTgt>
+                                        </p:tgtEl>
+                                        <p:attrNameLst>
+                                          <p:attrName>style.visibility</p:attrName>
+                                        </p:attrNameLst>
+                                      </p:cBhvr>
+                                      <p:to>
+                                        <p:strVal val="visible"/>
+                                      </p:to>
+                                    </p:set>
+                                    <p:animEffect transition="in" filter="checkerboard(across)">
+                                      <p:cBhvr>
+                                        <p:cTn id="7" dur="500"/>
+                                        <p:tgtEl>
+                                          <p:spTgt spid="10">
+                                            <p:txEl>
+                                              <p:pRg st="0" end="0"/>
+                                            </p:txEl>
+                                          </p:spTgt>
+                                        </p:tgtEl>
+                                      </p:cBhvr>
+                                    </p:animEffect>
+                                  </p:childTnLst>
+                                </p:cTn>
+                              </p:par>
+                              <p:par>
+                                <p:cTn id="8" presetID="5" presetClass="entr" presetSubtype="10" fill="hold" nodeType="withEffect">
+                                  <p:stCondLst>
+                                    <p:cond delay="0"/>
+                                  </p:stCondLst>
+                                  <p:childTnLst>
+                                    <p:set>
+                                      <p:cBhvr>
+                                        <p:cTn id="9" dur="1" fill="hold">
+                                          <p:stCondLst>
+                                            <p:cond delay="0"/>
+                                          </p:stCondLst>
+                                        </p:cTn>
+                                        <p:tgtEl>
+                                          <p:spTgt spid="12"/>
+                                        </p:tgtEl>
+                                        <p:attrNameLst>
+                                          <p:attrName>style.visibility</p:attrName>
+                                        </p:attrNameLst>
+                                      </p:cBhvr>
+                                      <p:to>
+                                        <p:strVal val="visible"/>
+                                      </p:to>
+                                    </p:set>
+                                    <p:animEffect transition="in" filter="checkerboard(across)">
+                                      <p:cBhvr>
+                                        <p:cTn id="10" dur="500"/>
+                                        <p:tgtEl>
+                                          <p:spTgt spid="12"/>
+                                        </p:tgtEl>
+                                      </p:cBhvr>
+                                    </p:animEffect>
+                                  </p:childTnLst>
+                                </p:cTn>
+                              </p:par>
+                            </p:childTnLst>
+                          </p:cTn>
+                        </p:par>
+                      </p:childTnLst>
+                    </p:cTn>
+                  </p:par>
+                  <p:par>
+                    <p:cTn id="11" fill="hold">
+                      <p:stCondLst>
+                        <p:cond delay="indefinite"/>
+                      </p:stCondLst>
+                      <p:childTnLst>
+                        <p:par>
+                          <p:cTn id="12" fill="hold">
+                            <p:stCondLst>
+                              <p:cond delay="0"/>
+                            </p:stCondLst>
+                            <p:childTnLst>
+                              <p:par>
+                                <p:cTn id="13" presetID="5" presetClass="entr" presetSubtype="10" fill="hold" nodeType="clickEffect">
+                                  <p:stCondLst>
+                                    <p:cond delay="0"/>
+                                  </p:stCondLst>
+                                  <p:childTnLst>
+                                    <p:set>
+                                      <p:cBhvr>
+                                        <p:cTn id="14" dur="1" fill="hold">
+                                          <p:stCondLst>
+                                            <p:cond delay="0"/>
+                                          </p:stCondLst>
+                                        </p:cTn>
+                                        <p:tgtEl>
+                                          <p:spTgt spid="9"/>
+                                        </p:tgtEl>
+                                        <p:attrNameLst>
+                                          <p:attrName>style.visibility</p:attrName>
+                                        </p:attrNameLst>
+                                      </p:cBhvr>
+                                      <p:to>
+                                        <p:strVal val="visible"/>
+                                      </p:to>
+                                    </p:set>
+                                    <p:animEffect transition="in" filter="checkerboard(across)">
+                                      <p:cBhvr>
+                                        <p:cTn id="15" dur="500"/>
+                                        <p:tgtEl>
+                                          <p:spTgt spid="9"/>
+                                        </p:tgtEl>
+                                      </p:cBhvr>
+                                    </p:animEffect>
+                                  </p:childTnLst>
+                                </p:cTn>
+                              </p:par>
+                            </p:childTnLst>
+                          </p:cTn>
+                        </p:par>
+                      </p:childTnLst>
+                    </p:cTn>
+                  </p:par>
+                  <p:par>
+                    <p:cTn id="16" fill="hold">
+                      <p:stCondLst>
+                        <p:cond delay="indefinite"/>
+                      </p:stCondLst>
+                      <p:childTnLst>
+                        <p:par>
+                          <p:cTn id="17" fill="hold">
+                            <p:stCondLst>
+                              <p:cond delay="0"/>
+                            </p:stCondLst>
+                            <p:childTnLst>
+                              <p:par>
+                                <p:cTn id="18" presetID="5" presetClass="entr" presetSubtype="10" fill="hold" grpId="0" nodeType="clickEffect">
+                                  <p:stCondLst>
+                                    <p:cond delay="0"/>
+                                  </p:stCondLst>
+                                  <p:childTnLst>
+                                    <p:set>
+                                      <p:cBhvr>
+                                        <p:cTn id="19" dur="1" fill="hold">
+                                          <p:stCondLst>
+                                            <p:cond delay="0"/>
+                                          </p:stCondLst>
+                                        </p:cTn>
+                                        <p:tgtEl>
+                                          <p:spTgt spid="10">
+                                            <p:txEl>
+                                              <p:pRg st="2" end="2"/>
+                                            </p:txEl>
+                                          </p:spTgt>
+                                        </p:tgtEl>
+                                        <p:attrNameLst>
+                                          <p:attrName>style.visibility</p:attrName>
+                                        </p:attrNameLst>
+                                      </p:cBhvr>
+                                      <p:to>
+                                        <p:strVal val="visible"/>
+                                      </p:to>
+                                    </p:set>
+                                    <p:animEffect transition="in" filter="checkerboard(across)">
+                                      <p:cBhvr>
+                                        <p:cTn id="20" dur="500"/>
+                                        <p:tgtEl>
+                                          <p:spTgt spid="10">
+                                            <p:txEl>
+                                              <p:pRg st="2" end="2"/>
+                                            </p:txEl>
+                                          </p:spTgt>
+                                        </p:tgtEl>
+                                      </p:cBhvr>
+                                    </p:animEffect>
+                                  </p:childTnLst>
+                                </p:cTn>
+                              </p:par>
+                              <p:par>
+                                <p:cTn id="21" presetID="5" presetClass="entr" presetSubtype="10" fill="hold" nodeType="withEffect">
+                                  <p:stCondLst>
+                                    <p:cond delay="0"/>
+                                  </p:stCondLst>
+                                  <p:childTnLst>
+                                    <p:set>
+                                      <p:cBhvr>
+                                        <p:cTn id="22" dur="1" fill="hold">
+                                          <p:stCondLst>
+                                            <p:cond delay="0"/>
+                                          </p:stCondLst>
+                                        </p:cTn>
+                                        <p:tgtEl>
+                                          <p:spTgt spid="14"/>
+                                        </p:tgtEl>
+                                        <p:attrNameLst>
+                                          <p:attrName>style.visibility</p:attrName>
+                                        </p:attrNameLst>
+                                      </p:cBhvr>
+                                      <p:to>
+                                        <p:strVal val="visible"/>
+                                      </p:to>
+                                    </p:set>
+                                    <p:animEffect transition="in" filter="checkerboard(across)">
+                                      <p:cBhvr>
+                                        <p:cTn id="23" dur="500"/>
+                                        <p:tgtEl>
+                                          <p:spTgt spid="14"/>
+                                        </p:tgtEl>
+                                      </p:cBhvr>
+                                    </p:animEffect>
+                                  </p:childTnLst>
+                                </p:cTn>
+                              </p:par>
+                            </p:childTnLst>
+                          </p:cTn>
+                        </p:par>
+                      </p:childTnLst>
+                    </p:cTn>
+                  </p:par>
+                  <p:par>
+                    <p:cTn id="24" fill="hold">
+                      <p:stCondLst>
+                        <p:cond delay="indefinite"/>
+                      </p:stCondLst>
+                      <p:childTnLst>
+                        <p:par>
+                          <p:cTn id="25" fill="hold">
+                            <p:stCondLst>
+                              <p:cond delay="0"/>
+                            </p:stCondLst>
+                            <p:childTnLst>
+                              <p:par>
+                                <p:cTn id="26" presetID="5" presetClass="entr" presetSubtype="10" fill="hold" grpId="0" nodeType="clickEffect">
+                                  <p:stCondLst>
+                                    <p:cond delay="0"/>
+                                  </p:stCondLst>
+                                  <p:childTnLst>
+                                    <p:set>
+                                      <p:cBhvr>
+                                        <p:cTn id="27" dur="1" fill="hold">
+                                          <p:stCondLst>
+                                            <p:cond delay="0"/>
+                                          </p:stCondLst>
+                                        </p:cTn>
+                                        <p:tgtEl>
+                                          <p:spTgt spid="10">
+                                            <p:txEl>
+                                              <p:pRg st="5" end="5"/>
+                                            </p:txEl>
+                                          </p:spTgt>
+                                        </p:tgtEl>
+                                        <p:attrNameLst>
+                                          <p:attrName>style.visibility</p:attrName>
+                                        </p:attrNameLst>
+                                      </p:cBhvr>
+                                      <p:to>
+                                        <p:strVal val="visible"/>
+                                      </p:to>
+                                    </p:set>
+                                    <p:animEffect transition="in" filter="checkerboard(across)">
+                                      <p:cBhvr>
+                                        <p:cTn id="28" dur="500"/>
+                                        <p:tgtEl>
+                                          <p:spTgt spid="10">
+                                            <p:txEl>
+                                              <p:pRg st="5" end="5"/>
+                                            </p:txEl>
+                                          </p:spTgt>
+                                        </p:tgtEl>
+                                      </p:cBhvr>
+                                    </p:animEffect>
+                                  </p:childTnLst>
+                                </p:cTn>
+                              </p:par>
+                            </p:childTnLst>
+                          </p:cTn>
+                        </p:par>
+                      </p:childTnLst>
+                    </p:cTn>
+                  </p:par>
+                  <p:par>
+                    <p:cTn id="29" fill="hold">
+                      <p:stCondLst>
+                        <p:cond delay="indefinite"/>
+                      </p:stCondLst>
+                      <p:childTnLst>
+                        <p:par>
+                          <p:cTn id="30" fill="hold">
+                            <p:stCondLst>
+                              <p:cond delay="0"/>
+                            </p:stCondLst>
+                            <p:childTnLst>
+                              <p:par>
+                                <p:cTn id="31" presetID="5" presetClass="entr" presetSubtype="10" fill="hold" grpId="0" nodeType="clickEffect">
+                                  <p:stCondLst>
+                                    <p:cond delay="0"/>
+                                  </p:stCondLst>
+                                  <p:childTnLst>
+                                    <p:set>
+                                      <p:cBhvr>
+                                        <p:cTn id="32" dur="1" fill="hold">
+                                          <p:stCondLst>
+                                            <p:cond delay="0"/>
+                                          </p:stCondLst>
+                                        </p:cTn>
+                                        <p:tgtEl>
+                                          <p:spTgt spid="10">
+                                            <p:txEl>
+                                              <p:pRg st="6" end="6"/>
+                                            </p:txEl>
+                                          </p:spTgt>
+                                        </p:tgtEl>
+                                        <p:attrNameLst>
+                                          <p:attrName>style.visibility</p:attrName>
+                                        </p:attrNameLst>
+                                      </p:cBhvr>
+                                      <p:to>
+                                        <p:strVal val="visible"/>
+                                      </p:to>
+                                    </p:set>
+                                    <p:animEffect transition="in" filter="checkerboard(across)">
+                                      <p:cBhvr>
+                                        <p:cTn id="33" dur="500"/>
+                                        <p:tgtEl>
+                                          <p:spTgt spid="10">
+                                            <p:txEl>
+                                              <p:pRg st="6" end="6"/>
+                                            </p:txEl>
+                                          </p:spTgt>
+                                        </p:tgtEl>
+                                      </p:cBhvr>
+                                    </p:animEffect>
+                                  </p:childTnLst>
+                                </p:cTn>
+                              </p:par>
+                            </p:childTnLst>
+                          </p:cTn>
+                        </p:par>
+                      </p:childTnLst>
+                    </p:cTn>
+                  </p:par>
+                  <p:par>
+                    <p:cTn id="34" fill="hold">
+                      <p:stCondLst>
+                        <p:cond delay="indefinite"/>
+                      </p:stCondLst>
+                      <p:childTnLst>
+                        <p:par>
+                          <p:cTn id="35" fill="hold">
+                            <p:stCondLst>
+                              <p:cond delay="0"/>
+                            </p:stCondLst>
+                            <p:childTnLst>
+                              <p:par>
+                                <p:cTn id="36" presetID="5" presetClass="entr" presetSubtype="10" fill="hold" grpId="0" nodeType="clickEffect">
+                                  <p:stCondLst>
+                                    <p:cond delay="0"/>
+                                  </p:stCondLst>
+                                  <p:childTnLst>
+                                    <p:set>
+                                      <p:cBhvr>
+                                        <p:cTn id="37" dur="1" fill="hold">
+                                          <p:stCondLst>
+                                            <p:cond delay="0"/>
+                                          </p:stCondLst>
+                                        </p:cTn>
+                                        <p:tgtEl>
+                                          <p:spTgt spid="10">
+                                            <p:txEl>
+                                              <p:pRg st="7" end="7"/>
+                                            </p:txEl>
+                                          </p:spTgt>
+                                        </p:tgtEl>
+                                        <p:attrNameLst>
+                                          <p:attrName>style.visibility</p:attrName>
+                                        </p:attrNameLst>
+                                      </p:cBhvr>
+                                      <p:to>
+                                        <p:strVal val="visible"/>
+                                      </p:to>
+                                    </p:set>
+                                    <p:animEffect transition="in" filter="checkerboard(across)">
+                                      <p:cBhvr>
+                                        <p:cTn id="38" dur="500"/>
+                                        <p:tgtEl>
+                                          <p:spTgt spid="10">
+                                            <p:txEl>
+                                              <p:pRg st="7" end="7"/>
+                                            </p:txEl>
+                                          </p:spTgt>
+                                        </p:tgtEl>
+                                      </p:cBhvr>
+                                    </p:animEffect>
+                                  </p:childTnLst>
+                                </p:cTn>
+                              </p:par>
+                            </p:childTnLst>
+                          </p:cTn>
+                        </p:par>
+                      </p:childTnLst>
+                    </p:cTn>
+                  </p:par>
+                </p:childTnLst>
+              </p:cTn>
+              <p:prevCondLst>
+                <p:cond evt="onPrev" delay="0">
+                  <p:tgtEl>
+                    <p:sldTgt/>
+                  </p:tgtEl>
+                </p:cond>
+              </p:prevCondLst>
+              <p:nextCondLst>
+                <p:cond evt="onNext" delay="0">
+                  <p:tgtEl>
+                    <p:sldTgt/>
+                  </p:tgtEl>
+                </p:cond>
+              </p:nextCondLst>
+            </p:seq>
+          </p:childTnLst>
+        </p:cTn>
+      </p:par>
+    </p:tnLst>
+    <p:bldLst>
+      <p:bldP spid="10" grpId="0" uiExpand="1" build="p"/>
+    </p:bldLst>
+  </p:timing>
 </p:sld>
 </file>
 
@@ -11401,6 +16330,309 @@
   <p:clrMapOvr>
     <a:masterClrMapping/>
   </p:clrMapOvr>
+  <p:timing>
+    <p:tnLst>
+      <p:par>
+        <p:cTn id="1" dur="indefinite" restart="never" nodeType="tmRoot">
+          <p:childTnLst>
+            <p:seq concurrent="1" nextAc="seek">
+              <p:cTn id="2" dur="indefinite" nodeType="mainSeq">
+                <p:childTnLst>
+                  <p:par>
+                    <p:cTn id="3" fill="hold">
+                      <p:stCondLst>
+                        <p:cond delay="indefinite"/>
+                      </p:stCondLst>
+                      <p:childTnLst>
+                        <p:par>
+                          <p:cTn id="4" fill="hold">
+                            <p:stCondLst>
+                              <p:cond delay="0"/>
+                            </p:stCondLst>
+                            <p:childTnLst>
+                              <p:par>
+                                <p:cTn id="5" presetID="5" presetClass="entr" presetSubtype="10" fill="hold" grpId="0" nodeType="clickEffect">
+                                  <p:stCondLst>
+                                    <p:cond delay="0"/>
+                                  </p:stCondLst>
+                                  <p:childTnLst>
+                                    <p:set>
+                                      <p:cBhvr>
+                                        <p:cTn id="6" dur="1" fill="hold">
+                                          <p:stCondLst>
+                                            <p:cond delay="0"/>
+                                          </p:stCondLst>
+                                        </p:cTn>
+                                        <p:tgtEl>
+                                          <p:spTgt spid="10">
+                                            <p:txEl>
+                                              <p:pRg st="0" end="0"/>
+                                            </p:txEl>
+                                          </p:spTgt>
+                                        </p:tgtEl>
+                                        <p:attrNameLst>
+                                          <p:attrName>style.visibility</p:attrName>
+                                        </p:attrNameLst>
+                                      </p:cBhvr>
+                                      <p:to>
+                                        <p:strVal val="visible"/>
+                                      </p:to>
+                                    </p:set>
+                                    <p:animEffect transition="in" filter="checkerboard(across)">
+                                      <p:cBhvr>
+                                        <p:cTn id="7" dur="500"/>
+                                        <p:tgtEl>
+                                          <p:spTgt spid="10">
+                                            <p:txEl>
+                                              <p:pRg st="0" end="0"/>
+                                            </p:txEl>
+                                          </p:spTgt>
+                                        </p:tgtEl>
+                                      </p:cBhvr>
+                                    </p:animEffect>
+                                  </p:childTnLst>
+                                </p:cTn>
+                              </p:par>
+                              <p:par>
+                                <p:cTn id="8" presetID="5" presetClass="entr" presetSubtype="10" fill="hold" nodeType="withEffect">
+                                  <p:stCondLst>
+                                    <p:cond delay="0"/>
+                                  </p:stCondLst>
+                                  <p:childTnLst>
+                                    <p:set>
+                                      <p:cBhvr>
+                                        <p:cTn id="9" dur="1" fill="hold">
+                                          <p:stCondLst>
+                                            <p:cond delay="0"/>
+                                          </p:stCondLst>
+                                        </p:cTn>
+                                        <p:tgtEl>
+                                          <p:spTgt spid="5"/>
+                                        </p:tgtEl>
+                                        <p:attrNameLst>
+                                          <p:attrName>style.visibility</p:attrName>
+                                        </p:attrNameLst>
+                                      </p:cBhvr>
+                                      <p:to>
+                                        <p:strVal val="visible"/>
+                                      </p:to>
+                                    </p:set>
+                                    <p:animEffect transition="in" filter="checkerboard(across)">
+                                      <p:cBhvr>
+                                        <p:cTn id="10" dur="500"/>
+                                        <p:tgtEl>
+                                          <p:spTgt spid="5"/>
+                                        </p:tgtEl>
+                                      </p:cBhvr>
+                                    </p:animEffect>
+                                  </p:childTnLst>
+                                </p:cTn>
+                              </p:par>
+                              <p:par>
+                                <p:cTn id="11" presetID="5" presetClass="entr" presetSubtype="10" fill="hold" nodeType="withEffect">
+                                  <p:stCondLst>
+                                    <p:cond delay="0"/>
+                                  </p:stCondLst>
+                                  <p:childTnLst>
+                                    <p:set>
+                                      <p:cBhvr>
+                                        <p:cTn id="12" dur="1" fill="hold">
+                                          <p:stCondLst>
+                                            <p:cond delay="0"/>
+                                          </p:stCondLst>
+                                        </p:cTn>
+                                        <p:tgtEl>
+                                          <p:spTgt spid="11"/>
+                                        </p:tgtEl>
+                                        <p:attrNameLst>
+                                          <p:attrName>style.visibility</p:attrName>
+                                        </p:attrNameLst>
+                                      </p:cBhvr>
+                                      <p:to>
+                                        <p:strVal val="visible"/>
+                                      </p:to>
+                                    </p:set>
+                                    <p:animEffect transition="in" filter="checkerboard(across)">
+                                      <p:cBhvr>
+                                        <p:cTn id="13" dur="500"/>
+                                        <p:tgtEl>
+                                          <p:spTgt spid="11"/>
+                                        </p:tgtEl>
+                                      </p:cBhvr>
+                                    </p:animEffect>
+                                  </p:childTnLst>
+                                </p:cTn>
+                              </p:par>
+                              <p:par>
+                                <p:cTn id="14" presetID="5" presetClass="entr" presetSubtype="10" fill="hold" grpId="0" nodeType="withEffect">
+                                  <p:stCondLst>
+                                    <p:cond delay="0"/>
+                                  </p:stCondLst>
+                                  <p:childTnLst>
+                                    <p:set>
+                                      <p:cBhvr>
+                                        <p:cTn id="15" dur="1" fill="hold">
+                                          <p:stCondLst>
+                                            <p:cond delay="0"/>
+                                          </p:stCondLst>
+                                        </p:cTn>
+                                        <p:tgtEl>
+                                          <p:spTgt spid="10">
+                                            <p:txEl>
+                                              <p:pRg st="1" end="1"/>
+                                            </p:txEl>
+                                          </p:spTgt>
+                                        </p:tgtEl>
+                                        <p:attrNameLst>
+                                          <p:attrName>style.visibility</p:attrName>
+                                        </p:attrNameLst>
+                                      </p:cBhvr>
+                                      <p:to>
+                                        <p:strVal val="visible"/>
+                                      </p:to>
+                                    </p:set>
+                                    <p:animEffect transition="in" filter="checkerboard(across)">
+                                      <p:cBhvr>
+                                        <p:cTn id="16" dur="500"/>
+                                        <p:tgtEl>
+                                          <p:spTgt spid="10">
+                                            <p:txEl>
+                                              <p:pRg st="1" end="1"/>
+                                            </p:txEl>
+                                          </p:spTgt>
+                                        </p:tgtEl>
+                                      </p:cBhvr>
+                                    </p:animEffect>
+                                  </p:childTnLst>
+                                </p:cTn>
+                              </p:par>
+                            </p:childTnLst>
+                          </p:cTn>
+                        </p:par>
+                      </p:childTnLst>
+                    </p:cTn>
+                  </p:par>
+                  <p:par>
+                    <p:cTn id="17" fill="hold">
+                      <p:stCondLst>
+                        <p:cond delay="indefinite"/>
+                      </p:stCondLst>
+                      <p:childTnLst>
+                        <p:par>
+                          <p:cTn id="18" fill="hold">
+                            <p:stCondLst>
+                              <p:cond delay="0"/>
+                            </p:stCondLst>
+                            <p:childTnLst>
+                              <p:par>
+                                <p:cTn id="19" presetID="5" presetClass="entr" presetSubtype="10" fill="hold" grpId="0" nodeType="clickEffect">
+                                  <p:stCondLst>
+                                    <p:cond delay="0"/>
+                                  </p:stCondLst>
+                                  <p:childTnLst>
+                                    <p:set>
+                                      <p:cBhvr>
+                                        <p:cTn id="20" dur="1" fill="hold">
+                                          <p:stCondLst>
+                                            <p:cond delay="0"/>
+                                          </p:stCondLst>
+                                        </p:cTn>
+                                        <p:tgtEl>
+                                          <p:spTgt spid="10">
+                                            <p:txEl>
+                                              <p:pRg st="6" end="6"/>
+                                            </p:txEl>
+                                          </p:spTgt>
+                                        </p:tgtEl>
+                                        <p:attrNameLst>
+                                          <p:attrName>style.visibility</p:attrName>
+                                        </p:attrNameLst>
+                                      </p:cBhvr>
+                                      <p:to>
+                                        <p:strVal val="visible"/>
+                                      </p:to>
+                                    </p:set>
+                                    <p:animEffect transition="in" filter="checkerboard(across)">
+                                      <p:cBhvr>
+                                        <p:cTn id="21" dur="500"/>
+                                        <p:tgtEl>
+                                          <p:spTgt spid="10">
+                                            <p:txEl>
+                                              <p:pRg st="6" end="6"/>
+                                            </p:txEl>
+                                          </p:spTgt>
+                                        </p:tgtEl>
+                                      </p:cBhvr>
+                                    </p:animEffect>
+                                  </p:childTnLst>
+                                </p:cTn>
+                              </p:par>
+                              <p:par>
+                                <p:cTn id="22" presetID="5" presetClass="entr" presetSubtype="10" fill="hold" nodeType="withEffect">
+                                  <p:stCondLst>
+                                    <p:cond delay="0"/>
+                                  </p:stCondLst>
+                                  <p:childTnLst>
+                                    <p:set>
+                                      <p:cBhvr>
+                                        <p:cTn id="23" dur="1" fill="hold">
+                                          <p:stCondLst>
+                                            <p:cond delay="0"/>
+                                          </p:stCondLst>
+                                        </p:cTn>
+                                        <p:tgtEl>
+                                          <p:spTgt spid="15"/>
+                                        </p:tgtEl>
+                                        <p:attrNameLst>
+                                          <p:attrName>style.visibility</p:attrName>
+                                        </p:attrNameLst>
+                                      </p:cBhvr>
+                                      <p:to>
+                                        <p:strVal val="visible"/>
+                                      </p:to>
+                                    </p:set>
+                                    <p:animEffect transition="in" filter="checkerboard(across)">
+                                      <p:cBhvr>
+                                        <p:cTn id="24" dur="500"/>
+                                        <p:tgtEl>
+                                          <p:spTgt spid="15"/>
+                                        </p:tgtEl>
+                                      </p:cBhvr>
+                                    </p:animEffect>
+                                  </p:childTnLst>
+                                </p:cTn>
+                              </p:par>
+                            </p:childTnLst>
+                          </p:cTn>
+                        </p:par>
+                      </p:childTnLst>
+                    </p:cTn>
+                  </p:par>
+                </p:childTnLst>
+              </p:cTn>
+              <p:prevCondLst>
+                <p:cond evt="onPrev" delay="0">
+                  <p:tgtEl>
+                    <p:sldTgt/>
+                  </p:tgtEl>
+                </p:cond>
+              </p:prevCondLst>
+              <p:nextCondLst>
+                <p:cond evt="onNext" delay="0">
+                  <p:tgtEl>
+                    <p:sldTgt/>
+                  </p:tgtEl>
+                </p:cond>
+              </p:nextCondLst>
+            </p:seq>
+          </p:childTnLst>
+        </p:cTn>
+      </p:par>
+    </p:tnLst>
+    <p:bldLst>
+      <p:bldP spid="10" grpId="0" uiExpand="1" build="p"/>
+    </p:bldLst>
+  </p:timing>
 </p:sld>
 </file>
 
@@ -11643,6 +16875,206 @@
   <p:clrMapOvr>
     <a:masterClrMapping/>
   </p:clrMapOvr>
+  <p:timing>
+    <p:tnLst>
+      <p:par>
+        <p:cTn id="1" dur="indefinite" restart="never" nodeType="tmRoot">
+          <p:childTnLst>
+            <p:seq concurrent="1" nextAc="seek">
+              <p:cTn id="2" dur="indefinite" nodeType="mainSeq">
+                <p:childTnLst>
+                  <p:par>
+                    <p:cTn id="3" fill="hold">
+                      <p:stCondLst>
+                        <p:cond delay="indefinite"/>
+                      </p:stCondLst>
+                      <p:childTnLst>
+                        <p:par>
+                          <p:cTn id="4" fill="hold">
+                            <p:stCondLst>
+                              <p:cond delay="0"/>
+                            </p:stCondLst>
+                            <p:childTnLst>
+                              <p:par>
+                                <p:cTn id="5" presetID="5" presetClass="entr" presetSubtype="10" fill="hold" grpId="0" nodeType="clickEffect">
+                                  <p:stCondLst>
+                                    <p:cond delay="0"/>
+                                  </p:stCondLst>
+                                  <p:childTnLst>
+                                    <p:set>
+                                      <p:cBhvr>
+                                        <p:cTn id="6" dur="1" fill="hold">
+                                          <p:stCondLst>
+                                            <p:cond delay="0"/>
+                                          </p:stCondLst>
+                                        </p:cTn>
+                                        <p:tgtEl>
+                                          <p:spTgt spid="3">
+                                            <p:txEl>
+                                              <p:pRg st="0" end="0"/>
+                                            </p:txEl>
+                                          </p:spTgt>
+                                        </p:tgtEl>
+                                        <p:attrNameLst>
+                                          <p:attrName>style.visibility</p:attrName>
+                                        </p:attrNameLst>
+                                      </p:cBhvr>
+                                      <p:to>
+                                        <p:strVal val="visible"/>
+                                      </p:to>
+                                    </p:set>
+                                    <p:animEffect transition="in" filter="checkerboard(across)">
+                                      <p:cBhvr>
+                                        <p:cTn id="7" dur="500"/>
+                                        <p:tgtEl>
+                                          <p:spTgt spid="3">
+                                            <p:txEl>
+                                              <p:pRg st="0" end="0"/>
+                                            </p:txEl>
+                                          </p:spTgt>
+                                        </p:tgtEl>
+                                      </p:cBhvr>
+                                    </p:animEffect>
+                                  </p:childTnLst>
+                                </p:cTn>
+                              </p:par>
+                            </p:childTnLst>
+                          </p:cTn>
+                        </p:par>
+                      </p:childTnLst>
+                    </p:cTn>
+                  </p:par>
+                  <p:par>
+                    <p:cTn id="8" fill="hold">
+                      <p:stCondLst>
+                        <p:cond delay="indefinite"/>
+                      </p:stCondLst>
+                      <p:childTnLst>
+                        <p:par>
+                          <p:cTn id="9" fill="hold">
+                            <p:stCondLst>
+                              <p:cond delay="0"/>
+                            </p:stCondLst>
+                            <p:childTnLst>
+                              <p:par>
+                                <p:cTn id="10" presetID="5" presetClass="entr" presetSubtype="10" fill="hold" nodeType="clickEffect">
+                                  <p:stCondLst>
+                                    <p:cond delay="0"/>
+                                  </p:stCondLst>
+                                  <p:childTnLst>
+                                    <p:set>
+                                      <p:cBhvr>
+                                        <p:cTn id="11" dur="1" fill="hold">
+                                          <p:stCondLst>
+                                            <p:cond delay="0"/>
+                                          </p:stCondLst>
+                                        </p:cTn>
+                                        <p:tgtEl>
+                                          <p:spTgt spid="7"/>
+                                        </p:tgtEl>
+                                        <p:attrNameLst>
+                                          <p:attrName>style.visibility</p:attrName>
+                                        </p:attrNameLst>
+                                      </p:cBhvr>
+                                      <p:to>
+                                        <p:strVal val="visible"/>
+                                      </p:to>
+                                    </p:set>
+                                    <p:animEffect transition="in" filter="checkerboard(across)">
+                                      <p:cBhvr>
+                                        <p:cTn id="12" dur="500"/>
+                                        <p:tgtEl>
+                                          <p:spTgt spid="7"/>
+                                        </p:tgtEl>
+                                      </p:cBhvr>
+                                    </p:animEffect>
+                                  </p:childTnLst>
+                                </p:cTn>
+                              </p:par>
+                            </p:childTnLst>
+                          </p:cTn>
+                        </p:par>
+                      </p:childTnLst>
+                    </p:cTn>
+                  </p:par>
+                  <p:par>
+                    <p:cTn id="13" fill="hold">
+                      <p:stCondLst>
+                        <p:cond delay="indefinite"/>
+                      </p:stCondLst>
+                      <p:childTnLst>
+                        <p:par>
+                          <p:cTn id="14" fill="hold">
+                            <p:stCondLst>
+                              <p:cond delay="0"/>
+                            </p:stCondLst>
+                            <p:childTnLst>
+                              <p:par>
+                                <p:cTn id="15" presetID="5" presetClass="entr" presetSubtype="10" fill="hold" nodeType="clickEffect">
+                                  <p:stCondLst>
+                                    <p:cond delay="0"/>
+                                  </p:stCondLst>
+                                  <p:childTnLst>
+                                    <p:set>
+                                      <p:cBhvr>
+                                        <p:cTn id="16" dur="1" fill="hold">
+                                          <p:stCondLst>
+                                            <p:cond delay="0"/>
+                                          </p:stCondLst>
+                                        </p:cTn>
+                                        <p:tgtEl>
+                                          <p:spTgt spid="5"/>
+                                        </p:tgtEl>
+                                        <p:attrNameLst>
+                                          <p:attrName>style.visibility</p:attrName>
+                                        </p:attrNameLst>
+                                      </p:cBhvr>
+                                      <p:to>
+                                        <p:strVal val="visible"/>
+                                      </p:to>
+                                    </p:set>
+                                    <p:animEffect transition="in" filter="checkerboard(across)">
+                                      <p:cBhvr>
+                                        <p:cTn id="17" dur="500"/>
+                                        <p:tgtEl>
+                                          <p:spTgt spid="5"/>
+                                        </p:tgtEl>
+                                      </p:cBhvr>
+                                    </p:animEffect>
+                                  </p:childTnLst>
+                                </p:cTn>
+                              </p:par>
+                            </p:childTnLst>
+                          </p:cTn>
+                        </p:par>
+                      </p:childTnLst>
+                    </p:cTn>
+                  </p:par>
+                </p:childTnLst>
+              </p:cTn>
+              <p:prevCondLst>
+                <p:cond evt="onPrev" delay="0">
+                  <p:tgtEl>
+                    <p:sldTgt/>
+                  </p:tgtEl>
+                </p:cond>
+              </p:prevCondLst>
+              <p:nextCondLst>
+                <p:cond evt="onNext" delay="0">
+                  <p:tgtEl>
+                    <p:sldTgt/>
+                  </p:tgtEl>
+                </p:cond>
+              </p:nextCondLst>
+            </p:seq>
+          </p:childTnLst>
+        </p:cTn>
+      </p:par>
+    </p:tnLst>
+    <p:bldLst>
+      <p:bldP spid="3" grpId="0" build="p"/>
+    </p:bldLst>
+  </p:timing>
 </p:sld>
 </file>
 
